--- a/Acorn_diagrams.pptx
+++ b/Acorn_diagrams.pptx
@@ -5,7 +5,7 @@
     <p:sldMasterId id="2147483648" r:id="rId1"/>
   </p:sldMasterIdLst>
   <p:sldIdLst>
-    <p:sldId id="256" r:id="rId2"/>
+    <p:sldId id="261" r:id="rId2"/>
     <p:sldId id="257" r:id="rId3"/>
     <p:sldId id="258" r:id="rId4"/>
     <p:sldId id="259" r:id="rId5"/>
@@ -2975,14 +2975,14 @@
       </p:grpSpPr>
       <p:sp>
         <p:nvSpPr>
-          <p:cNvPr id="4" name="Rounded Rectangle 3"/>
+          <p:cNvPr id="6" name="Rounded Rectangle 5"/>
           <p:cNvSpPr/>
           <p:nvPr/>
         </p:nvSpPr>
         <p:spPr>
           <a:xfrm>
-            <a:off x="3357159" y="1776546"/>
-            <a:ext cx="2569028" cy="1898468"/>
+            <a:off x="663229" y="4907917"/>
+            <a:ext cx="1794005" cy="1420827"/>
           </a:xfrm>
           <a:prstGeom prst="roundRect">
             <a:avLst/>
@@ -3016,28 +3016,100 @@
             <a:pPr algn="ctr"/>
             <a:r>
               <a:rPr lang="en-US" sz="1801" dirty="0"/>
-              <a:t>Graph Specification</a:t>
-            </a:r>
-          </a:p>
-          <a:p>
-            <a:pPr algn="ctr"/>
-            <a:r>
-              <a:rPr lang="en-US" sz="1801" dirty="0"/>
-              <a:t>(data source independent)</a:t>
-            </a:r>
-          </a:p>
-        </p:txBody>
-      </p:sp>
-      <p:sp>
-        <p:nvSpPr>
-          <p:cNvPr id="7" name="Rounded Rectangle 6"/>
+              <a:t>Transformation Instruction </a:t>
+            </a:r>
+            <a:r>
+              <a:rPr lang="en-US" sz="1801" dirty="0" smtClean="0"/>
+              <a:t>Set</a:t>
+            </a:r>
+            <a:endParaRPr lang="en-US" sz="1801" dirty="0"/>
+          </a:p>
+        </p:txBody>
+      </p:sp>
+      <p:sp>
+        <p:nvSpPr>
+          <p:cNvPr id="11" name="TextBox 10"/>
+          <p:cNvSpPr txBox="1"/>
+          <p:nvPr/>
+        </p:nvSpPr>
+        <p:spPr>
+          <a:xfrm>
+            <a:off x="697513" y="3885567"/>
+            <a:ext cx="1325619" cy="646331"/>
+          </a:xfrm>
+          <a:prstGeom prst="rect">
+            <a:avLst/>
+          </a:prstGeom>
+          <a:noFill/>
+        </p:spPr>
+        <p:txBody>
+          <a:bodyPr wrap="none" rtlCol="0">
+            <a:spAutoFit/>
+          </a:bodyPr>
+          <a:lstStyle/>
+          <a:p>
+            <a:r>
+              <a:rPr lang="en-US" dirty="0" smtClean="0"/>
+              <a:t>Semantic </a:t>
+            </a:r>
+          </a:p>
+          <a:p>
+            <a:r>
+              <a:rPr lang="en-US" dirty="0" smtClean="0"/>
+              <a:t>Transformer</a:t>
+            </a:r>
+            <a:endParaRPr lang="en-US" dirty="0"/>
+          </a:p>
+        </p:txBody>
+      </p:sp>
+      <p:sp>
+        <p:nvSpPr>
+          <p:cNvPr id="12" name="TextBox 11"/>
+          <p:cNvSpPr txBox="1"/>
+          <p:nvPr/>
+        </p:nvSpPr>
+        <p:spPr>
+          <a:xfrm>
+            <a:off x="283124" y="227992"/>
+            <a:ext cx="4422429" cy="369332"/>
+          </a:xfrm>
+          <a:prstGeom prst="rect">
+            <a:avLst/>
+          </a:prstGeom>
+          <a:noFill/>
+        </p:spPr>
+        <p:txBody>
+          <a:bodyPr wrap="none" rtlCol="0">
+            <a:spAutoFit/>
+          </a:bodyPr>
+          <a:lstStyle/>
+          <a:p>
+            <a:r>
+              <a:rPr lang="en-US" dirty="0" smtClean="0"/>
+              <a:t>Fig </a:t>
+            </a:r>
+            <a:r>
+              <a:rPr lang="en-US" dirty="0"/>
+              <a:t>1</a:t>
+            </a:r>
+            <a:r>
+              <a:rPr lang="en-US" dirty="0" smtClean="0"/>
+              <a:t>. Generic Pipeline Architecture Overview</a:t>
+            </a:r>
+            <a:endParaRPr lang="en-US" dirty="0"/>
+          </a:p>
+        </p:txBody>
+      </p:sp>
+      <p:sp>
+        <p:nvSpPr>
+          <p:cNvPr id="15" name="Rounded Rectangle 14"/>
           <p:cNvSpPr/>
           <p:nvPr/>
         </p:nvSpPr>
         <p:spPr>
           <a:xfrm>
-            <a:off x="3383285" y="4225829"/>
-            <a:ext cx="2569028" cy="1898468"/>
+            <a:off x="2587673" y="4907917"/>
+            <a:ext cx="1794005" cy="1420827"/>
           </a:xfrm>
           <a:prstGeom prst="roundRect">
             <a:avLst/>
@@ -3070,22 +3142,23 @@
           <a:p>
             <a:pPr algn="ctr"/>
             <a:r>
-              <a:rPr lang="en-US" sz="1801" dirty="0"/>
-              <a:t>Transformation Instruction Set (specific to data source)</a:t>
-            </a:r>
-          </a:p>
-        </p:txBody>
-      </p:sp>
-      <p:sp>
-        <p:nvSpPr>
-          <p:cNvPr id="9" name="Rounded Rectangle 8"/>
+              <a:rPr lang="en-US" sz="1801" dirty="0" smtClean="0"/>
+              <a:t>Graph Specification</a:t>
+            </a:r>
+            <a:endParaRPr lang="en-US" sz="1801" dirty="0"/>
+          </a:p>
+        </p:txBody>
+      </p:sp>
+      <p:sp>
+        <p:nvSpPr>
+          <p:cNvPr id="17" name="Rounded Rectangle 16"/>
           <p:cNvSpPr/>
           <p:nvPr/>
         </p:nvSpPr>
         <p:spPr>
           <a:xfrm>
-            <a:off x="396246" y="3034933"/>
-            <a:ext cx="2569028" cy="1898468"/>
+            <a:off x="2023132" y="3414194"/>
+            <a:ext cx="1794005" cy="1420827"/>
           </a:xfrm>
           <a:prstGeom prst="roundRect">
             <a:avLst/>
@@ -3118,28 +3191,33 @@
           <a:p>
             <a:pPr algn="ctr"/>
             <a:r>
-              <a:rPr lang="en-US" sz="1801" dirty="0"/>
-              <a:t>Acorn Ontology</a:t>
-            </a:r>
-          </a:p>
-        </p:txBody>
-      </p:sp>
-      <p:sp>
-        <p:nvSpPr>
-          <p:cNvPr id="10" name="Rectangle 9"/>
+              <a:rPr lang="en-US" sz="1801" dirty="0" smtClean="0"/>
+              <a:t>Semantic Transformer </a:t>
+            </a:r>
+            <a:r>
+              <a:rPr lang="en-US" sz="1801" dirty="0" smtClean="0"/>
+              <a:t>Ontology</a:t>
+            </a:r>
+            <a:endParaRPr lang="en-US" sz="1801" dirty="0"/>
+          </a:p>
+        </p:txBody>
+      </p:sp>
+      <p:sp>
+        <p:nvSpPr>
+          <p:cNvPr id="18" name="Rectangle 17"/>
           <p:cNvSpPr/>
           <p:nvPr/>
         </p:nvSpPr>
         <p:spPr>
           <a:xfrm>
-            <a:off x="6601101" y="3213458"/>
+            <a:off x="9203316" y="1101868"/>
             <a:ext cx="2325189" cy="1541417"/>
           </a:xfrm>
           <a:prstGeom prst="rect">
             <a:avLst/>
           </a:prstGeom>
           <a:solidFill>
-            <a:schemeClr val="accent2"/>
+            <a:schemeClr val="accent6"/>
           </a:solidFill>
         </p:spPr>
         <p:style>
@@ -3169,24 +3247,239 @@
           <a:p>
             <a:pPr algn="ctr"/>
             <a:r>
-              <a:rPr lang="en-US" sz="1801" dirty="0"/>
-              <a:t>Acorn Interpreter (Drivetrain)</a:t>
-            </a:r>
+              <a:rPr lang="en-US" sz="1801" dirty="0" smtClean="0"/>
+              <a:t>RDF </a:t>
+            </a:r>
+            <a:r>
+              <a:rPr lang="en-US" sz="1801" dirty="0" err="1" smtClean="0"/>
+              <a:t>Triplestore</a:t>
+            </a:r>
+            <a:r>
+              <a:rPr lang="en-US" sz="1801" dirty="0" smtClean="0"/>
+              <a:t> (</a:t>
+            </a:r>
+            <a:r>
+              <a:rPr lang="en-US" sz="1801" dirty="0" err="1" smtClean="0"/>
+              <a:t>Ontotext</a:t>
+            </a:r>
+            <a:r>
+              <a:rPr lang="en-US" sz="1801" dirty="0" smtClean="0"/>
+              <a:t> </a:t>
+            </a:r>
+            <a:r>
+              <a:rPr lang="en-US" sz="1801" dirty="0" err="1" smtClean="0"/>
+              <a:t>GraphDB</a:t>
+            </a:r>
+            <a:r>
+              <a:rPr lang="en-US" sz="1801" dirty="0" smtClean="0"/>
+              <a:t>)</a:t>
+            </a:r>
+            <a:endParaRPr lang="en-US" sz="1801" dirty="0"/>
           </a:p>
         </p:txBody>
       </p:sp>
       <p:cxnSp>
         <p:nvCxnSpPr>
-          <p:cNvPr id="12" name="Straight Arrow Connector 11"/>
+          <p:cNvPr id="19" name="Straight Arrow Connector 18"/>
+          <p:cNvCxnSpPr/>
+          <p:nvPr/>
+        </p:nvCxnSpPr>
+        <p:spPr>
+          <a:xfrm>
+            <a:off x="4605116" y="4835021"/>
+            <a:ext cx="1131731" cy="0"/>
+          </a:xfrm>
+          <a:prstGeom prst="straightConnector1">
+            <a:avLst/>
+          </a:prstGeom>
+          <a:ln>
+            <a:tailEnd type="triangle"/>
+          </a:ln>
+        </p:spPr>
+        <p:style>
+          <a:lnRef idx="1">
+            <a:schemeClr val="accent1"/>
+          </a:lnRef>
+          <a:fillRef idx="0">
+            <a:schemeClr val="accent1"/>
+          </a:fillRef>
+          <a:effectRef idx="0">
+            <a:schemeClr val="accent1"/>
+          </a:effectRef>
+          <a:fontRef idx="minor">
+            <a:schemeClr val="tx1"/>
+          </a:fontRef>
+        </p:style>
+      </p:cxnSp>
+      <p:sp>
+        <p:nvSpPr>
+          <p:cNvPr id="20" name="Rounded Rectangle 19"/>
+          <p:cNvSpPr/>
+          <p:nvPr/>
+        </p:nvSpPr>
+        <p:spPr>
+          <a:xfrm>
+            <a:off x="5736847" y="3980455"/>
+            <a:ext cx="2569028" cy="1898468"/>
+          </a:xfrm>
+          <a:prstGeom prst="roundRect">
+            <a:avLst/>
+          </a:prstGeom>
+          <a:solidFill>
+            <a:srgbClr val="7030A0"/>
+          </a:solidFill>
+        </p:spPr>
+        <p:style>
+          <a:lnRef idx="2">
+            <a:schemeClr val="accent1">
+              <a:shade val="50000"/>
+            </a:schemeClr>
+          </a:lnRef>
+          <a:fillRef idx="1">
+            <a:schemeClr val="accent1"/>
+          </a:fillRef>
+          <a:effectRef idx="0">
+            <a:schemeClr val="accent1"/>
+          </a:effectRef>
+          <a:fontRef idx="minor">
+            <a:schemeClr val="lt1"/>
+          </a:fontRef>
+        </p:style>
+        <p:txBody>
+          <a:bodyPr rot="0" spcFirstLastPara="0" vertOverflow="overflow" horzOverflow="overflow" vert="horz" wrap="square" lIns="91440" tIns="45721" rIns="91440" bIns="45721" numCol="1" spcCol="0" rtlCol="0" fromWordArt="0" anchor="ctr" anchorCtr="0" forceAA="0" compatLnSpc="1">
+            <a:prstTxWarp prst="textNoShape">
+              <a:avLst/>
+            </a:prstTxWarp>
+            <a:noAutofit/>
+          </a:bodyPr>
+          <a:lstStyle/>
+          <a:p>
+            <a:pPr algn="ctr"/>
+            <a:r>
+              <a:rPr lang="en-US" sz="1801" dirty="0" smtClean="0"/>
+              <a:t>Transformation Interpreter</a:t>
+            </a:r>
+            <a:endParaRPr lang="en-US" sz="1801" dirty="0"/>
+          </a:p>
+        </p:txBody>
+      </p:sp>
+      <p:sp>
+        <p:nvSpPr>
+          <p:cNvPr id="21" name="Rectangle 20"/>
+          <p:cNvSpPr/>
+          <p:nvPr/>
+        </p:nvSpPr>
+        <p:spPr>
+          <a:xfrm>
+            <a:off x="536969" y="3238474"/>
+            <a:ext cx="4062953" cy="3214865"/>
+          </a:xfrm>
+          <a:prstGeom prst="rect">
+            <a:avLst/>
+          </a:prstGeom>
+          <a:solidFill>
+            <a:schemeClr val="accent4">
+              <a:lumMod val="50000"/>
+              <a:alpha val="13000"/>
+            </a:schemeClr>
+          </a:solidFill>
+        </p:spPr>
+        <p:style>
+          <a:lnRef idx="2">
+            <a:schemeClr val="accent1">
+              <a:shade val="50000"/>
+            </a:schemeClr>
+          </a:lnRef>
+          <a:fillRef idx="1">
+            <a:schemeClr val="accent1"/>
+          </a:fillRef>
+          <a:effectRef idx="0">
+            <a:schemeClr val="accent1"/>
+          </a:effectRef>
+          <a:fontRef idx="minor">
+            <a:schemeClr val="lt1"/>
+          </a:fontRef>
+        </p:style>
+        <p:txBody>
+          <a:bodyPr rtlCol="0" anchor="ctr"/>
+          <a:lstStyle/>
+          <a:p>
+            <a:pPr algn="ctr"/>
+            <a:endParaRPr lang="en-US"/>
+          </a:p>
+        </p:txBody>
+      </p:sp>
+      <p:sp>
+        <p:nvSpPr>
+          <p:cNvPr id="31" name="Flowchart: Multidocument 30"/>
+          <p:cNvSpPr/>
+          <p:nvPr/>
+        </p:nvSpPr>
+        <p:spPr>
+          <a:xfrm>
+            <a:off x="9442800" y="4126322"/>
+            <a:ext cx="2085705" cy="1563189"/>
+          </a:xfrm>
+          <a:prstGeom prst="flowChartMultidocument">
+            <a:avLst/>
+          </a:prstGeom>
+          <a:solidFill>
+            <a:schemeClr val="accent4">
+              <a:lumMod val="20000"/>
+              <a:lumOff val="80000"/>
+            </a:schemeClr>
+          </a:solidFill>
+        </p:spPr>
+        <p:style>
+          <a:lnRef idx="2">
+            <a:schemeClr val="accent1">
+              <a:shade val="50000"/>
+            </a:schemeClr>
+          </a:lnRef>
+          <a:fillRef idx="1">
+            <a:schemeClr val="accent1"/>
+          </a:fillRef>
+          <a:effectRef idx="0">
+            <a:schemeClr val="accent1"/>
+          </a:effectRef>
+          <a:fontRef idx="minor">
+            <a:schemeClr val="lt1"/>
+          </a:fontRef>
+        </p:style>
+        <p:txBody>
+          <a:bodyPr rtlCol="0" anchor="ctr"/>
+          <a:lstStyle/>
+          <a:p>
+            <a:pPr algn="ctr"/>
+            <a:r>
+              <a:rPr lang="en-US" dirty="0" smtClean="0">
+                <a:solidFill>
+                  <a:schemeClr val="tx1"/>
+                </a:solidFill>
+              </a:rPr>
+              <a:t>Set of SPARQL Update Statements</a:t>
+            </a:r>
+            <a:endParaRPr lang="en-US" dirty="0">
+              <a:solidFill>
+                <a:schemeClr val="tx1"/>
+              </a:solidFill>
+            </a:endParaRPr>
+          </a:p>
+        </p:txBody>
+      </p:sp>
+      <p:cxnSp>
+        <p:nvCxnSpPr>
+          <p:cNvPr id="32" name="Straight Arrow Connector 31"/>
           <p:cNvCxnSpPr>
-            <a:stCxn id="9" idx="3"/>
+            <a:stCxn id="20" idx="3"/>
+            <a:endCxn id="31" idx="1"/>
           </p:cNvCxnSpPr>
           <p:nvPr/>
         </p:nvCxnSpPr>
         <p:spPr>
           <a:xfrm flipV="1">
-            <a:off x="2965274" y="3579220"/>
-            <a:ext cx="418011" cy="404947"/>
+            <a:off x="8305875" y="4907917"/>
+            <a:ext cx="1136925" cy="21772"/>
           </a:xfrm>
           <a:prstGeom prst="straightConnector1">
             <a:avLst/>
@@ -3212,16 +3505,107 @@
       </p:cxnSp>
       <p:cxnSp>
         <p:nvCxnSpPr>
-          <p:cNvPr id="14" name="Straight Arrow Connector 13"/>
-          <p:cNvCxnSpPr>
-            <a:stCxn id="9" idx="3"/>
-          </p:cNvCxnSpPr>
+          <p:cNvPr id="35" name="Straight Arrow Connector 34"/>
+          <p:cNvCxnSpPr/>
           <p:nvPr/>
         </p:nvCxnSpPr>
         <p:spPr>
-          <a:xfrm>
-            <a:off x="2965274" y="3984167"/>
-            <a:ext cx="391885" cy="431076"/>
+          <a:xfrm flipV="1">
+            <a:off x="10383996" y="2643285"/>
+            <a:ext cx="0" cy="1439808"/>
+          </a:xfrm>
+          <a:prstGeom prst="straightConnector1">
+            <a:avLst/>
+          </a:prstGeom>
+          <a:ln>
+            <a:tailEnd type="triangle"/>
+          </a:ln>
+        </p:spPr>
+        <p:style>
+          <a:lnRef idx="1">
+            <a:schemeClr val="accent1"/>
+          </a:lnRef>
+          <a:fillRef idx="0">
+            <a:schemeClr val="accent1"/>
+          </a:fillRef>
+          <a:effectRef idx="0">
+            <a:schemeClr val="accent1"/>
+          </a:effectRef>
+          <a:fontRef idx="minor">
+            <a:schemeClr val="tx1"/>
+          </a:fontRef>
+        </p:style>
+      </p:cxnSp>
+      <p:sp>
+        <p:nvSpPr>
+          <p:cNvPr id="39" name="Rectangle 38"/>
+          <p:cNvSpPr/>
+          <p:nvPr/>
+        </p:nvSpPr>
+        <p:spPr>
+          <a:xfrm>
+            <a:off x="397636" y="1083087"/>
+            <a:ext cx="2325189" cy="1541417"/>
+          </a:xfrm>
+          <a:prstGeom prst="rect">
+            <a:avLst/>
+          </a:prstGeom>
+          <a:solidFill>
+            <a:srgbClr val="FFFF00"/>
+          </a:solidFill>
+        </p:spPr>
+        <p:style>
+          <a:lnRef idx="2">
+            <a:schemeClr val="accent1">
+              <a:shade val="50000"/>
+            </a:schemeClr>
+          </a:lnRef>
+          <a:fillRef idx="1">
+            <a:schemeClr val="accent1"/>
+          </a:fillRef>
+          <a:effectRef idx="0">
+            <a:schemeClr val="accent1"/>
+          </a:effectRef>
+          <a:fontRef idx="minor">
+            <a:schemeClr val="lt1"/>
+          </a:fontRef>
+        </p:style>
+        <p:txBody>
+          <a:bodyPr rot="0" spcFirstLastPara="0" vertOverflow="overflow" horzOverflow="overflow" vert="horz" wrap="square" lIns="91440" tIns="45721" rIns="91440" bIns="45721" numCol="1" spcCol="0" rtlCol="0" fromWordArt="0" anchor="ctr" anchorCtr="0" forceAA="0" compatLnSpc="1">
+            <a:prstTxWarp prst="textNoShape">
+              <a:avLst/>
+            </a:prstTxWarp>
+            <a:noAutofit/>
+          </a:bodyPr>
+          <a:lstStyle/>
+          <a:p>
+            <a:pPr algn="ctr"/>
+            <a:r>
+              <a:rPr lang="en-US" sz="1801" dirty="0" smtClean="0">
+                <a:solidFill>
+                  <a:schemeClr val="tx1"/>
+                </a:solidFill>
+              </a:rPr>
+              <a:t>Data sources (relational DB, property graph, CSV file, etc.)</a:t>
+            </a:r>
+            <a:endParaRPr lang="en-US" sz="1801" dirty="0">
+              <a:solidFill>
+                <a:schemeClr val="tx1"/>
+              </a:solidFill>
+            </a:endParaRPr>
+          </a:p>
+        </p:txBody>
+      </p:sp>
+      <p:cxnSp>
+        <p:nvCxnSpPr>
+          <p:cNvPr id="40" name="Straight Arrow Connector 39"/>
+          <p:cNvCxnSpPr/>
+          <p:nvPr/>
+        </p:nvCxnSpPr>
+        <p:spPr>
+          <a:xfrm flipV="1">
+            <a:off x="5896690" y="1853795"/>
+            <a:ext cx="572083" cy="18782"/>
           </a:xfrm>
           <a:prstGeom prst="straightConnector1">
             <a:avLst/>
@@ -3247,16 +3631,16 @@
       </p:cxnSp>
       <p:cxnSp>
         <p:nvCxnSpPr>
-          <p:cNvPr id="17" name="Straight Arrow Connector 16"/>
+          <p:cNvPr id="44" name="Straight Arrow Connector 43"/>
           <p:cNvCxnSpPr>
-            <a:endCxn id="10" idx="1"/>
+            <a:stCxn id="39" idx="3"/>
           </p:cNvCxnSpPr>
           <p:nvPr/>
         </p:nvCxnSpPr>
         <p:spPr>
-          <a:xfrm>
-            <a:off x="5952313" y="3326671"/>
-            <a:ext cx="648788" cy="657496"/>
+          <a:xfrm flipV="1">
+            <a:off x="2722825" y="1853795"/>
+            <a:ext cx="604837" cy="1"/>
           </a:xfrm>
           <a:prstGeom prst="straightConnector1">
             <a:avLst/>
@@ -3280,57 +3664,22 @@
           </a:fontRef>
         </p:style>
       </p:cxnSp>
-      <p:cxnSp>
-        <p:nvCxnSpPr>
-          <p:cNvPr id="19" name="Straight Arrow Connector 18"/>
-          <p:cNvCxnSpPr>
-            <a:endCxn id="10" idx="1"/>
-          </p:cNvCxnSpPr>
-          <p:nvPr/>
-        </p:nvCxnSpPr>
-        <p:spPr>
-          <a:xfrm flipV="1">
-            <a:off x="5952313" y="3984167"/>
-            <a:ext cx="648788" cy="770708"/>
-          </a:xfrm>
-          <a:prstGeom prst="straightConnector1">
-            <a:avLst/>
-          </a:prstGeom>
-          <a:ln>
-            <a:tailEnd type="triangle"/>
-          </a:ln>
-        </p:spPr>
-        <p:style>
-          <a:lnRef idx="1">
-            <a:schemeClr val="accent1"/>
-          </a:lnRef>
-          <a:fillRef idx="0">
-            <a:schemeClr val="accent1"/>
-          </a:fillRef>
-          <a:effectRef idx="0">
-            <a:schemeClr val="accent1"/>
-          </a:effectRef>
-          <a:fontRef idx="minor">
-            <a:schemeClr val="tx1"/>
-          </a:fontRef>
-        </p:style>
-      </p:cxnSp>
-      <p:sp>
-        <p:nvSpPr>
-          <p:cNvPr id="21" name="Flowchart: Multidocument 20"/>
+      <p:sp>
+        <p:nvSpPr>
+          <p:cNvPr id="47" name="Rounded Rectangle 46"/>
           <p:cNvSpPr/>
           <p:nvPr/>
         </p:nvSpPr>
         <p:spPr>
           <a:xfrm>
-            <a:off x="9723123" y="3191686"/>
-            <a:ext cx="2085705" cy="1563189"/>
-          </a:xfrm>
-          <a:prstGeom prst="flowChartMultidocument">
+            <a:off x="3327662" y="961405"/>
+            <a:ext cx="2569028" cy="1898468"/>
+          </a:xfrm>
+          <a:prstGeom prst="roundRect">
             <a:avLst/>
           </a:prstGeom>
           <a:solidFill>
-            <a:schemeClr val="accent6"/>
+            <a:srgbClr val="FF0000"/>
           </a:solidFill>
         </p:spPr>
         <p:style>
@@ -3350,31 +3699,95 @@
           </a:fontRef>
         </p:style>
         <p:txBody>
-          <a:bodyPr rtlCol="0" anchor="ctr"/>
+          <a:bodyPr rot="0" spcFirstLastPara="0" vertOverflow="overflow" horzOverflow="overflow" vert="horz" wrap="square" lIns="91440" tIns="45721" rIns="91440" bIns="45721" numCol="1" spcCol="0" rtlCol="0" fromWordArt="0" anchor="ctr" anchorCtr="0" forceAA="0" compatLnSpc="1">
+            <a:prstTxWarp prst="textNoShape">
+              <a:avLst/>
+            </a:prstTxWarp>
+            <a:noAutofit/>
+          </a:bodyPr>
           <a:lstStyle/>
           <a:p>
             <a:pPr algn="ctr"/>
             <a:r>
-              <a:rPr lang="en-US" dirty="0" smtClean="0"/>
-              <a:t>Set of SPARQL Update Statements</a:t>
-            </a:r>
-            <a:endParaRPr lang="en-US" dirty="0"/>
+              <a:rPr lang="en-US" sz="1801" dirty="0" smtClean="0"/>
+              <a:t>Data Aggregator Service</a:t>
+            </a:r>
+            <a:endParaRPr lang="en-US" sz="1801" dirty="0"/>
+          </a:p>
+        </p:txBody>
+      </p:sp>
+      <p:sp>
+        <p:nvSpPr>
+          <p:cNvPr id="51" name="Rectangle 50"/>
+          <p:cNvSpPr/>
+          <p:nvPr/>
+        </p:nvSpPr>
+        <p:spPr>
+          <a:xfrm>
+            <a:off x="6468773" y="1216374"/>
+            <a:ext cx="2325189" cy="1541417"/>
+          </a:xfrm>
+          <a:prstGeom prst="rect">
+            <a:avLst/>
+          </a:prstGeom>
+          <a:solidFill>
+            <a:srgbClr val="FFC000"/>
+          </a:solidFill>
+        </p:spPr>
+        <p:style>
+          <a:lnRef idx="2">
+            <a:schemeClr val="accent1">
+              <a:shade val="50000"/>
+            </a:schemeClr>
+          </a:lnRef>
+          <a:fillRef idx="1">
+            <a:schemeClr val="accent1"/>
+          </a:fillRef>
+          <a:effectRef idx="0">
+            <a:schemeClr val="accent1"/>
+          </a:effectRef>
+          <a:fontRef idx="minor">
+            <a:schemeClr val="lt1"/>
+          </a:fontRef>
+        </p:style>
+        <p:txBody>
+          <a:bodyPr rot="0" spcFirstLastPara="0" vertOverflow="overflow" horzOverflow="overflow" vert="horz" wrap="square" lIns="91440" tIns="45721" rIns="91440" bIns="45721" numCol="1" spcCol="0" rtlCol="0" fromWordArt="0" anchor="ctr" anchorCtr="0" forceAA="0" compatLnSpc="1">
+            <a:prstTxWarp prst="textNoShape">
+              <a:avLst/>
+            </a:prstTxWarp>
+            <a:noAutofit/>
+          </a:bodyPr>
+          <a:lstStyle/>
+          <a:p>
+            <a:pPr algn="ctr"/>
+            <a:r>
+              <a:rPr lang="en-US" sz="1801" dirty="0" smtClean="0">
+                <a:solidFill>
+                  <a:schemeClr val="tx1"/>
+                </a:solidFill>
+              </a:rPr>
+              <a:t>RDF data formatted with domain-specific schema</a:t>
+            </a:r>
+            <a:endParaRPr lang="en-US" sz="1801" dirty="0">
+              <a:solidFill>
+                <a:schemeClr val="tx1"/>
+              </a:solidFill>
+            </a:endParaRPr>
           </a:p>
         </p:txBody>
       </p:sp>
       <p:cxnSp>
         <p:nvCxnSpPr>
-          <p:cNvPr id="23" name="Straight Arrow Connector 22"/>
+          <p:cNvPr id="56" name="Straight Arrow Connector 55"/>
           <p:cNvCxnSpPr>
-            <a:stCxn id="10" idx="3"/>
-            <a:endCxn id="21" idx="1"/>
+            <a:endCxn id="18" idx="1"/>
           </p:cNvCxnSpPr>
           <p:nvPr/>
         </p:nvCxnSpPr>
         <p:spPr>
           <a:xfrm flipV="1">
-            <a:off x="8926290" y="3973281"/>
-            <a:ext cx="796833" cy="10886"/>
+            <a:off x="8774620" y="1872577"/>
+            <a:ext cx="428696" cy="18781"/>
           </a:xfrm>
           <a:prstGeom prst="straightConnector1">
             <a:avLst/>
@@ -3398,53 +3811,16 @@
           </a:fontRef>
         </p:style>
       </p:cxnSp>
-      <p:sp>
-        <p:nvSpPr>
-          <p:cNvPr id="25" name="TextBox 24"/>
-          <p:cNvSpPr txBox="1"/>
-          <p:nvPr/>
-        </p:nvSpPr>
-        <p:spPr>
-          <a:xfrm>
-            <a:off x="396246" y="374468"/>
-            <a:ext cx="2499787" cy="369332"/>
-          </a:xfrm>
-          <a:prstGeom prst="rect">
-            <a:avLst/>
-          </a:prstGeom>
-          <a:noFill/>
-        </p:spPr>
-        <p:txBody>
-          <a:bodyPr wrap="none" rtlCol="0">
-            <a:spAutoFit/>
-          </a:bodyPr>
-          <a:lstStyle/>
-          <a:p>
-            <a:r>
-              <a:rPr lang="en-US" dirty="0" smtClean="0"/>
-              <a:t>Fig 1. Acorn Architecture</a:t>
-            </a:r>
-            <a:endParaRPr lang="en-US" dirty="0"/>
-          </a:p>
-        </p:txBody>
-      </p:sp>
     </p:spTree>
     <p:extLst>
       <p:ext uri="{BB962C8B-B14F-4D97-AF65-F5344CB8AC3E}">
-        <p14:creationId xmlns:p14="http://schemas.microsoft.com/office/powerpoint/2010/main" val="2800931246"/>
+        <p14:creationId xmlns:p14="http://schemas.microsoft.com/office/powerpoint/2010/main" val="3624461110"/>
       </p:ext>
     </p:extLst>
   </p:cSld>
   <p:clrMapOvr>
     <a:masterClrMapping/>
   </p:clrMapOvr>
-  <p:timing>
-    <p:tnLst>
-      <p:par>
-        <p:cTn id="1" dur="indefinite" restart="never" nodeType="tmRoot"/>
-      </p:par>
-    </p:tnLst>
-  </p:timing>
 </p:sld>
 </file>
 
@@ -3467,18 +3843,21 @@
       </p:grpSpPr>
       <p:sp>
         <p:nvSpPr>
-          <p:cNvPr id="4" name="Rounded Rectangle 3"/>
+          <p:cNvPr id="7" name="Rectangle 6"/>
           <p:cNvSpPr/>
           <p:nvPr/>
         </p:nvSpPr>
         <p:spPr>
           <a:xfrm>
-            <a:off x="1101640" y="1759137"/>
-            <a:ext cx="2569028" cy="1898468"/>
-          </a:xfrm>
-          <a:prstGeom prst="roundRect">
-            <a:avLst/>
-          </a:prstGeom>
+            <a:off x="5142415" y="4241076"/>
+            <a:ext cx="2325189" cy="1541417"/>
+          </a:xfrm>
+          <a:prstGeom prst="rect">
+            <a:avLst/>
+          </a:prstGeom>
+          <a:solidFill>
+            <a:srgbClr val="FFFF00"/>
+          </a:solidFill>
         </p:spPr>
         <p:style>
           <a:lnRef idx="2">
@@ -3507,111 +3886,18 @@
           <a:p>
             <a:pPr algn="ctr"/>
             <a:r>
-              <a:rPr lang="en-US" sz="1801" dirty="0" smtClean="0"/>
-              <a:t>Penn Data Store (patient demographics, diagnoses, medications, etc.)</a:t>
-            </a:r>
-            <a:endParaRPr lang="en-US" sz="1801" dirty="0"/>
-          </a:p>
-        </p:txBody>
-      </p:sp>
-      <p:sp>
-        <p:nvSpPr>
-          <p:cNvPr id="5" name="Rounded Rectangle 4"/>
-          <p:cNvSpPr/>
-          <p:nvPr/>
-        </p:nvSpPr>
-        <p:spPr>
-          <a:xfrm>
-            <a:off x="1127766" y="4208420"/>
-            <a:ext cx="2569028" cy="1898468"/>
-          </a:xfrm>
-          <a:prstGeom prst="roundRect">
-            <a:avLst/>
-          </a:prstGeom>
-        </p:spPr>
-        <p:style>
-          <a:lnRef idx="2">
-            <a:schemeClr val="accent1">
-              <a:shade val="50000"/>
-            </a:schemeClr>
-          </a:lnRef>
-          <a:fillRef idx="1">
-            <a:schemeClr val="accent1"/>
-          </a:fillRef>
-          <a:effectRef idx="0">
-            <a:schemeClr val="accent1"/>
-          </a:effectRef>
-          <a:fontRef idx="minor">
-            <a:schemeClr val="lt1"/>
-          </a:fontRef>
-        </p:style>
-        <p:txBody>
-          <a:bodyPr rot="0" spcFirstLastPara="0" vertOverflow="overflow" horzOverflow="overflow" vert="horz" wrap="square" lIns="91440" tIns="45721" rIns="91440" bIns="45721" numCol="1" spcCol="0" rtlCol="0" fromWordArt="0" anchor="ctr" anchorCtr="0" forceAA="0" compatLnSpc="1">
-            <a:prstTxWarp prst="textNoShape">
-              <a:avLst/>
-            </a:prstTxWarp>
-            <a:noAutofit/>
-          </a:bodyPr>
-          <a:lstStyle/>
-          <a:p>
-            <a:pPr algn="ctr"/>
-            <a:r>
-              <a:rPr lang="en-US" sz="1801" dirty="0" smtClean="0"/>
-              <a:t>Loss of Gene Function Mutation Data</a:t>
-            </a:r>
-            <a:endParaRPr lang="en-US" sz="1801" dirty="0"/>
-          </a:p>
-        </p:txBody>
-      </p:sp>
-      <p:sp>
-        <p:nvSpPr>
-          <p:cNvPr id="7" name="Rectangle 6"/>
-          <p:cNvSpPr/>
-          <p:nvPr/>
-        </p:nvSpPr>
-        <p:spPr>
-          <a:xfrm>
-            <a:off x="5142415" y="4241076"/>
-            <a:ext cx="2325189" cy="1541417"/>
-          </a:xfrm>
-          <a:prstGeom prst="rect">
-            <a:avLst/>
-          </a:prstGeom>
-          <a:solidFill>
-            <a:schemeClr val="accent2"/>
-          </a:solidFill>
-        </p:spPr>
-        <p:style>
-          <a:lnRef idx="2">
-            <a:schemeClr val="accent1">
-              <a:shade val="50000"/>
-            </a:schemeClr>
-          </a:lnRef>
-          <a:fillRef idx="1">
-            <a:schemeClr val="accent1"/>
-          </a:fillRef>
-          <a:effectRef idx="0">
-            <a:schemeClr val="accent1"/>
-          </a:effectRef>
-          <a:fontRef idx="minor">
-            <a:schemeClr val="lt1"/>
-          </a:fontRef>
-        </p:style>
-        <p:txBody>
-          <a:bodyPr rot="0" spcFirstLastPara="0" vertOverflow="overflow" horzOverflow="overflow" vert="horz" wrap="square" lIns="91440" tIns="45721" rIns="91440" bIns="45721" numCol="1" spcCol="0" rtlCol="0" fromWordArt="0" anchor="ctr" anchorCtr="0" forceAA="0" compatLnSpc="1">
-            <a:prstTxWarp prst="textNoShape">
-              <a:avLst/>
-            </a:prstTxWarp>
-            <a:noAutofit/>
-          </a:bodyPr>
-          <a:lstStyle/>
-          <a:p>
-            <a:pPr algn="ctr"/>
-            <a:r>
-              <a:rPr lang="en-US" sz="1801" dirty="0" smtClean="0"/>
+              <a:rPr lang="en-US" sz="1801" dirty="0" smtClean="0">
+                <a:solidFill>
+                  <a:schemeClr val="tx1"/>
+                </a:solidFill>
+              </a:rPr>
               <a:t>Carnival (data aggregator)</a:t>
             </a:r>
-            <a:endParaRPr lang="en-US" sz="1801" dirty="0"/>
+            <a:endParaRPr lang="en-US" sz="1801" dirty="0">
+              <a:solidFill>
+                <a:schemeClr val="tx1"/>
+              </a:solidFill>
+            </a:endParaRPr>
           </a:p>
         </p:txBody>
       </p:sp>
@@ -3619,15 +3905,14 @@
         <p:nvCxnSpPr>
           <p:cNvPr id="10" name="Straight Arrow Connector 9"/>
           <p:cNvCxnSpPr>
-            <a:stCxn id="4" idx="3"/>
             <a:endCxn id="7" idx="1"/>
           </p:cNvCxnSpPr>
           <p:nvPr/>
         </p:nvCxnSpPr>
         <p:spPr>
           <a:xfrm>
-            <a:off x="3670668" y="2708371"/>
-            <a:ext cx="1471747" cy="2303414"/>
+            <a:off x="3707681" y="2248995"/>
+            <a:ext cx="1434734" cy="2762790"/>
           </a:xfrm>
           <a:prstGeom prst="straightConnector1">
             <a:avLst/>
@@ -3655,14 +3940,15 @@
         <p:nvCxnSpPr>
           <p:cNvPr id="11" name="Straight Arrow Connector 10"/>
           <p:cNvCxnSpPr>
+            <a:stCxn id="19" idx="3"/>
             <a:endCxn id="7" idx="1"/>
           </p:cNvCxnSpPr>
           <p:nvPr/>
         </p:nvCxnSpPr>
         <p:spPr>
-          <a:xfrm flipV="1">
-            <a:off x="3696794" y="5011785"/>
-            <a:ext cx="1445621" cy="283031"/>
+          <a:xfrm>
+            <a:off x="3707681" y="5011785"/>
+            <a:ext cx="1434734" cy="0"/>
           </a:xfrm>
           <a:prstGeom prst="straightConnector1">
             <a:avLst/>
@@ -3766,12 +4052,8 @@
           <a:p>
             <a:pPr algn="ctr"/>
             <a:r>
-              <a:rPr lang="en-US" sz="1801" dirty="0" err="1" smtClean="0"/>
-              <a:t>OntoText</a:t>
-            </a:r>
-            <a:r>
               <a:rPr lang="en-US" sz="1801" dirty="0" smtClean="0"/>
-              <a:t> Graph DB (RDF </a:t>
+              <a:t>RDF </a:t>
             </a:r>
             <a:r>
               <a:rPr lang="en-US" sz="1801" dirty="0" err="1" smtClean="0"/>
@@ -3779,29 +4061,143 @@
             </a:r>
             <a:r>
               <a:rPr lang="en-US" sz="1801" dirty="0" smtClean="0"/>
+              <a:t> (</a:t>
+            </a:r>
+            <a:r>
+              <a:rPr lang="en-US" sz="1801" dirty="0" err="1" smtClean="0"/>
+              <a:t>Ontotext</a:t>
+            </a:r>
+            <a:r>
+              <a:rPr lang="en-US" sz="1801" dirty="0" smtClean="0"/>
+              <a:t> </a:t>
+            </a:r>
+            <a:r>
+              <a:rPr lang="en-US" sz="1801" dirty="0" err="1" smtClean="0"/>
+              <a:t>GraphDB</a:t>
+            </a:r>
+            <a:r>
+              <a:rPr lang="en-US" sz="1801" dirty="0" smtClean="0"/>
               <a:t>)</a:t>
             </a:r>
             <a:endParaRPr lang="en-US" sz="1801" dirty="0"/>
           </a:p>
         </p:txBody>
       </p:sp>
-      <p:sp>
-        <p:nvSpPr>
-          <p:cNvPr id="20" name="Rectangle 19"/>
+      <p:cxnSp>
+        <p:nvCxnSpPr>
+          <p:cNvPr id="25" name="Straight Arrow Connector 24"/>
+          <p:cNvCxnSpPr>
+            <a:endCxn id="16" idx="0"/>
+          </p:cNvCxnSpPr>
+          <p:nvPr/>
+        </p:nvCxnSpPr>
+        <p:spPr>
+          <a:xfrm>
+            <a:off x="9427032" y="2991402"/>
+            <a:ext cx="0" cy="1249674"/>
+          </a:xfrm>
+          <a:prstGeom prst="straightConnector1">
+            <a:avLst/>
+          </a:prstGeom>
+          <a:ln>
+            <a:tailEnd type="triangle"/>
+          </a:ln>
+        </p:spPr>
+        <p:style>
+          <a:lnRef idx="1">
+            <a:schemeClr val="accent1"/>
+          </a:lnRef>
+          <a:fillRef idx="0">
+            <a:schemeClr val="accent1"/>
+          </a:fillRef>
+          <a:effectRef idx="0">
+            <a:schemeClr val="accent1"/>
+          </a:effectRef>
+          <a:fontRef idx="minor">
+            <a:schemeClr val="tx1"/>
+          </a:fontRef>
+        </p:style>
+      </p:cxnSp>
+      <p:sp>
+        <p:nvSpPr>
+          <p:cNvPr id="28" name="TextBox 27"/>
+          <p:cNvSpPr txBox="1"/>
+          <p:nvPr/>
+        </p:nvSpPr>
+        <p:spPr>
+          <a:xfrm>
+            <a:off x="396246" y="374468"/>
+            <a:ext cx="3504998" cy="369332"/>
+          </a:xfrm>
+          <a:prstGeom prst="rect">
+            <a:avLst/>
+          </a:prstGeom>
+          <a:noFill/>
+        </p:spPr>
+        <p:txBody>
+          <a:bodyPr wrap="none" rtlCol="0">
+            <a:spAutoFit/>
+          </a:bodyPr>
+          <a:lstStyle/>
+          <a:p>
+            <a:r>
+              <a:rPr lang="en-US" dirty="0" smtClean="0"/>
+              <a:t>Fig 2. Carnival Pipeline Architecture</a:t>
+            </a:r>
+            <a:endParaRPr lang="en-US" dirty="0"/>
+          </a:p>
+        </p:txBody>
+      </p:sp>
+      <p:cxnSp>
+        <p:nvCxnSpPr>
+          <p:cNvPr id="14" name="Straight Arrow Connector 13"/>
+          <p:cNvCxnSpPr/>
+          <p:nvPr/>
+        </p:nvCxnSpPr>
+        <p:spPr>
+          <a:xfrm>
+            <a:off x="7426239" y="2042169"/>
+            <a:ext cx="607422" cy="0"/>
+          </a:xfrm>
+          <a:prstGeom prst="straightConnector1">
+            <a:avLst/>
+          </a:prstGeom>
+          <a:ln>
+            <a:tailEnd type="triangle"/>
+          </a:ln>
+        </p:spPr>
+        <p:style>
+          <a:lnRef idx="1">
+            <a:schemeClr val="accent1"/>
+          </a:lnRef>
+          <a:fillRef idx="0">
+            <a:schemeClr val="accent1"/>
+          </a:fillRef>
+          <a:effectRef idx="0">
+            <a:schemeClr val="accent1"/>
+          </a:effectRef>
+          <a:fontRef idx="minor">
+            <a:schemeClr val="tx1"/>
+          </a:fontRef>
+        </p:style>
+      </p:cxnSp>
+      <p:sp>
+        <p:nvSpPr>
+          <p:cNvPr id="15" name="Rounded Rectangle 14"/>
           <p:cNvSpPr/>
           <p:nvPr/>
         </p:nvSpPr>
         <p:spPr>
           <a:xfrm>
-            <a:off x="5142415" y="1449985"/>
-            <a:ext cx="2325189" cy="1541417"/>
-          </a:xfrm>
-          <a:prstGeom prst="rect">
+            <a:off x="4870274" y="1092934"/>
+            <a:ext cx="2569028" cy="1898468"/>
+          </a:xfrm>
+          <a:prstGeom prst="roundRect">
             <a:avLst/>
           </a:prstGeom>
           <a:solidFill>
             <a:schemeClr val="accent4">
-              <a:lumMod val="50000"/>
+              <a:lumMod val="75000"/>
             </a:schemeClr>
           </a:solidFill>
         </p:spPr>
@@ -3833,7 +4229,7 @@
             <a:pPr algn="ctr"/>
             <a:r>
               <a:rPr lang="en-US" sz="1801" dirty="0" smtClean="0"/>
-              <a:t>Acorn</a:t>
+              <a:t>Semantic Transformer</a:t>
             </a:r>
             <a:endParaRPr lang="en-US" sz="1801" dirty="0"/>
           </a:p>
@@ -3841,16 +4237,16 @@
       </p:sp>
       <p:sp>
         <p:nvSpPr>
-          <p:cNvPr id="21" name="Rectangle 20"/>
+          <p:cNvPr id="17" name="Rounded Rectangle 16"/>
           <p:cNvSpPr/>
           <p:nvPr/>
         </p:nvSpPr>
         <p:spPr>
           <a:xfrm>
-            <a:off x="8264437" y="1449985"/>
-            <a:ext cx="2325189" cy="1541417"/>
-          </a:xfrm>
-          <a:prstGeom prst="rect">
+            <a:off x="8020598" y="1092934"/>
+            <a:ext cx="2569028" cy="1898468"/>
+          </a:xfrm>
+          <a:prstGeom prst="roundRect">
             <a:avLst/>
           </a:prstGeom>
           <a:solidFill>
@@ -3884,111 +4280,130 @@
           <a:p>
             <a:pPr algn="ctr"/>
             <a:r>
-              <a:rPr lang="en-US" sz="1801" dirty="0"/>
-              <a:t>Acorn Interpreter (Drivetrain)</a:t>
-            </a:r>
-          </a:p>
-        </p:txBody>
-      </p:sp>
-      <p:cxnSp>
-        <p:nvCxnSpPr>
-          <p:cNvPr id="23" name="Straight Arrow Connector 22"/>
-          <p:cNvCxnSpPr>
-            <a:stCxn id="20" idx="3"/>
-            <a:endCxn id="21" idx="1"/>
-          </p:cNvCxnSpPr>
-          <p:nvPr/>
-        </p:nvCxnSpPr>
-        <p:spPr>
-          <a:xfrm>
-            <a:off x="7467604" y="2220694"/>
-            <a:ext cx="796833" cy="0"/>
-          </a:xfrm>
-          <a:prstGeom prst="straightConnector1">
-            <a:avLst/>
-          </a:prstGeom>
-          <a:ln>
-            <a:tailEnd type="triangle"/>
-          </a:ln>
+              <a:rPr lang="en-US" sz="1801" dirty="0" smtClean="0"/>
+              <a:t>Transformation Interpreter</a:t>
+            </a:r>
+            <a:endParaRPr lang="en-US" sz="1801" dirty="0"/>
+          </a:p>
+        </p:txBody>
+      </p:sp>
+      <p:sp>
+        <p:nvSpPr>
+          <p:cNvPr id="18" name="Rectangle 17"/>
+          <p:cNvSpPr/>
+          <p:nvPr/>
+        </p:nvSpPr>
+        <p:spPr>
+          <a:xfrm>
+            <a:off x="1382492" y="1449985"/>
+            <a:ext cx="2325189" cy="1541417"/>
+          </a:xfrm>
+          <a:prstGeom prst="rect">
+            <a:avLst/>
+          </a:prstGeom>
+          <a:solidFill>
+            <a:srgbClr val="FF0000"/>
+          </a:solidFill>
         </p:spPr>
         <p:style>
-          <a:lnRef idx="1">
-            <a:schemeClr val="accent1"/>
+          <a:lnRef idx="2">
+            <a:schemeClr val="accent1">
+              <a:shade val="50000"/>
+            </a:schemeClr>
           </a:lnRef>
-          <a:fillRef idx="0">
+          <a:fillRef idx="1">
             <a:schemeClr val="accent1"/>
           </a:fillRef>
           <a:effectRef idx="0">
             <a:schemeClr val="accent1"/>
           </a:effectRef>
           <a:fontRef idx="minor">
-            <a:schemeClr val="tx1"/>
+            <a:schemeClr val="lt1"/>
           </a:fontRef>
         </p:style>
-      </p:cxnSp>
-      <p:cxnSp>
-        <p:nvCxnSpPr>
-          <p:cNvPr id="25" name="Straight Arrow Connector 24"/>
-          <p:cNvCxnSpPr>
-            <a:stCxn id="21" idx="2"/>
-            <a:endCxn id="16" idx="0"/>
-          </p:cNvCxnSpPr>
-          <p:nvPr/>
-        </p:nvCxnSpPr>
-        <p:spPr>
-          <a:xfrm>
-            <a:off x="9427032" y="2991402"/>
-            <a:ext cx="0" cy="1249674"/>
-          </a:xfrm>
-          <a:prstGeom prst="straightConnector1">
-            <a:avLst/>
-          </a:prstGeom>
-          <a:ln>
-            <a:tailEnd type="triangle"/>
-          </a:ln>
+        <p:txBody>
+          <a:bodyPr rot="0" spcFirstLastPara="0" vertOverflow="overflow" horzOverflow="overflow" vert="horz" wrap="square" lIns="91440" tIns="45721" rIns="91440" bIns="45721" numCol="1" spcCol="0" rtlCol="0" fromWordArt="0" anchor="ctr" anchorCtr="0" forceAA="0" compatLnSpc="1">
+            <a:prstTxWarp prst="textNoShape">
+              <a:avLst/>
+            </a:prstTxWarp>
+            <a:noAutofit/>
+          </a:bodyPr>
+          <a:lstStyle/>
+          <a:p>
+            <a:pPr algn="ctr"/>
+            <a:r>
+              <a:rPr lang="en-US" sz="1801" dirty="0">
+                <a:solidFill>
+                  <a:schemeClr val="tx1"/>
+                </a:solidFill>
+              </a:rPr>
+              <a:t>Penn Data Store (patient demographics, diagnoses, medications, etc.)</a:t>
+            </a:r>
+            <a:endParaRPr lang="en-US" sz="1801" dirty="0">
+              <a:solidFill>
+                <a:schemeClr val="tx1"/>
+              </a:solidFill>
+            </a:endParaRPr>
+          </a:p>
+        </p:txBody>
+      </p:sp>
+      <p:sp>
+        <p:nvSpPr>
+          <p:cNvPr id="19" name="Rectangle 18"/>
+          <p:cNvSpPr/>
+          <p:nvPr/>
+        </p:nvSpPr>
+        <p:spPr>
+          <a:xfrm>
+            <a:off x="1382492" y="4241076"/>
+            <a:ext cx="2325189" cy="1541417"/>
+          </a:xfrm>
+          <a:prstGeom prst="rect">
+            <a:avLst/>
+          </a:prstGeom>
+          <a:solidFill>
+            <a:srgbClr val="FF0000"/>
+          </a:solidFill>
         </p:spPr>
         <p:style>
-          <a:lnRef idx="1">
-            <a:schemeClr val="accent1"/>
+          <a:lnRef idx="2">
+            <a:schemeClr val="accent1">
+              <a:shade val="50000"/>
+            </a:schemeClr>
           </a:lnRef>
-          <a:fillRef idx="0">
+          <a:fillRef idx="1">
             <a:schemeClr val="accent1"/>
           </a:fillRef>
           <a:effectRef idx="0">
             <a:schemeClr val="accent1"/>
           </a:effectRef>
           <a:fontRef idx="minor">
-            <a:schemeClr val="tx1"/>
+            <a:schemeClr val="lt1"/>
           </a:fontRef>
         </p:style>
-      </p:cxnSp>
-      <p:sp>
-        <p:nvSpPr>
-          <p:cNvPr id="28" name="TextBox 27"/>
-          <p:cNvSpPr txBox="1"/>
-          <p:nvPr/>
-        </p:nvSpPr>
-        <p:spPr>
-          <a:xfrm>
-            <a:off x="396246" y="374468"/>
-            <a:ext cx="3504998" cy="369332"/>
-          </a:xfrm>
-          <a:prstGeom prst="rect">
-            <a:avLst/>
-          </a:prstGeom>
-          <a:noFill/>
-        </p:spPr>
-        <p:txBody>
-          <a:bodyPr wrap="none" rtlCol="0">
-            <a:spAutoFit/>
+        <p:txBody>
+          <a:bodyPr rot="0" spcFirstLastPara="0" vertOverflow="overflow" horzOverflow="overflow" vert="horz" wrap="square" lIns="91440" tIns="45721" rIns="91440" bIns="45721" numCol="1" spcCol="0" rtlCol="0" fromWordArt="0" anchor="ctr" anchorCtr="0" forceAA="0" compatLnSpc="1">
+            <a:prstTxWarp prst="textNoShape">
+              <a:avLst/>
+            </a:prstTxWarp>
+            <a:noAutofit/>
           </a:bodyPr>
           <a:lstStyle/>
           <a:p>
-            <a:r>
-              <a:rPr lang="en-US" dirty="0" smtClean="0"/>
-              <a:t>Fig 2. Carnival Pipeline Architecture</a:t>
-            </a:r>
-            <a:endParaRPr lang="en-US" dirty="0"/>
+            <a:pPr algn="ctr"/>
+            <a:r>
+              <a:rPr lang="en-US" sz="1801" dirty="0" smtClean="0">
+                <a:solidFill>
+                  <a:schemeClr val="tx1"/>
+                </a:solidFill>
+              </a:rPr>
+              <a:t>Loss of Gene Function Mutation Data</a:t>
+            </a:r>
+            <a:endParaRPr lang="en-US" sz="1801" dirty="0">
+              <a:solidFill>
+                <a:schemeClr val="tx1"/>
+              </a:solidFill>
+            </a:endParaRPr>
           </a:p>
         </p:txBody>
       </p:sp>
@@ -4037,7 +4452,7 @@
         </p:nvSpPr>
         <p:spPr>
           <a:xfrm>
-            <a:off x="3398525" y="1367246"/>
+            <a:off x="3323109" y="1367246"/>
             <a:ext cx="2569028" cy="1898468"/>
           </a:xfrm>
           <a:prstGeom prst="roundRect">
@@ -4083,18 +4498,21 @@
       </p:sp>
       <p:sp>
         <p:nvSpPr>
-          <p:cNvPr id="5" name="Rounded Rectangle 4"/>
+          <p:cNvPr id="6" name="Rectangle 5"/>
           <p:cNvSpPr/>
           <p:nvPr/>
         </p:nvSpPr>
         <p:spPr>
           <a:xfrm>
-            <a:off x="370120" y="4265017"/>
-            <a:ext cx="2569028" cy="1898468"/>
-          </a:xfrm>
-          <a:prstGeom prst="roundRect">
-            <a:avLst/>
-          </a:prstGeom>
+            <a:off x="3445029" y="4430482"/>
+            <a:ext cx="2325189" cy="1541417"/>
+          </a:xfrm>
+          <a:prstGeom prst="rect">
+            <a:avLst/>
+          </a:prstGeom>
+          <a:solidFill>
+            <a:schemeClr val="accent2"/>
+          </a:solidFill>
         </p:spPr>
         <p:style>
           <a:lnRef idx="2">
@@ -4123,68 +4541,8 @@
           <a:p>
             <a:pPr algn="ctr"/>
             <a:r>
-              <a:rPr lang="en-US" sz="1801" dirty="0" err="1" smtClean="0"/>
-              <a:t>Synthea</a:t>
-            </a:r>
-            <a:r>
-              <a:rPr lang="en-US" sz="1801" dirty="0"/>
-              <a:t> </a:t>
-            </a:r>
-            <a:r>
               <a:rPr lang="en-US" sz="1801" dirty="0" smtClean="0"/>
-              <a:t>dataset</a:t>
-            </a:r>
-            <a:endParaRPr lang="en-US" sz="1801" dirty="0"/>
-          </a:p>
-        </p:txBody>
-      </p:sp>
-      <p:sp>
-        <p:nvSpPr>
-          <p:cNvPr id="6" name="Rectangle 5"/>
-          <p:cNvSpPr/>
-          <p:nvPr/>
-        </p:nvSpPr>
-        <p:spPr>
-          <a:xfrm>
-            <a:off x="3520445" y="4430482"/>
-            <a:ext cx="2325189" cy="1541417"/>
-          </a:xfrm>
-          <a:prstGeom prst="rect">
-            <a:avLst/>
-          </a:prstGeom>
-          <a:solidFill>
-            <a:schemeClr val="accent2"/>
-          </a:solidFill>
-        </p:spPr>
-        <p:style>
-          <a:lnRef idx="2">
-            <a:schemeClr val="accent1">
-              <a:shade val="50000"/>
-            </a:schemeClr>
-          </a:lnRef>
-          <a:fillRef idx="1">
-            <a:schemeClr val="accent1"/>
-          </a:fillRef>
-          <a:effectRef idx="0">
-            <a:schemeClr val="accent1"/>
-          </a:effectRef>
-          <a:fontRef idx="minor">
-            <a:schemeClr val="lt1"/>
-          </a:fontRef>
-        </p:style>
-        <p:txBody>
-          <a:bodyPr rot="0" spcFirstLastPara="0" vertOverflow="overflow" horzOverflow="overflow" vert="horz" wrap="square" lIns="91440" tIns="45721" rIns="91440" bIns="45721" numCol="1" spcCol="0" rtlCol="0" fromWordArt="0" anchor="ctr" anchorCtr="0" forceAA="0" compatLnSpc="1">
-            <a:prstTxWarp prst="textNoShape">
-              <a:avLst/>
-            </a:prstTxWarp>
-            <a:noAutofit/>
-          </a:bodyPr>
-          <a:lstStyle/>
-          <a:p>
-            <a:pPr algn="ctr"/>
-            <a:r>
-              <a:rPr lang="en-US" sz="1801" dirty="0" smtClean="0"/>
-              <a:t>PostgreSQL</a:t>
+              <a:t>PostgreSQL (OMOP schema)</a:t>
             </a:r>
             <a:endParaRPr lang="en-US" sz="1801" dirty="0"/>
           </a:p>
@@ -4201,7 +4559,7 @@
         </p:nvCxnSpPr>
         <p:spPr>
           <a:xfrm>
-            <a:off x="4683039" y="3265714"/>
+            <a:off x="4607623" y="3265714"/>
             <a:ext cx="1" cy="1164768"/>
           </a:xfrm>
           <a:prstGeom prst="straightConnector1">
@@ -4229,15 +4587,13 @@
       <p:cxnSp>
         <p:nvCxnSpPr>
           <p:cNvPr id="8" name="Straight Arrow Connector 7"/>
-          <p:cNvCxnSpPr>
-            <a:stCxn id="5" idx="3"/>
-          </p:cNvCxnSpPr>
+          <p:cNvCxnSpPr/>
           <p:nvPr/>
         </p:nvCxnSpPr>
         <p:spPr>
-          <a:xfrm flipV="1">
-            <a:off x="2939148" y="5201191"/>
-            <a:ext cx="581297" cy="13060"/>
+          <a:xfrm>
+            <a:off x="1323405" y="3278774"/>
+            <a:ext cx="0" cy="1164768"/>
           </a:xfrm>
           <a:prstGeom prst="straightConnector1">
             <a:avLst/>
@@ -4271,7 +4627,7 @@
         </p:nvCxnSpPr>
         <p:spPr>
           <a:xfrm flipV="1">
-            <a:off x="5845634" y="5190305"/>
+            <a:off x="5770218" y="5190305"/>
             <a:ext cx="796833" cy="10886"/>
           </a:xfrm>
           <a:prstGeom prst="straightConnector1">
@@ -4304,7 +4660,7 @@
         </p:nvSpPr>
         <p:spPr>
           <a:xfrm>
-            <a:off x="9507586" y="4443542"/>
+            <a:off x="9432170" y="4443542"/>
             <a:ext cx="2325189" cy="1541417"/>
           </a:xfrm>
           <a:prstGeom prst="rect">
@@ -4341,12 +4697,8 @@
           <a:p>
             <a:pPr algn="ctr"/>
             <a:r>
-              <a:rPr lang="en-US" sz="1801" dirty="0" err="1" smtClean="0"/>
-              <a:t>OntoText</a:t>
-            </a:r>
-            <a:r>
               <a:rPr lang="en-US" sz="1801" dirty="0" smtClean="0"/>
-              <a:t> Graph DB (RDF </a:t>
+              <a:t>RDF </a:t>
             </a:r>
             <a:r>
               <a:rPr lang="en-US" sz="1801" dirty="0" err="1" smtClean="0"/>
@@ -4354,129 +4706,37 @@
             </a:r>
             <a:r>
               <a:rPr lang="en-US" sz="1801" dirty="0" smtClean="0"/>
+              <a:t> (</a:t>
+            </a:r>
+            <a:r>
+              <a:rPr lang="en-US" sz="1801" dirty="0" err="1" smtClean="0"/>
+              <a:t>Ontotext</a:t>
+            </a:r>
+            <a:r>
+              <a:rPr lang="en-US" sz="1801" dirty="0" smtClean="0"/>
+              <a:t> </a:t>
+            </a:r>
+            <a:r>
+              <a:rPr lang="en-US" sz="1801" dirty="0" err="1" smtClean="0"/>
+              <a:t>GraphDB</a:t>
+            </a:r>
+            <a:r>
+              <a:rPr lang="en-US" sz="1801" dirty="0" smtClean="0"/>
               <a:t>)</a:t>
             </a:r>
             <a:endParaRPr lang="en-US" sz="1801" dirty="0"/>
-          </a:p>
-        </p:txBody>
-      </p:sp>
-      <p:sp>
-        <p:nvSpPr>
-          <p:cNvPr id="11" name="Rectangle 10"/>
-          <p:cNvSpPr/>
-          <p:nvPr/>
-        </p:nvSpPr>
-        <p:spPr>
-          <a:xfrm>
-            <a:off x="6574974" y="1545769"/>
-            <a:ext cx="2325189" cy="1541417"/>
-          </a:xfrm>
-          <a:prstGeom prst="rect">
-            <a:avLst/>
-          </a:prstGeom>
-          <a:solidFill>
-            <a:schemeClr val="accent4">
-              <a:lumMod val="50000"/>
-            </a:schemeClr>
-          </a:solidFill>
-        </p:spPr>
-        <p:style>
-          <a:lnRef idx="2">
-            <a:schemeClr val="accent1">
-              <a:shade val="50000"/>
-            </a:schemeClr>
-          </a:lnRef>
-          <a:fillRef idx="1">
-            <a:schemeClr val="accent1"/>
-          </a:fillRef>
-          <a:effectRef idx="0">
-            <a:schemeClr val="accent1"/>
-          </a:effectRef>
-          <a:fontRef idx="minor">
-            <a:schemeClr val="lt1"/>
-          </a:fontRef>
-        </p:style>
-        <p:txBody>
-          <a:bodyPr rot="0" spcFirstLastPara="0" vertOverflow="overflow" horzOverflow="overflow" vert="horz" wrap="square" lIns="91440" tIns="45721" rIns="91440" bIns="45721" numCol="1" spcCol="0" rtlCol="0" fromWordArt="0" anchor="ctr" anchorCtr="0" forceAA="0" compatLnSpc="1">
-            <a:prstTxWarp prst="textNoShape">
-              <a:avLst/>
-            </a:prstTxWarp>
-            <a:noAutofit/>
-          </a:bodyPr>
-          <a:lstStyle/>
-          <a:p>
-            <a:pPr algn="ctr"/>
-            <a:r>
-              <a:rPr lang="en-US" sz="1801" dirty="0" smtClean="0"/>
-              <a:t>Acorn</a:t>
-            </a:r>
-            <a:endParaRPr lang="en-US" sz="1801" dirty="0"/>
-          </a:p>
-        </p:txBody>
-      </p:sp>
-      <p:sp>
-        <p:nvSpPr>
-          <p:cNvPr id="12" name="Rectangle 11"/>
-          <p:cNvSpPr/>
-          <p:nvPr/>
-        </p:nvSpPr>
-        <p:spPr>
-          <a:xfrm>
-            <a:off x="9507585" y="1545769"/>
-            <a:ext cx="2325189" cy="1541417"/>
-          </a:xfrm>
-          <a:prstGeom prst="rect">
-            <a:avLst/>
-          </a:prstGeom>
-          <a:solidFill>
-            <a:srgbClr val="7030A0"/>
-          </a:solidFill>
-        </p:spPr>
-        <p:style>
-          <a:lnRef idx="2">
-            <a:schemeClr val="accent1">
-              <a:shade val="50000"/>
-            </a:schemeClr>
-          </a:lnRef>
-          <a:fillRef idx="1">
-            <a:schemeClr val="accent1"/>
-          </a:fillRef>
-          <a:effectRef idx="0">
-            <a:schemeClr val="accent1"/>
-          </a:effectRef>
-          <a:fontRef idx="minor">
-            <a:schemeClr val="lt1"/>
-          </a:fontRef>
-        </p:style>
-        <p:txBody>
-          <a:bodyPr rot="0" spcFirstLastPara="0" vertOverflow="overflow" horzOverflow="overflow" vert="horz" wrap="square" lIns="91440" tIns="45721" rIns="91440" bIns="45721" numCol="1" spcCol="0" rtlCol="0" fromWordArt="0" anchor="ctr" anchorCtr="0" forceAA="0" compatLnSpc="1">
-            <a:prstTxWarp prst="textNoShape">
-              <a:avLst/>
-            </a:prstTxWarp>
-            <a:noAutofit/>
-          </a:bodyPr>
-          <a:lstStyle/>
-          <a:p>
-            <a:pPr algn="ctr"/>
-            <a:r>
-              <a:rPr lang="en-US" sz="1801" dirty="0"/>
-              <a:t>Acorn Interpreter (Drivetrain)</a:t>
-            </a:r>
           </a:p>
         </p:txBody>
       </p:sp>
       <p:cxnSp>
         <p:nvCxnSpPr>
           <p:cNvPr id="13" name="Straight Arrow Connector 12"/>
-          <p:cNvCxnSpPr>
-            <a:stCxn id="11" idx="3"/>
-            <a:endCxn id="12" idx="1"/>
-          </p:cNvCxnSpPr>
+          <p:cNvCxnSpPr/>
           <p:nvPr/>
         </p:nvCxnSpPr>
         <p:spPr>
           <a:xfrm>
-            <a:off x="8900163" y="2316478"/>
+            <a:off x="8824747" y="2316478"/>
             <a:ext cx="607422" cy="0"/>
           </a:xfrm>
           <a:prstGeom prst="straightConnector1">
@@ -4505,14 +4765,13 @@
         <p:nvCxnSpPr>
           <p:cNvPr id="14" name="Straight Arrow Connector 13"/>
           <p:cNvCxnSpPr>
-            <a:stCxn id="12" idx="2"/>
             <a:endCxn id="10" idx="0"/>
           </p:cNvCxnSpPr>
           <p:nvPr/>
         </p:nvCxnSpPr>
         <p:spPr>
           <a:xfrm>
-            <a:off x="10670180" y="3087186"/>
+            <a:off x="10594764" y="3087186"/>
             <a:ext cx="1" cy="1356356"/>
           </a:xfrm>
           <a:prstGeom prst="straightConnector1">
@@ -4545,14 +4804,14 @@
         </p:nvSpPr>
         <p:spPr>
           <a:xfrm>
-            <a:off x="6642467" y="4443542"/>
+            <a:off x="6567051" y="4443542"/>
             <a:ext cx="2325189" cy="1541417"/>
           </a:xfrm>
           <a:prstGeom prst="rect">
             <a:avLst/>
           </a:prstGeom>
           <a:solidFill>
-            <a:schemeClr val="accent2"/>
+            <a:srgbClr val="002060"/>
           </a:solidFill>
         </p:spPr>
         <p:style>
@@ -4585,6 +4844,10 @@
               <a:rPr lang="en-US" sz="1801" dirty="0" err="1" smtClean="0"/>
               <a:t>Stardog</a:t>
             </a:r>
+            <a:r>
+              <a:rPr lang="en-US" sz="1801" dirty="0" smtClean="0"/>
+              <a:t> Virtual Graph</a:t>
+            </a:r>
             <a:endParaRPr lang="en-US" sz="1801" dirty="0"/>
           </a:p>
         </p:txBody>
@@ -4597,7 +4860,7 @@
         </p:nvCxnSpPr>
         <p:spPr>
           <a:xfrm flipV="1">
-            <a:off x="5845634" y="5190304"/>
+            <a:off x="5770218" y="5190304"/>
             <a:ext cx="796833" cy="10886"/>
           </a:xfrm>
           <a:prstGeom prst="straightConnector1">
@@ -4632,7 +4895,7 @@
         </p:nvCxnSpPr>
         <p:spPr>
           <a:xfrm flipV="1">
-            <a:off x="8967656" y="5214249"/>
+            <a:off x="8892240" y="5214249"/>
             <a:ext cx="581297" cy="2"/>
           </a:xfrm>
           <a:prstGeom prst="straightConnector1">
@@ -4692,6 +4955,265 @@
               <a:t> Pipeline Architecture</a:t>
             </a:r>
             <a:endParaRPr lang="en-US" dirty="0"/>
+          </a:p>
+        </p:txBody>
+      </p:sp>
+      <p:sp>
+        <p:nvSpPr>
+          <p:cNvPr id="18" name="Rectangle 17"/>
+          <p:cNvSpPr/>
+          <p:nvPr/>
+        </p:nvSpPr>
+        <p:spPr>
+          <a:xfrm>
+            <a:off x="210789" y="4456602"/>
+            <a:ext cx="2325189" cy="1541417"/>
+          </a:xfrm>
+          <a:prstGeom prst="rect">
+            <a:avLst/>
+          </a:prstGeom>
+          <a:solidFill>
+            <a:schemeClr val="accent2"/>
+          </a:solidFill>
+        </p:spPr>
+        <p:style>
+          <a:lnRef idx="2">
+            <a:schemeClr val="accent1">
+              <a:shade val="50000"/>
+            </a:schemeClr>
+          </a:lnRef>
+          <a:fillRef idx="1">
+            <a:schemeClr val="accent1"/>
+          </a:fillRef>
+          <a:effectRef idx="0">
+            <a:schemeClr val="accent1"/>
+          </a:effectRef>
+          <a:fontRef idx="minor">
+            <a:schemeClr val="lt1"/>
+          </a:fontRef>
+        </p:style>
+        <p:txBody>
+          <a:bodyPr rot="0" spcFirstLastPara="0" vertOverflow="overflow" horzOverflow="overflow" vert="horz" wrap="square" lIns="91440" tIns="45721" rIns="91440" bIns="45721" numCol="1" spcCol="0" rtlCol="0" fromWordArt="0" anchor="ctr" anchorCtr="0" forceAA="0" compatLnSpc="1">
+            <a:prstTxWarp prst="textNoShape">
+              <a:avLst/>
+            </a:prstTxWarp>
+            <a:noAutofit/>
+          </a:bodyPr>
+          <a:lstStyle/>
+          <a:p>
+            <a:pPr algn="ctr"/>
+            <a:r>
+              <a:rPr lang="en-US" sz="1801" dirty="0" smtClean="0"/>
+              <a:t>PostgreSQL (</a:t>
+            </a:r>
+            <a:r>
+              <a:rPr lang="en-US" sz="1801" dirty="0" err="1" smtClean="0"/>
+              <a:t>Synthea</a:t>
+            </a:r>
+            <a:r>
+              <a:rPr lang="en-US" sz="1801" dirty="0" smtClean="0"/>
+              <a:t> schema)</a:t>
+            </a:r>
+            <a:endParaRPr lang="en-US" sz="1801" dirty="0"/>
+          </a:p>
+        </p:txBody>
+      </p:sp>
+      <p:cxnSp>
+        <p:nvCxnSpPr>
+          <p:cNvPr id="19" name="Straight Arrow Connector 18"/>
+          <p:cNvCxnSpPr>
+            <a:endCxn id="6" idx="1"/>
+          </p:cNvCxnSpPr>
+          <p:nvPr/>
+        </p:nvCxnSpPr>
+        <p:spPr>
+          <a:xfrm>
+            <a:off x="2536648" y="5190305"/>
+            <a:ext cx="908381" cy="10886"/>
+          </a:xfrm>
+          <a:prstGeom prst="straightConnector1">
+            <a:avLst/>
+          </a:prstGeom>
+          <a:ln>
+            <a:tailEnd type="triangle"/>
+          </a:ln>
+        </p:spPr>
+        <p:style>
+          <a:lnRef idx="1">
+            <a:schemeClr val="accent1"/>
+          </a:lnRef>
+          <a:fillRef idx="0">
+            <a:schemeClr val="accent1"/>
+          </a:fillRef>
+          <a:effectRef idx="0">
+            <a:schemeClr val="accent1"/>
+          </a:effectRef>
+          <a:fontRef idx="minor">
+            <a:schemeClr val="tx1"/>
+          </a:fontRef>
+        </p:style>
+      </p:cxnSp>
+      <p:sp>
+        <p:nvSpPr>
+          <p:cNvPr id="23" name="Rounded Rectangle 22"/>
+          <p:cNvSpPr/>
+          <p:nvPr/>
+        </p:nvSpPr>
+        <p:spPr>
+          <a:xfrm>
+            <a:off x="6268782" y="1367243"/>
+            <a:ext cx="2569028" cy="1898468"/>
+          </a:xfrm>
+          <a:prstGeom prst="roundRect">
+            <a:avLst/>
+          </a:prstGeom>
+          <a:solidFill>
+            <a:schemeClr val="accent4">
+              <a:lumMod val="75000"/>
+            </a:schemeClr>
+          </a:solidFill>
+        </p:spPr>
+        <p:style>
+          <a:lnRef idx="2">
+            <a:schemeClr val="accent1">
+              <a:shade val="50000"/>
+            </a:schemeClr>
+          </a:lnRef>
+          <a:fillRef idx="1">
+            <a:schemeClr val="accent1"/>
+          </a:fillRef>
+          <a:effectRef idx="0">
+            <a:schemeClr val="accent1"/>
+          </a:effectRef>
+          <a:fontRef idx="minor">
+            <a:schemeClr val="lt1"/>
+          </a:fontRef>
+        </p:style>
+        <p:txBody>
+          <a:bodyPr rot="0" spcFirstLastPara="0" vertOverflow="overflow" horzOverflow="overflow" vert="horz" wrap="square" lIns="91440" tIns="45721" rIns="91440" bIns="45721" numCol="1" spcCol="0" rtlCol="0" fromWordArt="0" anchor="ctr" anchorCtr="0" forceAA="0" compatLnSpc="1">
+            <a:prstTxWarp prst="textNoShape">
+              <a:avLst/>
+            </a:prstTxWarp>
+            <a:noAutofit/>
+          </a:bodyPr>
+          <a:lstStyle/>
+          <a:p>
+            <a:pPr algn="ctr"/>
+            <a:r>
+              <a:rPr lang="en-US" sz="1801" dirty="0" smtClean="0"/>
+              <a:t>Semantic Transformer</a:t>
+            </a:r>
+            <a:endParaRPr lang="en-US" sz="1801" dirty="0"/>
+          </a:p>
+        </p:txBody>
+      </p:sp>
+      <p:sp>
+        <p:nvSpPr>
+          <p:cNvPr id="24" name="Rounded Rectangle 23"/>
+          <p:cNvSpPr/>
+          <p:nvPr/>
+        </p:nvSpPr>
+        <p:spPr>
+          <a:xfrm>
+            <a:off x="9419106" y="1367243"/>
+            <a:ext cx="2569028" cy="1898468"/>
+          </a:xfrm>
+          <a:prstGeom prst="roundRect">
+            <a:avLst/>
+          </a:prstGeom>
+          <a:solidFill>
+            <a:srgbClr val="7030A0"/>
+          </a:solidFill>
+        </p:spPr>
+        <p:style>
+          <a:lnRef idx="2">
+            <a:schemeClr val="accent1">
+              <a:shade val="50000"/>
+            </a:schemeClr>
+          </a:lnRef>
+          <a:fillRef idx="1">
+            <a:schemeClr val="accent1"/>
+          </a:fillRef>
+          <a:effectRef idx="0">
+            <a:schemeClr val="accent1"/>
+          </a:effectRef>
+          <a:fontRef idx="minor">
+            <a:schemeClr val="lt1"/>
+          </a:fontRef>
+        </p:style>
+        <p:txBody>
+          <a:bodyPr rot="0" spcFirstLastPara="0" vertOverflow="overflow" horzOverflow="overflow" vert="horz" wrap="square" lIns="91440" tIns="45721" rIns="91440" bIns="45721" numCol="1" spcCol="0" rtlCol="0" fromWordArt="0" anchor="ctr" anchorCtr="0" forceAA="0" compatLnSpc="1">
+            <a:prstTxWarp prst="textNoShape">
+              <a:avLst/>
+            </a:prstTxWarp>
+            <a:noAutofit/>
+          </a:bodyPr>
+          <a:lstStyle/>
+          <a:p>
+            <a:pPr algn="ctr"/>
+            <a:r>
+              <a:rPr lang="en-US" sz="1801" dirty="0" smtClean="0"/>
+              <a:t>Transformation Interpreter</a:t>
+            </a:r>
+            <a:endParaRPr lang="en-US" sz="1801" dirty="0"/>
+          </a:p>
+        </p:txBody>
+      </p:sp>
+      <p:sp>
+        <p:nvSpPr>
+          <p:cNvPr id="25" name="Rectangle 24"/>
+          <p:cNvSpPr/>
+          <p:nvPr/>
+        </p:nvSpPr>
+        <p:spPr>
+          <a:xfrm>
+            <a:off x="266014" y="1724294"/>
+            <a:ext cx="2325189" cy="1541417"/>
+          </a:xfrm>
+          <a:prstGeom prst="rect">
+            <a:avLst/>
+          </a:prstGeom>
+          <a:solidFill>
+            <a:schemeClr val="accent1">
+              <a:lumMod val="75000"/>
+            </a:schemeClr>
+          </a:solidFill>
+        </p:spPr>
+        <p:style>
+          <a:lnRef idx="2">
+            <a:schemeClr val="accent1">
+              <a:shade val="50000"/>
+            </a:schemeClr>
+          </a:lnRef>
+          <a:fillRef idx="1">
+            <a:schemeClr val="accent1"/>
+          </a:fillRef>
+          <a:effectRef idx="0">
+            <a:schemeClr val="accent1"/>
+          </a:effectRef>
+          <a:fontRef idx="minor">
+            <a:schemeClr val="lt1"/>
+          </a:fontRef>
+        </p:style>
+        <p:txBody>
+          <a:bodyPr rot="0" spcFirstLastPara="0" vertOverflow="overflow" horzOverflow="overflow" vert="horz" wrap="square" lIns="91440" tIns="45721" rIns="91440" bIns="45721" numCol="1" spcCol="0" rtlCol="0" fromWordArt="0" anchor="ctr" anchorCtr="0" forceAA="0" compatLnSpc="1">
+            <a:prstTxWarp prst="textNoShape">
+              <a:avLst/>
+            </a:prstTxWarp>
+            <a:noAutofit/>
+          </a:bodyPr>
+          <a:lstStyle/>
+          <a:p>
+            <a:pPr algn="ctr"/>
+            <a:r>
+              <a:rPr lang="en-US" sz="1801" dirty="0" err="1" smtClean="0"/>
+              <a:t>Synthea</a:t>
+            </a:r>
+            <a:r>
+              <a:rPr lang="en-US" sz="1801" dirty="0" smtClean="0"/>
+              <a:t> Dataset (CSV file)</a:t>
+            </a:r>
+            <a:endParaRPr lang="en-US" sz="1801" dirty="0"/>
           </a:p>
         </p:txBody>
       </p:sp>
@@ -4840,16 +5362,28 @@
           <a:p>
             <a:pPr algn="ctr"/>
             <a:r>
-              <a:rPr lang="en-US" sz="1801" dirty="0" err="1" smtClean="0"/>
-              <a:t>OntoText</a:t>
-            </a:r>
-            <a:r>
               <a:rPr lang="en-US" sz="1801" dirty="0" smtClean="0"/>
-              <a:t> Graph DB (RDF </a:t>
+              <a:t>RDF </a:t>
             </a:r>
             <a:r>
               <a:rPr lang="en-US" sz="1801" dirty="0" err="1" smtClean="0"/>
               <a:t>Triplestore</a:t>
+            </a:r>
+            <a:r>
+              <a:rPr lang="en-US" sz="1801" dirty="0" smtClean="0"/>
+              <a:t> (</a:t>
+            </a:r>
+            <a:r>
+              <a:rPr lang="en-US" sz="1801" dirty="0" err="1" smtClean="0"/>
+              <a:t>Ontotext</a:t>
+            </a:r>
+            <a:r>
+              <a:rPr lang="en-US" sz="1801" dirty="0" smtClean="0"/>
+              <a:t> </a:t>
+            </a:r>
+            <a:r>
+              <a:rPr lang="en-US" sz="1801" dirty="0" err="1" smtClean="0"/>
+              <a:t>GraphDB</a:t>
             </a:r>
             <a:r>
               <a:rPr lang="en-US" sz="1801" dirty="0" smtClean="0"/>
@@ -4913,21 +5447,19 @@
       </p:sp>
       <p:sp>
         <p:nvSpPr>
-          <p:cNvPr id="21" name="Rectangle 20"/>
+          <p:cNvPr id="23" name="Rectangle 22"/>
           <p:cNvSpPr/>
           <p:nvPr/>
         </p:nvSpPr>
         <p:spPr>
           <a:xfrm>
-            <a:off x="1537068" y="5175059"/>
-            <a:ext cx="2325189" cy="1541417"/>
+            <a:off x="396246" y="1001486"/>
+            <a:ext cx="11490954" cy="4040777"/>
           </a:xfrm>
           <a:prstGeom prst="rect">
             <a:avLst/>
           </a:prstGeom>
-          <a:solidFill>
-            <a:schemeClr val="accent2"/>
-          </a:solidFill>
+          <a:noFill/>
         </p:spPr>
         <p:style>
           <a:lnRef idx="2">
@@ -4946,38 +5478,31 @@
           </a:fontRef>
         </p:style>
         <p:txBody>
-          <a:bodyPr rot="0" spcFirstLastPara="0" vertOverflow="overflow" horzOverflow="overflow" vert="horz" wrap="square" lIns="91440" tIns="45721" rIns="91440" bIns="45721" numCol="1" spcCol="0" rtlCol="0" fromWordArt="0" anchor="ctr" anchorCtr="0" forceAA="0" compatLnSpc="1">
-            <a:prstTxWarp prst="textNoShape">
-              <a:avLst/>
-            </a:prstTxWarp>
-            <a:noAutofit/>
-          </a:bodyPr>
+          <a:bodyPr rtlCol="0" anchor="ctr"/>
           <a:lstStyle/>
           <a:p>
             <a:pPr algn="ctr"/>
-            <a:r>
-              <a:rPr lang="en-US" sz="1801" dirty="0" smtClean="0"/>
-              <a:t>Carnival (data aggregator)</a:t>
-            </a:r>
-            <a:endParaRPr lang="en-US" sz="1801" dirty="0"/>
-          </a:p>
-        </p:txBody>
-      </p:sp>
-      <p:sp>
-        <p:nvSpPr>
-          <p:cNvPr id="23" name="Rectangle 22"/>
+            <a:endParaRPr lang="en-US"/>
+          </a:p>
+        </p:txBody>
+      </p:sp>
+      <p:sp>
+        <p:nvSpPr>
+          <p:cNvPr id="24" name="Rectangle 23"/>
           <p:cNvSpPr/>
           <p:nvPr/>
         </p:nvSpPr>
         <p:spPr>
           <a:xfrm>
-            <a:off x="396246" y="1001486"/>
-            <a:ext cx="11490954" cy="4040777"/>
+            <a:off x="3570652" y="1726466"/>
+            <a:ext cx="2325189" cy="1541417"/>
           </a:xfrm>
           <a:prstGeom prst="rect">
             <a:avLst/>
           </a:prstGeom>
-          <a:noFill/>
+          <a:solidFill>
+            <a:srgbClr val="7030A0"/>
+          </a:solidFill>
         </p:spPr>
         <p:style>
           <a:lnRef idx="2">
@@ -4996,23 +5521,32 @@
           </a:fontRef>
         </p:style>
         <p:txBody>
-          <a:bodyPr rtlCol="0" anchor="ctr"/>
+          <a:bodyPr rot="0" spcFirstLastPara="0" vertOverflow="overflow" horzOverflow="overflow" vert="horz" wrap="square" lIns="91440" tIns="45721" rIns="91440" bIns="45721" numCol="1" spcCol="0" rtlCol="0" fromWordArt="0" anchor="ctr" anchorCtr="0" forceAA="0" compatLnSpc="1">
+            <a:prstTxWarp prst="textNoShape">
+              <a:avLst/>
+            </a:prstTxWarp>
+            <a:noAutofit/>
+          </a:bodyPr>
           <a:lstStyle/>
           <a:p>
             <a:pPr algn="ctr"/>
-            <a:endParaRPr lang="en-US"/>
-          </a:p>
-        </p:txBody>
-      </p:sp>
-      <p:sp>
-        <p:nvSpPr>
-          <p:cNvPr id="24" name="Rectangle 23"/>
+            <a:r>
+              <a:rPr lang="en-US" sz="1801" dirty="0" smtClean="0"/>
+              <a:t>PDS Diagnoses Transformation</a:t>
+            </a:r>
+            <a:endParaRPr lang="en-US" sz="1801" dirty="0"/>
+          </a:p>
+        </p:txBody>
+      </p:sp>
+      <p:sp>
+        <p:nvSpPr>
+          <p:cNvPr id="25" name="Rectangle 24"/>
           <p:cNvSpPr/>
           <p:nvPr/>
         </p:nvSpPr>
         <p:spPr>
           <a:xfrm>
-            <a:off x="3570652" y="1726466"/>
+            <a:off x="6181054" y="1726466"/>
             <a:ext cx="2325189" cy="1541417"/>
           </a:xfrm>
           <a:prstGeom prst="rect">
@@ -5050,7 +5584,7 @@
             <a:pPr algn="ctr"/>
             <a:r>
               <a:rPr lang="en-US" sz="1801" dirty="0" smtClean="0"/>
-              <a:t>PDS Diagnoses Transformation</a:t>
+              <a:t>PDS Medications Transformation</a:t>
             </a:r>
             <a:endParaRPr lang="en-US" sz="1801" dirty="0"/>
           </a:p>
@@ -5058,13 +5592,13 @@
       </p:sp>
       <p:sp>
         <p:nvSpPr>
-          <p:cNvPr id="25" name="Rectangle 24"/>
+          <p:cNvPr id="26" name="Rectangle 25"/>
           <p:cNvSpPr/>
           <p:nvPr/>
         </p:nvSpPr>
         <p:spPr>
           <a:xfrm>
-            <a:off x="6181054" y="1726466"/>
+            <a:off x="8791456" y="1726466"/>
             <a:ext cx="2325189" cy="1541417"/>
           </a:xfrm>
           <a:prstGeom prst="rect">
@@ -5102,7 +5636,7 @@
             <a:pPr algn="ctr"/>
             <a:r>
               <a:rPr lang="en-US" sz="1801" dirty="0" smtClean="0"/>
-              <a:t>PDS Medications Transformation</a:t>
+              <a:t>Regeneron Genomic Loss of Function Transformation</a:t>
             </a:r>
             <a:endParaRPr lang="en-US" sz="1801" dirty="0"/>
           </a:p>
@@ -5110,13 +5644,43 @@
       </p:sp>
       <p:sp>
         <p:nvSpPr>
-          <p:cNvPr id="26" name="Rectangle 25"/>
+          <p:cNvPr id="27" name="TextBox 26"/>
+          <p:cNvSpPr txBox="1"/>
+          <p:nvPr/>
+        </p:nvSpPr>
+        <p:spPr>
+          <a:xfrm>
+            <a:off x="4876801" y="1228291"/>
+            <a:ext cx="2186368" cy="369332"/>
+          </a:xfrm>
+          <a:prstGeom prst="rect">
+            <a:avLst/>
+          </a:prstGeom>
+          <a:noFill/>
+        </p:spPr>
+        <p:txBody>
+          <a:bodyPr wrap="none" rtlCol="0">
+            <a:spAutoFit/>
+          </a:bodyPr>
+          <a:lstStyle/>
+          <a:p>
+            <a:r>
+              <a:rPr lang="en-US" b="1" dirty="0" smtClean="0"/>
+              <a:t>Raw SPARQL Queries</a:t>
+            </a:r>
+            <a:endParaRPr lang="en-US" b="1" dirty="0"/>
+          </a:p>
+        </p:txBody>
+      </p:sp>
+      <p:sp>
+        <p:nvSpPr>
+          <p:cNvPr id="28" name="Rectangle 27"/>
           <p:cNvSpPr/>
           <p:nvPr/>
         </p:nvSpPr>
         <p:spPr>
           <a:xfrm>
-            <a:off x="8791456" y="1726466"/>
+            <a:off x="3565075" y="3384364"/>
             <a:ext cx="2325189" cy="1541417"/>
           </a:xfrm>
           <a:prstGeom prst="rect">
@@ -5154,7 +5718,7 @@
             <a:pPr algn="ctr"/>
             <a:r>
               <a:rPr lang="en-US" sz="1801" dirty="0" smtClean="0"/>
-              <a:t>Regeneron Genomic Loss of Function Transformation</a:t>
+              <a:t>Patient To Healthcare Encounter Linking</a:t>
             </a:r>
             <a:endParaRPr lang="en-US" sz="1801" dirty="0"/>
           </a:p>
@@ -5162,43 +5726,13 @@
       </p:sp>
       <p:sp>
         <p:nvSpPr>
-          <p:cNvPr id="27" name="TextBox 26"/>
-          <p:cNvSpPr txBox="1"/>
-          <p:nvPr/>
-        </p:nvSpPr>
-        <p:spPr>
-          <a:xfrm>
-            <a:off x="4876801" y="1228291"/>
-            <a:ext cx="2186368" cy="369332"/>
-          </a:xfrm>
-          <a:prstGeom prst="rect">
-            <a:avLst/>
-          </a:prstGeom>
-          <a:noFill/>
-        </p:spPr>
-        <p:txBody>
-          <a:bodyPr wrap="none" rtlCol="0">
-            <a:spAutoFit/>
-          </a:bodyPr>
-          <a:lstStyle/>
-          <a:p>
-            <a:r>
-              <a:rPr lang="en-US" b="1" dirty="0" smtClean="0"/>
-              <a:t>Raw SPARQL Queries</a:t>
-            </a:r>
-            <a:endParaRPr lang="en-US" b="1" dirty="0"/>
-          </a:p>
-        </p:txBody>
-      </p:sp>
-      <p:sp>
-        <p:nvSpPr>
-          <p:cNvPr id="28" name="Rectangle 27"/>
+          <p:cNvPr id="29" name="Rectangle 28"/>
           <p:cNvSpPr/>
           <p:nvPr/>
         </p:nvSpPr>
         <p:spPr>
           <a:xfrm>
-            <a:off x="3565075" y="3384364"/>
+            <a:off x="6181053" y="3396726"/>
             <a:ext cx="2325189" cy="1541417"/>
           </a:xfrm>
           <a:prstGeom prst="rect">
@@ -5236,28 +5770,63 @@
             <a:pPr algn="ctr"/>
             <a:r>
               <a:rPr lang="en-US" sz="1801" dirty="0" smtClean="0"/>
-              <a:t>Patient To Healthcare Encounter Linking</a:t>
+              <a:t>Patient To Biobank Encounter Linking</a:t>
             </a:r>
             <a:endParaRPr lang="en-US" sz="1801" dirty="0"/>
           </a:p>
         </p:txBody>
       </p:sp>
-      <p:sp>
-        <p:nvSpPr>
-          <p:cNvPr id="29" name="Rectangle 28"/>
+      <p:cxnSp>
+        <p:nvCxnSpPr>
+          <p:cNvPr id="30" name="Straight Arrow Connector 29"/>
+          <p:cNvCxnSpPr>
+            <a:endCxn id="11" idx="3"/>
+          </p:cNvCxnSpPr>
+          <p:nvPr/>
+        </p:nvCxnSpPr>
+        <p:spPr>
+          <a:xfrm flipH="1">
+            <a:off x="7987942" y="5042264"/>
+            <a:ext cx="2193620" cy="903504"/>
+          </a:xfrm>
+          <a:prstGeom prst="straightConnector1">
+            <a:avLst/>
+          </a:prstGeom>
+          <a:ln>
+            <a:tailEnd type="triangle"/>
+          </a:ln>
+        </p:spPr>
+        <p:style>
+          <a:lnRef idx="1">
+            <a:schemeClr val="accent1"/>
+          </a:lnRef>
+          <a:fillRef idx="0">
+            <a:schemeClr val="accent1"/>
+          </a:fillRef>
+          <a:effectRef idx="0">
+            <a:schemeClr val="accent1"/>
+          </a:effectRef>
+          <a:fontRef idx="minor">
+            <a:schemeClr val="tx1"/>
+          </a:fontRef>
+        </p:style>
+      </p:cxnSp>
+      <p:sp>
+        <p:nvSpPr>
+          <p:cNvPr id="15" name="Rectangle 14"/>
           <p:cNvSpPr/>
           <p:nvPr/>
         </p:nvSpPr>
         <p:spPr>
           <a:xfrm>
-            <a:off x="6181053" y="3396726"/>
+            <a:off x="1467399" y="5158744"/>
             <a:ext cx="2325189" cy="1541417"/>
           </a:xfrm>
           <a:prstGeom prst="rect">
             <a:avLst/>
           </a:prstGeom>
           <a:solidFill>
-            <a:srgbClr val="7030A0"/>
+            <a:srgbClr val="FFFF00"/>
           </a:solidFill>
         </p:spPr>
         <p:style>
@@ -5287,48 +5856,21 @@
           <a:p>
             <a:pPr algn="ctr"/>
             <a:r>
-              <a:rPr lang="en-US" sz="1801" dirty="0" smtClean="0"/>
-              <a:t>Patient To Biobank Encounter Linking</a:t>
-            </a:r>
-            <a:endParaRPr lang="en-US" sz="1801" dirty="0"/>
-          </a:p>
-        </p:txBody>
-      </p:sp>
-      <p:cxnSp>
-        <p:nvCxnSpPr>
-          <p:cNvPr id="30" name="Straight Arrow Connector 29"/>
-          <p:cNvCxnSpPr>
-            <a:endCxn id="11" idx="3"/>
-          </p:cNvCxnSpPr>
-          <p:nvPr/>
-        </p:nvCxnSpPr>
-        <p:spPr>
-          <a:xfrm flipH="1">
-            <a:off x="7987942" y="5042264"/>
-            <a:ext cx="2193620" cy="903504"/>
-          </a:xfrm>
-          <a:prstGeom prst="straightConnector1">
-            <a:avLst/>
-          </a:prstGeom>
-          <a:ln>
-            <a:tailEnd type="triangle"/>
-          </a:ln>
-        </p:spPr>
-        <p:style>
-          <a:lnRef idx="1">
-            <a:schemeClr val="accent1"/>
-          </a:lnRef>
-          <a:fillRef idx="0">
-            <a:schemeClr val="accent1"/>
-          </a:fillRef>
-          <a:effectRef idx="0">
-            <a:schemeClr val="accent1"/>
-          </a:effectRef>
-          <a:fontRef idx="minor">
-            <a:schemeClr val="tx1"/>
-          </a:fontRef>
-        </p:style>
-      </p:cxnSp>
+              <a:rPr lang="en-US" sz="1801" dirty="0" smtClean="0">
+                <a:solidFill>
+                  <a:schemeClr val="tx1"/>
+                </a:solidFill>
+              </a:rPr>
+              <a:t>Carnival (data aggregator)</a:t>
+            </a:r>
+            <a:endParaRPr lang="en-US" sz="1801" dirty="0">
+              <a:solidFill>
+                <a:schemeClr val="tx1"/>
+              </a:solidFill>
+            </a:endParaRPr>
+          </a:p>
+        </p:txBody>
+      </p:sp>
     </p:spTree>
     <p:extLst>
       <p:ext uri="{BB962C8B-B14F-4D97-AF65-F5344CB8AC3E}">
@@ -5779,26 +6321,53 @@
           </a:p>
         </p:txBody>
       </p:sp>
-      <p:sp>
-        <p:nvSpPr>
-          <p:cNvPr id="18" name="Rectangle 17"/>
+      <p:cxnSp>
+        <p:nvCxnSpPr>
+          <p:cNvPr id="20" name="Straight Arrow Connector 19"/>
+          <p:cNvCxnSpPr/>
+          <p:nvPr/>
+        </p:nvCxnSpPr>
+        <p:spPr>
+          <a:xfrm>
+            <a:off x="5381897" y="2525483"/>
+            <a:ext cx="720463" cy="1"/>
+          </a:xfrm>
+          <a:prstGeom prst="straightConnector1">
+            <a:avLst/>
+          </a:prstGeom>
+          <a:ln>
+            <a:tailEnd type="triangle"/>
+          </a:ln>
+        </p:spPr>
+        <p:style>
+          <a:lnRef idx="1">
+            <a:schemeClr val="accent1"/>
+          </a:lnRef>
+          <a:fillRef idx="0">
+            <a:schemeClr val="accent1"/>
+          </a:fillRef>
+          <a:effectRef idx="0">
+            <a:schemeClr val="accent1"/>
+          </a:effectRef>
+          <a:fontRef idx="minor">
+            <a:schemeClr val="tx1"/>
+          </a:fontRef>
+        </p:style>
+      </p:cxnSp>
+      <p:sp>
+        <p:nvSpPr>
+          <p:cNvPr id="21" name="Rounded Rectangle 20"/>
           <p:cNvSpPr/>
           <p:nvPr/>
         </p:nvSpPr>
         <p:spPr>
           <a:xfrm>
-            <a:off x="6102360" y="1754775"/>
-            <a:ext cx="2325189" cy="1541417"/>
-          </a:xfrm>
-          <a:prstGeom prst="rect">
-            <a:avLst/>
-          </a:prstGeom>
-          <a:solidFill>
-            <a:schemeClr val="accent6">
-              <a:lumMod val="60000"/>
-              <a:lumOff val="40000"/>
-            </a:schemeClr>
-          </a:solidFill>
+            <a:off x="9313821" y="1576249"/>
+            <a:ext cx="2569028" cy="1898468"/>
+          </a:xfrm>
+          <a:prstGeom prst="roundRect">
+            <a:avLst/>
+          </a:prstGeom>
         </p:spPr>
         <p:style>
           <a:lnRef idx="2">
@@ -5828,89 +6397,6 @@
             <a:pPr algn="ctr"/>
             <a:r>
               <a:rPr lang="en-US" sz="1801" dirty="0"/>
-              <a:t>Acorn Interpreter (Drivetrain)</a:t>
-            </a:r>
-          </a:p>
-        </p:txBody>
-      </p:sp>
-      <p:cxnSp>
-        <p:nvCxnSpPr>
-          <p:cNvPr id="20" name="Straight Arrow Connector 19"/>
-          <p:cNvCxnSpPr>
-            <a:endCxn id="18" idx="1"/>
-          </p:cNvCxnSpPr>
-          <p:nvPr/>
-        </p:nvCxnSpPr>
-        <p:spPr>
-          <a:xfrm>
-            <a:off x="5381897" y="2525483"/>
-            <a:ext cx="720463" cy="1"/>
-          </a:xfrm>
-          <a:prstGeom prst="straightConnector1">
-            <a:avLst/>
-          </a:prstGeom>
-          <a:ln>
-            <a:tailEnd type="triangle"/>
-          </a:ln>
-        </p:spPr>
-        <p:style>
-          <a:lnRef idx="1">
-            <a:schemeClr val="accent1"/>
-          </a:lnRef>
-          <a:fillRef idx="0">
-            <a:schemeClr val="accent1"/>
-          </a:fillRef>
-          <a:effectRef idx="0">
-            <a:schemeClr val="accent1"/>
-          </a:effectRef>
-          <a:fontRef idx="minor">
-            <a:schemeClr val="tx1"/>
-          </a:fontRef>
-        </p:style>
-      </p:cxnSp>
-      <p:sp>
-        <p:nvSpPr>
-          <p:cNvPr id="21" name="Rounded Rectangle 20"/>
-          <p:cNvSpPr/>
-          <p:nvPr/>
-        </p:nvSpPr>
-        <p:spPr>
-          <a:xfrm>
-            <a:off x="9313821" y="1576249"/>
-            <a:ext cx="2569028" cy="1898468"/>
-          </a:xfrm>
-          <a:prstGeom prst="roundRect">
-            <a:avLst/>
-          </a:prstGeom>
-        </p:spPr>
-        <p:style>
-          <a:lnRef idx="2">
-            <a:schemeClr val="accent1">
-              <a:shade val="50000"/>
-            </a:schemeClr>
-          </a:lnRef>
-          <a:fillRef idx="1">
-            <a:schemeClr val="accent1"/>
-          </a:fillRef>
-          <a:effectRef idx="0">
-            <a:schemeClr val="accent1"/>
-          </a:effectRef>
-          <a:fontRef idx="minor">
-            <a:schemeClr val="lt1"/>
-          </a:fontRef>
-        </p:style>
-        <p:txBody>
-          <a:bodyPr rot="0" spcFirstLastPara="0" vertOverflow="overflow" horzOverflow="overflow" vert="horz" wrap="square" lIns="91440" tIns="45721" rIns="91440" bIns="45721" numCol="1" spcCol="0" rtlCol="0" fromWordArt="0" anchor="ctr" anchorCtr="0" forceAA="0" compatLnSpc="1">
-            <a:prstTxWarp prst="textNoShape">
-              <a:avLst/>
-            </a:prstTxWarp>
-            <a:noAutofit/>
-          </a:bodyPr>
-          <a:lstStyle/>
-          <a:p>
-            <a:pPr algn="ctr"/>
-            <a:r>
-              <a:rPr lang="en-US" sz="1801" dirty="0"/>
               <a:t>Graph Specification</a:t>
             </a:r>
           </a:p>
@@ -5928,7 +6414,6 @@
           <p:cNvPr id="22" name="Straight Arrow Connector 21"/>
           <p:cNvCxnSpPr>
             <a:stCxn id="21" idx="1"/>
-            <a:endCxn id="18" idx="3"/>
           </p:cNvCxnSpPr>
           <p:nvPr/>
         </p:nvCxnSpPr>
@@ -5967,7 +6452,7 @@
         </p:nvCxnSpPr>
         <p:spPr>
           <a:xfrm flipV="1">
-            <a:off x="8357880" y="5246913"/>
+            <a:off x="8357880" y="5246912"/>
             <a:ext cx="1134463" cy="8709"/>
           </a:xfrm>
           <a:prstGeom prst="straightConnector1">
@@ -6037,12 +6522,8 @@
           <a:p>
             <a:pPr algn="ctr"/>
             <a:r>
-              <a:rPr lang="en-US" sz="1801" dirty="0" err="1" smtClean="0"/>
-              <a:t>OntoText</a:t>
-            </a:r>
-            <a:r>
               <a:rPr lang="en-US" sz="1801" dirty="0" smtClean="0"/>
-              <a:t> Graph DB (RDF </a:t>
+              <a:t>RDF </a:t>
             </a:r>
             <a:r>
               <a:rPr lang="en-US" sz="1801" dirty="0" err="1" smtClean="0"/>
@@ -6050,28 +6531,77 @@
             </a:r>
             <a:r>
               <a:rPr lang="en-US" sz="1801" dirty="0" smtClean="0"/>
+              <a:t> (</a:t>
+            </a:r>
+            <a:r>
+              <a:rPr lang="en-US" sz="1801" dirty="0" err="1" smtClean="0"/>
+              <a:t>Ontotext</a:t>
+            </a:r>
+            <a:r>
+              <a:rPr lang="en-US" sz="1801" dirty="0" smtClean="0"/>
+              <a:t> </a:t>
+            </a:r>
+            <a:r>
+              <a:rPr lang="en-US" sz="1801" dirty="0" err="1" smtClean="0"/>
+              <a:t>GraphDB</a:t>
+            </a:r>
+            <a:r>
+              <a:rPr lang="en-US" sz="1801" dirty="0" smtClean="0"/>
               <a:t>)</a:t>
             </a:r>
             <a:endParaRPr lang="en-US" sz="1801" dirty="0"/>
           </a:p>
         </p:txBody>
       </p:sp>
-      <p:sp>
-        <p:nvSpPr>
-          <p:cNvPr id="26" name="Rectangle 25"/>
+      <p:cxnSp>
+        <p:nvCxnSpPr>
+          <p:cNvPr id="29" name="Straight Arrow Connector 28"/>
+          <p:cNvCxnSpPr/>
+          <p:nvPr/>
+        </p:nvCxnSpPr>
+        <p:spPr>
+          <a:xfrm>
+            <a:off x="8303454" y="3153588"/>
+            <a:ext cx="1188889" cy="1331325"/>
+          </a:xfrm>
+          <a:prstGeom prst="straightConnector1">
+            <a:avLst/>
+          </a:prstGeom>
+          <a:ln>
+            <a:tailEnd type="triangle"/>
+          </a:ln>
+        </p:spPr>
+        <p:style>
+          <a:lnRef idx="1">
+            <a:schemeClr val="accent1"/>
+          </a:lnRef>
+          <a:fillRef idx="0">
+            <a:schemeClr val="accent1"/>
+          </a:fillRef>
+          <a:effectRef idx="0">
+            <a:schemeClr val="accent1"/>
+          </a:effectRef>
+          <a:fontRef idx="minor">
+            <a:schemeClr val="tx1"/>
+          </a:fontRef>
+        </p:style>
+      </p:cxnSp>
+      <p:sp>
+        <p:nvSpPr>
+          <p:cNvPr id="27" name="Rectangle 26"/>
           <p:cNvSpPr/>
           <p:nvPr/>
         </p:nvSpPr>
         <p:spPr>
           <a:xfrm>
-            <a:off x="6102360" y="4484912"/>
+            <a:off x="6111669" y="4484913"/>
             <a:ext cx="2325189" cy="1541417"/>
           </a:xfrm>
           <a:prstGeom prst="rect">
             <a:avLst/>
           </a:prstGeom>
           <a:solidFill>
-            <a:schemeClr val="accent2"/>
+            <a:srgbClr val="FFFF00"/>
           </a:solidFill>
         </p:spPr>
         <p:style>
@@ -6101,48 +6631,73 @@
           <a:p>
             <a:pPr algn="ctr"/>
             <a:r>
-              <a:rPr lang="en-US" sz="1801" dirty="0" smtClean="0"/>
+              <a:rPr lang="en-US" sz="1801" dirty="0" smtClean="0">
+                <a:solidFill>
+                  <a:schemeClr val="tx1"/>
+                </a:solidFill>
+              </a:rPr>
               <a:t>Carnival (data aggregator)</a:t>
             </a:r>
-            <a:endParaRPr lang="en-US" sz="1801" dirty="0"/>
-          </a:p>
-        </p:txBody>
-      </p:sp>
-      <p:cxnSp>
-        <p:nvCxnSpPr>
-          <p:cNvPr id="29" name="Straight Arrow Connector 28"/>
-          <p:cNvCxnSpPr>
-            <a:stCxn id="18" idx="2"/>
-          </p:cNvCxnSpPr>
-          <p:nvPr/>
-        </p:nvCxnSpPr>
-        <p:spPr>
-          <a:xfrm>
-            <a:off x="7264955" y="3296192"/>
-            <a:ext cx="6702" cy="1188721"/>
-          </a:xfrm>
-          <a:prstGeom prst="straightConnector1">
-            <a:avLst/>
-          </a:prstGeom>
-          <a:ln>
-            <a:tailEnd type="triangle"/>
-          </a:ln>
+            <a:endParaRPr lang="en-US" sz="1801" dirty="0">
+              <a:solidFill>
+                <a:schemeClr val="tx1"/>
+              </a:solidFill>
+            </a:endParaRPr>
+          </a:p>
+        </p:txBody>
+      </p:sp>
+      <p:sp>
+        <p:nvSpPr>
+          <p:cNvPr id="28" name="Rounded Rectangle 27"/>
+          <p:cNvSpPr/>
+          <p:nvPr/>
+        </p:nvSpPr>
+        <p:spPr>
+          <a:xfrm>
+            <a:off x="6111669" y="1576249"/>
+            <a:ext cx="2325189" cy="1647718"/>
+          </a:xfrm>
+          <a:prstGeom prst="roundRect">
+            <a:avLst/>
+          </a:prstGeom>
+          <a:solidFill>
+            <a:srgbClr val="7030A0"/>
+          </a:solidFill>
         </p:spPr>
         <p:style>
-          <a:lnRef idx="1">
-            <a:schemeClr val="accent1"/>
+          <a:lnRef idx="2">
+            <a:schemeClr val="accent1">
+              <a:shade val="50000"/>
+            </a:schemeClr>
           </a:lnRef>
-          <a:fillRef idx="0">
+          <a:fillRef idx="1">
             <a:schemeClr val="accent1"/>
           </a:fillRef>
           <a:effectRef idx="0">
             <a:schemeClr val="accent1"/>
           </a:effectRef>
           <a:fontRef idx="minor">
-            <a:schemeClr val="tx1"/>
+            <a:schemeClr val="lt1"/>
           </a:fontRef>
         </p:style>
-      </p:cxnSp>
+        <p:txBody>
+          <a:bodyPr rot="0" spcFirstLastPara="0" vertOverflow="overflow" horzOverflow="overflow" vert="horz" wrap="square" lIns="91440" tIns="45721" rIns="91440" bIns="45721" numCol="1" spcCol="0" rtlCol="0" fromWordArt="0" anchor="ctr" anchorCtr="0" forceAA="0" compatLnSpc="1">
+            <a:prstTxWarp prst="textNoShape">
+              <a:avLst/>
+            </a:prstTxWarp>
+            <a:noAutofit/>
+          </a:bodyPr>
+          <a:lstStyle/>
+          <a:p>
+            <a:pPr algn="ctr"/>
+            <a:r>
+              <a:rPr lang="en-US" sz="1801" dirty="0" smtClean="0"/>
+              <a:t>Transformation Interpreter</a:t>
+            </a:r>
+            <a:endParaRPr lang="en-US" sz="1801" dirty="0"/>
+          </a:p>
+        </p:txBody>
+      </p:sp>
     </p:spTree>
     <p:extLst>
       <p:ext uri="{BB962C8B-B14F-4D97-AF65-F5344CB8AC3E}">

--- a/Acorn_diagrams.pptx
+++ b/Acorn_diagrams.pptx
@@ -10,6 +10,7 @@
     <p:sldId id="258" r:id="rId4"/>
     <p:sldId id="259" r:id="rId5"/>
     <p:sldId id="260" r:id="rId6"/>
+    <p:sldId id="262" r:id="rId7"/>
   </p:sldIdLst>
   <p:sldSz cx="12192000" cy="6858000"/>
   <p:notesSz cx="6858000" cy="9144000"/>
@@ -247,7 +248,7 @@
           <a:p>
             <a:fld id="{1C95C1E8-FF19-4248-A4A0-1C9093B41962}" type="datetimeFigureOut">
               <a:rPr lang="en-US" smtClean="0"/>
-              <a:t>1/15/2020</a:t>
+              <a:t>1/25/2020</a:t>
             </a:fld>
             <a:endParaRPr lang="en-US"/>
           </a:p>
@@ -417,7 +418,7 @@
           <a:p>
             <a:fld id="{1C95C1E8-FF19-4248-A4A0-1C9093B41962}" type="datetimeFigureOut">
               <a:rPr lang="en-US" smtClean="0"/>
-              <a:t>1/15/2020</a:t>
+              <a:t>1/25/2020</a:t>
             </a:fld>
             <a:endParaRPr lang="en-US"/>
           </a:p>
@@ -597,7 +598,7 @@
           <a:p>
             <a:fld id="{1C95C1E8-FF19-4248-A4A0-1C9093B41962}" type="datetimeFigureOut">
               <a:rPr lang="en-US" smtClean="0"/>
-              <a:t>1/15/2020</a:t>
+              <a:t>1/25/2020</a:t>
             </a:fld>
             <a:endParaRPr lang="en-US"/>
           </a:p>
@@ -767,7 +768,7 @@
           <a:p>
             <a:fld id="{1C95C1E8-FF19-4248-A4A0-1C9093B41962}" type="datetimeFigureOut">
               <a:rPr lang="en-US" smtClean="0"/>
-              <a:t>1/15/2020</a:t>
+              <a:t>1/25/2020</a:t>
             </a:fld>
             <a:endParaRPr lang="en-US"/>
           </a:p>
@@ -1013,7 +1014,7 @@
           <a:p>
             <a:fld id="{1C95C1E8-FF19-4248-A4A0-1C9093B41962}" type="datetimeFigureOut">
               <a:rPr lang="en-US" smtClean="0"/>
-              <a:t>1/15/2020</a:t>
+              <a:t>1/25/2020</a:t>
             </a:fld>
             <a:endParaRPr lang="en-US"/>
           </a:p>
@@ -1245,7 +1246,7 @@
           <a:p>
             <a:fld id="{1C95C1E8-FF19-4248-A4A0-1C9093B41962}" type="datetimeFigureOut">
               <a:rPr lang="en-US" smtClean="0"/>
-              <a:t>1/15/2020</a:t>
+              <a:t>1/25/2020</a:t>
             </a:fld>
             <a:endParaRPr lang="en-US"/>
           </a:p>
@@ -1612,7 +1613,7 @@
           <a:p>
             <a:fld id="{1C95C1E8-FF19-4248-A4A0-1C9093B41962}" type="datetimeFigureOut">
               <a:rPr lang="en-US" smtClean="0"/>
-              <a:t>1/15/2020</a:t>
+              <a:t>1/25/2020</a:t>
             </a:fld>
             <a:endParaRPr lang="en-US"/>
           </a:p>
@@ -1730,7 +1731,7 @@
           <a:p>
             <a:fld id="{1C95C1E8-FF19-4248-A4A0-1C9093B41962}" type="datetimeFigureOut">
               <a:rPr lang="en-US" smtClean="0"/>
-              <a:t>1/15/2020</a:t>
+              <a:t>1/25/2020</a:t>
             </a:fld>
             <a:endParaRPr lang="en-US"/>
           </a:p>
@@ -1825,7 +1826,7 @@
           <a:p>
             <a:fld id="{1C95C1E8-FF19-4248-A4A0-1C9093B41962}" type="datetimeFigureOut">
               <a:rPr lang="en-US" smtClean="0"/>
-              <a:t>1/15/2020</a:t>
+              <a:t>1/25/2020</a:t>
             </a:fld>
             <a:endParaRPr lang="en-US"/>
           </a:p>
@@ -2102,7 +2103,7 @@
           <a:p>
             <a:fld id="{1C95C1E8-FF19-4248-A4A0-1C9093B41962}" type="datetimeFigureOut">
               <a:rPr lang="en-US" smtClean="0"/>
-              <a:t>1/15/2020</a:t>
+              <a:t>1/25/2020</a:t>
             </a:fld>
             <a:endParaRPr lang="en-US"/>
           </a:p>
@@ -2355,7 +2356,7 @@
           <a:p>
             <a:fld id="{1C95C1E8-FF19-4248-A4A0-1C9093B41962}" type="datetimeFigureOut">
               <a:rPr lang="en-US" smtClean="0"/>
-              <a:t>1/15/2020</a:t>
+              <a:t>1/25/2020</a:t>
             </a:fld>
             <a:endParaRPr lang="en-US"/>
           </a:p>
@@ -2568,7 +2569,7 @@
           <a:p>
             <a:fld id="{1C95C1E8-FF19-4248-A4A0-1C9093B41962}" type="datetimeFigureOut">
               <a:rPr lang="en-US" smtClean="0"/>
-              <a:t>1/15/2020</a:t>
+              <a:t>1/25/2020</a:t>
             </a:fld>
             <a:endParaRPr lang="en-US"/>
           </a:p>
@@ -3192,11 +3193,7 @@
             <a:pPr algn="ctr"/>
             <a:r>
               <a:rPr lang="en-US" sz="1801" dirty="0" smtClean="0"/>
-              <a:t>Semantic Transformer </a:t>
-            </a:r>
-            <a:r>
-              <a:rPr lang="en-US" sz="1801" dirty="0" smtClean="0"/>
-              <a:t>Ontology</a:t>
+              <a:t>Semantic Transformer Ontology</a:t>
             </a:r>
             <a:endParaRPr lang="en-US" sz="1801" dirty="0"/>
           </a:p>
@@ -4339,11 +4336,6 @@
               </a:rPr>
               <a:t>Penn Data Store (patient demographics, diagnoses, medications, etc.)</a:t>
             </a:r>
-            <a:endParaRPr lang="en-US" sz="1801" dirty="0">
-              <a:solidFill>
-                <a:schemeClr val="tx1"/>
-              </a:solidFill>
-            </a:endParaRPr>
           </a:p>
         </p:txBody>
       </p:sp>
@@ -5291,9 +5283,9 @@
           <p:nvPr/>
         </p:nvCxnSpPr>
         <p:spPr>
-          <a:xfrm flipV="1">
-            <a:off x="3792588" y="5945767"/>
-            <a:ext cx="1870165" cy="1"/>
+          <a:xfrm>
+            <a:off x="6181053" y="5954176"/>
+            <a:ext cx="1162594" cy="0"/>
           </a:xfrm>
           <a:prstGeom prst="straightConnector1">
             <a:avLst/>
@@ -5325,7 +5317,7 @@
         </p:nvSpPr>
         <p:spPr>
           <a:xfrm>
-            <a:off x="5662753" y="5175059"/>
+            <a:off x="7343647" y="5183467"/>
             <a:ext cx="2325189" cy="1541417"/>
           </a:xfrm>
           <a:prstGeom prst="rect">
@@ -5786,7 +5778,7 @@
         </p:nvCxnSpPr>
         <p:spPr>
           <a:xfrm flipH="1">
-            <a:off x="7987942" y="5042264"/>
+            <a:off x="9668836" y="5050672"/>
             <a:ext cx="2193620" cy="903504"/>
           </a:xfrm>
           <a:prstGeom prst="straightConnector1">
@@ -5819,7 +5811,7 @@
         </p:nvSpPr>
         <p:spPr>
           <a:xfrm>
-            <a:off x="1467399" y="5158744"/>
+            <a:off x="3978414" y="5183467"/>
             <a:ext cx="2325189" cy="1541417"/>
           </a:xfrm>
           <a:prstGeom prst="rect">
@@ -5871,6 +5863,99 @@
           </a:p>
         </p:txBody>
       </p:sp>
+      <p:sp>
+        <p:nvSpPr>
+          <p:cNvPr id="16" name="Rectangle 15"/>
+          <p:cNvSpPr/>
+          <p:nvPr/>
+        </p:nvSpPr>
+        <p:spPr>
+          <a:xfrm>
+            <a:off x="499648" y="5158744"/>
+            <a:ext cx="2325189" cy="1541417"/>
+          </a:xfrm>
+          <a:prstGeom prst="rect">
+            <a:avLst/>
+          </a:prstGeom>
+          <a:solidFill>
+            <a:srgbClr val="FF0000"/>
+          </a:solidFill>
+        </p:spPr>
+        <p:style>
+          <a:lnRef idx="2">
+            <a:schemeClr val="accent1">
+              <a:shade val="50000"/>
+            </a:schemeClr>
+          </a:lnRef>
+          <a:fillRef idx="1">
+            <a:schemeClr val="accent1"/>
+          </a:fillRef>
+          <a:effectRef idx="0">
+            <a:schemeClr val="accent1"/>
+          </a:effectRef>
+          <a:fontRef idx="minor">
+            <a:schemeClr val="lt1"/>
+          </a:fontRef>
+        </p:style>
+        <p:txBody>
+          <a:bodyPr rot="0" spcFirstLastPara="0" vertOverflow="overflow" horzOverflow="overflow" vert="horz" wrap="square" lIns="91440" tIns="45721" rIns="91440" bIns="45721" numCol="1" spcCol="0" rtlCol="0" fromWordArt="0" anchor="ctr" anchorCtr="0" forceAA="0" compatLnSpc="1">
+            <a:prstTxWarp prst="textNoShape">
+              <a:avLst/>
+            </a:prstTxWarp>
+            <a:noAutofit/>
+          </a:bodyPr>
+          <a:lstStyle/>
+          <a:p>
+            <a:pPr algn="ctr"/>
+            <a:r>
+              <a:rPr lang="en-US" sz="1801" dirty="0" smtClean="0">
+                <a:solidFill>
+                  <a:schemeClr val="tx1"/>
+                </a:solidFill>
+              </a:rPr>
+              <a:t>Input data from multiple sources</a:t>
+            </a:r>
+            <a:endParaRPr lang="en-US" sz="1801" dirty="0">
+              <a:solidFill>
+                <a:schemeClr val="tx1"/>
+              </a:solidFill>
+            </a:endParaRPr>
+          </a:p>
+        </p:txBody>
+      </p:sp>
+      <p:cxnSp>
+        <p:nvCxnSpPr>
+          <p:cNvPr id="17" name="Straight Arrow Connector 16"/>
+          <p:cNvCxnSpPr/>
+          <p:nvPr/>
+        </p:nvCxnSpPr>
+        <p:spPr>
+          <a:xfrm>
+            <a:off x="2824837" y="5954175"/>
+            <a:ext cx="1162594" cy="0"/>
+          </a:xfrm>
+          <a:prstGeom prst="straightConnector1">
+            <a:avLst/>
+          </a:prstGeom>
+          <a:ln>
+            <a:tailEnd type="triangle"/>
+          </a:ln>
+        </p:spPr>
+        <p:style>
+          <a:lnRef idx="1">
+            <a:schemeClr val="accent1"/>
+          </a:lnRef>
+          <a:fillRef idx="0">
+            <a:schemeClr val="accent1"/>
+          </a:fillRef>
+          <a:effectRef idx="0">
+            <a:schemeClr val="accent1"/>
+          </a:effectRef>
+          <a:fontRef idx="minor">
+            <a:schemeClr val="tx1"/>
+          </a:fontRef>
+        </p:style>
+      </p:cxnSp>
     </p:spTree>
     <p:extLst>
       <p:ext uri="{BB962C8B-B14F-4D97-AF65-F5344CB8AC3E}">
@@ -6329,7 +6414,7 @@
         </p:nvCxnSpPr>
         <p:spPr>
           <a:xfrm>
-            <a:off x="5381897" y="2525483"/>
+            <a:off x="5381896" y="1950720"/>
             <a:ext cx="720463" cy="1"/>
           </a:xfrm>
           <a:prstGeom prst="straightConnector1">
@@ -6362,7 +6447,7 @@
         </p:nvSpPr>
         <p:spPr>
           <a:xfrm>
-            <a:off x="9313821" y="1576249"/>
+            <a:off x="9313820" y="1001486"/>
             <a:ext cx="2569028" cy="1898468"/>
           </a:xfrm>
           <a:prstGeom prst="roundRect">
@@ -6419,7 +6504,7 @@
         </p:nvCxnSpPr>
         <p:spPr>
           <a:xfrm flipH="1">
-            <a:off x="8427549" y="2525483"/>
+            <a:off x="8427548" y="1950720"/>
             <a:ext cx="886272" cy="1"/>
           </a:xfrm>
           <a:prstGeom prst="straightConnector1">
@@ -6452,7 +6537,7 @@
         </p:nvCxnSpPr>
         <p:spPr>
           <a:xfrm flipV="1">
-            <a:off x="8357880" y="5246912"/>
+            <a:off x="8423196" y="3907115"/>
             <a:ext cx="1134463" cy="8709"/>
           </a:xfrm>
           <a:prstGeom prst="straightConnector1">
@@ -6485,7 +6570,7 @@
         </p:nvSpPr>
         <p:spPr>
           <a:xfrm>
-            <a:off x="9492343" y="4484913"/>
+            <a:off x="9557659" y="3145116"/>
             <a:ext cx="2325189" cy="1541417"/>
           </a:xfrm>
           <a:prstGeom prst="rect">
@@ -6561,8 +6646,8 @@
         </p:nvCxnSpPr>
         <p:spPr>
           <a:xfrm>
-            <a:off x="8303454" y="3153588"/>
-            <a:ext cx="1188889" cy="1331325"/>
+            <a:off x="8303453" y="2578825"/>
+            <a:ext cx="1254206" cy="571725"/>
           </a:xfrm>
           <a:prstGeom prst="straightConnector1">
             <a:avLst/>
@@ -6594,7 +6679,7 @@
         </p:nvSpPr>
         <p:spPr>
           <a:xfrm>
-            <a:off x="6111669" y="4484913"/>
+            <a:off x="6176985" y="3145116"/>
             <a:ext cx="2325189" cy="1541417"/>
           </a:xfrm>
           <a:prstGeom prst="rect">
@@ -6654,7 +6739,7 @@
         </p:nvSpPr>
         <p:spPr>
           <a:xfrm>
-            <a:off x="6111669" y="1576249"/>
+            <a:off x="6111668" y="1001486"/>
             <a:ext cx="2325189" cy="1647718"/>
           </a:xfrm>
           <a:prstGeom prst="roundRect">
@@ -6698,6 +6783,101 @@
           </a:p>
         </p:txBody>
       </p:sp>
+      <p:sp>
+        <p:nvSpPr>
+          <p:cNvPr id="23" name="Rectangle 22"/>
+          <p:cNvSpPr/>
+          <p:nvPr/>
+        </p:nvSpPr>
+        <p:spPr>
+          <a:xfrm>
+            <a:off x="6176985" y="5182446"/>
+            <a:ext cx="2325189" cy="1541417"/>
+          </a:xfrm>
+          <a:prstGeom prst="rect">
+            <a:avLst/>
+          </a:prstGeom>
+          <a:solidFill>
+            <a:srgbClr val="FF0000"/>
+          </a:solidFill>
+        </p:spPr>
+        <p:style>
+          <a:lnRef idx="2">
+            <a:schemeClr val="accent1">
+              <a:shade val="50000"/>
+            </a:schemeClr>
+          </a:lnRef>
+          <a:fillRef idx="1">
+            <a:schemeClr val="accent1"/>
+          </a:fillRef>
+          <a:effectRef idx="0">
+            <a:schemeClr val="accent1"/>
+          </a:effectRef>
+          <a:fontRef idx="minor">
+            <a:schemeClr val="lt1"/>
+          </a:fontRef>
+        </p:style>
+        <p:txBody>
+          <a:bodyPr rot="0" spcFirstLastPara="0" vertOverflow="overflow" horzOverflow="overflow" vert="horz" wrap="square" lIns="91440" tIns="45721" rIns="91440" bIns="45721" numCol="1" spcCol="0" rtlCol="0" fromWordArt="0" anchor="ctr" anchorCtr="0" forceAA="0" compatLnSpc="1">
+            <a:prstTxWarp prst="textNoShape">
+              <a:avLst/>
+            </a:prstTxWarp>
+            <a:noAutofit/>
+          </a:bodyPr>
+          <a:lstStyle/>
+          <a:p>
+            <a:pPr algn="ctr"/>
+            <a:r>
+              <a:rPr lang="en-US" sz="1801" dirty="0" smtClean="0">
+                <a:solidFill>
+                  <a:schemeClr val="tx1"/>
+                </a:solidFill>
+              </a:rPr>
+              <a:t>Input data from multiple sources</a:t>
+            </a:r>
+            <a:endParaRPr lang="en-US" sz="1801" dirty="0">
+              <a:solidFill>
+                <a:schemeClr val="tx1"/>
+              </a:solidFill>
+            </a:endParaRPr>
+          </a:p>
+        </p:txBody>
+      </p:sp>
+      <p:cxnSp>
+        <p:nvCxnSpPr>
+          <p:cNvPr id="26" name="Straight Arrow Connector 25"/>
+          <p:cNvCxnSpPr>
+            <a:stCxn id="23" idx="0"/>
+          </p:cNvCxnSpPr>
+          <p:nvPr/>
+        </p:nvCxnSpPr>
+        <p:spPr>
+          <a:xfrm flipV="1">
+            <a:off x="7339580" y="4686534"/>
+            <a:ext cx="0" cy="495912"/>
+          </a:xfrm>
+          <a:prstGeom prst="straightConnector1">
+            <a:avLst/>
+          </a:prstGeom>
+          <a:ln>
+            <a:tailEnd type="triangle"/>
+          </a:ln>
+        </p:spPr>
+        <p:style>
+          <a:lnRef idx="1">
+            <a:schemeClr val="accent1"/>
+          </a:lnRef>
+          <a:fillRef idx="0">
+            <a:schemeClr val="accent1"/>
+          </a:fillRef>
+          <a:effectRef idx="0">
+            <a:schemeClr val="accent1"/>
+          </a:effectRef>
+          <a:fontRef idx="minor">
+            <a:schemeClr val="tx1"/>
+          </a:fontRef>
+        </p:style>
+      </p:cxnSp>
     </p:spTree>
     <p:extLst>
       <p:ext uri="{BB962C8B-B14F-4D97-AF65-F5344CB8AC3E}">
@@ -6715,6 +6895,645 @@
       </p:par>
     </p:tnLst>
   </p:timing>
+</p:sld>
+</file>
+
+<file path=ppt/slides/slide6.xml><?xml version="1.0" encoding="utf-8"?>
+<p:sld xmlns:a="http://schemas.openxmlformats.org/drawingml/2006/main" xmlns:r="http://schemas.openxmlformats.org/officeDocument/2006/relationships" xmlns:p="http://schemas.openxmlformats.org/presentationml/2006/main">
+  <p:cSld>
+    <p:spTree>
+      <p:nvGrpSpPr>
+        <p:cNvPr id="1" name=""/>
+        <p:cNvGrpSpPr/>
+        <p:nvPr/>
+      </p:nvGrpSpPr>
+      <p:grpSpPr>
+        <a:xfrm>
+          <a:off x="0" y="0"/>
+          <a:ext cx="0" cy="0"/>
+          <a:chOff x="0" y="0"/>
+          <a:chExt cx="0" cy="0"/>
+        </a:xfrm>
+      </p:grpSpPr>
+      <p:sp>
+        <p:nvSpPr>
+          <p:cNvPr id="4" name="TextBox 3"/>
+          <p:cNvSpPr txBox="1"/>
+          <p:nvPr/>
+        </p:nvSpPr>
+        <p:spPr>
+          <a:xfrm>
+            <a:off x="396246" y="374468"/>
+            <a:ext cx="3130216" cy="369332"/>
+          </a:xfrm>
+          <a:prstGeom prst="rect">
+            <a:avLst/>
+          </a:prstGeom>
+          <a:noFill/>
+        </p:spPr>
+        <p:txBody>
+          <a:bodyPr wrap="none" rtlCol="0">
+            <a:spAutoFit/>
+          </a:bodyPr>
+          <a:lstStyle/>
+          <a:p>
+            <a:r>
+              <a:rPr lang="en-US" dirty="0" smtClean="0"/>
+              <a:t>Fig 5. </a:t>
+            </a:r>
+            <a:r>
+              <a:rPr lang="en-US" dirty="0" smtClean="0"/>
+              <a:t>Acorn Semantics Diagram</a:t>
+            </a:r>
+            <a:endParaRPr lang="en-US" dirty="0"/>
+          </a:p>
+        </p:txBody>
+      </p:sp>
+      <p:sp>
+        <p:nvSpPr>
+          <p:cNvPr id="5" name="Rectangle 4"/>
+          <p:cNvSpPr/>
+          <p:nvPr/>
+        </p:nvSpPr>
+        <p:spPr>
+          <a:xfrm>
+            <a:off x="536969" y="1159498"/>
+            <a:ext cx="5279369" cy="5293842"/>
+          </a:xfrm>
+          <a:prstGeom prst="rect">
+            <a:avLst/>
+          </a:prstGeom>
+          <a:solidFill>
+            <a:schemeClr val="accent4">
+              <a:lumMod val="50000"/>
+              <a:alpha val="13000"/>
+            </a:schemeClr>
+          </a:solidFill>
+        </p:spPr>
+        <p:style>
+          <a:lnRef idx="2">
+            <a:schemeClr val="accent1">
+              <a:shade val="50000"/>
+            </a:schemeClr>
+          </a:lnRef>
+          <a:fillRef idx="1">
+            <a:schemeClr val="accent1"/>
+          </a:fillRef>
+          <a:effectRef idx="0">
+            <a:schemeClr val="accent1"/>
+          </a:effectRef>
+          <a:fontRef idx="minor">
+            <a:schemeClr val="lt1"/>
+          </a:fontRef>
+        </p:style>
+        <p:txBody>
+          <a:bodyPr rtlCol="0" anchor="ctr"/>
+          <a:lstStyle/>
+          <a:p>
+            <a:pPr algn="ctr"/>
+            <a:endParaRPr lang="en-US"/>
+          </a:p>
+        </p:txBody>
+      </p:sp>
+      <p:sp>
+        <p:nvSpPr>
+          <p:cNvPr id="6" name="Rectangle 5"/>
+          <p:cNvSpPr/>
+          <p:nvPr/>
+        </p:nvSpPr>
+        <p:spPr>
+          <a:xfrm>
+            <a:off x="6156273" y="1239099"/>
+            <a:ext cx="5598951" cy="3455498"/>
+          </a:xfrm>
+          <a:prstGeom prst="rect">
+            <a:avLst/>
+          </a:prstGeom>
+          <a:solidFill>
+            <a:schemeClr val="accent4">
+              <a:lumMod val="50000"/>
+              <a:alpha val="13000"/>
+            </a:schemeClr>
+          </a:solidFill>
+        </p:spPr>
+        <p:style>
+          <a:lnRef idx="2">
+            <a:schemeClr val="accent1">
+              <a:shade val="50000"/>
+            </a:schemeClr>
+          </a:lnRef>
+          <a:fillRef idx="1">
+            <a:schemeClr val="accent1"/>
+          </a:fillRef>
+          <a:effectRef idx="0">
+            <a:schemeClr val="accent1"/>
+          </a:effectRef>
+          <a:fontRef idx="minor">
+            <a:schemeClr val="lt1"/>
+          </a:fontRef>
+        </p:style>
+        <p:txBody>
+          <a:bodyPr rtlCol="0" anchor="ctr"/>
+          <a:lstStyle/>
+          <a:p>
+            <a:pPr algn="ctr"/>
+            <a:endParaRPr lang="en-US"/>
+          </a:p>
+        </p:txBody>
+      </p:sp>
+      <p:sp>
+        <p:nvSpPr>
+          <p:cNvPr id="7" name="TextBox 6"/>
+          <p:cNvSpPr txBox="1"/>
+          <p:nvPr/>
+        </p:nvSpPr>
+        <p:spPr>
+          <a:xfrm>
+            <a:off x="1517645" y="1349757"/>
+            <a:ext cx="4374108" cy="369332"/>
+          </a:xfrm>
+          <a:prstGeom prst="rect">
+            <a:avLst/>
+          </a:prstGeom>
+          <a:noFill/>
+        </p:spPr>
+        <p:txBody>
+          <a:bodyPr wrap="square" rtlCol="0">
+            <a:spAutoFit/>
+          </a:bodyPr>
+          <a:lstStyle/>
+          <a:p>
+            <a:r>
+              <a:rPr lang="en-US" dirty="0" smtClean="0"/>
+              <a:t>Transformation Instruction Set</a:t>
+            </a:r>
+            <a:endParaRPr lang="en-US" dirty="0"/>
+          </a:p>
+        </p:txBody>
+      </p:sp>
+      <p:sp>
+        <p:nvSpPr>
+          <p:cNvPr id="8" name="TextBox 7"/>
+          <p:cNvSpPr txBox="1"/>
+          <p:nvPr/>
+        </p:nvSpPr>
+        <p:spPr>
+          <a:xfrm>
+            <a:off x="6872429" y="1353168"/>
+            <a:ext cx="4374108" cy="369332"/>
+          </a:xfrm>
+          <a:prstGeom prst="rect">
+            <a:avLst/>
+          </a:prstGeom>
+          <a:noFill/>
+        </p:spPr>
+        <p:txBody>
+          <a:bodyPr wrap="square" rtlCol="0">
+            <a:spAutoFit/>
+          </a:bodyPr>
+          <a:lstStyle/>
+          <a:p>
+            <a:pPr algn="ctr"/>
+            <a:r>
+              <a:rPr lang="en-US" dirty="0" smtClean="0"/>
+              <a:t>Graph Specification</a:t>
+            </a:r>
+            <a:endParaRPr lang="en-US" dirty="0"/>
+          </a:p>
+        </p:txBody>
+      </p:sp>
+      <p:sp>
+        <p:nvSpPr>
+          <p:cNvPr id="9" name="Rectangle 8"/>
+          <p:cNvSpPr/>
+          <p:nvPr/>
+        </p:nvSpPr>
+        <p:spPr>
+          <a:xfrm>
+            <a:off x="3761904" y="2378679"/>
+            <a:ext cx="1772239" cy="1216057"/>
+          </a:xfrm>
+          <a:prstGeom prst="rect">
+            <a:avLst/>
+          </a:prstGeom>
+          <a:solidFill>
+            <a:schemeClr val="tx2">
+              <a:lumMod val="50000"/>
+            </a:schemeClr>
+          </a:solidFill>
+        </p:spPr>
+        <p:style>
+          <a:lnRef idx="2">
+            <a:schemeClr val="accent1">
+              <a:shade val="50000"/>
+            </a:schemeClr>
+          </a:lnRef>
+          <a:fillRef idx="1">
+            <a:schemeClr val="accent1"/>
+          </a:fillRef>
+          <a:effectRef idx="0">
+            <a:schemeClr val="accent1"/>
+          </a:effectRef>
+          <a:fontRef idx="minor">
+            <a:schemeClr val="lt1"/>
+          </a:fontRef>
+        </p:style>
+        <p:txBody>
+          <a:bodyPr rtlCol="0" anchor="ctr"/>
+          <a:lstStyle/>
+          <a:p>
+            <a:pPr algn="ctr"/>
+            <a:r>
+              <a:rPr lang="en-US" dirty="0" smtClean="0"/>
+              <a:t>Process Specification</a:t>
+            </a:r>
+            <a:endParaRPr lang="en-US" dirty="0"/>
+          </a:p>
+        </p:txBody>
+      </p:sp>
+      <p:sp>
+        <p:nvSpPr>
+          <p:cNvPr id="10" name="Rectangle 9"/>
+          <p:cNvSpPr/>
+          <p:nvPr/>
+        </p:nvSpPr>
+        <p:spPr>
+          <a:xfrm>
+            <a:off x="784608" y="2378679"/>
+            <a:ext cx="1772239" cy="1216057"/>
+          </a:xfrm>
+          <a:prstGeom prst="rect">
+            <a:avLst/>
+          </a:prstGeom>
+          <a:solidFill>
+            <a:schemeClr val="tx2">
+              <a:lumMod val="50000"/>
+            </a:schemeClr>
+          </a:solidFill>
+        </p:spPr>
+        <p:style>
+          <a:lnRef idx="2">
+            <a:schemeClr val="accent1">
+              <a:shade val="50000"/>
+            </a:schemeClr>
+          </a:lnRef>
+          <a:fillRef idx="1">
+            <a:schemeClr val="accent1"/>
+          </a:fillRef>
+          <a:effectRef idx="0">
+            <a:schemeClr val="accent1"/>
+          </a:effectRef>
+          <a:fontRef idx="minor">
+            <a:schemeClr val="lt1"/>
+          </a:fontRef>
+        </p:style>
+        <p:txBody>
+          <a:bodyPr rtlCol="0" anchor="ctr"/>
+          <a:lstStyle/>
+          <a:p>
+            <a:pPr algn="ctr"/>
+            <a:r>
+              <a:rPr lang="en-US" dirty="0" smtClean="0"/>
+              <a:t>Connection Recipe</a:t>
+            </a:r>
+            <a:endParaRPr lang="en-US" dirty="0"/>
+          </a:p>
+        </p:txBody>
+      </p:sp>
+      <p:cxnSp>
+        <p:nvCxnSpPr>
+          <p:cNvPr id="14" name="Straight Arrow Connector 13"/>
+          <p:cNvCxnSpPr>
+            <a:stCxn id="9" idx="1"/>
+          </p:cNvCxnSpPr>
+          <p:nvPr/>
+        </p:nvCxnSpPr>
+        <p:spPr>
+          <a:xfrm flipH="1" flipV="1">
+            <a:off x="2556847" y="2986707"/>
+            <a:ext cx="1205057" cy="1"/>
+          </a:xfrm>
+          <a:prstGeom prst="straightConnector1">
+            <a:avLst/>
+          </a:prstGeom>
+          <a:ln>
+            <a:tailEnd type="triangle"/>
+          </a:ln>
+        </p:spPr>
+        <p:style>
+          <a:lnRef idx="1">
+            <a:schemeClr val="accent1"/>
+          </a:lnRef>
+          <a:fillRef idx="0">
+            <a:schemeClr val="accent1"/>
+          </a:fillRef>
+          <a:effectRef idx="0">
+            <a:schemeClr val="accent1"/>
+          </a:effectRef>
+          <a:fontRef idx="minor">
+            <a:schemeClr val="tx1"/>
+          </a:fontRef>
+        </p:style>
+      </p:cxnSp>
+      <p:sp>
+        <p:nvSpPr>
+          <p:cNvPr id="16" name="TextBox 15"/>
+          <p:cNvSpPr txBox="1"/>
+          <p:nvPr/>
+        </p:nvSpPr>
+        <p:spPr>
+          <a:xfrm>
+            <a:off x="2556847" y="2391229"/>
+            <a:ext cx="1316175" cy="646331"/>
+          </a:xfrm>
+          <a:prstGeom prst="rect">
+            <a:avLst/>
+          </a:prstGeom>
+          <a:noFill/>
+        </p:spPr>
+        <p:txBody>
+          <a:bodyPr wrap="square" rtlCol="0">
+            <a:spAutoFit/>
+          </a:bodyPr>
+          <a:lstStyle/>
+          <a:p>
+            <a:r>
+              <a:rPr lang="en-US" sz="1200" dirty="0" err="1" smtClean="0"/>
+              <a:t>hasRequiredInput</a:t>
+            </a:r>
+            <a:endParaRPr lang="en-US" sz="1200" dirty="0" smtClean="0"/>
+          </a:p>
+          <a:p>
+            <a:r>
+              <a:rPr lang="en-US" sz="1200" dirty="0" err="1" smtClean="0"/>
+              <a:t>hasOptionalInput</a:t>
+            </a:r>
+            <a:endParaRPr lang="en-US" sz="1200" dirty="0" smtClean="0"/>
+          </a:p>
+          <a:p>
+            <a:r>
+              <a:rPr lang="en-US" sz="1200" dirty="0" err="1" smtClean="0"/>
+              <a:t>hasOutput</a:t>
+            </a:r>
+            <a:endParaRPr lang="en-US" sz="1200" dirty="0"/>
+          </a:p>
+        </p:txBody>
+      </p:sp>
+      <p:cxnSp>
+        <p:nvCxnSpPr>
+          <p:cNvPr id="17" name="Straight Arrow Connector 16"/>
+          <p:cNvCxnSpPr/>
+          <p:nvPr/>
+        </p:nvCxnSpPr>
+        <p:spPr>
+          <a:xfrm flipV="1">
+            <a:off x="5534143" y="2986707"/>
+            <a:ext cx="2431506" cy="12550"/>
+          </a:xfrm>
+          <a:prstGeom prst="straightConnector1">
+            <a:avLst/>
+          </a:prstGeom>
+          <a:ln>
+            <a:tailEnd type="triangle"/>
+          </a:ln>
+        </p:spPr>
+        <p:style>
+          <a:lnRef idx="1">
+            <a:schemeClr val="accent1"/>
+          </a:lnRef>
+          <a:fillRef idx="0">
+            <a:schemeClr val="accent1"/>
+          </a:fillRef>
+          <a:effectRef idx="0">
+            <a:schemeClr val="accent1"/>
+          </a:effectRef>
+          <a:fontRef idx="minor">
+            <a:schemeClr val="tx1"/>
+          </a:fontRef>
+        </p:style>
+      </p:cxnSp>
+      <p:sp>
+        <p:nvSpPr>
+          <p:cNvPr id="19" name="Rectangle 18"/>
+          <p:cNvSpPr/>
+          <p:nvPr/>
+        </p:nvSpPr>
+        <p:spPr>
+          <a:xfrm>
+            <a:off x="7965649" y="2391229"/>
+            <a:ext cx="1772239" cy="1216057"/>
+          </a:xfrm>
+          <a:prstGeom prst="rect">
+            <a:avLst/>
+          </a:prstGeom>
+          <a:solidFill>
+            <a:schemeClr val="tx2">
+              <a:lumMod val="50000"/>
+            </a:schemeClr>
+          </a:solidFill>
+        </p:spPr>
+        <p:style>
+          <a:lnRef idx="2">
+            <a:schemeClr val="accent1">
+              <a:shade val="50000"/>
+            </a:schemeClr>
+          </a:lnRef>
+          <a:fillRef idx="1">
+            <a:schemeClr val="accent1"/>
+          </a:fillRef>
+          <a:effectRef idx="0">
+            <a:schemeClr val="accent1"/>
+          </a:effectRef>
+          <a:fontRef idx="minor">
+            <a:schemeClr val="lt1"/>
+          </a:fontRef>
+        </p:style>
+        <p:txBody>
+          <a:bodyPr rtlCol="0" anchor="ctr"/>
+          <a:lstStyle/>
+          <a:p>
+            <a:pPr algn="ctr"/>
+            <a:r>
+              <a:rPr lang="en-US" dirty="0" smtClean="0"/>
+              <a:t>Connection Recipe</a:t>
+            </a:r>
+            <a:endParaRPr lang="en-US" dirty="0"/>
+          </a:p>
+        </p:txBody>
+      </p:sp>
+      <p:sp>
+        <p:nvSpPr>
+          <p:cNvPr id="21" name="TextBox 20"/>
+          <p:cNvSpPr txBox="1"/>
+          <p:nvPr/>
+        </p:nvSpPr>
+        <p:spPr>
+          <a:xfrm>
+            <a:off x="6290109" y="2378679"/>
+            <a:ext cx="1316175" cy="646331"/>
+          </a:xfrm>
+          <a:prstGeom prst="rect">
+            <a:avLst/>
+          </a:prstGeom>
+          <a:noFill/>
+        </p:spPr>
+        <p:txBody>
+          <a:bodyPr wrap="square" rtlCol="0">
+            <a:spAutoFit/>
+          </a:bodyPr>
+          <a:lstStyle/>
+          <a:p>
+            <a:r>
+              <a:rPr lang="en-US" sz="1200" dirty="0" err="1" smtClean="0"/>
+              <a:t>hasRequiredInput</a:t>
+            </a:r>
+            <a:endParaRPr lang="en-US" sz="1200" dirty="0" smtClean="0"/>
+          </a:p>
+          <a:p>
+            <a:r>
+              <a:rPr lang="en-US" sz="1200" dirty="0" err="1" smtClean="0"/>
+              <a:t>hasOptionalInput</a:t>
+            </a:r>
+            <a:endParaRPr lang="en-US" sz="1200" dirty="0" smtClean="0"/>
+          </a:p>
+          <a:p>
+            <a:r>
+              <a:rPr lang="en-US" sz="1200" dirty="0" err="1" smtClean="0"/>
+              <a:t>hasOutput</a:t>
+            </a:r>
+            <a:endParaRPr lang="en-US" sz="1200" dirty="0"/>
+          </a:p>
+        </p:txBody>
+      </p:sp>
+      <p:sp>
+        <p:nvSpPr>
+          <p:cNvPr id="22" name="Rectangle 21"/>
+          <p:cNvSpPr/>
+          <p:nvPr/>
+        </p:nvSpPr>
+        <p:spPr>
+          <a:xfrm>
+            <a:off x="784608" y="4694597"/>
+            <a:ext cx="1772239" cy="1216057"/>
+          </a:xfrm>
+          <a:prstGeom prst="rect">
+            <a:avLst/>
+          </a:prstGeom>
+          <a:solidFill>
+            <a:schemeClr val="tx2">
+              <a:lumMod val="50000"/>
+            </a:schemeClr>
+          </a:solidFill>
+        </p:spPr>
+        <p:style>
+          <a:lnRef idx="2">
+            <a:schemeClr val="accent1">
+              <a:shade val="50000"/>
+            </a:schemeClr>
+          </a:lnRef>
+          <a:fillRef idx="1">
+            <a:schemeClr val="accent1"/>
+          </a:fillRef>
+          <a:effectRef idx="0">
+            <a:schemeClr val="accent1"/>
+          </a:effectRef>
+          <a:fontRef idx="minor">
+            <a:schemeClr val="lt1"/>
+          </a:fontRef>
+        </p:style>
+        <p:txBody>
+          <a:bodyPr rtlCol="0" anchor="ctr"/>
+          <a:lstStyle/>
+          <a:p>
+            <a:pPr algn="ctr"/>
+            <a:r>
+              <a:rPr lang="en-US" dirty="0" smtClean="0"/>
+              <a:t>Named Graph</a:t>
+            </a:r>
+            <a:endParaRPr lang="en-US" dirty="0"/>
+          </a:p>
+        </p:txBody>
+      </p:sp>
+      <p:cxnSp>
+        <p:nvCxnSpPr>
+          <p:cNvPr id="23" name="Straight Arrow Connector 22"/>
+          <p:cNvCxnSpPr/>
+          <p:nvPr/>
+        </p:nvCxnSpPr>
+        <p:spPr>
+          <a:xfrm flipH="1">
+            <a:off x="2556847" y="3582186"/>
+            <a:ext cx="1205057" cy="1112411"/>
+          </a:xfrm>
+          <a:prstGeom prst="straightConnector1">
+            <a:avLst/>
+          </a:prstGeom>
+          <a:ln>
+            <a:tailEnd type="triangle"/>
+          </a:ln>
+        </p:spPr>
+        <p:style>
+          <a:lnRef idx="1">
+            <a:schemeClr val="accent1"/>
+          </a:lnRef>
+          <a:fillRef idx="0">
+            <a:schemeClr val="accent1"/>
+          </a:fillRef>
+          <a:effectRef idx="0">
+            <a:schemeClr val="accent1"/>
+          </a:effectRef>
+          <a:fontRef idx="minor">
+            <a:schemeClr val="tx1"/>
+          </a:fontRef>
+        </p:style>
+      </p:cxnSp>
+      <p:sp>
+        <p:nvSpPr>
+          <p:cNvPr id="26" name="TextBox 25"/>
+          <p:cNvSpPr txBox="1"/>
+          <p:nvPr/>
+        </p:nvSpPr>
+        <p:spPr>
+          <a:xfrm>
+            <a:off x="2556847" y="3809256"/>
+            <a:ext cx="1579549" cy="461665"/>
+          </a:xfrm>
+          <a:prstGeom prst="rect">
+            <a:avLst/>
+          </a:prstGeom>
+          <a:noFill/>
+        </p:spPr>
+        <p:txBody>
+          <a:bodyPr wrap="square" rtlCol="0">
+            <a:spAutoFit/>
+          </a:bodyPr>
+          <a:lstStyle/>
+          <a:p>
+            <a:r>
+              <a:rPr lang="en-US" sz="1200" dirty="0" err="1" smtClean="0"/>
+              <a:t>inputNamedGraph</a:t>
+            </a:r>
+            <a:endParaRPr lang="en-US" sz="1200" dirty="0" smtClean="0"/>
+          </a:p>
+          <a:p>
+            <a:r>
+              <a:rPr lang="en-US" sz="1200" dirty="0" err="1" smtClean="0"/>
+              <a:t>outputNamedGraph</a:t>
+            </a:r>
+            <a:endParaRPr lang="en-US" sz="1200" dirty="0" smtClean="0"/>
+          </a:p>
+        </p:txBody>
+      </p:sp>
+    </p:spTree>
+    <p:extLst>
+      <p:ext uri="{BB962C8B-B14F-4D97-AF65-F5344CB8AC3E}">
+        <p14:creationId xmlns:p14="http://schemas.microsoft.com/office/powerpoint/2010/main" val="3767419629"/>
+      </p:ext>
+    </p:extLst>
+  </p:cSld>
+  <p:clrMapOvr>
+    <a:masterClrMapping/>
+  </p:clrMapOvr>
 </p:sld>
 </file>
 

--- a/Acorn_diagrams.pptx
+++ b/Acorn_diagrams.pptx
@@ -11,6 +11,7 @@
     <p:sldId id="259" r:id="rId5"/>
     <p:sldId id="260" r:id="rId6"/>
     <p:sldId id="262" r:id="rId7"/>
+    <p:sldId id="263" r:id="rId8"/>
   </p:sldIdLst>
   <p:sldSz cx="12192000" cy="6858000"/>
   <p:notesSz cx="6858000" cy="9144000"/>
@@ -248,7 +249,7 @@
           <a:p>
             <a:fld id="{1C95C1E8-FF19-4248-A4A0-1C9093B41962}" type="datetimeFigureOut">
               <a:rPr lang="en-US" smtClean="0"/>
-              <a:t>1/25/2020</a:t>
+              <a:t>3/4/2020</a:t>
             </a:fld>
             <a:endParaRPr lang="en-US"/>
           </a:p>
@@ -418,7 +419,7 @@
           <a:p>
             <a:fld id="{1C95C1E8-FF19-4248-A4A0-1C9093B41962}" type="datetimeFigureOut">
               <a:rPr lang="en-US" smtClean="0"/>
-              <a:t>1/25/2020</a:t>
+              <a:t>3/4/2020</a:t>
             </a:fld>
             <a:endParaRPr lang="en-US"/>
           </a:p>
@@ -598,7 +599,7 @@
           <a:p>
             <a:fld id="{1C95C1E8-FF19-4248-A4A0-1C9093B41962}" type="datetimeFigureOut">
               <a:rPr lang="en-US" smtClean="0"/>
-              <a:t>1/25/2020</a:t>
+              <a:t>3/4/2020</a:t>
             </a:fld>
             <a:endParaRPr lang="en-US"/>
           </a:p>
@@ -768,7 +769,7 @@
           <a:p>
             <a:fld id="{1C95C1E8-FF19-4248-A4A0-1C9093B41962}" type="datetimeFigureOut">
               <a:rPr lang="en-US" smtClean="0"/>
-              <a:t>1/25/2020</a:t>
+              <a:t>3/4/2020</a:t>
             </a:fld>
             <a:endParaRPr lang="en-US"/>
           </a:p>
@@ -1014,7 +1015,7 @@
           <a:p>
             <a:fld id="{1C95C1E8-FF19-4248-A4A0-1C9093B41962}" type="datetimeFigureOut">
               <a:rPr lang="en-US" smtClean="0"/>
-              <a:t>1/25/2020</a:t>
+              <a:t>3/4/2020</a:t>
             </a:fld>
             <a:endParaRPr lang="en-US"/>
           </a:p>
@@ -1246,7 +1247,7 @@
           <a:p>
             <a:fld id="{1C95C1E8-FF19-4248-A4A0-1C9093B41962}" type="datetimeFigureOut">
               <a:rPr lang="en-US" smtClean="0"/>
-              <a:t>1/25/2020</a:t>
+              <a:t>3/4/2020</a:t>
             </a:fld>
             <a:endParaRPr lang="en-US"/>
           </a:p>
@@ -1613,7 +1614,7 @@
           <a:p>
             <a:fld id="{1C95C1E8-FF19-4248-A4A0-1C9093B41962}" type="datetimeFigureOut">
               <a:rPr lang="en-US" smtClean="0"/>
-              <a:t>1/25/2020</a:t>
+              <a:t>3/4/2020</a:t>
             </a:fld>
             <a:endParaRPr lang="en-US"/>
           </a:p>
@@ -1731,7 +1732,7 @@
           <a:p>
             <a:fld id="{1C95C1E8-FF19-4248-A4A0-1C9093B41962}" type="datetimeFigureOut">
               <a:rPr lang="en-US" smtClean="0"/>
-              <a:t>1/25/2020</a:t>
+              <a:t>3/4/2020</a:t>
             </a:fld>
             <a:endParaRPr lang="en-US"/>
           </a:p>
@@ -1826,7 +1827,7 @@
           <a:p>
             <a:fld id="{1C95C1E8-FF19-4248-A4A0-1C9093B41962}" type="datetimeFigureOut">
               <a:rPr lang="en-US" smtClean="0"/>
-              <a:t>1/25/2020</a:t>
+              <a:t>3/4/2020</a:t>
             </a:fld>
             <a:endParaRPr lang="en-US"/>
           </a:p>
@@ -2103,7 +2104,7 @@
           <a:p>
             <a:fld id="{1C95C1E8-FF19-4248-A4A0-1C9093B41962}" type="datetimeFigureOut">
               <a:rPr lang="en-US" smtClean="0"/>
-              <a:t>1/25/2020</a:t>
+              <a:t>3/4/2020</a:t>
             </a:fld>
             <a:endParaRPr lang="en-US"/>
           </a:p>
@@ -2356,7 +2357,7 @@
           <a:p>
             <a:fld id="{1C95C1E8-FF19-4248-A4A0-1C9093B41962}" type="datetimeFigureOut">
               <a:rPr lang="en-US" smtClean="0"/>
-              <a:t>1/25/2020</a:t>
+              <a:t>3/4/2020</a:t>
             </a:fld>
             <a:endParaRPr lang="en-US"/>
           </a:p>
@@ -2569,7 +2570,7 @@
           <a:p>
             <a:fld id="{1C95C1E8-FF19-4248-A4A0-1C9093B41962}" type="datetimeFigureOut">
               <a:rPr lang="en-US" smtClean="0"/>
-              <a:t>1/25/2020</a:t>
+              <a:t>3/4/2020</a:t>
             </a:fld>
             <a:endParaRPr lang="en-US"/>
           </a:p>
@@ -3016,14 +3017,14 @@
           <a:p>
             <a:pPr algn="ctr"/>
             <a:r>
-              <a:rPr lang="en-US" sz="1801" dirty="0"/>
+              <a:rPr lang="en-US" b="1" dirty="0"/>
               <a:t>Transformation Instruction </a:t>
             </a:r>
             <a:r>
-              <a:rPr lang="en-US" sz="1801" dirty="0" smtClean="0"/>
+              <a:rPr lang="en-US" b="1" dirty="0" smtClean="0"/>
               <a:t>Set</a:t>
             </a:r>
-            <a:endParaRPr lang="en-US" sz="1801" dirty="0"/>
+            <a:endParaRPr lang="en-US" b="1" dirty="0"/>
           </a:p>
         </p:txBody>
       </p:sp>
@@ -3035,8 +3036,8 @@
         </p:nvSpPr>
         <p:spPr>
           <a:xfrm>
-            <a:off x="697513" y="3885567"/>
-            <a:ext cx="1325619" cy="646331"/>
+            <a:off x="720206" y="3613317"/>
+            <a:ext cx="1326582" cy="1107996"/>
           </a:xfrm>
           <a:prstGeom prst="rect">
             <a:avLst/>
@@ -3050,54 +3051,22 @@
           <a:lstStyle/>
           <a:p>
             <a:r>
-              <a:rPr lang="en-US" dirty="0" smtClean="0"/>
+              <a:rPr lang="en-US" sz="2200" b="1" dirty="0" smtClean="0"/>
               <a:t>Semantic </a:t>
             </a:r>
           </a:p>
           <a:p>
             <a:r>
-              <a:rPr lang="en-US" dirty="0" smtClean="0"/>
-              <a:t>Transformer</a:t>
-            </a:r>
-            <a:endParaRPr lang="en-US" dirty="0"/>
-          </a:p>
-        </p:txBody>
-      </p:sp>
-      <p:sp>
-        <p:nvSpPr>
-          <p:cNvPr id="12" name="TextBox 11"/>
-          <p:cNvSpPr txBox="1"/>
-          <p:nvPr/>
-        </p:nvSpPr>
-        <p:spPr>
-          <a:xfrm>
-            <a:off x="283124" y="227992"/>
-            <a:ext cx="4422429" cy="369332"/>
-          </a:xfrm>
-          <a:prstGeom prst="rect">
-            <a:avLst/>
-          </a:prstGeom>
-          <a:noFill/>
-        </p:spPr>
-        <p:txBody>
-          <a:bodyPr wrap="none" rtlCol="0">
-            <a:spAutoFit/>
-          </a:bodyPr>
-          <a:lstStyle/>
-          <a:p>
-            <a:r>
-              <a:rPr lang="en-US" dirty="0" smtClean="0"/>
-              <a:t>Fig </a:t>
-            </a:r>
-            <a:r>
-              <a:rPr lang="en-US" dirty="0"/>
-              <a:t>1</a:t>
-            </a:r>
-            <a:r>
-              <a:rPr lang="en-US" dirty="0" smtClean="0"/>
-              <a:t>. Generic Pipeline Architecture Overview</a:t>
-            </a:r>
-            <a:endParaRPr lang="en-US" dirty="0"/>
+              <a:rPr lang="en-US" sz="2200" b="1" dirty="0" smtClean="0"/>
+              <a:t>Engine </a:t>
+            </a:r>
+          </a:p>
+          <a:p>
+            <a:r>
+              <a:rPr lang="en-US" sz="2200" b="1" dirty="0" smtClean="0"/>
+              <a:t>Language</a:t>
+            </a:r>
+            <a:endParaRPr lang="en-US" sz="2200" b="1" dirty="0"/>
           </a:p>
         </p:txBody>
       </p:sp>
@@ -3143,10 +3112,10 @@
           <a:p>
             <a:pPr algn="ctr"/>
             <a:r>
-              <a:rPr lang="en-US" sz="1801" dirty="0" smtClean="0"/>
+              <a:rPr lang="en-US" sz="2100" b="1" dirty="0" smtClean="0"/>
               <a:t>Graph Specification</a:t>
             </a:r>
-            <a:endParaRPr lang="en-US" sz="1801" dirty="0"/>
+            <a:endParaRPr lang="en-US" sz="2100" b="1" dirty="0"/>
           </a:p>
         </p:txBody>
       </p:sp>
@@ -3192,10 +3161,18 @@
           <a:p>
             <a:pPr algn="ctr"/>
             <a:r>
-              <a:rPr lang="en-US" sz="1801" dirty="0" smtClean="0"/>
-              <a:t>Semantic Transformer Ontology</a:t>
-            </a:r>
-            <a:endParaRPr lang="en-US" sz="1801" dirty="0"/>
+              <a:rPr lang="en-US" b="1" dirty="0" smtClean="0"/>
+              <a:t>Semantic </a:t>
+            </a:r>
+            <a:r>
+              <a:rPr lang="en-US" b="1" dirty="0" smtClean="0"/>
+              <a:t>Engine Language </a:t>
+            </a:r>
+            <a:r>
+              <a:rPr lang="en-US" b="1" dirty="0" smtClean="0"/>
+              <a:t>Ontology</a:t>
+            </a:r>
+            <a:endParaRPr lang="en-US" b="1" dirty="0"/>
           </a:p>
         </p:txBody>
       </p:sp>
@@ -3207,7 +3184,7 @@
         </p:nvSpPr>
         <p:spPr>
           <a:xfrm>
-            <a:off x="9203316" y="1101868"/>
+            <a:off x="9366045" y="1139930"/>
             <a:ext cx="2325189" cy="1541417"/>
           </a:xfrm>
           <a:prstGeom prst="rect">
@@ -3244,34 +3221,14 @@
           <a:p>
             <a:pPr algn="ctr"/>
             <a:r>
-              <a:rPr lang="en-US" sz="1801" dirty="0" smtClean="0"/>
+              <a:rPr lang="en-US" sz="2200" b="1" dirty="0" smtClean="0"/>
               <a:t>RDF </a:t>
             </a:r>
             <a:r>
-              <a:rPr lang="en-US" sz="1801" dirty="0" err="1" smtClean="0"/>
+              <a:rPr lang="en-US" sz="2200" b="1" dirty="0" err="1" smtClean="0"/>
               <a:t>Triplestore</a:t>
             </a:r>
-            <a:r>
-              <a:rPr lang="en-US" sz="1801" dirty="0" smtClean="0"/>
-              <a:t> (</a:t>
-            </a:r>
-            <a:r>
-              <a:rPr lang="en-US" sz="1801" dirty="0" err="1" smtClean="0"/>
-              <a:t>Ontotext</a:t>
-            </a:r>
-            <a:r>
-              <a:rPr lang="en-US" sz="1801" dirty="0" smtClean="0"/>
-              <a:t> </a:t>
-            </a:r>
-            <a:r>
-              <a:rPr lang="en-US" sz="1801" dirty="0" err="1" smtClean="0"/>
-              <a:t>GraphDB</a:t>
-            </a:r>
-            <a:r>
-              <a:rPr lang="en-US" sz="1801" dirty="0" smtClean="0"/>
-              <a:t>)</a:t>
-            </a:r>
-            <a:endParaRPr lang="en-US" sz="1801" dirty="0"/>
+            <a:endParaRPr lang="en-US" sz="2200" b="1" dirty="0"/>
           </a:p>
         </p:txBody>
       </p:sp>
@@ -3353,10 +3310,10 @@
           <a:p>
             <a:pPr algn="ctr"/>
             <a:r>
-              <a:rPr lang="en-US" sz="1801" dirty="0" smtClean="0"/>
-              <a:t>Transformation Interpreter</a:t>
-            </a:r>
-            <a:endParaRPr lang="en-US" sz="1801" dirty="0"/>
+              <a:rPr lang="en-US" sz="2200" b="1" dirty="0" smtClean="0"/>
+              <a:t>Semantic Engine</a:t>
+            </a:r>
+            <a:endParaRPr lang="en-US" sz="2200" b="1" dirty="0"/>
           </a:p>
         </p:txBody>
       </p:sp>
@@ -3368,7 +3325,7 @@
         </p:nvSpPr>
         <p:spPr>
           <a:xfrm>
-            <a:off x="536969" y="3238474"/>
+            <a:off x="536969" y="3272202"/>
             <a:ext cx="4062953" cy="3214865"/>
           </a:xfrm>
           <a:prstGeom prst="rect">
@@ -3449,14 +3406,14 @@
           <a:p>
             <a:pPr algn="ctr"/>
             <a:r>
-              <a:rPr lang="en-US" dirty="0" smtClean="0">
+              <a:rPr lang="en-US" b="1" dirty="0" smtClean="0">
                 <a:solidFill>
                   <a:schemeClr val="tx1"/>
                 </a:solidFill>
               </a:rPr>
               <a:t>Set of SPARQL Update Statements</a:t>
             </a:r>
-            <a:endParaRPr lang="en-US" dirty="0">
+            <a:endParaRPr lang="en-US" b="1" dirty="0">
               <a:solidFill>
                 <a:schemeClr val="tx1"/>
               </a:solidFill>
@@ -3508,7 +3465,7 @@
         </p:nvCxnSpPr>
         <p:spPr>
           <a:xfrm flipV="1">
-            <a:off x="10383996" y="2643285"/>
+            <a:off x="10481310" y="2681347"/>
             <a:ext cx="0" cy="1439808"/>
           </a:xfrm>
           <a:prstGeom prst="straightConnector1">
@@ -3578,14 +3535,14 @@
           <a:p>
             <a:pPr algn="ctr"/>
             <a:r>
-              <a:rPr lang="en-US" sz="1801" dirty="0" smtClean="0">
+              <a:rPr lang="en-US" sz="2200" b="1" dirty="0" smtClean="0">
                 <a:solidFill>
                   <a:schemeClr val="tx1"/>
                 </a:solidFill>
               </a:rPr>
               <a:t>Data sources (relational DB, property graph, CSV file, etc.)</a:t>
             </a:r>
-            <a:endParaRPr lang="en-US" sz="1801" dirty="0">
+            <a:endParaRPr lang="en-US" sz="2200" b="1" dirty="0">
               <a:solidFill>
                 <a:schemeClr val="tx1"/>
               </a:solidFill>
@@ -3593,39 +3550,6 @@
           </a:p>
         </p:txBody>
       </p:sp>
-      <p:cxnSp>
-        <p:nvCxnSpPr>
-          <p:cNvPr id="40" name="Straight Arrow Connector 39"/>
-          <p:cNvCxnSpPr/>
-          <p:nvPr/>
-        </p:nvCxnSpPr>
-        <p:spPr>
-          <a:xfrm flipV="1">
-            <a:off x="5896690" y="1853795"/>
-            <a:ext cx="572083" cy="18782"/>
-          </a:xfrm>
-          <a:prstGeom prst="straightConnector1">
-            <a:avLst/>
-          </a:prstGeom>
-          <a:ln>
-            <a:tailEnd type="triangle"/>
-          </a:ln>
-        </p:spPr>
-        <p:style>
-          <a:lnRef idx="1">
-            <a:schemeClr val="accent1"/>
-          </a:lnRef>
-          <a:fillRef idx="0">
-            <a:schemeClr val="accent1"/>
-          </a:fillRef>
-          <a:effectRef idx="0">
-            <a:schemeClr val="accent1"/>
-          </a:effectRef>
-          <a:fontRef idx="minor">
-            <a:schemeClr val="tx1"/>
-          </a:fontRef>
-        </p:style>
-      </p:cxnSp>
       <p:cxnSp>
         <p:nvCxnSpPr>
           <p:cNvPr id="44" name="Straight Arrow Connector 43"/>
@@ -3706,10 +3630,10 @@
           <a:p>
             <a:pPr algn="ctr"/>
             <a:r>
-              <a:rPr lang="en-US" sz="1801" dirty="0" smtClean="0"/>
+              <a:rPr lang="en-US" sz="2200" b="1" dirty="0" smtClean="0"/>
               <a:t>Data Aggregator Service</a:t>
             </a:r>
-            <a:endParaRPr lang="en-US" sz="1801" dirty="0"/>
+            <a:endParaRPr lang="en-US" sz="2200" b="1" dirty="0"/>
           </a:p>
         </p:txBody>
       </p:sp>
@@ -3758,14 +3682,14 @@
           <a:p>
             <a:pPr algn="ctr"/>
             <a:r>
-              <a:rPr lang="en-US" sz="1801" dirty="0" smtClean="0">
+              <a:rPr lang="en-US" sz="2200" b="1" dirty="0" smtClean="0">
                 <a:solidFill>
                   <a:schemeClr val="tx1"/>
                 </a:solidFill>
               </a:rPr>
               <a:t>RDF data formatted with domain-specific schema</a:t>
             </a:r>
-            <a:endParaRPr lang="en-US" sz="1801" dirty="0">
+            <a:endParaRPr lang="en-US" sz="2200" b="1" dirty="0">
               <a:solidFill>
                 <a:schemeClr val="tx1"/>
               </a:solidFill>
@@ -3775,16 +3699,47 @@
       </p:sp>
       <p:cxnSp>
         <p:nvCxnSpPr>
-          <p:cNvPr id="56" name="Straight Arrow Connector 55"/>
-          <p:cNvCxnSpPr>
-            <a:endCxn id="18" idx="1"/>
-          </p:cNvCxnSpPr>
+          <p:cNvPr id="22" name="Straight Arrow Connector 21"/>
+          <p:cNvCxnSpPr/>
           <p:nvPr/>
         </p:nvCxnSpPr>
         <p:spPr>
           <a:xfrm flipV="1">
-            <a:off x="8774620" y="1872577"/>
-            <a:ext cx="428696" cy="18781"/>
+            <a:off x="5896690" y="1900265"/>
+            <a:ext cx="604837" cy="1"/>
+          </a:xfrm>
+          <a:prstGeom prst="straightConnector1">
+            <a:avLst/>
+          </a:prstGeom>
+          <a:ln>
+            <a:tailEnd type="triangle"/>
+          </a:ln>
+        </p:spPr>
+        <p:style>
+          <a:lnRef idx="1">
+            <a:schemeClr val="accent1"/>
+          </a:lnRef>
+          <a:fillRef idx="0">
+            <a:schemeClr val="accent1"/>
+          </a:fillRef>
+          <a:effectRef idx="0">
+            <a:schemeClr val="accent1"/>
+          </a:effectRef>
+          <a:fontRef idx="minor">
+            <a:schemeClr val="tx1"/>
+          </a:fontRef>
+        </p:style>
+      </p:cxnSp>
+      <p:cxnSp>
+        <p:nvCxnSpPr>
+          <p:cNvPr id="24" name="Straight Arrow Connector 23"/>
+          <p:cNvCxnSpPr/>
+          <p:nvPr/>
+        </p:nvCxnSpPr>
+        <p:spPr>
+          <a:xfrm flipV="1">
+            <a:off x="8793962" y="1949374"/>
+            <a:ext cx="604837" cy="1"/>
           </a:xfrm>
           <a:prstGeom prst="straightConnector1">
             <a:avLst/>
@@ -3846,8 +3801,8 @@
         </p:nvSpPr>
         <p:spPr>
           <a:xfrm>
-            <a:off x="5142415" y="4241076"/>
-            <a:ext cx="2325189" cy="1541417"/>
+            <a:off x="4154956" y="2495404"/>
+            <a:ext cx="2569028" cy="1823723"/>
           </a:xfrm>
           <a:prstGeom prst="rect">
             <a:avLst/>
@@ -3881,16 +3836,15 @@
           </a:bodyPr>
           <a:lstStyle/>
           <a:p>
-            <a:pPr algn="ctr"/>
-            <a:r>
-              <a:rPr lang="en-US" sz="1801" dirty="0" smtClean="0">
+            <a:r>
+              <a:rPr lang="en-US" sz="2200" b="1" dirty="0" smtClean="0">
                 <a:solidFill>
                   <a:schemeClr val="tx1"/>
                 </a:solidFill>
               </a:rPr>
-              <a:t>Carnival (data aggregator)</a:t>
-            </a:r>
-            <a:endParaRPr lang="en-US" sz="1801" dirty="0">
+              <a:t>Data Aggregator (Carnival)</a:t>
+            </a:r>
+            <a:endParaRPr lang="en-US" sz="2200" b="1" dirty="0">
               <a:solidFill>
                 <a:schemeClr val="tx1"/>
               </a:solidFill>
@@ -3902,14 +3856,14 @@
         <p:nvCxnSpPr>
           <p:cNvPr id="10" name="Straight Arrow Connector 9"/>
           <p:cNvCxnSpPr>
-            <a:endCxn id="7" idx="1"/>
+            <a:stCxn id="18" idx="3"/>
           </p:cNvCxnSpPr>
           <p:nvPr/>
         </p:nvCxnSpPr>
         <p:spPr>
           <a:xfrm>
-            <a:off x="3707681" y="2248995"/>
-            <a:ext cx="1434734" cy="2762790"/>
+            <a:off x="2978871" y="1150927"/>
+            <a:ext cx="1176085" cy="1893931"/>
           </a:xfrm>
           <a:prstGeom prst="straightConnector1">
             <a:avLst/>
@@ -3944,8 +3898,8 @@
         </p:nvCxnSpPr>
         <p:spPr>
           <a:xfrm>
-            <a:off x="3707681" y="5011785"/>
-            <a:ext cx="1434734" cy="0"/>
+            <a:off x="3063712" y="3405753"/>
+            <a:ext cx="1091244" cy="1513"/>
           </a:xfrm>
           <a:prstGeom prst="straightConnector1">
             <a:avLst/>
@@ -3979,8 +3933,8 @@
         </p:nvCxnSpPr>
         <p:spPr>
           <a:xfrm flipV="1">
-            <a:off x="7467604" y="5000899"/>
-            <a:ext cx="796833" cy="10886"/>
+            <a:off x="6723984" y="3405753"/>
+            <a:ext cx="824013" cy="1513"/>
           </a:xfrm>
           <a:prstGeom prst="straightConnector1">
             <a:avLst/>
@@ -4006,20 +3960,22 @@
       </p:cxnSp>
       <p:sp>
         <p:nvSpPr>
-          <p:cNvPr id="16" name="Rectangle 15"/>
+          <p:cNvPr id="15" name="Rounded Rectangle 14"/>
           <p:cNvSpPr/>
           <p:nvPr/>
         </p:nvSpPr>
         <p:spPr>
           <a:xfrm>
-            <a:off x="8264437" y="4241076"/>
-            <a:ext cx="2325189" cy="1541417"/>
-          </a:xfrm>
-          <a:prstGeom prst="rect">
+            <a:off x="7547997" y="248828"/>
+            <a:ext cx="2569028" cy="1898468"/>
+          </a:xfrm>
+          <a:prstGeom prst="roundRect">
             <a:avLst/>
           </a:prstGeom>
           <a:solidFill>
-            <a:schemeClr val="accent6"/>
+            <a:schemeClr val="accent4">
+              <a:lumMod val="75000"/>
+            </a:schemeClr>
           </a:solidFill>
         </p:spPr>
         <p:style>
@@ -4049,153 +4005,29 @@
           <a:p>
             <a:pPr algn="ctr"/>
             <a:r>
-              <a:rPr lang="en-US" sz="1801" dirty="0" smtClean="0"/>
-              <a:t>RDF </a:t>
-            </a:r>
-            <a:r>
-              <a:rPr lang="en-US" sz="1801" dirty="0" err="1" smtClean="0"/>
-              <a:t>Triplestore</a:t>
-            </a:r>
-            <a:r>
-              <a:rPr lang="en-US" sz="1801" dirty="0" smtClean="0"/>
-              <a:t> (</a:t>
-            </a:r>
-            <a:r>
-              <a:rPr lang="en-US" sz="1801" dirty="0" err="1" smtClean="0"/>
-              <a:t>Ontotext</a:t>
-            </a:r>
-            <a:r>
-              <a:rPr lang="en-US" sz="1801" dirty="0" smtClean="0"/>
-              <a:t> </a:t>
-            </a:r>
-            <a:r>
-              <a:rPr lang="en-US" sz="1801" dirty="0" err="1" smtClean="0"/>
-              <a:t>GraphDB</a:t>
-            </a:r>
-            <a:r>
-              <a:rPr lang="en-US" sz="1801" dirty="0" smtClean="0"/>
-              <a:t>)</a:t>
-            </a:r>
-            <a:endParaRPr lang="en-US" sz="1801" dirty="0"/>
-          </a:p>
-        </p:txBody>
-      </p:sp>
-      <p:cxnSp>
-        <p:nvCxnSpPr>
-          <p:cNvPr id="25" name="Straight Arrow Connector 24"/>
-          <p:cNvCxnSpPr>
-            <a:endCxn id="16" idx="0"/>
-          </p:cNvCxnSpPr>
-          <p:nvPr/>
-        </p:nvCxnSpPr>
-        <p:spPr>
-          <a:xfrm>
-            <a:off x="9427032" y="2991402"/>
-            <a:ext cx="0" cy="1249674"/>
-          </a:xfrm>
-          <a:prstGeom prst="straightConnector1">
-            <a:avLst/>
-          </a:prstGeom>
-          <a:ln>
-            <a:tailEnd type="triangle"/>
-          </a:ln>
-        </p:spPr>
-        <p:style>
-          <a:lnRef idx="1">
-            <a:schemeClr val="accent1"/>
-          </a:lnRef>
-          <a:fillRef idx="0">
-            <a:schemeClr val="accent1"/>
-          </a:fillRef>
-          <a:effectRef idx="0">
-            <a:schemeClr val="accent1"/>
-          </a:effectRef>
-          <a:fontRef idx="minor">
-            <a:schemeClr val="tx1"/>
-          </a:fontRef>
-        </p:style>
-      </p:cxnSp>
-      <p:sp>
-        <p:nvSpPr>
-          <p:cNvPr id="28" name="TextBox 27"/>
-          <p:cNvSpPr txBox="1"/>
-          <p:nvPr/>
-        </p:nvSpPr>
-        <p:spPr>
-          <a:xfrm>
-            <a:off x="396246" y="374468"/>
-            <a:ext cx="3504998" cy="369332"/>
-          </a:xfrm>
-          <a:prstGeom prst="rect">
-            <a:avLst/>
-          </a:prstGeom>
-          <a:noFill/>
-        </p:spPr>
-        <p:txBody>
-          <a:bodyPr wrap="none" rtlCol="0">
-            <a:spAutoFit/>
-          </a:bodyPr>
-          <a:lstStyle/>
-          <a:p>
-            <a:r>
-              <a:rPr lang="en-US" dirty="0" smtClean="0"/>
-              <a:t>Fig 2. Carnival Pipeline Architecture</a:t>
-            </a:r>
-            <a:endParaRPr lang="en-US" dirty="0"/>
-          </a:p>
-        </p:txBody>
-      </p:sp>
-      <p:cxnSp>
-        <p:nvCxnSpPr>
-          <p:cNvPr id="14" name="Straight Arrow Connector 13"/>
-          <p:cNvCxnSpPr/>
-          <p:nvPr/>
-        </p:nvCxnSpPr>
-        <p:spPr>
-          <a:xfrm>
-            <a:off x="7426239" y="2042169"/>
-            <a:ext cx="607422" cy="0"/>
-          </a:xfrm>
-          <a:prstGeom prst="straightConnector1">
-            <a:avLst/>
-          </a:prstGeom>
-          <a:ln>
-            <a:tailEnd type="triangle"/>
-          </a:ln>
-        </p:spPr>
-        <p:style>
-          <a:lnRef idx="1">
-            <a:schemeClr val="accent1"/>
-          </a:lnRef>
-          <a:fillRef idx="0">
-            <a:schemeClr val="accent1"/>
-          </a:fillRef>
-          <a:effectRef idx="0">
-            <a:schemeClr val="accent1"/>
-          </a:effectRef>
-          <a:fontRef idx="minor">
-            <a:schemeClr val="tx1"/>
-          </a:fontRef>
-        </p:style>
-      </p:cxnSp>
-      <p:sp>
-        <p:nvSpPr>
-          <p:cNvPr id="15" name="Rounded Rectangle 14"/>
+              <a:rPr lang="en-US" sz="2200" b="1" dirty="0" smtClean="0"/>
+              <a:t>Semantic Engine Language</a:t>
+            </a:r>
+            <a:endParaRPr lang="en-US" sz="2200" b="1" dirty="0"/>
+          </a:p>
+        </p:txBody>
+      </p:sp>
+      <p:sp>
+        <p:nvSpPr>
+          <p:cNvPr id="17" name="Rounded Rectangle 16"/>
           <p:cNvSpPr/>
           <p:nvPr/>
         </p:nvSpPr>
         <p:spPr>
           <a:xfrm>
-            <a:off x="4870274" y="1092934"/>
+            <a:off x="4154956" y="239066"/>
             <a:ext cx="2569028" cy="1898468"/>
           </a:xfrm>
           <a:prstGeom prst="roundRect">
             <a:avLst/>
           </a:prstGeom>
           <a:solidFill>
-            <a:schemeClr val="accent4">
-              <a:lumMod val="75000"/>
-            </a:schemeClr>
+            <a:srgbClr val="7030A0"/>
           </a:solidFill>
         </p:spPr>
         <p:style>
@@ -4225,29 +4057,29 @@
           <a:p>
             <a:pPr algn="ctr"/>
             <a:r>
-              <a:rPr lang="en-US" sz="1801" dirty="0" smtClean="0"/>
-              <a:t>Semantic Transformer</a:t>
-            </a:r>
-            <a:endParaRPr lang="en-US" sz="1801" dirty="0"/>
-          </a:p>
-        </p:txBody>
-      </p:sp>
-      <p:sp>
-        <p:nvSpPr>
-          <p:cNvPr id="17" name="Rounded Rectangle 16"/>
+              <a:rPr lang="en-US" sz="2200" b="1" dirty="0" smtClean="0"/>
+              <a:t>Semantic Engine</a:t>
+            </a:r>
+            <a:endParaRPr lang="en-US" sz="2200" b="1" dirty="0"/>
+          </a:p>
+        </p:txBody>
+      </p:sp>
+      <p:sp>
+        <p:nvSpPr>
+          <p:cNvPr id="18" name="Rectangle 17"/>
           <p:cNvSpPr/>
           <p:nvPr/>
         </p:nvSpPr>
         <p:spPr>
           <a:xfrm>
-            <a:off x="8020598" y="1092934"/>
-            <a:ext cx="2569028" cy="1898468"/>
-          </a:xfrm>
-          <a:prstGeom prst="roundRect">
+            <a:off x="429993" y="322225"/>
+            <a:ext cx="2548878" cy="1657404"/>
+          </a:xfrm>
+          <a:prstGeom prst="rect">
             <a:avLst/>
           </a:prstGeom>
           <a:solidFill>
-            <a:srgbClr val="7030A0"/>
+            <a:srgbClr val="FF0000"/>
           </a:solidFill>
         </p:spPr>
         <p:style>
@@ -4275,25 +4107,40 @@
           </a:bodyPr>
           <a:lstStyle/>
           <a:p>
-            <a:pPr algn="ctr"/>
-            <a:r>
-              <a:rPr lang="en-US" sz="1801" dirty="0" smtClean="0"/>
-              <a:t>Transformation Interpreter</a:t>
-            </a:r>
-            <a:endParaRPr lang="en-US" sz="1801" dirty="0"/>
-          </a:p>
-        </p:txBody>
-      </p:sp>
-      <p:sp>
-        <p:nvSpPr>
-          <p:cNvPr id="18" name="Rectangle 17"/>
+            <a:r>
+              <a:rPr lang="en-US" sz="2200" b="1" dirty="0">
+                <a:solidFill>
+                  <a:schemeClr val="tx1"/>
+                </a:solidFill>
+              </a:rPr>
+              <a:t>Penn Data </a:t>
+            </a:r>
+            <a:r>
+              <a:rPr lang="en-US" sz="2200" b="1" dirty="0" smtClean="0">
+                <a:solidFill>
+                  <a:schemeClr val="tx1"/>
+                </a:solidFill>
+              </a:rPr>
+              <a:t>Store</a:t>
+            </a:r>
+            <a:endParaRPr lang="en-US" sz="2200" b="1" dirty="0">
+              <a:solidFill>
+                <a:schemeClr val="tx1"/>
+              </a:solidFill>
+            </a:endParaRPr>
+          </a:p>
+        </p:txBody>
+      </p:sp>
+      <p:sp>
+        <p:nvSpPr>
+          <p:cNvPr id="19" name="Rectangle 18"/>
           <p:cNvSpPr/>
           <p:nvPr/>
         </p:nvSpPr>
         <p:spPr>
           <a:xfrm>
-            <a:off x="1382492" y="1449985"/>
-            <a:ext cx="2325189" cy="1541417"/>
+            <a:off x="429992" y="2577220"/>
+            <a:ext cx="2633720" cy="1657066"/>
           </a:xfrm>
           <a:prstGeom prst="rect">
             <a:avLst/>
@@ -4327,34 +4174,288 @@
           </a:bodyPr>
           <a:lstStyle/>
           <a:p>
-            <a:pPr algn="ctr"/>
-            <a:r>
-              <a:rPr lang="en-US" sz="1801" dirty="0">
+            <a:r>
+              <a:rPr lang="en-US" sz="2200" b="1" dirty="0" smtClean="0">
                 <a:solidFill>
                   <a:schemeClr val="tx1"/>
                 </a:solidFill>
               </a:rPr>
-              <a:t>Penn Data Store (patient demographics, diagnoses, medications, etc.)</a:t>
-            </a:r>
-          </a:p>
-        </p:txBody>
-      </p:sp>
-      <p:sp>
-        <p:nvSpPr>
-          <p:cNvPr id="19" name="Rectangle 18"/>
+              <a:t>Loss of Gene Function Mutation </a:t>
+            </a:r>
+            <a:r>
+              <a:rPr lang="en-US" sz="2200" b="1" dirty="0" smtClean="0">
+                <a:solidFill>
+                  <a:schemeClr val="tx1"/>
+                </a:solidFill>
+              </a:rPr>
+              <a:t>CSV File</a:t>
+            </a:r>
+            <a:endParaRPr lang="en-US" sz="2200" b="1" dirty="0">
+              <a:solidFill>
+                <a:schemeClr val="tx1"/>
+              </a:solidFill>
+            </a:endParaRPr>
+          </a:p>
+        </p:txBody>
+      </p:sp>
+      <p:cxnSp>
+        <p:nvCxnSpPr>
+          <p:cNvPr id="50" name="Straight Arrow Connector 49"/>
+          <p:cNvCxnSpPr>
+            <a:endCxn id="15" idx="1"/>
+          </p:cNvCxnSpPr>
+          <p:nvPr/>
+        </p:nvCxnSpPr>
+        <p:spPr>
+          <a:xfrm flipV="1">
+            <a:off x="6597754" y="1198062"/>
+            <a:ext cx="950243" cy="1514"/>
+          </a:xfrm>
+          <a:prstGeom prst="straightConnector1">
+            <a:avLst/>
+          </a:prstGeom>
+          <a:ln>
+            <a:tailEnd type="triangle"/>
+          </a:ln>
+        </p:spPr>
+        <p:style>
+          <a:lnRef idx="1">
+            <a:schemeClr val="accent1"/>
+          </a:lnRef>
+          <a:fillRef idx="0">
+            <a:schemeClr val="accent1"/>
+          </a:fillRef>
+          <a:effectRef idx="0">
+            <a:schemeClr val="accent1"/>
+          </a:effectRef>
+          <a:fontRef idx="minor">
+            <a:schemeClr val="tx1"/>
+          </a:fontRef>
+        </p:style>
+      </p:cxnSp>
+      <p:cxnSp>
+        <p:nvCxnSpPr>
+          <p:cNvPr id="52" name="Straight Arrow Connector 51"/>
+          <p:cNvCxnSpPr/>
+          <p:nvPr/>
+        </p:nvCxnSpPr>
+        <p:spPr>
+          <a:xfrm flipH="1">
+            <a:off x="8946037" y="2147296"/>
+            <a:ext cx="9427" cy="482844"/>
+          </a:xfrm>
+          <a:prstGeom prst="straightConnector1">
+            <a:avLst/>
+          </a:prstGeom>
+          <a:ln>
+            <a:tailEnd type="triangle"/>
+          </a:ln>
+        </p:spPr>
+        <p:style>
+          <a:lnRef idx="1">
+            <a:schemeClr val="accent1"/>
+          </a:lnRef>
+          <a:fillRef idx="0">
+            <a:schemeClr val="accent1"/>
+          </a:fillRef>
+          <a:effectRef idx="0">
+            <a:schemeClr val="accent1"/>
+          </a:effectRef>
+          <a:fontRef idx="minor">
+            <a:schemeClr val="tx1"/>
+          </a:fontRef>
+        </p:style>
+      </p:cxnSp>
+      <p:sp>
+        <p:nvSpPr>
+          <p:cNvPr id="59" name="Oval 58"/>
           <p:cNvSpPr/>
           <p:nvPr/>
         </p:nvSpPr>
         <p:spPr>
           <a:xfrm>
-            <a:off x="1382492" y="4241076"/>
-            <a:ext cx="2325189" cy="1541417"/>
+            <a:off x="2225554" y="1246205"/>
+            <a:ext cx="753317" cy="733424"/>
+          </a:xfrm>
+          <a:prstGeom prst="ellipse">
+            <a:avLst/>
+          </a:prstGeom>
+          <a:solidFill>
+            <a:schemeClr val="accent4">
+              <a:lumMod val="60000"/>
+              <a:lumOff val="40000"/>
+            </a:schemeClr>
+          </a:solidFill>
+        </p:spPr>
+        <p:style>
+          <a:lnRef idx="2">
+            <a:schemeClr val="accent1">
+              <a:shade val="50000"/>
+            </a:schemeClr>
+          </a:lnRef>
+          <a:fillRef idx="1">
+            <a:schemeClr val="accent1"/>
+          </a:fillRef>
+          <a:effectRef idx="0">
+            <a:schemeClr val="accent1"/>
+          </a:effectRef>
+          <a:fontRef idx="minor">
+            <a:schemeClr val="lt1"/>
+          </a:fontRef>
+        </p:style>
+        <p:txBody>
+          <a:bodyPr rtlCol="0" anchor="ctr"/>
+          <a:lstStyle/>
+          <a:p>
+            <a:pPr algn="ctr"/>
+            <a:r>
+              <a:rPr lang="en-US" dirty="0" smtClean="0">
+                <a:solidFill>
+                  <a:schemeClr val="tx1"/>
+                </a:solidFill>
+              </a:rPr>
+              <a:t>1</a:t>
+            </a:r>
+            <a:endParaRPr lang="en-US" dirty="0">
+              <a:solidFill>
+                <a:schemeClr val="tx1"/>
+              </a:solidFill>
+            </a:endParaRPr>
+          </a:p>
+        </p:txBody>
+      </p:sp>
+      <p:sp>
+        <p:nvSpPr>
+          <p:cNvPr id="60" name="Oval 59"/>
+          <p:cNvSpPr/>
+          <p:nvPr/>
+        </p:nvSpPr>
+        <p:spPr>
+          <a:xfrm>
+            <a:off x="2310395" y="3500862"/>
+            <a:ext cx="753317" cy="733424"/>
+          </a:xfrm>
+          <a:prstGeom prst="ellipse">
+            <a:avLst/>
+          </a:prstGeom>
+          <a:solidFill>
+            <a:schemeClr val="accent4">
+              <a:lumMod val="60000"/>
+              <a:lumOff val="40000"/>
+            </a:schemeClr>
+          </a:solidFill>
+        </p:spPr>
+        <p:style>
+          <a:lnRef idx="2">
+            <a:schemeClr val="accent1">
+              <a:shade val="50000"/>
+            </a:schemeClr>
+          </a:lnRef>
+          <a:fillRef idx="1">
+            <a:schemeClr val="accent1"/>
+          </a:fillRef>
+          <a:effectRef idx="0">
+            <a:schemeClr val="accent1"/>
+          </a:effectRef>
+          <a:fontRef idx="minor">
+            <a:schemeClr val="lt1"/>
+          </a:fontRef>
+        </p:style>
+        <p:txBody>
+          <a:bodyPr rtlCol="0" anchor="ctr"/>
+          <a:lstStyle/>
+          <a:p>
+            <a:pPr algn="ctr"/>
+            <a:r>
+              <a:rPr lang="en-US" dirty="0" smtClean="0">
+                <a:solidFill>
+                  <a:schemeClr val="tx1"/>
+                </a:solidFill>
+              </a:rPr>
+              <a:t>1</a:t>
+            </a:r>
+            <a:endParaRPr lang="en-US" dirty="0">
+              <a:solidFill>
+                <a:schemeClr val="tx1"/>
+              </a:solidFill>
+            </a:endParaRPr>
+          </a:p>
+        </p:txBody>
+      </p:sp>
+      <p:sp>
+        <p:nvSpPr>
+          <p:cNvPr id="61" name="Oval 60"/>
+          <p:cNvSpPr/>
+          <p:nvPr/>
+        </p:nvSpPr>
+        <p:spPr>
+          <a:xfrm>
+            <a:off x="5970667" y="3584191"/>
+            <a:ext cx="753317" cy="733424"/>
+          </a:xfrm>
+          <a:prstGeom prst="ellipse">
+            <a:avLst/>
+          </a:prstGeom>
+          <a:solidFill>
+            <a:schemeClr val="accent4">
+              <a:lumMod val="60000"/>
+              <a:lumOff val="40000"/>
+            </a:schemeClr>
+          </a:solidFill>
+        </p:spPr>
+        <p:style>
+          <a:lnRef idx="2">
+            <a:schemeClr val="accent1">
+              <a:shade val="50000"/>
+            </a:schemeClr>
+          </a:lnRef>
+          <a:fillRef idx="1">
+            <a:schemeClr val="accent1"/>
+          </a:fillRef>
+          <a:effectRef idx="0">
+            <a:schemeClr val="accent1"/>
+          </a:effectRef>
+          <a:fontRef idx="minor">
+            <a:schemeClr val="lt1"/>
+          </a:fontRef>
+        </p:style>
+        <p:txBody>
+          <a:bodyPr rtlCol="0" anchor="ctr"/>
+          <a:lstStyle/>
+          <a:p>
+            <a:pPr algn="ctr"/>
+            <a:r>
+              <a:rPr lang="en-US" dirty="0">
+                <a:solidFill>
+                  <a:schemeClr val="tx1"/>
+                </a:solidFill>
+              </a:rPr>
+              <a:t>2</a:t>
+            </a:r>
+            <a:endParaRPr lang="en-US" dirty="0">
+              <a:solidFill>
+                <a:schemeClr val="tx1"/>
+              </a:solidFill>
+            </a:endParaRPr>
+          </a:p>
+        </p:txBody>
+      </p:sp>
+      <p:sp>
+        <p:nvSpPr>
+          <p:cNvPr id="64" name="Rectangle 63"/>
+          <p:cNvSpPr/>
+          <p:nvPr/>
+        </p:nvSpPr>
+        <p:spPr>
+          <a:xfrm>
+            <a:off x="7547997" y="2630140"/>
+            <a:ext cx="2447108" cy="1741444"/>
           </a:xfrm>
           <a:prstGeom prst="rect">
             <a:avLst/>
           </a:prstGeom>
           <a:solidFill>
-            <a:srgbClr val="FF0000"/>
+            <a:schemeClr val="accent6"/>
           </a:solidFill>
         </p:spPr>
         <p:style>
@@ -4382,16 +4483,88 @@
           </a:bodyPr>
           <a:lstStyle/>
           <a:p>
+            <a:r>
+              <a:rPr lang="en-US" sz="2200" b="1" dirty="0" smtClean="0"/>
+              <a:t>RDF </a:t>
+            </a:r>
+            <a:r>
+              <a:rPr lang="en-US" sz="2200" b="1" dirty="0" err="1" smtClean="0"/>
+              <a:t>Triplestore</a:t>
+            </a:r>
+            <a:r>
+              <a:rPr lang="en-US" sz="2200" b="1" dirty="0" smtClean="0"/>
+              <a:t> (</a:t>
+            </a:r>
+            <a:r>
+              <a:rPr lang="en-US" sz="2200" b="1" dirty="0" err="1" smtClean="0"/>
+              <a:t>Ontotext</a:t>
+            </a:r>
+            <a:endParaRPr lang="en-US" sz="2200" b="1" dirty="0" smtClean="0"/>
+          </a:p>
+          <a:p>
+            <a:r>
+              <a:rPr lang="en-US" sz="2200" b="1" dirty="0" err="1" smtClean="0"/>
+              <a:t>GraphDB</a:t>
+            </a:r>
+            <a:r>
+              <a:rPr lang="en-US" sz="2200" b="1" dirty="0" smtClean="0"/>
+              <a:t>)</a:t>
+            </a:r>
+            <a:endParaRPr lang="en-US" sz="2200" b="1" dirty="0"/>
+          </a:p>
+        </p:txBody>
+      </p:sp>
+      <p:sp>
+        <p:nvSpPr>
+          <p:cNvPr id="62" name="Oval 61"/>
+          <p:cNvSpPr/>
+          <p:nvPr/>
+        </p:nvSpPr>
+        <p:spPr>
+          <a:xfrm>
+            <a:off x="9241788" y="3638160"/>
+            <a:ext cx="753317" cy="733424"/>
+          </a:xfrm>
+          <a:prstGeom prst="ellipse">
+            <a:avLst/>
+          </a:prstGeom>
+          <a:solidFill>
+            <a:schemeClr val="accent4">
+              <a:lumMod val="60000"/>
+              <a:lumOff val="40000"/>
+            </a:schemeClr>
+          </a:solidFill>
+        </p:spPr>
+        <p:style>
+          <a:lnRef idx="2">
+            <a:schemeClr val="accent1">
+              <a:shade val="50000"/>
+            </a:schemeClr>
+          </a:lnRef>
+          <a:fillRef idx="1">
+            <a:schemeClr val="accent1"/>
+          </a:fillRef>
+          <a:effectRef idx="0">
+            <a:schemeClr val="accent1"/>
+          </a:effectRef>
+          <a:fontRef idx="minor">
+            <a:schemeClr val="lt1"/>
+          </a:fontRef>
+        </p:style>
+        <p:txBody>
+          <a:bodyPr rtlCol="0" anchor="ctr"/>
+          <a:lstStyle/>
+          <a:p>
             <a:pPr algn="ctr"/>
             <a:r>
-              <a:rPr lang="en-US" sz="1801" dirty="0" smtClean="0">
+              <a:rPr lang="en-US" dirty="0" smtClean="0">
                 <a:solidFill>
                   <a:schemeClr val="tx1"/>
                 </a:solidFill>
               </a:rPr>
-              <a:t>Loss of Gene Function Mutation Data</a:t>
-            </a:r>
-            <a:endParaRPr lang="en-US" sz="1801" dirty="0">
+              <a:t>3</a:t>
+            </a:r>
+            <a:endParaRPr lang="en-US" dirty="0">
               <a:solidFill>
                 <a:schemeClr val="tx1"/>
               </a:solidFill>
@@ -4444,7 +4617,7 @@
         </p:nvSpPr>
         <p:spPr>
           <a:xfrm>
-            <a:off x="3323109" y="1367246"/>
+            <a:off x="3445029" y="239210"/>
             <a:ext cx="2569028" cy="1898468"/>
           </a:xfrm>
           <a:prstGeom prst="roundRect">
@@ -4481,10 +4654,14 @@
           <a:p>
             <a:pPr algn="ctr"/>
             <a:r>
-              <a:rPr lang="en-US" sz="1801" dirty="0" smtClean="0"/>
-              <a:t>OMOP Conversion Tools</a:t>
-            </a:r>
-            <a:endParaRPr lang="en-US" sz="1801" dirty="0"/>
+              <a:rPr lang="en-US" sz="2200" b="1" dirty="0" smtClean="0"/>
+              <a:t>OHDSI ETL-</a:t>
+            </a:r>
+            <a:r>
+              <a:rPr lang="en-US" sz="2200" b="1" dirty="0" err="1" smtClean="0"/>
+              <a:t>Synthea</a:t>
+            </a:r>
+            <a:endParaRPr lang="en-US" sz="2200" b="1" dirty="0"/>
           </a:p>
         </p:txBody>
       </p:sp>
@@ -4496,8 +4673,8 @@
         </p:nvSpPr>
         <p:spPr>
           <a:xfrm>
-            <a:off x="3445029" y="4430482"/>
-            <a:ext cx="2325189" cy="1541417"/>
+            <a:off x="3560416" y="2778160"/>
+            <a:ext cx="2595775" cy="1789337"/>
           </a:xfrm>
           <a:prstGeom prst="rect">
             <a:avLst/>
@@ -4531,12 +4708,11 @@
           </a:bodyPr>
           <a:lstStyle/>
           <a:p>
-            <a:pPr algn="ctr"/>
-            <a:r>
-              <a:rPr lang="en-US" sz="1801" dirty="0" smtClean="0"/>
+            <a:r>
+              <a:rPr lang="en-US" sz="2200" b="1" dirty="0" smtClean="0"/>
               <a:t>PostgreSQL (OMOP schema)</a:t>
             </a:r>
-            <a:endParaRPr lang="en-US" sz="1801" dirty="0"/>
+            <a:endParaRPr lang="en-US" sz="2200" b="1" dirty="0"/>
           </a:p>
         </p:txBody>
       </p:sp>
@@ -4544,15 +4720,14 @@
         <p:nvCxnSpPr>
           <p:cNvPr id="7" name="Straight Arrow Connector 6"/>
           <p:cNvCxnSpPr>
-            <a:stCxn id="4" idx="2"/>
             <a:endCxn id="6" idx="0"/>
           </p:cNvCxnSpPr>
           <p:nvPr/>
         </p:nvCxnSpPr>
         <p:spPr>
           <a:xfrm>
-            <a:off x="4607623" y="3265714"/>
-            <a:ext cx="1" cy="1164768"/>
+            <a:off x="4858303" y="2137678"/>
+            <a:ext cx="1" cy="640482"/>
           </a:xfrm>
           <a:prstGeom prst="straightConnector1">
             <a:avLst/>
@@ -4584,8 +4759,8 @@
         </p:nvCxnSpPr>
         <p:spPr>
           <a:xfrm>
-            <a:off x="1323405" y="3278774"/>
-            <a:ext cx="0" cy="1164768"/>
+            <a:off x="1522170" y="2085974"/>
+            <a:ext cx="1830" cy="695321"/>
           </a:xfrm>
           <a:prstGeom prst="straightConnector1">
             <a:avLst/>
@@ -4609,41 +4784,6 @@
           </a:fontRef>
         </p:style>
       </p:cxnSp>
-      <p:cxnSp>
-        <p:nvCxnSpPr>
-          <p:cNvPr id="9" name="Straight Arrow Connector 8"/>
-          <p:cNvCxnSpPr>
-            <a:stCxn id="6" idx="3"/>
-          </p:cNvCxnSpPr>
-          <p:nvPr/>
-        </p:nvCxnSpPr>
-        <p:spPr>
-          <a:xfrm flipV="1">
-            <a:off x="5770218" y="5190305"/>
-            <a:ext cx="796833" cy="10886"/>
-          </a:xfrm>
-          <a:prstGeom prst="straightConnector1">
-            <a:avLst/>
-          </a:prstGeom>
-          <a:ln>
-            <a:tailEnd type="triangle"/>
-          </a:ln>
-        </p:spPr>
-        <p:style>
-          <a:lnRef idx="1">
-            <a:schemeClr val="accent1"/>
-          </a:lnRef>
-          <a:fillRef idx="0">
-            <a:schemeClr val="accent1"/>
-          </a:fillRef>
-          <a:effectRef idx="0">
-            <a:schemeClr val="accent1"/>
-          </a:effectRef>
-          <a:fontRef idx="minor">
-            <a:schemeClr val="tx1"/>
-          </a:fontRef>
-        </p:style>
-      </p:cxnSp>
       <p:sp>
         <p:nvSpPr>
           <p:cNvPr id="10" name="Rectangle 9"/>
@@ -4652,8 +4792,8 @@
         </p:nvSpPr>
         <p:spPr>
           <a:xfrm>
-            <a:off x="9432170" y="4443542"/>
-            <a:ext cx="2325189" cy="1541417"/>
+            <a:off x="9595457" y="2778160"/>
+            <a:ext cx="2447108" cy="1741444"/>
           </a:xfrm>
           <a:prstGeom prst="rect">
             <a:avLst/>
@@ -4687,49 +4827,49 @@
           </a:bodyPr>
           <a:lstStyle/>
           <a:p>
-            <a:pPr algn="ctr"/>
-            <a:r>
-              <a:rPr lang="en-US" sz="1801" dirty="0" smtClean="0"/>
+            <a:r>
+              <a:rPr lang="en-US" sz="2200" b="1" dirty="0" smtClean="0"/>
               <a:t>RDF </a:t>
             </a:r>
             <a:r>
-              <a:rPr lang="en-US" sz="1801" dirty="0" err="1" smtClean="0"/>
+              <a:rPr lang="en-US" sz="2200" b="1" dirty="0" err="1" smtClean="0"/>
               <a:t>Triplestore</a:t>
             </a:r>
             <a:r>
-              <a:rPr lang="en-US" sz="1801" dirty="0" smtClean="0"/>
+              <a:rPr lang="en-US" sz="2200" b="1" dirty="0" smtClean="0"/>
               <a:t> (</a:t>
             </a:r>
             <a:r>
-              <a:rPr lang="en-US" sz="1801" dirty="0" err="1" smtClean="0"/>
+              <a:rPr lang="en-US" sz="2200" b="1" dirty="0" err="1" smtClean="0"/>
               <a:t>Ontotext</a:t>
             </a:r>
-            <a:r>
-              <a:rPr lang="en-US" sz="1801" dirty="0" smtClean="0"/>
-              <a:t> </a:t>
-            </a:r>
-            <a:r>
-              <a:rPr lang="en-US" sz="1801" dirty="0" err="1" smtClean="0"/>
+            <a:endParaRPr lang="en-US" sz="2200" b="1" dirty="0" smtClean="0"/>
+          </a:p>
+          <a:p>
+            <a:r>
+              <a:rPr lang="en-US" sz="2200" b="1" dirty="0" err="1" smtClean="0"/>
               <a:t>GraphDB</a:t>
             </a:r>
             <a:r>
-              <a:rPr lang="en-US" sz="1801" dirty="0" smtClean="0"/>
+              <a:rPr lang="en-US" sz="2200" b="1" dirty="0" smtClean="0"/>
               <a:t>)</a:t>
             </a:r>
-            <a:endParaRPr lang="en-US" sz="1801" dirty="0"/>
+            <a:endParaRPr lang="en-US" sz="2200" b="1" dirty="0"/>
           </a:p>
         </p:txBody>
       </p:sp>
       <p:cxnSp>
         <p:nvCxnSpPr>
           <p:cNvPr id="13" name="Straight Arrow Connector 12"/>
-          <p:cNvCxnSpPr/>
+          <p:cNvCxnSpPr>
+            <a:stCxn id="23" idx="3"/>
+          </p:cNvCxnSpPr>
           <p:nvPr/>
         </p:nvCxnSpPr>
         <p:spPr>
           <a:xfrm>
-            <a:off x="8824747" y="2316478"/>
-            <a:ext cx="607422" cy="0"/>
+            <a:off x="8993944" y="1188444"/>
+            <a:ext cx="479593" cy="0"/>
           </a:xfrm>
           <a:prstGeom prst="straightConnector1">
             <a:avLst/>
@@ -4753,41 +4893,6 @@
           </a:fontRef>
         </p:style>
       </p:cxnSp>
-      <p:cxnSp>
-        <p:nvCxnSpPr>
-          <p:cNvPr id="14" name="Straight Arrow Connector 13"/>
-          <p:cNvCxnSpPr>
-            <a:endCxn id="10" idx="0"/>
-          </p:cNvCxnSpPr>
-          <p:nvPr/>
-        </p:nvCxnSpPr>
-        <p:spPr>
-          <a:xfrm>
-            <a:off x="10594764" y="3087186"/>
-            <a:ext cx="1" cy="1356356"/>
-          </a:xfrm>
-          <a:prstGeom prst="straightConnector1">
-            <a:avLst/>
-          </a:prstGeom>
-          <a:ln>
-            <a:tailEnd type="triangle"/>
-          </a:ln>
-        </p:spPr>
-        <p:style>
-          <a:lnRef idx="1">
-            <a:schemeClr val="accent1"/>
-          </a:lnRef>
-          <a:fillRef idx="0">
-            <a:schemeClr val="accent1"/>
-          </a:fillRef>
-          <a:effectRef idx="0">
-            <a:schemeClr val="accent1"/>
-          </a:effectRef>
-          <a:fontRef idx="minor">
-            <a:schemeClr val="tx1"/>
-          </a:fontRef>
-        </p:style>
-      </p:cxnSp>
       <p:sp>
         <p:nvSpPr>
           <p:cNvPr id="34" name="Rectangle 33"/>
@@ -4796,8 +4901,8 @@
         </p:nvSpPr>
         <p:spPr>
           <a:xfrm>
-            <a:off x="6567051" y="4443542"/>
-            <a:ext cx="2325189" cy="1541417"/>
+            <a:off x="6659094" y="2796662"/>
+            <a:ext cx="2495627" cy="1752331"/>
           </a:xfrm>
           <a:prstGeom prst="rect">
             <a:avLst/>
@@ -4831,122 +4936,15 @@
           </a:bodyPr>
           <a:lstStyle/>
           <a:p>
-            <a:pPr algn="ctr"/>
-            <a:r>
-              <a:rPr lang="en-US" sz="1801" dirty="0" err="1" smtClean="0"/>
+            <a:r>
+              <a:rPr lang="en-US" sz="2200" b="1" dirty="0" err="1" smtClean="0"/>
               <a:t>Stardog</a:t>
             </a:r>
             <a:r>
-              <a:rPr lang="en-US" sz="1801" dirty="0" smtClean="0"/>
+              <a:rPr lang="en-US" sz="2200" b="1" dirty="0" smtClean="0"/>
               <a:t> Virtual Graph</a:t>
             </a:r>
-            <a:endParaRPr lang="en-US" sz="1801" dirty="0"/>
-          </a:p>
-        </p:txBody>
-      </p:sp>
-      <p:cxnSp>
-        <p:nvCxnSpPr>
-          <p:cNvPr id="35" name="Straight Arrow Connector 34"/>
-          <p:cNvCxnSpPr/>
-          <p:nvPr/>
-        </p:nvCxnSpPr>
-        <p:spPr>
-          <a:xfrm flipV="1">
-            <a:off x="5770218" y="5190304"/>
-            <a:ext cx="796833" cy="10886"/>
-          </a:xfrm>
-          <a:prstGeom prst="straightConnector1">
-            <a:avLst/>
-          </a:prstGeom>
-          <a:ln>
-            <a:tailEnd type="triangle"/>
-          </a:ln>
-        </p:spPr>
-        <p:style>
-          <a:lnRef idx="1">
-            <a:schemeClr val="accent1"/>
-          </a:lnRef>
-          <a:fillRef idx="0">
-            <a:schemeClr val="accent1"/>
-          </a:fillRef>
-          <a:effectRef idx="0">
-            <a:schemeClr val="accent1"/>
-          </a:effectRef>
-          <a:fontRef idx="minor">
-            <a:schemeClr val="tx1"/>
-          </a:fontRef>
-        </p:style>
-      </p:cxnSp>
-      <p:cxnSp>
-        <p:nvCxnSpPr>
-          <p:cNvPr id="36" name="Straight Arrow Connector 35"/>
-          <p:cNvCxnSpPr>
-            <a:stCxn id="34" idx="3"/>
-          </p:cNvCxnSpPr>
-          <p:nvPr/>
-        </p:nvCxnSpPr>
-        <p:spPr>
-          <a:xfrm flipV="1">
-            <a:off x="8892240" y="5214249"/>
-            <a:ext cx="581297" cy="2"/>
-          </a:xfrm>
-          <a:prstGeom prst="straightConnector1">
-            <a:avLst/>
-          </a:prstGeom>
-          <a:ln>
-            <a:tailEnd type="triangle"/>
-          </a:ln>
-        </p:spPr>
-        <p:style>
-          <a:lnRef idx="1">
-            <a:schemeClr val="accent1"/>
-          </a:lnRef>
-          <a:fillRef idx="0">
-            <a:schemeClr val="accent1"/>
-          </a:fillRef>
-          <a:effectRef idx="0">
-            <a:schemeClr val="accent1"/>
-          </a:effectRef>
-          <a:fontRef idx="minor">
-            <a:schemeClr val="tx1"/>
-          </a:fontRef>
-        </p:style>
-      </p:cxnSp>
-      <p:sp>
-        <p:nvSpPr>
-          <p:cNvPr id="40" name="TextBox 39"/>
-          <p:cNvSpPr txBox="1"/>
-          <p:nvPr/>
-        </p:nvSpPr>
-        <p:spPr>
-          <a:xfrm>
-            <a:off x="396246" y="374468"/>
-            <a:ext cx="3503460" cy="369332"/>
-          </a:xfrm>
-          <a:prstGeom prst="rect">
-            <a:avLst/>
-          </a:prstGeom>
-          <a:noFill/>
-        </p:spPr>
-        <p:txBody>
-          <a:bodyPr wrap="none" rtlCol="0">
-            <a:spAutoFit/>
-          </a:bodyPr>
-          <a:lstStyle/>
-          <a:p>
-            <a:r>
-              <a:rPr lang="en-US" dirty="0" smtClean="0"/>
-              <a:t>Fig 3. </a:t>
-            </a:r>
-            <a:r>
-              <a:rPr lang="en-US" dirty="0" err="1" smtClean="0"/>
-              <a:t>Synthea</a:t>
-            </a:r>
-            <a:r>
-              <a:rPr lang="en-US" dirty="0" smtClean="0"/>
-              <a:t> Pipeline Architecture</a:t>
-            </a:r>
-            <a:endParaRPr lang="en-US" dirty="0"/>
+            <a:endParaRPr lang="en-US" sz="2200" b="1" dirty="0"/>
           </a:p>
         </p:txBody>
       </p:sp>
@@ -4958,8 +4956,8 @@
         </p:nvSpPr>
         <p:spPr>
           <a:xfrm>
-            <a:off x="210789" y="4456602"/>
-            <a:ext cx="2325189" cy="1541417"/>
+            <a:off x="306938" y="2790819"/>
+            <a:ext cx="2683900" cy="1789335"/>
           </a:xfrm>
           <a:prstGeom prst="rect">
             <a:avLst/>
@@ -4993,35 +4991,32 @@
           </a:bodyPr>
           <a:lstStyle/>
           <a:p>
-            <a:pPr algn="ctr"/>
-            <a:r>
-              <a:rPr lang="en-US" sz="1801" dirty="0" smtClean="0"/>
+            <a:r>
+              <a:rPr lang="en-US" sz="2200" b="1" dirty="0" smtClean="0"/>
               <a:t>PostgreSQL (</a:t>
             </a:r>
             <a:r>
-              <a:rPr lang="en-US" sz="1801" dirty="0" err="1" smtClean="0"/>
+              <a:rPr lang="en-US" sz="2200" b="1" dirty="0" err="1" smtClean="0"/>
               <a:t>Synthea</a:t>
             </a:r>
             <a:r>
-              <a:rPr lang="en-US" sz="1801" dirty="0" smtClean="0"/>
+              <a:rPr lang="en-US" sz="2200" b="1" dirty="0" smtClean="0"/>
               <a:t> schema)</a:t>
             </a:r>
-            <a:endParaRPr lang="en-US" sz="1801" dirty="0"/>
+            <a:endParaRPr lang="en-US" sz="2200" b="1" dirty="0"/>
           </a:p>
         </p:txBody>
       </p:sp>
       <p:cxnSp>
         <p:nvCxnSpPr>
           <p:cNvPr id="19" name="Straight Arrow Connector 18"/>
-          <p:cNvCxnSpPr>
-            <a:endCxn id="6" idx="1"/>
-          </p:cNvCxnSpPr>
+          <p:cNvCxnSpPr/>
           <p:nvPr/>
         </p:nvCxnSpPr>
         <p:spPr>
-          <a:xfrm>
-            <a:off x="2536648" y="5190305"/>
-            <a:ext cx="908381" cy="10886"/>
+          <a:xfrm flipV="1">
+            <a:off x="2990772" y="3828228"/>
+            <a:ext cx="569644" cy="8013"/>
           </a:xfrm>
           <a:prstGeom prst="straightConnector1">
             <a:avLst/>
@@ -5053,7 +5048,7 @@
         </p:nvSpPr>
         <p:spPr>
           <a:xfrm>
-            <a:off x="6268782" y="1367243"/>
+            <a:off x="6424916" y="239210"/>
             <a:ext cx="2569028" cy="1898468"/>
           </a:xfrm>
           <a:prstGeom prst="roundRect">
@@ -5092,10 +5087,10 @@
           <a:p>
             <a:pPr algn="ctr"/>
             <a:r>
-              <a:rPr lang="en-US" sz="1801" dirty="0" smtClean="0"/>
-              <a:t>Semantic Transformer</a:t>
-            </a:r>
-            <a:endParaRPr lang="en-US" sz="1801" dirty="0"/>
+              <a:rPr lang="en-US" sz="2200" b="1" dirty="0" smtClean="0"/>
+              <a:t>Semantic Engine Language</a:t>
+            </a:r>
+            <a:endParaRPr lang="en-US" sz="2200" b="1" dirty="0"/>
           </a:p>
         </p:txBody>
       </p:sp>
@@ -5107,7 +5102,7 @@
         </p:nvSpPr>
         <p:spPr>
           <a:xfrm>
-            <a:off x="9419106" y="1367243"/>
+            <a:off x="9473537" y="187506"/>
             <a:ext cx="2569028" cy="1898468"/>
           </a:xfrm>
           <a:prstGeom prst="roundRect">
@@ -5144,10 +5139,10 @@
           <a:p>
             <a:pPr algn="ctr"/>
             <a:r>
-              <a:rPr lang="en-US" sz="1801" dirty="0" smtClean="0"/>
-              <a:t>Transformation Interpreter</a:t>
-            </a:r>
-            <a:endParaRPr lang="en-US" sz="1801" dirty="0"/>
+              <a:rPr lang="en-US" sz="2200" b="1" dirty="0" smtClean="0"/>
+              <a:t>Semantic Engine</a:t>
+            </a:r>
+            <a:endParaRPr lang="en-US" sz="2200" b="1" dirty="0"/>
           </a:p>
         </p:txBody>
       </p:sp>
@@ -5159,8 +5154,8 @@
         </p:nvSpPr>
         <p:spPr>
           <a:xfrm>
-            <a:off x="266014" y="1724294"/>
-            <a:ext cx="2325189" cy="1541417"/>
+            <a:off x="306938" y="300439"/>
+            <a:ext cx="2683900" cy="1776011"/>
           </a:xfrm>
           <a:prstGeom prst="rect">
             <a:avLst/>
@@ -5196,19 +5191,409 @@
           </a:bodyPr>
           <a:lstStyle/>
           <a:p>
+            <a:r>
+              <a:rPr lang="en-US" sz="2000" b="1" dirty="0" err="1" smtClean="0"/>
+              <a:t>Synthea</a:t>
+            </a:r>
+            <a:r>
+              <a:rPr lang="en-US" sz="2000" b="1" dirty="0" smtClean="0"/>
+              <a:t> Dataset (CSV file)</a:t>
+            </a:r>
+            <a:endParaRPr lang="en-US" sz="2000" b="1" dirty="0"/>
+          </a:p>
+        </p:txBody>
+      </p:sp>
+      <p:sp>
+        <p:nvSpPr>
+          <p:cNvPr id="28" name="Oval 27"/>
+          <p:cNvSpPr/>
+          <p:nvPr/>
+        </p:nvSpPr>
+        <p:spPr>
+          <a:xfrm>
+            <a:off x="2240694" y="1343026"/>
+            <a:ext cx="753317" cy="733424"/>
+          </a:xfrm>
+          <a:prstGeom prst="ellipse">
+            <a:avLst/>
+          </a:prstGeom>
+          <a:solidFill>
+            <a:schemeClr val="accent4">
+              <a:lumMod val="60000"/>
+              <a:lumOff val="40000"/>
+            </a:schemeClr>
+          </a:solidFill>
+        </p:spPr>
+        <p:style>
+          <a:lnRef idx="2">
+            <a:schemeClr val="accent1">
+              <a:shade val="50000"/>
+            </a:schemeClr>
+          </a:lnRef>
+          <a:fillRef idx="1">
+            <a:schemeClr val="accent1"/>
+          </a:fillRef>
+          <a:effectRef idx="0">
+            <a:schemeClr val="accent1"/>
+          </a:effectRef>
+          <a:fontRef idx="minor">
+            <a:schemeClr val="lt1"/>
+          </a:fontRef>
+        </p:style>
+        <p:txBody>
+          <a:bodyPr rtlCol="0" anchor="ctr"/>
+          <a:lstStyle/>
+          <a:p>
             <a:pPr algn="ctr"/>
             <a:r>
-              <a:rPr lang="en-US" sz="1801" dirty="0" err="1" smtClean="0"/>
-              <a:t>Synthea</a:t>
-            </a:r>
-            <a:r>
-              <a:rPr lang="en-US" sz="1801" dirty="0" smtClean="0"/>
-              <a:t> Dataset (CSV file)</a:t>
-            </a:r>
-            <a:endParaRPr lang="en-US" sz="1801" dirty="0"/>
-          </a:p>
-        </p:txBody>
-      </p:sp>
+              <a:rPr lang="en-US" dirty="0" smtClean="0">
+                <a:solidFill>
+                  <a:schemeClr val="tx1"/>
+                </a:solidFill>
+              </a:rPr>
+              <a:t>1</a:t>
+            </a:r>
+            <a:endParaRPr lang="en-US" dirty="0">
+              <a:solidFill>
+                <a:schemeClr val="tx1"/>
+              </a:solidFill>
+            </a:endParaRPr>
+          </a:p>
+        </p:txBody>
+      </p:sp>
+      <p:sp>
+        <p:nvSpPr>
+          <p:cNvPr id="37" name="Oval 36"/>
+          <p:cNvSpPr/>
+          <p:nvPr/>
+        </p:nvSpPr>
+        <p:spPr>
+          <a:xfrm>
+            <a:off x="2237455" y="3834073"/>
+            <a:ext cx="753317" cy="733424"/>
+          </a:xfrm>
+          <a:prstGeom prst="ellipse">
+            <a:avLst/>
+          </a:prstGeom>
+          <a:solidFill>
+            <a:schemeClr val="accent4">
+              <a:lumMod val="60000"/>
+              <a:lumOff val="40000"/>
+            </a:schemeClr>
+          </a:solidFill>
+        </p:spPr>
+        <p:style>
+          <a:lnRef idx="2">
+            <a:schemeClr val="accent1">
+              <a:shade val="50000"/>
+            </a:schemeClr>
+          </a:lnRef>
+          <a:fillRef idx="1">
+            <a:schemeClr val="accent1"/>
+          </a:fillRef>
+          <a:effectRef idx="0">
+            <a:schemeClr val="accent1"/>
+          </a:effectRef>
+          <a:fontRef idx="minor">
+            <a:schemeClr val="lt1"/>
+          </a:fontRef>
+        </p:style>
+        <p:txBody>
+          <a:bodyPr rtlCol="0" anchor="ctr"/>
+          <a:lstStyle/>
+          <a:p>
+            <a:pPr algn="ctr"/>
+            <a:r>
+              <a:rPr lang="en-US" dirty="0">
+                <a:solidFill>
+                  <a:schemeClr val="tx1"/>
+                </a:solidFill>
+              </a:rPr>
+              <a:t>2</a:t>
+            </a:r>
+            <a:endParaRPr lang="en-US" dirty="0">
+              <a:solidFill>
+                <a:schemeClr val="tx1"/>
+              </a:solidFill>
+            </a:endParaRPr>
+          </a:p>
+        </p:txBody>
+      </p:sp>
+      <p:sp>
+        <p:nvSpPr>
+          <p:cNvPr id="41" name="Oval 40"/>
+          <p:cNvSpPr/>
+          <p:nvPr/>
+        </p:nvSpPr>
+        <p:spPr>
+          <a:xfrm>
+            <a:off x="5402874" y="3813652"/>
+            <a:ext cx="753317" cy="733424"/>
+          </a:xfrm>
+          <a:prstGeom prst="ellipse">
+            <a:avLst/>
+          </a:prstGeom>
+          <a:solidFill>
+            <a:schemeClr val="accent4">
+              <a:lumMod val="60000"/>
+              <a:lumOff val="40000"/>
+            </a:schemeClr>
+          </a:solidFill>
+        </p:spPr>
+        <p:style>
+          <a:lnRef idx="2">
+            <a:schemeClr val="accent1">
+              <a:shade val="50000"/>
+            </a:schemeClr>
+          </a:lnRef>
+          <a:fillRef idx="1">
+            <a:schemeClr val="accent1"/>
+          </a:fillRef>
+          <a:effectRef idx="0">
+            <a:schemeClr val="accent1"/>
+          </a:effectRef>
+          <a:fontRef idx="minor">
+            <a:schemeClr val="lt1"/>
+          </a:fontRef>
+        </p:style>
+        <p:txBody>
+          <a:bodyPr rtlCol="0" anchor="ctr"/>
+          <a:lstStyle/>
+          <a:p>
+            <a:pPr algn="ctr"/>
+            <a:r>
+              <a:rPr lang="en-US" dirty="0" smtClean="0">
+                <a:solidFill>
+                  <a:schemeClr val="tx1"/>
+                </a:solidFill>
+              </a:rPr>
+              <a:t>3</a:t>
+            </a:r>
+            <a:endParaRPr lang="en-US" dirty="0">
+              <a:solidFill>
+                <a:schemeClr val="tx1"/>
+              </a:solidFill>
+            </a:endParaRPr>
+          </a:p>
+        </p:txBody>
+      </p:sp>
+      <p:sp>
+        <p:nvSpPr>
+          <p:cNvPr id="42" name="Oval 41"/>
+          <p:cNvSpPr/>
+          <p:nvPr/>
+        </p:nvSpPr>
+        <p:spPr>
+          <a:xfrm>
+            <a:off x="8401404" y="3813652"/>
+            <a:ext cx="753317" cy="733424"/>
+          </a:xfrm>
+          <a:prstGeom prst="ellipse">
+            <a:avLst/>
+          </a:prstGeom>
+          <a:solidFill>
+            <a:schemeClr val="accent4">
+              <a:lumMod val="60000"/>
+              <a:lumOff val="40000"/>
+            </a:schemeClr>
+          </a:solidFill>
+        </p:spPr>
+        <p:style>
+          <a:lnRef idx="2">
+            <a:schemeClr val="accent1">
+              <a:shade val="50000"/>
+            </a:schemeClr>
+          </a:lnRef>
+          <a:fillRef idx="1">
+            <a:schemeClr val="accent1"/>
+          </a:fillRef>
+          <a:effectRef idx="0">
+            <a:schemeClr val="accent1"/>
+          </a:effectRef>
+          <a:fontRef idx="minor">
+            <a:schemeClr val="lt1"/>
+          </a:fontRef>
+        </p:style>
+        <p:txBody>
+          <a:bodyPr rtlCol="0" anchor="ctr"/>
+          <a:lstStyle/>
+          <a:p>
+            <a:pPr algn="ctr"/>
+            <a:r>
+              <a:rPr lang="en-US" dirty="0">
+                <a:solidFill>
+                  <a:schemeClr val="tx1"/>
+                </a:solidFill>
+              </a:rPr>
+              <a:t>4</a:t>
+            </a:r>
+            <a:endParaRPr lang="en-US" dirty="0">
+              <a:solidFill>
+                <a:schemeClr val="tx1"/>
+              </a:solidFill>
+            </a:endParaRPr>
+          </a:p>
+        </p:txBody>
+      </p:sp>
+      <p:sp>
+        <p:nvSpPr>
+          <p:cNvPr id="43" name="Oval 42"/>
+          <p:cNvSpPr/>
+          <p:nvPr/>
+        </p:nvSpPr>
+        <p:spPr>
+          <a:xfrm>
+            <a:off x="11289248" y="3786180"/>
+            <a:ext cx="753317" cy="733424"/>
+          </a:xfrm>
+          <a:prstGeom prst="ellipse">
+            <a:avLst/>
+          </a:prstGeom>
+          <a:solidFill>
+            <a:schemeClr val="accent4">
+              <a:lumMod val="60000"/>
+              <a:lumOff val="40000"/>
+            </a:schemeClr>
+          </a:solidFill>
+        </p:spPr>
+        <p:style>
+          <a:lnRef idx="2">
+            <a:schemeClr val="accent1">
+              <a:shade val="50000"/>
+            </a:schemeClr>
+          </a:lnRef>
+          <a:fillRef idx="1">
+            <a:schemeClr val="accent1"/>
+          </a:fillRef>
+          <a:effectRef idx="0">
+            <a:schemeClr val="accent1"/>
+          </a:effectRef>
+          <a:fontRef idx="minor">
+            <a:schemeClr val="lt1"/>
+          </a:fontRef>
+        </p:style>
+        <p:txBody>
+          <a:bodyPr rtlCol="0" anchor="ctr"/>
+          <a:lstStyle/>
+          <a:p>
+            <a:pPr algn="ctr"/>
+            <a:r>
+              <a:rPr lang="en-US" dirty="0" smtClean="0">
+                <a:solidFill>
+                  <a:schemeClr val="tx1"/>
+                </a:solidFill>
+              </a:rPr>
+              <a:t>5</a:t>
+            </a:r>
+            <a:endParaRPr lang="en-US" dirty="0">
+              <a:solidFill>
+                <a:schemeClr val="tx1"/>
+              </a:solidFill>
+            </a:endParaRPr>
+          </a:p>
+        </p:txBody>
+      </p:sp>
+      <p:cxnSp>
+        <p:nvCxnSpPr>
+          <p:cNvPr id="49" name="Straight Arrow Connector 48"/>
+          <p:cNvCxnSpPr/>
+          <p:nvPr/>
+        </p:nvCxnSpPr>
+        <p:spPr>
+          <a:xfrm>
+            <a:off x="6156191" y="3732426"/>
+            <a:ext cx="502903" cy="7077"/>
+          </a:xfrm>
+          <a:prstGeom prst="straightConnector1">
+            <a:avLst/>
+          </a:prstGeom>
+          <a:ln>
+            <a:tailEnd type="triangle"/>
+          </a:ln>
+        </p:spPr>
+        <p:style>
+          <a:lnRef idx="1">
+            <a:schemeClr val="accent1"/>
+          </a:lnRef>
+          <a:fillRef idx="0">
+            <a:schemeClr val="accent1"/>
+          </a:fillRef>
+          <a:effectRef idx="0">
+            <a:schemeClr val="accent1"/>
+          </a:effectRef>
+          <a:fontRef idx="minor">
+            <a:schemeClr val="tx1"/>
+          </a:fontRef>
+        </p:style>
+      </p:cxnSp>
+      <p:cxnSp>
+        <p:nvCxnSpPr>
+          <p:cNvPr id="59" name="Straight Arrow Connector 58"/>
+          <p:cNvCxnSpPr/>
+          <p:nvPr/>
+        </p:nvCxnSpPr>
+        <p:spPr>
+          <a:xfrm>
+            <a:off x="9114981" y="3685486"/>
+            <a:ext cx="502903" cy="7077"/>
+          </a:xfrm>
+          <a:prstGeom prst="straightConnector1">
+            <a:avLst/>
+          </a:prstGeom>
+          <a:ln>
+            <a:tailEnd type="triangle"/>
+          </a:ln>
+        </p:spPr>
+        <p:style>
+          <a:lnRef idx="1">
+            <a:schemeClr val="accent1"/>
+          </a:lnRef>
+          <a:fillRef idx="0">
+            <a:schemeClr val="accent1"/>
+          </a:fillRef>
+          <a:effectRef idx="0">
+            <a:schemeClr val="accent1"/>
+          </a:effectRef>
+          <a:fontRef idx="minor">
+            <a:schemeClr val="tx1"/>
+          </a:fontRef>
+        </p:style>
+      </p:cxnSp>
+      <p:cxnSp>
+        <p:nvCxnSpPr>
+          <p:cNvPr id="64" name="Straight Arrow Connector 63"/>
+          <p:cNvCxnSpPr>
+            <a:stCxn id="24" idx="2"/>
+          </p:cNvCxnSpPr>
+          <p:nvPr/>
+        </p:nvCxnSpPr>
+        <p:spPr>
+          <a:xfrm>
+            <a:off x="10758051" y="2085974"/>
+            <a:ext cx="0" cy="728654"/>
+          </a:xfrm>
+          <a:prstGeom prst="straightConnector1">
+            <a:avLst/>
+          </a:prstGeom>
+          <a:ln>
+            <a:tailEnd type="triangle"/>
+          </a:ln>
+        </p:spPr>
+        <p:style>
+          <a:lnRef idx="1">
+            <a:schemeClr val="accent1"/>
+          </a:lnRef>
+          <a:fillRef idx="0">
+            <a:schemeClr val="accent1"/>
+          </a:fillRef>
+          <a:effectRef idx="0">
+            <a:schemeClr val="accent1"/>
+          </a:effectRef>
+          <a:fontRef idx="minor">
+            <a:schemeClr val="tx1"/>
+          </a:fontRef>
+        </p:style>
+      </p:cxnSp>
     </p:spTree>
     <p:extLst>
       <p:ext uri="{BB962C8B-B14F-4D97-AF65-F5344CB8AC3E}">
@@ -5246,36 +5631,6 @@
           <a:chExt cx="0" cy="0"/>
         </a:xfrm>
       </p:grpSpPr>
-      <p:sp>
-        <p:nvSpPr>
-          <p:cNvPr id="4" name="TextBox 3"/>
-          <p:cNvSpPr txBox="1"/>
-          <p:nvPr/>
-        </p:nvSpPr>
-        <p:spPr>
-          <a:xfrm>
-            <a:off x="396246" y="374468"/>
-            <a:ext cx="5791457" cy="369332"/>
-          </a:xfrm>
-          <a:prstGeom prst="rect">
-            <a:avLst/>
-          </a:prstGeom>
-          <a:noFill/>
-        </p:spPr>
-        <p:txBody>
-          <a:bodyPr wrap="none" rtlCol="0">
-            <a:spAutoFit/>
-          </a:bodyPr>
-          <a:lstStyle/>
-          <a:p>
-            <a:r>
-              <a:rPr lang="en-US" dirty="0" smtClean="0"/>
-              <a:t>Fig 4. Initial Raw SPARQL Approach for PDS/Carnival Dataset</a:t>
-            </a:r>
-            <a:endParaRPr lang="en-US" dirty="0"/>
-          </a:p>
-        </p:txBody>
-      </p:sp>
       <p:cxnSp>
         <p:nvCxnSpPr>
           <p:cNvPr id="9" name="Straight Arrow Connector 8"/>
@@ -5995,36 +6350,6 @@
       </p:grpSpPr>
       <p:sp>
         <p:nvSpPr>
-          <p:cNvPr id="4" name="TextBox 3"/>
-          <p:cNvSpPr txBox="1"/>
-          <p:nvPr/>
-        </p:nvSpPr>
-        <p:spPr>
-          <a:xfrm>
-            <a:off x="396246" y="374468"/>
-            <a:ext cx="5706114" cy="369332"/>
-          </a:xfrm>
-          <a:prstGeom prst="rect">
-            <a:avLst/>
-          </a:prstGeom>
-          <a:noFill/>
-        </p:spPr>
-        <p:txBody>
-          <a:bodyPr wrap="none" rtlCol="0">
-            <a:spAutoFit/>
-          </a:bodyPr>
-          <a:lstStyle/>
-          <a:p>
-            <a:r>
-              <a:rPr lang="en-US" dirty="0" smtClean="0"/>
-              <a:t>Fig 5. Subsequent Acorn Approach for PDS/Carnival Dataset</a:t>
-            </a:r>
-            <a:endParaRPr lang="en-US" dirty="0"/>
-          </a:p>
-        </p:txBody>
-      </p:sp>
-      <p:sp>
-        <p:nvSpPr>
           <p:cNvPr id="5" name="Rectangle 4"/>
           <p:cNvSpPr/>
           <p:nvPr/>
@@ -6917,48 +7242,14 @@
       </p:grpSpPr>
       <p:sp>
         <p:nvSpPr>
-          <p:cNvPr id="4" name="TextBox 3"/>
-          <p:cNvSpPr txBox="1"/>
-          <p:nvPr/>
-        </p:nvSpPr>
-        <p:spPr>
-          <a:xfrm>
-            <a:off x="396246" y="374468"/>
-            <a:ext cx="3130216" cy="369332"/>
-          </a:xfrm>
-          <a:prstGeom prst="rect">
-            <a:avLst/>
-          </a:prstGeom>
-          <a:noFill/>
-        </p:spPr>
-        <p:txBody>
-          <a:bodyPr wrap="none" rtlCol="0">
-            <a:spAutoFit/>
-          </a:bodyPr>
-          <a:lstStyle/>
-          <a:p>
-            <a:r>
-              <a:rPr lang="en-US" dirty="0" smtClean="0"/>
-              <a:t>Fig 5. </a:t>
-            </a:r>
-            <a:r>
-              <a:rPr lang="en-US" dirty="0" smtClean="0"/>
-              <a:t>Acorn Semantics Diagram</a:t>
-            </a:r>
-            <a:endParaRPr lang="en-US" dirty="0"/>
-          </a:p>
-        </p:txBody>
-      </p:sp>
-      <p:sp>
-        <p:nvSpPr>
           <p:cNvPr id="5" name="Rectangle 4"/>
           <p:cNvSpPr/>
           <p:nvPr/>
         </p:nvSpPr>
         <p:spPr>
           <a:xfrm>
-            <a:off x="536969" y="1159498"/>
-            <a:ext cx="5279369" cy="5293842"/>
+            <a:off x="226243" y="254524"/>
+            <a:ext cx="6516430" cy="6198816"/>
           </a:xfrm>
           <a:prstGeom prst="rect">
             <a:avLst/>
@@ -7003,8 +7294,8 @@
         </p:nvSpPr>
         <p:spPr>
           <a:xfrm>
-            <a:off x="6156273" y="1239099"/>
-            <a:ext cx="5598951" cy="3455498"/>
+            <a:off x="6957665" y="254524"/>
+            <a:ext cx="4797560" cy="6198816"/>
           </a:xfrm>
           <a:prstGeom prst="rect">
             <a:avLst/>
@@ -7049,8 +7340,8 @@
         </p:nvSpPr>
         <p:spPr>
           <a:xfrm>
-            <a:off x="1517645" y="1349757"/>
-            <a:ext cx="4374108" cy="369332"/>
+            <a:off x="891783" y="582612"/>
+            <a:ext cx="5185350" cy="553998"/>
           </a:xfrm>
           <a:prstGeom prst="rect">
             <a:avLst/>
@@ -7064,10 +7355,10 @@
           <a:lstStyle/>
           <a:p>
             <a:r>
-              <a:rPr lang="en-US" dirty="0" smtClean="0"/>
+              <a:rPr lang="en-US" sz="3000" b="1" dirty="0" smtClean="0"/>
               <a:t>Transformation Instruction Set</a:t>
             </a:r>
-            <a:endParaRPr lang="en-US" dirty="0"/>
+            <a:endParaRPr lang="en-US" sz="3000" b="1" dirty="0"/>
           </a:p>
         </p:txBody>
       </p:sp>
@@ -7079,8 +7370,8 @@
         </p:nvSpPr>
         <p:spPr>
           <a:xfrm>
-            <a:off x="6872429" y="1353168"/>
-            <a:ext cx="4374108" cy="369332"/>
+            <a:off x="7169391" y="523995"/>
+            <a:ext cx="4374108" cy="553998"/>
           </a:xfrm>
           <a:prstGeom prst="rect">
             <a:avLst/>
@@ -7095,10 +7386,10 @@
           <a:p>
             <a:pPr algn="ctr"/>
             <a:r>
-              <a:rPr lang="en-US" dirty="0" smtClean="0"/>
+              <a:rPr lang="en-US" sz="3000" b="1" dirty="0" smtClean="0"/>
               <a:t>Graph Specification</a:t>
             </a:r>
-            <a:endParaRPr lang="en-US" dirty="0"/>
+            <a:endParaRPr lang="en-US" sz="3000" b="1" dirty="0"/>
           </a:p>
         </p:txBody>
       </p:sp>
@@ -7110,8 +7401,8 @@
         </p:nvSpPr>
         <p:spPr>
           <a:xfrm>
-            <a:off x="3761904" y="2378679"/>
-            <a:ext cx="1772239" cy="1216057"/>
+            <a:off x="4762682" y="2417816"/>
+            <a:ext cx="1852061" cy="1216057"/>
           </a:xfrm>
           <a:prstGeom prst="rect">
             <a:avLst/>
@@ -7144,10 +7435,10 @@
           <a:p>
             <a:pPr algn="ctr"/>
             <a:r>
-              <a:rPr lang="en-US" dirty="0" smtClean="0"/>
+              <a:rPr lang="en-US" sz="2400" b="1" dirty="0" smtClean="0"/>
               <a:t>Process Specification</a:t>
             </a:r>
-            <a:endParaRPr lang="en-US" dirty="0"/>
+            <a:endParaRPr lang="en-US" sz="2400" b="1" dirty="0"/>
           </a:p>
         </p:txBody>
       </p:sp>
@@ -7159,7 +7450,7 @@
         </p:nvSpPr>
         <p:spPr>
           <a:xfrm>
-            <a:off x="784608" y="2378679"/>
+            <a:off x="327029" y="2417816"/>
             <a:ext cx="1772239" cy="1216057"/>
           </a:xfrm>
           <a:prstGeom prst="rect">
@@ -7193,10 +7484,10 @@
           <a:p>
             <a:pPr algn="ctr"/>
             <a:r>
-              <a:rPr lang="en-US" dirty="0" smtClean="0"/>
+              <a:rPr lang="en-US" sz="2400" b="1" dirty="0" smtClean="0"/>
               <a:t>Connection Recipe</a:t>
             </a:r>
-            <a:endParaRPr lang="en-US" dirty="0"/>
+            <a:endParaRPr lang="en-US" sz="2400" b="1" dirty="0"/>
           </a:p>
         </p:txBody>
       </p:sp>
@@ -7210,8 +7501,8 @@
         </p:nvCxnSpPr>
         <p:spPr>
           <a:xfrm flipH="1" flipV="1">
-            <a:off x="2556847" y="2986707"/>
-            <a:ext cx="1205057" cy="1"/>
+            <a:off x="2099268" y="3014260"/>
+            <a:ext cx="2663414" cy="11585"/>
           </a:xfrm>
           <a:prstGeom prst="straightConnector1">
             <a:avLst/>
@@ -7235,50 +7526,6 @@
           </a:fontRef>
         </p:style>
       </p:cxnSp>
-      <p:sp>
-        <p:nvSpPr>
-          <p:cNvPr id="16" name="TextBox 15"/>
-          <p:cNvSpPr txBox="1"/>
-          <p:nvPr/>
-        </p:nvSpPr>
-        <p:spPr>
-          <a:xfrm>
-            <a:off x="2556847" y="2391229"/>
-            <a:ext cx="1316175" cy="646331"/>
-          </a:xfrm>
-          <a:prstGeom prst="rect">
-            <a:avLst/>
-          </a:prstGeom>
-          <a:noFill/>
-        </p:spPr>
-        <p:txBody>
-          <a:bodyPr wrap="square" rtlCol="0">
-            <a:spAutoFit/>
-          </a:bodyPr>
-          <a:lstStyle/>
-          <a:p>
-            <a:r>
-              <a:rPr lang="en-US" sz="1200" dirty="0" err="1" smtClean="0"/>
-              <a:t>hasRequiredInput</a:t>
-            </a:r>
-            <a:endParaRPr lang="en-US" sz="1200" dirty="0" smtClean="0"/>
-          </a:p>
-          <a:p>
-            <a:r>
-              <a:rPr lang="en-US" sz="1200" dirty="0" err="1" smtClean="0"/>
-              <a:t>hasOptionalInput</a:t>
-            </a:r>
-            <a:endParaRPr lang="en-US" sz="1200" dirty="0" smtClean="0"/>
-          </a:p>
-          <a:p>
-            <a:r>
-              <a:rPr lang="en-US" sz="1200" dirty="0" err="1" smtClean="0"/>
-              <a:t>hasOutput</a:t>
-            </a:r>
-            <a:endParaRPr lang="en-US" sz="1200" dirty="0"/>
-          </a:p>
-        </p:txBody>
-      </p:sp>
       <p:cxnSp>
         <p:nvCxnSpPr>
           <p:cNvPr id="17" name="Straight Arrow Connector 16"/>
@@ -7287,8 +7534,8 @@
         </p:nvCxnSpPr>
         <p:spPr>
           <a:xfrm flipV="1">
-            <a:off x="5534143" y="2986707"/>
-            <a:ext cx="2431506" cy="12550"/>
+            <a:off x="6614743" y="2971488"/>
+            <a:ext cx="3024316" cy="2785"/>
           </a:xfrm>
           <a:prstGeom prst="straightConnector1">
             <a:avLst/>
@@ -7314,13 +7561,74 @@
       </p:cxnSp>
       <p:sp>
         <p:nvSpPr>
-          <p:cNvPr id="19" name="Rectangle 18"/>
+          <p:cNvPr id="21" name="TextBox 20"/>
+          <p:cNvSpPr txBox="1"/>
+          <p:nvPr/>
+        </p:nvSpPr>
+        <p:spPr>
+          <a:xfrm>
+            <a:off x="6923419" y="1744128"/>
+            <a:ext cx="3598208" cy="1246495"/>
+          </a:xfrm>
+          <a:prstGeom prst="rect">
+            <a:avLst/>
+          </a:prstGeom>
+          <a:noFill/>
+        </p:spPr>
+        <p:txBody>
+          <a:bodyPr wrap="square" rtlCol="0">
+            <a:spAutoFit/>
+          </a:bodyPr>
+          <a:lstStyle/>
+          <a:p>
+            <a:r>
+              <a:rPr lang="en-US" sz="1500" b="1" dirty="0" err="1" smtClean="0"/>
+              <a:t>semExpander:hasRequiredInput</a:t>
+            </a:r>
+            <a:r>
+              <a:rPr lang="en-US" sz="1500" b="1" dirty="0" smtClean="0"/>
+              <a:t> </a:t>
+            </a:r>
+          </a:p>
+          <a:p>
+            <a:r>
+              <a:rPr lang="en-US" sz="1500" b="1" dirty="0" smtClean="0"/>
+              <a:t>OR</a:t>
+            </a:r>
+            <a:endParaRPr lang="en-US" sz="1500" b="1" dirty="0" smtClean="0"/>
+          </a:p>
+          <a:p>
+            <a:r>
+              <a:rPr lang="en-US" sz="1500" b="1" dirty="0" err="1" smtClean="0"/>
+              <a:t>semExpander:hasOptionalInput</a:t>
+            </a:r>
+            <a:endParaRPr lang="en-US" sz="1500" b="1" dirty="0" smtClean="0"/>
+          </a:p>
+          <a:p>
+            <a:r>
+              <a:rPr lang="en-US" sz="1500" b="1" dirty="0" smtClean="0"/>
+              <a:t>OR</a:t>
+            </a:r>
+            <a:endParaRPr lang="en-US" sz="1500" b="1" dirty="0" smtClean="0"/>
+          </a:p>
+          <a:p>
+            <a:r>
+              <a:rPr lang="en-US" sz="1500" b="1" dirty="0" err="1" smtClean="0"/>
+              <a:t>semExpander:hasOutput</a:t>
+            </a:r>
+            <a:endParaRPr lang="en-US" sz="1500" b="1" dirty="0"/>
+          </a:p>
+        </p:txBody>
+      </p:sp>
+      <p:sp>
+        <p:nvSpPr>
+          <p:cNvPr id="22" name="Rectangle 21"/>
           <p:cNvSpPr/>
           <p:nvPr/>
         </p:nvSpPr>
         <p:spPr>
           <a:xfrm>
-            <a:off x="7965649" y="2391229"/>
+            <a:off x="1026979" y="4801184"/>
             <a:ext cx="1772239" cy="1216057"/>
           </a:xfrm>
           <a:prstGeom prst="rect">
@@ -7354,23 +7662,58 @@
           <a:p>
             <a:pPr algn="ctr"/>
             <a:r>
-              <a:rPr lang="en-US" dirty="0" smtClean="0"/>
-              <a:t>Connection Recipe</a:t>
-            </a:r>
-            <a:endParaRPr lang="en-US" dirty="0"/>
-          </a:p>
-        </p:txBody>
-      </p:sp>
-      <p:sp>
-        <p:nvSpPr>
-          <p:cNvPr id="21" name="TextBox 20"/>
+              <a:rPr lang="en-US" sz="2400" b="1" dirty="0" smtClean="0"/>
+              <a:t>Named Graph</a:t>
+            </a:r>
+            <a:endParaRPr lang="en-US" sz="2400" b="1" dirty="0"/>
+          </a:p>
+        </p:txBody>
+      </p:sp>
+      <p:cxnSp>
+        <p:nvCxnSpPr>
+          <p:cNvPr id="23" name="Straight Arrow Connector 22"/>
+          <p:cNvCxnSpPr>
+            <a:endCxn id="22" idx="0"/>
+          </p:cNvCxnSpPr>
+          <p:nvPr/>
+        </p:nvCxnSpPr>
+        <p:spPr>
+          <a:xfrm flipH="1">
+            <a:off x="1913099" y="3477416"/>
+            <a:ext cx="2845300" cy="1323768"/>
+          </a:xfrm>
+          <a:prstGeom prst="straightConnector1">
+            <a:avLst/>
+          </a:prstGeom>
+          <a:ln>
+            <a:tailEnd type="triangle"/>
+          </a:ln>
+        </p:spPr>
+        <p:style>
+          <a:lnRef idx="1">
+            <a:schemeClr val="accent1"/>
+          </a:lnRef>
+          <a:fillRef idx="0">
+            <a:schemeClr val="accent1"/>
+          </a:fillRef>
+          <a:effectRef idx="0">
+            <a:schemeClr val="accent1"/>
+          </a:effectRef>
+          <a:fontRef idx="minor">
+            <a:schemeClr val="tx1"/>
+          </a:fontRef>
+        </p:style>
+      </p:cxnSp>
+      <p:sp>
+        <p:nvSpPr>
+          <p:cNvPr id="26" name="TextBox 25"/>
           <p:cNvSpPr txBox="1"/>
           <p:nvPr/>
         </p:nvSpPr>
         <p:spPr>
           <a:xfrm>
-            <a:off x="6290109" y="2378679"/>
-            <a:ext cx="1316175" cy="646331"/>
+            <a:off x="1851888" y="3978154"/>
+            <a:ext cx="4513256" cy="323165"/>
           </a:xfrm>
           <a:prstGeom prst="rect">
             <a:avLst/>
@@ -7384,36 +7727,83 @@
           <a:lstStyle/>
           <a:p>
             <a:r>
-              <a:rPr lang="en-US" sz="1200" dirty="0" err="1" smtClean="0"/>
-              <a:t>hasRequiredInput</a:t>
-            </a:r>
-            <a:endParaRPr lang="en-US" sz="1200" dirty="0" smtClean="0"/>
-          </a:p>
-          <a:p>
-            <a:r>
-              <a:rPr lang="en-US" sz="1200" dirty="0" err="1" smtClean="0"/>
-              <a:t>hasOptionalInput</a:t>
-            </a:r>
-            <a:endParaRPr lang="en-US" sz="1200" dirty="0" smtClean="0"/>
-          </a:p>
-          <a:p>
-            <a:r>
-              <a:rPr lang="en-US" sz="1200" dirty="0" err="1" smtClean="0"/>
-              <a:t>hasOutput</a:t>
-            </a:r>
-            <a:endParaRPr lang="en-US" sz="1200" dirty="0"/>
-          </a:p>
-        </p:txBody>
-      </p:sp>
-      <p:sp>
-        <p:nvSpPr>
-          <p:cNvPr id="22" name="Rectangle 21"/>
+              <a:rPr lang="en-US" sz="1500" b="1" dirty="0" err="1" smtClean="0"/>
+              <a:t>semExpander:inputNamedGraph</a:t>
+            </a:r>
+            <a:endParaRPr lang="en-US" sz="1500" b="1" dirty="0" smtClean="0"/>
+          </a:p>
+        </p:txBody>
+      </p:sp>
+      <p:sp>
+        <p:nvSpPr>
+          <p:cNvPr id="18" name="TextBox 17"/>
+          <p:cNvSpPr txBox="1"/>
+          <p:nvPr/>
+        </p:nvSpPr>
+        <p:spPr>
+          <a:xfrm>
+            <a:off x="2103551" y="1779349"/>
+            <a:ext cx="3598208" cy="1246495"/>
+          </a:xfrm>
+          <a:prstGeom prst="rect">
+            <a:avLst/>
+          </a:prstGeom>
+          <a:noFill/>
+        </p:spPr>
+        <p:txBody>
+          <a:bodyPr wrap="square" rtlCol="0">
+            <a:spAutoFit/>
+          </a:bodyPr>
+          <a:lstStyle/>
+          <a:p>
+            <a:r>
+              <a:rPr lang="en-US" sz="1500" b="1" dirty="0" err="1" smtClean="0"/>
+              <a:t>semExpander:hasRequiredInput</a:t>
+            </a:r>
+            <a:r>
+              <a:rPr lang="en-US" sz="1500" b="1" dirty="0" smtClean="0"/>
+              <a:t> </a:t>
+            </a:r>
+          </a:p>
+          <a:p>
+            <a:r>
+              <a:rPr lang="en-US" sz="1500" b="1" dirty="0" smtClean="0"/>
+              <a:t>OR</a:t>
+            </a:r>
+            <a:endParaRPr lang="en-US" sz="1500" b="1" dirty="0" smtClean="0"/>
+          </a:p>
+          <a:p>
+            <a:r>
+              <a:rPr lang="en-US" sz="1500" b="1" dirty="0" err="1" smtClean="0"/>
+              <a:t>semExpander:hasOptionalInput</a:t>
+            </a:r>
+            <a:endParaRPr lang="en-US" sz="1500" b="1" dirty="0" smtClean="0"/>
+          </a:p>
+          <a:p>
+            <a:r>
+              <a:rPr lang="en-US" sz="1500" b="1" dirty="0" smtClean="0"/>
+              <a:t>OR</a:t>
+            </a:r>
+            <a:endParaRPr lang="en-US" sz="1500" b="1" dirty="0" smtClean="0"/>
+          </a:p>
+          <a:p>
+            <a:r>
+              <a:rPr lang="en-US" sz="1500" b="1" dirty="0" err="1" smtClean="0"/>
+              <a:t>semExpander:hasOutput</a:t>
+            </a:r>
+            <a:endParaRPr lang="en-US" sz="1500" b="1" dirty="0"/>
+          </a:p>
+        </p:txBody>
+      </p:sp>
+      <p:sp>
+        <p:nvSpPr>
+          <p:cNvPr id="24" name="Rectangle 23"/>
           <p:cNvSpPr/>
           <p:nvPr/>
         </p:nvSpPr>
         <p:spPr>
           <a:xfrm>
-            <a:off x="784608" y="4694597"/>
+            <a:off x="9639059" y="2381464"/>
             <a:ext cx="1772239" cy="1216057"/>
           </a:xfrm>
           <a:prstGeom prst="rect">
@@ -7447,23 +7837,72 @@
           <a:p>
             <a:pPr algn="ctr"/>
             <a:r>
-              <a:rPr lang="en-US" dirty="0" smtClean="0"/>
+              <a:rPr lang="en-US" sz="2400" b="1" dirty="0" smtClean="0"/>
+              <a:t>Connection Recipe</a:t>
+            </a:r>
+            <a:endParaRPr lang="en-US" sz="2400" b="1" dirty="0"/>
+          </a:p>
+        </p:txBody>
+      </p:sp>
+      <p:sp>
+        <p:nvSpPr>
+          <p:cNvPr id="25" name="Rectangle 24"/>
+          <p:cNvSpPr/>
+          <p:nvPr/>
+        </p:nvSpPr>
+        <p:spPr>
+          <a:xfrm>
+            <a:off x="4728482" y="4834661"/>
+            <a:ext cx="1772239" cy="1216057"/>
+          </a:xfrm>
+          <a:prstGeom prst="rect">
+            <a:avLst/>
+          </a:prstGeom>
+          <a:solidFill>
+            <a:schemeClr val="tx2">
+              <a:lumMod val="50000"/>
+            </a:schemeClr>
+          </a:solidFill>
+        </p:spPr>
+        <p:style>
+          <a:lnRef idx="2">
+            <a:schemeClr val="accent1">
+              <a:shade val="50000"/>
+            </a:schemeClr>
+          </a:lnRef>
+          <a:fillRef idx="1">
+            <a:schemeClr val="accent1"/>
+          </a:fillRef>
+          <a:effectRef idx="0">
+            <a:schemeClr val="accent1"/>
+          </a:effectRef>
+          <a:fontRef idx="minor">
+            <a:schemeClr val="lt1"/>
+          </a:fontRef>
+        </p:style>
+        <p:txBody>
+          <a:bodyPr rtlCol="0" anchor="ctr"/>
+          <a:lstStyle/>
+          <a:p>
+            <a:pPr algn="ctr"/>
+            <a:r>
+              <a:rPr lang="en-US" sz="2400" b="1" dirty="0" smtClean="0"/>
               <a:t>Named Graph</a:t>
             </a:r>
-            <a:endParaRPr lang="en-US" dirty="0"/>
+            <a:endParaRPr lang="en-US" sz="2400" b="1" dirty="0"/>
           </a:p>
         </p:txBody>
       </p:sp>
       <p:cxnSp>
         <p:nvCxnSpPr>
-          <p:cNvPr id="23" name="Straight Arrow Connector 22"/>
+          <p:cNvPr id="27" name="Straight Arrow Connector 26"/>
           <p:cNvCxnSpPr/>
           <p:nvPr/>
         </p:nvCxnSpPr>
         <p:spPr>
-          <a:xfrm flipH="1">
-            <a:off x="2556847" y="3582186"/>
-            <a:ext cx="1205057" cy="1112411"/>
+          <a:xfrm>
+            <a:off x="5651282" y="3633873"/>
+            <a:ext cx="9334" cy="1211689"/>
           </a:xfrm>
           <a:prstGeom prst="straightConnector1">
             <a:avLst/>
@@ -7489,14 +7928,14 @@
       </p:cxnSp>
       <p:sp>
         <p:nvSpPr>
-          <p:cNvPr id="26" name="TextBox 25"/>
+          <p:cNvPr id="28" name="TextBox 27"/>
           <p:cNvSpPr txBox="1"/>
           <p:nvPr/>
         </p:nvSpPr>
         <p:spPr>
           <a:xfrm>
-            <a:off x="2556847" y="3809256"/>
-            <a:ext cx="1579549" cy="461665"/>
+            <a:off x="4244093" y="4263656"/>
+            <a:ext cx="4513256" cy="323165"/>
           </a:xfrm>
           <a:prstGeom prst="rect">
             <a:avLst/>
@@ -7510,17 +7949,10 @@
           <a:lstStyle/>
           <a:p>
             <a:r>
-              <a:rPr lang="en-US" sz="1200" dirty="0" err="1" smtClean="0"/>
-              <a:t>inputNamedGraph</a:t>
-            </a:r>
-            <a:endParaRPr lang="en-US" sz="1200" dirty="0" smtClean="0"/>
-          </a:p>
-          <a:p>
-            <a:r>
-              <a:rPr lang="en-US" sz="1200" dirty="0" err="1" smtClean="0"/>
-              <a:t>outputNamedGraph</a:t>
-            </a:r>
-            <a:endParaRPr lang="en-US" sz="1200" dirty="0" smtClean="0"/>
+              <a:rPr lang="en-US" sz="1500" b="1" dirty="0" err="1" smtClean="0"/>
+              <a:t>semExpander:outputNamedGraph</a:t>
+            </a:r>
+            <a:endParaRPr lang="en-US" sz="1500" b="1" dirty="0" smtClean="0"/>
           </a:p>
         </p:txBody>
       </p:sp>
@@ -7528,6 +7960,368 @@
     <p:extLst>
       <p:ext uri="{BB962C8B-B14F-4D97-AF65-F5344CB8AC3E}">
         <p14:creationId xmlns:p14="http://schemas.microsoft.com/office/powerpoint/2010/main" val="3767419629"/>
+      </p:ext>
+    </p:extLst>
+  </p:cSld>
+  <p:clrMapOvr>
+    <a:masterClrMapping/>
+  </p:clrMapOvr>
+</p:sld>
+</file>
+
+<file path=ppt/slides/slide7.xml><?xml version="1.0" encoding="utf-8"?>
+<p:sld xmlns:a="http://schemas.openxmlformats.org/drawingml/2006/main" xmlns:r="http://schemas.openxmlformats.org/officeDocument/2006/relationships" xmlns:p="http://schemas.openxmlformats.org/presentationml/2006/main">
+  <p:cSld>
+    <p:spTree>
+      <p:nvGrpSpPr>
+        <p:cNvPr id="1" name=""/>
+        <p:cNvGrpSpPr/>
+        <p:nvPr/>
+      </p:nvGrpSpPr>
+      <p:grpSpPr>
+        <a:xfrm>
+          <a:off x="0" y="0"/>
+          <a:ext cx="0" cy="0"/>
+          <a:chOff x="0" y="0"/>
+          <a:chExt cx="0" cy="0"/>
+        </a:xfrm>
+      </p:grpSpPr>
+      <p:sp>
+        <p:nvSpPr>
+          <p:cNvPr id="4" name="Oval 3"/>
+          <p:cNvSpPr/>
+          <p:nvPr/>
+        </p:nvSpPr>
+        <p:spPr>
+          <a:xfrm>
+            <a:off x="448552" y="4081807"/>
+            <a:ext cx="2601798" cy="2413262"/>
+          </a:xfrm>
+          <a:prstGeom prst="ellipse">
+            <a:avLst/>
+          </a:prstGeom>
+        </p:spPr>
+        <p:style>
+          <a:lnRef idx="2">
+            <a:schemeClr val="accent1">
+              <a:shade val="50000"/>
+            </a:schemeClr>
+          </a:lnRef>
+          <a:fillRef idx="1">
+            <a:schemeClr val="accent1"/>
+          </a:fillRef>
+          <a:effectRef idx="0">
+            <a:schemeClr val="accent1"/>
+          </a:effectRef>
+          <a:fontRef idx="minor">
+            <a:schemeClr val="lt1"/>
+          </a:fontRef>
+        </p:style>
+        <p:txBody>
+          <a:bodyPr rtlCol="0" anchor="ctr"/>
+          <a:lstStyle/>
+          <a:p>
+            <a:pPr algn="ctr"/>
+            <a:r>
+              <a:rPr lang="en-US" sz="3000" b="1" dirty="0" smtClean="0"/>
+              <a:t>Class B</a:t>
+            </a:r>
+            <a:endParaRPr lang="en-US" sz="3000" b="1" dirty="0"/>
+          </a:p>
+        </p:txBody>
+      </p:sp>
+      <p:sp>
+        <p:nvSpPr>
+          <p:cNvPr id="5" name="Oval 4"/>
+          <p:cNvSpPr/>
+          <p:nvPr/>
+        </p:nvSpPr>
+        <p:spPr>
+          <a:xfrm>
+            <a:off x="9287054" y="4013420"/>
+            <a:ext cx="2601798" cy="2413262"/>
+          </a:xfrm>
+          <a:prstGeom prst="ellipse">
+            <a:avLst/>
+          </a:prstGeom>
+        </p:spPr>
+        <p:style>
+          <a:lnRef idx="2">
+            <a:schemeClr val="accent1">
+              <a:shade val="50000"/>
+            </a:schemeClr>
+          </a:lnRef>
+          <a:fillRef idx="1">
+            <a:schemeClr val="accent1"/>
+          </a:fillRef>
+          <a:effectRef idx="0">
+            <a:schemeClr val="accent1"/>
+          </a:effectRef>
+          <a:fontRef idx="minor">
+            <a:schemeClr val="lt1"/>
+          </a:fontRef>
+        </p:style>
+        <p:txBody>
+          <a:bodyPr rtlCol="0" anchor="ctr"/>
+          <a:lstStyle/>
+          <a:p>
+            <a:pPr algn="ctr"/>
+            <a:r>
+              <a:rPr lang="en-US" sz="3000" b="1" dirty="0" smtClean="0"/>
+              <a:t>Class C</a:t>
+            </a:r>
+            <a:endParaRPr lang="en-US" sz="3000" b="1" dirty="0"/>
+          </a:p>
+        </p:txBody>
+      </p:sp>
+      <p:sp>
+        <p:nvSpPr>
+          <p:cNvPr id="6" name="Oval 5"/>
+          <p:cNvSpPr/>
+          <p:nvPr/>
+        </p:nvSpPr>
+        <p:spPr>
+          <a:xfrm>
+            <a:off x="4418805" y="197963"/>
+            <a:ext cx="2601798" cy="2413262"/>
+          </a:xfrm>
+          <a:prstGeom prst="ellipse">
+            <a:avLst/>
+          </a:prstGeom>
+        </p:spPr>
+        <p:style>
+          <a:lnRef idx="2">
+            <a:schemeClr val="accent1">
+              <a:shade val="50000"/>
+            </a:schemeClr>
+          </a:lnRef>
+          <a:fillRef idx="1">
+            <a:schemeClr val="accent1"/>
+          </a:fillRef>
+          <a:effectRef idx="0">
+            <a:schemeClr val="accent1"/>
+          </a:effectRef>
+          <a:fontRef idx="minor">
+            <a:schemeClr val="lt1"/>
+          </a:fontRef>
+        </p:style>
+        <p:txBody>
+          <a:bodyPr rtlCol="0" anchor="ctr"/>
+          <a:lstStyle/>
+          <a:p>
+            <a:pPr algn="ctr"/>
+            <a:r>
+              <a:rPr lang="en-US" sz="3000" b="1" dirty="0" smtClean="0"/>
+              <a:t>Class A</a:t>
+            </a:r>
+            <a:endParaRPr lang="en-US" sz="3000" b="1" dirty="0"/>
+          </a:p>
+        </p:txBody>
+      </p:sp>
+      <p:cxnSp>
+        <p:nvCxnSpPr>
+          <p:cNvPr id="8" name="Straight Arrow Connector 7"/>
+          <p:cNvCxnSpPr/>
+          <p:nvPr/>
+        </p:nvCxnSpPr>
+        <p:spPr>
+          <a:xfrm flipH="1">
+            <a:off x="2525585" y="2070579"/>
+            <a:ext cx="2123383" cy="2291871"/>
+          </a:xfrm>
+          <a:prstGeom prst="straightConnector1">
+            <a:avLst/>
+          </a:prstGeom>
+          <a:ln>
+            <a:solidFill>
+              <a:schemeClr val="tx1"/>
+            </a:solidFill>
+            <a:tailEnd type="triangle"/>
+          </a:ln>
+        </p:spPr>
+        <p:style>
+          <a:lnRef idx="1">
+            <a:schemeClr val="accent1"/>
+          </a:lnRef>
+          <a:fillRef idx="0">
+            <a:schemeClr val="accent1"/>
+          </a:fillRef>
+          <a:effectRef idx="0">
+            <a:schemeClr val="accent1"/>
+          </a:effectRef>
+          <a:fontRef idx="minor">
+            <a:schemeClr val="tx1"/>
+          </a:fontRef>
+        </p:style>
+      </p:cxnSp>
+      <p:cxnSp>
+        <p:nvCxnSpPr>
+          <p:cNvPr id="10" name="Straight Arrow Connector 9"/>
+          <p:cNvCxnSpPr/>
+          <p:nvPr/>
+        </p:nvCxnSpPr>
+        <p:spPr>
+          <a:xfrm>
+            <a:off x="6870957" y="1932609"/>
+            <a:ext cx="2663568" cy="2609521"/>
+          </a:xfrm>
+          <a:prstGeom prst="straightConnector1">
+            <a:avLst/>
+          </a:prstGeom>
+          <a:ln>
+            <a:solidFill>
+              <a:schemeClr val="tx1"/>
+            </a:solidFill>
+            <a:tailEnd type="triangle"/>
+          </a:ln>
+        </p:spPr>
+        <p:style>
+          <a:lnRef idx="1">
+            <a:schemeClr val="accent1"/>
+          </a:lnRef>
+          <a:fillRef idx="0">
+            <a:schemeClr val="accent1"/>
+          </a:fillRef>
+          <a:effectRef idx="0">
+            <a:schemeClr val="accent1"/>
+          </a:effectRef>
+          <a:fontRef idx="minor">
+            <a:schemeClr val="tx1"/>
+          </a:fontRef>
+        </p:style>
+      </p:cxnSp>
+      <p:cxnSp>
+        <p:nvCxnSpPr>
+          <p:cNvPr id="14" name="Straight Arrow Connector 13"/>
+          <p:cNvCxnSpPr>
+            <a:stCxn id="4" idx="6"/>
+          </p:cNvCxnSpPr>
+          <p:nvPr/>
+        </p:nvCxnSpPr>
+        <p:spPr>
+          <a:xfrm>
+            <a:off x="3050350" y="5288438"/>
+            <a:ext cx="6236704" cy="6602"/>
+          </a:xfrm>
+          <a:prstGeom prst="straightConnector1">
+            <a:avLst/>
+          </a:prstGeom>
+          <a:ln>
+            <a:solidFill>
+              <a:schemeClr val="tx1"/>
+            </a:solidFill>
+            <a:tailEnd type="triangle"/>
+          </a:ln>
+        </p:spPr>
+        <p:style>
+          <a:lnRef idx="1">
+            <a:schemeClr val="accent1"/>
+          </a:lnRef>
+          <a:fillRef idx="0">
+            <a:schemeClr val="accent1"/>
+          </a:fillRef>
+          <a:effectRef idx="0">
+            <a:schemeClr val="accent1"/>
+          </a:effectRef>
+          <a:fontRef idx="minor">
+            <a:schemeClr val="tx1"/>
+          </a:fontRef>
+        </p:style>
+      </p:cxnSp>
+      <p:sp>
+        <p:nvSpPr>
+          <p:cNvPr id="17" name="TextBox 16"/>
+          <p:cNvSpPr txBox="1"/>
+          <p:nvPr/>
+        </p:nvSpPr>
+        <p:spPr>
+          <a:xfrm rot="18727353">
+            <a:off x="2156466" y="2799194"/>
+            <a:ext cx="2606804" cy="553998"/>
+          </a:xfrm>
+          <a:prstGeom prst="rect">
+            <a:avLst/>
+          </a:prstGeom>
+          <a:noFill/>
+        </p:spPr>
+        <p:txBody>
+          <a:bodyPr wrap="none" rtlCol="0">
+            <a:spAutoFit/>
+          </a:bodyPr>
+          <a:lstStyle/>
+          <a:p>
+            <a:r>
+              <a:rPr lang="en-US" sz="3000" b="1" dirty="0" smtClean="0"/>
+              <a:t>multiplicity:1-1</a:t>
+            </a:r>
+            <a:endParaRPr lang="en-US" sz="3000" b="1" dirty="0"/>
+          </a:p>
+        </p:txBody>
+      </p:sp>
+      <p:sp>
+        <p:nvSpPr>
+          <p:cNvPr id="19" name="TextBox 18"/>
+          <p:cNvSpPr txBox="1"/>
+          <p:nvPr/>
+        </p:nvSpPr>
+        <p:spPr>
+          <a:xfrm rot="2685202">
+            <a:off x="6996222" y="2799055"/>
+            <a:ext cx="2606804" cy="553998"/>
+          </a:xfrm>
+          <a:prstGeom prst="rect">
+            <a:avLst/>
+          </a:prstGeom>
+          <a:noFill/>
+        </p:spPr>
+        <p:txBody>
+          <a:bodyPr wrap="none" rtlCol="0">
+            <a:spAutoFit/>
+          </a:bodyPr>
+          <a:lstStyle/>
+          <a:p>
+            <a:r>
+              <a:rPr lang="en-US" sz="3000" b="1" dirty="0" smtClean="0"/>
+              <a:t>multiplicity:1-1</a:t>
+            </a:r>
+            <a:endParaRPr lang="en-US" sz="3000" b="1" dirty="0"/>
+          </a:p>
+        </p:txBody>
+      </p:sp>
+      <p:sp>
+        <p:nvSpPr>
+          <p:cNvPr id="20" name="TextBox 19"/>
+          <p:cNvSpPr txBox="1"/>
+          <p:nvPr/>
+        </p:nvSpPr>
+        <p:spPr>
+          <a:xfrm>
+            <a:off x="4418805" y="4779142"/>
+            <a:ext cx="3295582" cy="553998"/>
+          </a:xfrm>
+          <a:prstGeom prst="rect">
+            <a:avLst/>
+          </a:prstGeom>
+          <a:noFill/>
+        </p:spPr>
+        <p:txBody>
+          <a:bodyPr wrap="none" rtlCol="0">
+            <a:spAutoFit/>
+          </a:bodyPr>
+          <a:lstStyle/>
+          <a:p>
+            <a:r>
+              <a:rPr lang="en-US" sz="3000" b="1" dirty="0" smtClean="0"/>
+              <a:t>multiplicity:many-1</a:t>
+            </a:r>
+            <a:endParaRPr lang="en-US" sz="3000" b="1" dirty="0"/>
+          </a:p>
+        </p:txBody>
+      </p:sp>
+    </p:spTree>
+    <p:extLst>
+      <p:ext uri="{BB962C8B-B14F-4D97-AF65-F5344CB8AC3E}">
+        <p14:creationId xmlns:p14="http://schemas.microsoft.com/office/powerpoint/2010/main" val="654016366"/>
       </p:ext>
     </p:extLst>
   </p:cSld>

--- a/Acorn_diagrams.pptx
+++ b/Acorn_diagrams.pptx
@@ -3162,15 +3162,7 @@
             <a:pPr algn="ctr"/>
             <a:r>
               <a:rPr lang="en-US" b="1" dirty="0" smtClean="0"/>
-              <a:t>Semantic </a:t>
-            </a:r>
-            <a:r>
-              <a:rPr lang="en-US" b="1" dirty="0" smtClean="0"/>
-              <a:t>Engine Language </a:t>
-            </a:r>
-            <a:r>
-              <a:rPr lang="en-US" b="1" dirty="0" smtClean="0"/>
-              <a:t>Ontology</a:t>
+              <a:t>Semantic Engine Language Ontology</a:t>
             </a:r>
             <a:endParaRPr lang="en-US" b="1" dirty="0"/>
           </a:p>
@@ -3235,13 +3227,15 @@
       <p:cxnSp>
         <p:nvCxnSpPr>
           <p:cNvPr id="19" name="Straight Arrow Connector 18"/>
-          <p:cNvCxnSpPr/>
+          <p:cNvCxnSpPr>
+            <a:endCxn id="20" idx="1"/>
+          </p:cNvCxnSpPr>
           <p:nvPr/>
         </p:nvCxnSpPr>
         <p:spPr>
           <a:xfrm>
-            <a:off x="4605116" y="4835021"/>
-            <a:ext cx="1131731" cy="0"/>
+            <a:off x="4599922" y="3885424"/>
+            <a:ext cx="1296768" cy="0"/>
           </a:xfrm>
           <a:prstGeom prst="straightConnector1">
             <a:avLst/>
@@ -3273,8 +3267,8 @@
         </p:nvSpPr>
         <p:spPr>
           <a:xfrm>
-            <a:off x="5736847" y="3980455"/>
-            <a:ext cx="2569028" cy="1898468"/>
+            <a:off x="5896690" y="3030896"/>
+            <a:ext cx="2181516" cy="1709056"/>
           </a:xfrm>
           <a:prstGeom prst="roundRect">
             <a:avLst/>
@@ -3371,7 +3365,7 @@
         </p:nvSpPr>
         <p:spPr>
           <a:xfrm>
-            <a:off x="9442800" y="4126322"/>
+            <a:off x="9442800" y="3117647"/>
             <a:ext cx="2085705" cy="1563189"/>
           </a:xfrm>
           <a:prstGeom prst="flowChartMultidocument">
@@ -3431,9 +3425,9 @@
           <p:nvPr/>
         </p:nvCxnSpPr>
         <p:spPr>
-          <a:xfrm flipV="1">
-            <a:off x="8305875" y="4907917"/>
-            <a:ext cx="1136925" cy="21772"/>
+          <a:xfrm>
+            <a:off x="8078206" y="3885424"/>
+            <a:ext cx="1364594" cy="13818"/>
           </a:xfrm>
           <a:prstGeom prst="straightConnector1">
             <a:avLst/>
@@ -3464,9 +3458,9 @@
           <p:nvPr/>
         </p:nvCxnSpPr>
         <p:spPr>
-          <a:xfrm flipV="1">
+          <a:xfrm flipH="1" flipV="1">
             <a:off x="10481310" y="2681347"/>
-            <a:ext cx="0" cy="1439808"/>
+            <a:ext cx="1296" cy="590855"/>
           </a:xfrm>
           <a:prstGeom prst="straightConnector1">
             <a:avLst/>
@@ -3740,6 +3734,184 @@
           <a:xfrm flipV="1">
             <a:off x="8793962" y="1949374"/>
             <a:ext cx="604837" cy="1"/>
+          </a:xfrm>
+          <a:prstGeom prst="straightConnector1">
+            <a:avLst/>
+          </a:prstGeom>
+          <a:ln>
+            <a:tailEnd type="triangle"/>
+          </a:ln>
+        </p:spPr>
+        <p:style>
+          <a:lnRef idx="1">
+            <a:schemeClr val="accent1"/>
+          </a:lnRef>
+          <a:fillRef idx="0">
+            <a:schemeClr val="accent1"/>
+          </a:fillRef>
+          <a:effectRef idx="0">
+            <a:schemeClr val="accent1"/>
+          </a:effectRef>
+          <a:fontRef idx="minor">
+            <a:schemeClr val="tx1"/>
+          </a:fontRef>
+        </p:style>
+      </p:cxnSp>
+      <p:sp>
+        <p:nvSpPr>
+          <p:cNvPr id="23" name="Rounded Rectangle 22"/>
+          <p:cNvSpPr/>
+          <p:nvPr/>
+        </p:nvSpPr>
+        <p:spPr>
+          <a:xfrm>
+            <a:off x="5302105" y="5160168"/>
+            <a:ext cx="1794005" cy="1420827"/>
+          </a:xfrm>
+          <a:prstGeom prst="roundRect">
+            <a:avLst/>
+          </a:prstGeom>
+          <a:solidFill>
+            <a:schemeClr val="accent2">
+              <a:lumMod val="75000"/>
+            </a:schemeClr>
+          </a:solidFill>
+        </p:spPr>
+        <p:style>
+          <a:lnRef idx="2">
+            <a:schemeClr val="accent1">
+              <a:shade val="50000"/>
+            </a:schemeClr>
+          </a:lnRef>
+          <a:fillRef idx="1">
+            <a:schemeClr val="accent1"/>
+          </a:fillRef>
+          <a:effectRef idx="0">
+            <a:schemeClr val="accent1"/>
+          </a:effectRef>
+          <a:fontRef idx="minor">
+            <a:schemeClr val="lt1"/>
+          </a:fontRef>
+        </p:style>
+        <p:txBody>
+          <a:bodyPr rot="0" spcFirstLastPara="0" vertOverflow="overflow" horzOverflow="overflow" vert="horz" wrap="square" lIns="91440" tIns="45721" rIns="91440" bIns="45721" numCol="1" spcCol="0" rtlCol="0" fromWordArt="0" anchor="ctr" anchorCtr="0" forceAA="0" compatLnSpc="1">
+            <a:prstTxWarp prst="textNoShape">
+              <a:avLst/>
+            </a:prstTxWarp>
+            <a:noAutofit/>
+          </a:bodyPr>
+          <a:lstStyle/>
+          <a:p>
+            <a:pPr algn="ctr"/>
+            <a:r>
+              <a:rPr lang="en-US" b="1" dirty="0" smtClean="0"/>
+              <a:t>Application Ontology</a:t>
+            </a:r>
+            <a:endParaRPr lang="en-US" b="1" dirty="0"/>
+          </a:p>
+        </p:txBody>
+      </p:sp>
+      <p:cxnSp>
+        <p:nvCxnSpPr>
+          <p:cNvPr id="25" name="Straight Arrow Connector 24"/>
+          <p:cNvCxnSpPr>
+            <a:stCxn id="23" idx="0"/>
+          </p:cNvCxnSpPr>
+          <p:nvPr/>
+        </p:nvCxnSpPr>
+        <p:spPr>
+          <a:xfrm flipV="1">
+            <a:off x="6199108" y="4753770"/>
+            <a:ext cx="605965" cy="406398"/>
+          </a:xfrm>
+          <a:prstGeom prst="straightConnector1">
+            <a:avLst/>
+          </a:prstGeom>
+          <a:ln>
+            <a:tailEnd type="triangle"/>
+          </a:ln>
+        </p:spPr>
+        <p:style>
+          <a:lnRef idx="1">
+            <a:schemeClr val="accent1"/>
+          </a:lnRef>
+          <a:fillRef idx="0">
+            <a:schemeClr val="accent1"/>
+          </a:fillRef>
+          <a:effectRef idx="0">
+            <a:schemeClr val="accent1"/>
+          </a:effectRef>
+          <a:fontRef idx="minor">
+            <a:schemeClr val="tx1"/>
+          </a:fontRef>
+        </p:style>
+      </p:cxnSp>
+      <p:sp>
+        <p:nvSpPr>
+          <p:cNvPr id="33" name="Rounded Rectangle 32"/>
+          <p:cNvSpPr/>
+          <p:nvPr/>
+        </p:nvSpPr>
+        <p:spPr>
+          <a:xfrm>
+            <a:off x="7302375" y="5157171"/>
+            <a:ext cx="1794005" cy="1420827"/>
+          </a:xfrm>
+          <a:prstGeom prst="roundRect">
+            <a:avLst/>
+          </a:prstGeom>
+          <a:solidFill>
+            <a:schemeClr val="bg1">
+              <a:lumMod val="65000"/>
+            </a:schemeClr>
+          </a:solidFill>
+        </p:spPr>
+        <p:style>
+          <a:lnRef idx="2">
+            <a:schemeClr val="accent1">
+              <a:shade val="50000"/>
+            </a:schemeClr>
+          </a:lnRef>
+          <a:fillRef idx="1">
+            <a:schemeClr val="accent1"/>
+          </a:fillRef>
+          <a:effectRef idx="0">
+            <a:schemeClr val="accent1"/>
+          </a:effectRef>
+          <a:fontRef idx="minor">
+            <a:schemeClr val="lt1"/>
+          </a:fontRef>
+        </p:style>
+        <p:txBody>
+          <a:bodyPr rot="0" spcFirstLastPara="0" vertOverflow="overflow" horzOverflow="overflow" vert="horz" wrap="square" lIns="91440" tIns="45721" rIns="91440" bIns="45721" numCol="1" spcCol="0" rtlCol="0" fromWordArt="0" anchor="ctr" anchorCtr="0" forceAA="0" compatLnSpc="1">
+            <a:prstTxWarp prst="textNoShape">
+              <a:avLst/>
+            </a:prstTxWarp>
+            <a:noAutofit/>
+          </a:bodyPr>
+          <a:lstStyle/>
+          <a:p>
+            <a:pPr algn="ctr"/>
+            <a:r>
+              <a:rPr lang="en-US" b="1" dirty="0" smtClean="0"/>
+              <a:t>Validation Services</a:t>
+            </a:r>
+            <a:endParaRPr lang="en-US" b="1" dirty="0"/>
+          </a:p>
+        </p:txBody>
+      </p:sp>
+      <p:cxnSp>
+        <p:nvCxnSpPr>
+          <p:cNvPr id="34" name="Straight Arrow Connector 33"/>
+          <p:cNvCxnSpPr>
+            <a:stCxn id="33" idx="0"/>
+          </p:cNvCxnSpPr>
+          <p:nvPr/>
+        </p:nvCxnSpPr>
+        <p:spPr>
+          <a:xfrm flipH="1" flipV="1">
+            <a:off x="7302375" y="4753770"/>
+            <a:ext cx="897003" cy="403401"/>
           </a:xfrm>
           <a:prstGeom prst="straightConnector1">
             <a:avLst/>
@@ -4180,15 +4352,7 @@
                   <a:schemeClr val="tx1"/>
                 </a:solidFill>
               </a:rPr>
-              <a:t>Loss of Gene Function Mutation </a:t>
-            </a:r>
-            <a:r>
-              <a:rPr lang="en-US" sz="2200" b="1" dirty="0" smtClean="0">
-                <a:solidFill>
-                  <a:schemeClr val="tx1"/>
-                </a:solidFill>
-              </a:rPr>
-              <a:t>CSV File</a:t>
+              <a:t>Loss of Gene Function Mutation CSV File</a:t>
             </a:r>
             <a:endParaRPr lang="en-US" sz="2200" b="1" dirty="0">
               <a:solidFill>
@@ -4432,11 +4596,6 @@
               </a:rPr>
               <a:t>2</a:t>
             </a:r>
-            <a:endParaRPr lang="en-US" dirty="0">
-              <a:solidFill>
-                <a:schemeClr val="tx1"/>
-              </a:solidFill>
-            </a:endParaRPr>
           </a:p>
         </p:txBody>
       </p:sp>
@@ -5311,11 +5470,6 @@
               </a:rPr>
               <a:t>2</a:t>
             </a:r>
-            <a:endParaRPr lang="en-US" dirty="0">
-              <a:solidFill>
-                <a:schemeClr val="tx1"/>
-              </a:solidFill>
-            </a:endParaRPr>
           </a:p>
         </p:txBody>
       </p:sp>
@@ -5427,11 +5581,6 @@
               </a:rPr>
               <a:t>4</a:t>
             </a:r>
-            <a:endParaRPr lang="en-US" dirty="0">
-              <a:solidFill>
-                <a:schemeClr val="tx1"/>
-              </a:solidFill>
-            </a:endParaRPr>
           </a:p>
         </p:txBody>
       </p:sp>
@@ -7595,7 +7744,6 @@
               <a:rPr lang="en-US" sz="1500" b="1" dirty="0" smtClean="0"/>
               <a:t>OR</a:t>
             </a:r>
-            <a:endParaRPr lang="en-US" sz="1500" b="1" dirty="0" smtClean="0"/>
           </a:p>
           <a:p>
             <a:r>
@@ -7609,7 +7757,6 @@
               <a:rPr lang="en-US" sz="1500" b="1" dirty="0" smtClean="0"/>
               <a:t>OR</a:t>
             </a:r>
-            <a:endParaRPr lang="en-US" sz="1500" b="1" dirty="0" smtClean="0"/>
           </a:p>
           <a:p>
             <a:r>
@@ -7770,7 +7917,6 @@
               <a:rPr lang="en-US" sz="1500" b="1" dirty="0" smtClean="0"/>
               <a:t>OR</a:t>
             </a:r>
-            <a:endParaRPr lang="en-US" sz="1500" b="1" dirty="0" smtClean="0"/>
           </a:p>
           <a:p>
             <a:r>
@@ -7784,7 +7930,6 @@
               <a:rPr lang="en-US" sz="1500" b="1" dirty="0" smtClean="0"/>
               <a:t>OR</a:t>
             </a:r>
-            <a:endParaRPr lang="en-US" sz="1500" b="1" dirty="0" smtClean="0"/>
           </a:p>
           <a:p>
             <a:r>

--- a/Acorn_diagrams.pptx
+++ b/Acorn_diagrams.pptx
@@ -253,7 +253,7 @@
           <a:p>
             <a:fld id="{1C95C1E8-FF19-4248-A4A0-1C9093B41962}" type="datetimeFigureOut">
               <a:rPr lang="en-US" smtClean="0"/>
-              <a:t>4/24/2020</a:t>
+              <a:t>6/11/2020</a:t>
             </a:fld>
             <a:endParaRPr lang="en-US"/>
           </a:p>
@@ -423,7 +423,7 @@
           <a:p>
             <a:fld id="{1C95C1E8-FF19-4248-A4A0-1C9093B41962}" type="datetimeFigureOut">
               <a:rPr lang="en-US" smtClean="0"/>
-              <a:t>4/24/2020</a:t>
+              <a:t>6/11/2020</a:t>
             </a:fld>
             <a:endParaRPr lang="en-US"/>
           </a:p>
@@ -603,7 +603,7 @@
           <a:p>
             <a:fld id="{1C95C1E8-FF19-4248-A4A0-1C9093B41962}" type="datetimeFigureOut">
               <a:rPr lang="en-US" smtClean="0"/>
-              <a:t>4/24/2020</a:t>
+              <a:t>6/11/2020</a:t>
             </a:fld>
             <a:endParaRPr lang="en-US"/>
           </a:p>
@@ -773,7 +773,7 @@
           <a:p>
             <a:fld id="{1C95C1E8-FF19-4248-A4A0-1C9093B41962}" type="datetimeFigureOut">
               <a:rPr lang="en-US" smtClean="0"/>
-              <a:t>4/24/2020</a:t>
+              <a:t>6/11/2020</a:t>
             </a:fld>
             <a:endParaRPr lang="en-US"/>
           </a:p>
@@ -1019,7 +1019,7 @@
           <a:p>
             <a:fld id="{1C95C1E8-FF19-4248-A4A0-1C9093B41962}" type="datetimeFigureOut">
               <a:rPr lang="en-US" smtClean="0"/>
-              <a:t>4/24/2020</a:t>
+              <a:t>6/11/2020</a:t>
             </a:fld>
             <a:endParaRPr lang="en-US"/>
           </a:p>
@@ -1251,7 +1251,7 @@
           <a:p>
             <a:fld id="{1C95C1E8-FF19-4248-A4A0-1C9093B41962}" type="datetimeFigureOut">
               <a:rPr lang="en-US" smtClean="0"/>
-              <a:t>4/24/2020</a:t>
+              <a:t>6/11/2020</a:t>
             </a:fld>
             <a:endParaRPr lang="en-US"/>
           </a:p>
@@ -1618,7 +1618,7 @@
           <a:p>
             <a:fld id="{1C95C1E8-FF19-4248-A4A0-1C9093B41962}" type="datetimeFigureOut">
               <a:rPr lang="en-US" smtClean="0"/>
-              <a:t>4/24/2020</a:t>
+              <a:t>6/11/2020</a:t>
             </a:fld>
             <a:endParaRPr lang="en-US"/>
           </a:p>
@@ -1736,7 +1736,7 @@
           <a:p>
             <a:fld id="{1C95C1E8-FF19-4248-A4A0-1C9093B41962}" type="datetimeFigureOut">
               <a:rPr lang="en-US" smtClean="0"/>
-              <a:t>4/24/2020</a:t>
+              <a:t>6/11/2020</a:t>
             </a:fld>
             <a:endParaRPr lang="en-US"/>
           </a:p>
@@ -1831,7 +1831,7 @@
           <a:p>
             <a:fld id="{1C95C1E8-FF19-4248-A4A0-1C9093B41962}" type="datetimeFigureOut">
               <a:rPr lang="en-US" smtClean="0"/>
-              <a:t>4/24/2020</a:t>
+              <a:t>6/11/2020</a:t>
             </a:fld>
             <a:endParaRPr lang="en-US"/>
           </a:p>
@@ -2108,7 +2108,7 @@
           <a:p>
             <a:fld id="{1C95C1E8-FF19-4248-A4A0-1C9093B41962}" type="datetimeFigureOut">
               <a:rPr lang="en-US" smtClean="0"/>
-              <a:t>4/24/2020</a:t>
+              <a:t>6/11/2020</a:t>
             </a:fld>
             <a:endParaRPr lang="en-US"/>
           </a:p>
@@ -2361,7 +2361,7 @@
           <a:p>
             <a:fld id="{1C95C1E8-FF19-4248-A4A0-1C9093B41962}" type="datetimeFigureOut">
               <a:rPr lang="en-US" smtClean="0"/>
-              <a:t>4/24/2020</a:t>
+              <a:t>6/11/2020</a:t>
             </a:fld>
             <a:endParaRPr lang="en-US"/>
           </a:p>
@@ -2574,7 +2574,7 @@
           <a:p>
             <a:fld id="{1C95C1E8-FF19-4248-A4A0-1C9093B41962}" type="datetimeFigureOut">
               <a:rPr lang="en-US" smtClean="0"/>
-              <a:t>4/24/2020</a:t>
+              <a:t>6/11/2020</a:t>
             </a:fld>
             <a:endParaRPr lang="en-US"/>
           </a:p>
@@ -3151,7 +3151,7 @@
         <p:spPr>
           <a:xfrm>
             <a:off x="3229897" y="1630892"/>
-            <a:ext cx="3255571" cy="584775"/>
+            <a:ext cx="3069366" cy="584775"/>
           </a:xfrm>
           <a:prstGeom prst="rect">
             <a:avLst/>
@@ -3172,16 +3172,18 @@
               <a:rPr lang="en-US" b="1" dirty="0" err="1" smtClean="0"/>
               <a:t>Synthea</a:t>
             </a:r>
-            <a:r>
-              <a:rPr lang="en-US" b="1" dirty="0" smtClean="0"/>
-              <a:t> fork</a:t>
-            </a:r>
+            <a:endParaRPr lang="en-US" b="1" dirty="0" smtClean="0"/>
           </a:p>
           <a:p>
             <a:r>
               <a:rPr lang="en-US" sz="1400" dirty="0"/>
-              <a:t>https://github.com/psbrandt/ETL-Synthea</a:t>
-            </a:r>
+              <a:t>https://</a:t>
+            </a:r>
+            <a:r>
+              <a:rPr lang="en-US" sz="1400" dirty="0" smtClean="0"/>
+              <a:t>github.com/OHDSI/ETL-Synthea</a:t>
+            </a:r>
+            <a:endParaRPr lang="en-US" sz="1400" dirty="0"/>
           </a:p>
         </p:txBody>
       </p:sp>
@@ -3932,7 +3934,7 @@
         <p:spPr>
           <a:xfrm>
             <a:off x="4622534" y="5839218"/>
-            <a:ext cx="3303981" cy="584775"/>
+            <a:ext cx="2636491" cy="369332"/>
           </a:xfrm>
           <a:prstGeom prst="rect">
             <a:avLst/>
@@ -3948,12 +3950,6 @@
             <a:r>
               <a:rPr lang="en-US" b="1" dirty="0" smtClean="0"/>
               <a:t>Step 5: Import Ontologies</a:t>
-            </a:r>
-          </a:p>
-          <a:p>
-            <a:r>
-              <a:rPr lang="en-US" sz="1400" dirty="0"/>
-              <a:t>https://github.com/PennTURBO/Drivetrain</a:t>
             </a:r>
           </a:p>
         </p:txBody>
@@ -4027,8 +4023,8 @@
         </p:nvCxnSpPr>
         <p:spPr>
           <a:xfrm flipH="1" flipV="1">
-            <a:off x="2037810" y="3245007"/>
-            <a:ext cx="2584724" cy="2886599"/>
+            <a:off x="2037810" y="3245008"/>
+            <a:ext cx="2584724" cy="2778876"/>
           </a:xfrm>
           <a:prstGeom prst="straightConnector1">
             <a:avLst/>
@@ -5464,7 +5460,7 @@
                   <a:schemeClr val="tx1"/>
                 </a:solidFill>
               </a:rPr>
-              <a:t>OBO Foundry Ontologies</a:t>
+              <a:t>External Ontologies</a:t>
             </a:r>
             <a:endParaRPr lang="en-US" dirty="0">
               <a:solidFill>
@@ -6044,7 +6040,7 @@
             <a:pPr algn="ctr"/>
             <a:r>
               <a:rPr lang="en-US" b="1" dirty="0" smtClean="0"/>
-              <a:t>Graph Specification (specifies realism-based CDM)</a:t>
+              <a:t>Graph Specification (specifies target model)</a:t>
             </a:r>
             <a:endParaRPr lang="en-US" b="1" dirty="0"/>
           </a:p>
@@ -7115,7 +7111,7 @@
             <a:pPr algn="ctr"/>
             <a:r>
               <a:rPr lang="en-US" b="1" dirty="0" smtClean="0"/>
-              <a:t>Graph Specification (specifies realism-based CDM)</a:t>
+              <a:t>Graph Specification (specifies target model)</a:t>
             </a:r>
             <a:endParaRPr lang="en-US" b="1" dirty="0"/>
           </a:p>
@@ -7273,7 +7269,7 @@
         </p:nvSpPr>
         <p:spPr>
           <a:xfrm>
-            <a:off x="185185" y="2515843"/>
+            <a:off x="176468" y="2515843"/>
             <a:ext cx="4062953" cy="3214865"/>
           </a:xfrm>
           <a:prstGeom prst="rect">
@@ -7982,7 +7978,15 @@
                   <a:schemeClr val="tx1"/>
                 </a:solidFill>
               </a:rPr>
-              <a:t>RDF dataset formatted using realism-based CDM</a:t>
+              <a:t>RDF dataset formatted using </a:t>
+            </a:r>
+            <a:r>
+              <a:rPr lang="en-US" sz="2200" b="1" smtClean="0">
+                <a:solidFill>
+                  <a:schemeClr val="tx1"/>
+                </a:solidFill>
+              </a:rPr>
+              <a:t>target model</a:t>
             </a:r>
             <a:endParaRPr lang="en-US" sz="2200" b="1" dirty="0">
               <a:solidFill>

--- a/Acorn_diagrams.pptx
+++ b/Acorn_diagrams.pptx
@@ -5,17 +5,19 @@
     <p:sldMasterId id="2147483648" r:id="rId1"/>
   </p:sldMasterIdLst>
   <p:sldIdLst>
-    <p:sldId id="267" r:id="rId2"/>
-    <p:sldId id="264" r:id="rId3"/>
-    <p:sldId id="261" r:id="rId4"/>
-    <p:sldId id="265" r:id="rId5"/>
-    <p:sldId id="266" r:id="rId6"/>
-    <p:sldId id="257" r:id="rId7"/>
-    <p:sldId id="258" r:id="rId8"/>
-    <p:sldId id="259" r:id="rId9"/>
-    <p:sldId id="260" r:id="rId10"/>
-    <p:sldId id="262" r:id="rId11"/>
-    <p:sldId id="263" r:id="rId12"/>
+    <p:sldId id="268" r:id="rId2"/>
+    <p:sldId id="269" r:id="rId3"/>
+    <p:sldId id="267" r:id="rId4"/>
+    <p:sldId id="264" r:id="rId5"/>
+    <p:sldId id="261" r:id="rId6"/>
+    <p:sldId id="265" r:id="rId7"/>
+    <p:sldId id="266" r:id="rId8"/>
+    <p:sldId id="257" r:id="rId9"/>
+    <p:sldId id="258" r:id="rId10"/>
+    <p:sldId id="259" r:id="rId11"/>
+    <p:sldId id="260" r:id="rId12"/>
+    <p:sldId id="262" r:id="rId13"/>
+    <p:sldId id="263" r:id="rId14"/>
   </p:sldIdLst>
   <p:sldSz cx="12192000" cy="6858000"/>
   <p:notesSz cx="6858000" cy="9144000"/>
@@ -253,7 +255,7 @@
           <a:p>
             <a:fld id="{1C95C1E8-FF19-4248-A4A0-1C9093B41962}" type="datetimeFigureOut">
               <a:rPr lang="en-US" smtClean="0"/>
-              <a:t>6/11/2020</a:t>
+              <a:t>6/23/2020</a:t>
             </a:fld>
             <a:endParaRPr lang="en-US"/>
           </a:p>
@@ -423,7 +425,7 @@
           <a:p>
             <a:fld id="{1C95C1E8-FF19-4248-A4A0-1C9093B41962}" type="datetimeFigureOut">
               <a:rPr lang="en-US" smtClean="0"/>
-              <a:t>6/11/2020</a:t>
+              <a:t>6/23/2020</a:t>
             </a:fld>
             <a:endParaRPr lang="en-US"/>
           </a:p>
@@ -603,7 +605,7 @@
           <a:p>
             <a:fld id="{1C95C1E8-FF19-4248-A4A0-1C9093B41962}" type="datetimeFigureOut">
               <a:rPr lang="en-US" smtClean="0"/>
-              <a:t>6/11/2020</a:t>
+              <a:t>6/23/2020</a:t>
             </a:fld>
             <a:endParaRPr lang="en-US"/>
           </a:p>
@@ -773,7 +775,7 @@
           <a:p>
             <a:fld id="{1C95C1E8-FF19-4248-A4A0-1C9093B41962}" type="datetimeFigureOut">
               <a:rPr lang="en-US" smtClean="0"/>
-              <a:t>6/11/2020</a:t>
+              <a:t>6/23/2020</a:t>
             </a:fld>
             <a:endParaRPr lang="en-US"/>
           </a:p>
@@ -1019,7 +1021,7 @@
           <a:p>
             <a:fld id="{1C95C1E8-FF19-4248-A4A0-1C9093B41962}" type="datetimeFigureOut">
               <a:rPr lang="en-US" smtClean="0"/>
-              <a:t>6/11/2020</a:t>
+              <a:t>6/23/2020</a:t>
             </a:fld>
             <a:endParaRPr lang="en-US"/>
           </a:p>
@@ -1251,7 +1253,7 @@
           <a:p>
             <a:fld id="{1C95C1E8-FF19-4248-A4A0-1C9093B41962}" type="datetimeFigureOut">
               <a:rPr lang="en-US" smtClean="0"/>
-              <a:t>6/11/2020</a:t>
+              <a:t>6/23/2020</a:t>
             </a:fld>
             <a:endParaRPr lang="en-US"/>
           </a:p>
@@ -1618,7 +1620,7 @@
           <a:p>
             <a:fld id="{1C95C1E8-FF19-4248-A4A0-1C9093B41962}" type="datetimeFigureOut">
               <a:rPr lang="en-US" smtClean="0"/>
-              <a:t>6/11/2020</a:t>
+              <a:t>6/23/2020</a:t>
             </a:fld>
             <a:endParaRPr lang="en-US"/>
           </a:p>
@@ -1736,7 +1738,7 @@
           <a:p>
             <a:fld id="{1C95C1E8-FF19-4248-A4A0-1C9093B41962}" type="datetimeFigureOut">
               <a:rPr lang="en-US" smtClean="0"/>
-              <a:t>6/11/2020</a:t>
+              <a:t>6/23/2020</a:t>
             </a:fld>
             <a:endParaRPr lang="en-US"/>
           </a:p>
@@ -1831,7 +1833,7 @@
           <a:p>
             <a:fld id="{1C95C1E8-FF19-4248-A4A0-1C9093B41962}" type="datetimeFigureOut">
               <a:rPr lang="en-US" smtClean="0"/>
-              <a:t>6/11/2020</a:t>
+              <a:t>6/23/2020</a:t>
             </a:fld>
             <a:endParaRPr lang="en-US"/>
           </a:p>
@@ -2108,7 +2110,7 @@
           <a:p>
             <a:fld id="{1C95C1E8-FF19-4248-A4A0-1C9093B41962}" type="datetimeFigureOut">
               <a:rPr lang="en-US" smtClean="0"/>
-              <a:t>6/11/2020</a:t>
+              <a:t>6/23/2020</a:t>
             </a:fld>
             <a:endParaRPr lang="en-US"/>
           </a:p>
@@ -2361,7 +2363,7 @@
           <a:p>
             <a:fld id="{1C95C1E8-FF19-4248-A4A0-1C9093B41962}" type="datetimeFigureOut">
               <a:rPr lang="en-US" smtClean="0"/>
-              <a:t>6/11/2020</a:t>
+              <a:t>6/23/2020</a:t>
             </a:fld>
             <a:endParaRPr lang="en-US"/>
           </a:p>
@@ -2574,7 +2576,7 @@
           <a:p>
             <a:fld id="{1C95C1E8-FF19-4248-A4A0-1C9093B41962}" type="datetimeFigureOut">
               <a:rPr lang="en-US" smtClean="0"/>
-              <a:t>6/11/2020</a:t>
+              <a:t>6/23/2020</a:t>
             </a:fld>
             <a:endParaRPr lang="en-US"/>
           </a:p>
@@ -2979,6 +2981,4456 @@
           <a:chExt cx="0" cy="0"/>
         </a:xfrm>
       </p:grpSpPr>
+      <p:graphicFrame>
+        <p:nvGraphicFramePr>
+          <p:cNvPr id="4" name="Table 3"/>
+          <p:cNvGraphicFramePr>
+            <a:graphicFrameLocks noGrp="1"/>
+          </p:cNvGraphicFramePr>
+          <p:nvPr>
+            <p:extLst>
+              <p:ext uri="{D42A27DB-BD31-4B8C-83A1-F6EECF244321}">
+                <p14:modId xmlns:p14="http://schemas.microsoft.com/office/powerpoint/2010/main" val="3156207489"/>
+              </p:ext>
+            </p:extLst>
+          </p:nvPr>
+        </p:nvGraphicFramePr>
+        <p:xfrm>
+          <a:off x="993496" y="1162342"/>
+          <a:ext cx="1628775" cy="884936"/>
+        </p:xfrm>
+        <a:graphic>
+          <a:graphicData uri="http://schemas.openxmlformats.org/drawingml/2006/table">
+            <a:tbl>
+              <a:tblPr>
+                <a:tableStyleId>{5C22544A-7EE6-4342-B048-85BDC9FD1C3A}</a:tableStyleId>
+              </a:tblPr>
+              <a:tblGrid>
+                <a:gridCol w="1628775">
+                  <a:extLst>
+                    <a:ext uri="{9D8B030D-6E8A-4147-A177-3AD203B41FA5}">
+                      <a16:colId xmlns:a16="http://schemas.microsoft.com/office/drawing/2014/main" val="4274454849"/>
+                    </a:ext>
+                  </a:extLst>
+                </a:gridCol>
+              </a:tblGrid>
+              <a:tr h="0">
+                <a:tc>
+                  <a:txBody>
+                    <a:bodyPr/>
+                    <a:lstStyle/>
+                    <a:p>
+                      <a:pPr marL="0" marR="0" algn="ctr">
+                        <a:lnSpc>
+                          <a:spcPct val="115000"/>
+                        </a:lnSpc>
+                        <a:spcBef>
+                          <a:spcPts val="0"/>
+                        </a:spcBef>
+                        <a:spcAft>
+                          <a:spcPts val="0"/>
+                        </a:spcAft>
+                      </a:pPr>
+                      <a:r>
+                        <a:rPr lang="en-US" sz="1800" dirty="0" err="1">
+                          <a:effectLst/>
+                        </a:rPr>
+                        <a:t>person_id</a:t>
+                      </a:r>
+                      <a:endParaRPr lang="en-US" sz="1800" dirty="0">
+                        <a:effectLst/>
+                        <a:latin typeface="Arial" panose="020B0604020202020204" pitchFamily="34" charset="0"/>
+                        <a:ea typeface="Arial" panose="020B0604020202020204" pitchFamily="34" charset="0"/>
+                      </a:endParaRPr>
+                    </a:p>
+                  </a:txBody>
+                  <a:tcPr marL="63500" marR="63500" marT="63500" marB="63500"/>
+                </a:tc>
+                <a:extLst>
+                  <a:ext uri="{0D108BD9-81ED-4DB2-BD59-A6C34878D82A}">
+                    <a16:rowId xmlns:a16="http://schemas.microsoft.com/office/drawing/2014/main" val="3972576375"/>
+                  </a:ext>
+                </a:extLst>
+              </a:tr>
+              <a:tr h="0">
+                <a:tc>
+                  <a:txBody>
+                    <a:bodyPr/>
+                    <a:lstStyle/>
+                    <a:p>
+                      <a:pPr marL="0" marR="0" algn="ctr">
+                        <a:lnSpc>
+                          <a:spcPct val="115000"/>
+                        </a:lnSpc>
+                        <a:spcBef>
+                          <a:spcPts val="0"/>
+                        </a:spcBef>
+                        <a:spcAft>
+                          <a:spcPts val="0"/>
+                        </a:spcAft>
+                      </a:pPr>
+                      <a:r>
+                        <a:rPr lang="en-US" sz="1800" dirty="0">
+                          <a:effectLst/>
+                        </a:rPr>
+                        <a:t>1</a:t>
+                      </a:r>
+                      <a:endParaRPr lang="en-US" sz="1800" dirty="0">
+                        <a:effectLst/>
+                        <a:latin typeface="Arial" panose="020B0604020202020204" pitchFamily="34" charset="0"/>
+                        <a:ea typeface="Arial" panose="020B0604020202020204" pitchFamily="34" charset="0"/>
+                      </a:endParaRPr>
+                    </a:p>
+                  </a:txBody>
+                  <a:tcPr marL="63500" marR="63500" marT="63500" marB="63500"/>
+                </a:tc>
+                <a:extLst>
+                  <a:ext uri="{0D108BD9-81ED-4DB2-BD59-A6C34878D82A}">
+                    <a16:rowId xmlns:a16="http://schemas.microsoft.com/office/drawing/2014/main" val="686632129"/>
+                  </a:ext>
+                </a:extLst>
+              </a:tr>
+            </a:tbl>
+          </a:graphicData>
+        </a:graphic>
+      </p:graphicFrame>
+      <p:sp>
+        <p:nvSpPr>
+          <p:cNvPr id="5" name="Rectangle 1"/>
+          <p:cNvSpPr>
+            <a:spLocks noChangeArrowheads="1"/>
+          </p:cNvSpPr>
+          <p:nvPr/>
+        </p:nvSpPr>
+        <p:spPr bwMode="auto">
+          <a:xfrm>
+            <a:off x="972056" y="578196"/>
+            <a:ext cx="1680781" cy="646331"/>
+          </a:xfrm>
+          <a:prstGeom prst="rect">
+            <a:avLst/>
+          </a:prstGeom>
+          <a:noFill/>
+          <a:ln>
+            <a:noFill/>
+          </a:ln>
+          <a:effectLst/>
+          <a:extLst>
+            <a:ext uri="{909E8E84-426E-40DD-AFC4-6F175D3DCCD1}">
+              <a14:hiddenFill xmlns:a14="http://schemas.microsoft.com/office/drawing/2010/main">
+                <a:solidFill>
+                  <a:schemeClr val="accent1"/>
+                </a:solidFill>
+              </a14:hiddenFill>
+            </a:ext>
+            <a:ext uri="{91240B29-F687-4F45-9708-019B960494DF}">
+              <a14:hiddenLine xmlns:a14="http://schemas.microsoft.com/office/drawing/2010/main" w="9525">
+                <a:solidFill>
+                  <a:schemeClr val="tx1"/>
+                </a:solidFill>
+                <a:miter lim="800000"/>
+                <a:headEnd/>
+                <a:tailEnd/>
+              </a14:hiddenLine>
+            </a:ext>
+            <a:ext uri="{AF507438-7753-43E0-B8FC-AC1667EBCBE1}">
+              <a14:hiddenEffects xmlns:a14="http://schemas.microsoft.com/office/drawing/2010/main">
+                <a:effectLst>
+                  <a:outerShdw dist="35921" dir="2700000" algn="ctr" rotWithShape="0">
+                    <a:schemeClr val="bg2"/>
+                  </a:outerShdw>
+                </a:effectLst>
+              </a14:hiddenEffects>
+            </a:ext>
+          </a:extLst>
+        </p:spPr>
+        <p:txBody>
+          <a:bodyPr vert="horz" wrap="none" lIns="91440" tIns="45720" rIns="91440" bIns="45720" numCol="1" anchor="ctr" anchorCtr="0" compatLnSpc="1">
+            <a:prstTxWarp prst="textNoShape">
+              <a:avLst/>
+            </a:prstTxWarp>
+            <a:spAutoFit/>
+          </a:bodyPr>
+          <a:lstStyle/>
+          <a:p>
+            <a:pPr marL="0" marR="0" lvl="0" indent="0" algn="l" defTabSz="914400" rtl="0" eaLnBrk="0" fontAlgn="base" latinLnBrk="0" hangingPunct="0">
+              <a:lnSpc>
+                <a:spcPct val="100000"/>
+              </a:lnSpc>
+              <a:spcBef>
+                <a:spcPct val="0"/>
+              </a:spcBef>
+              <a:spcAft>
+                <a:spcPct val="0"/>
+              </a:spcAft>
+              <a:buClrTx/>
+              <a:buSzTx/>
+              <a:buFontTx/>
+              <a:buNone/>
+              <a:tabLst/>
+            </a:pPr>
+            <a:r>
+              <a:rPr kumimoji="0" lang="en-US" altLang="en-US" b="1" i="0" u="none" strike="noStrike" cap="none" normalizeH="0" baseline="0" dirty="0" smtClean="0">
+                <a:ln>
+                  <a:noFill/>
+                </a:ln>
+                <a:solidFill>
+                  <a:schemeClr val="tx1"/>
+                </a:solidFill>
+                <a:effectLst/>
+                <a:latin typeface="Arial" panose="020B0604020202020204" pitchFamily="34" charset="0"/>
+                <a:ea typeface="Arial" panose="020B0604020202020204" pitchFamily="34" charset="0"/>
+              </a:rPr>
+              <a:t>Database: A</a:t>
+            </a:r>
+            <a:endParaRPr lang="en-US" altLang="en-US" dirty="0">
+              <a:latin typeface="Arial" panose="020B0604020202020204" pitchFamily="34" charset="0"/>
+            </a:endParaRPr>
+          </a:p>
+          <a:p>
+            <a:pPr marL="0" marR="0" lvl="0" indent="0" algn="l" defTabSz="914400" rtl="0" eaLnBrk="0" fontAlgn="base" latinLnBrk="0" hangingPunct="0">
+              <a:lnSpc>
+                <a:spcPct val="100000"/>
+              </a:lnSpc>
+              <a:spcBef>
+                <a:spcPct val="0"/>
+              </a:spcBef>
+              <a:spcAft>
+                <a:spcPct val="0"/>
+              </a:spcAft>
+              <a:buClrTx/>
+              <a:buSzTx/>
+              <a:buFontTx/>
+              <a:buNone/>
+              <a:tabLst/>
+            </a:pPr>
+            <a:r>
+              <a:rPr kumimoji="0" lang="en-US" altLang="en-US" b="1" i="0" u="none" strike="noStrike" cap="none" normalizeH="0" baseline="0" dirty="0" smtClean="0">
+                <a:ln>
+                  <a:noFill/>
+                </a:ln>
+                <a:solidFill>
+                  <a:schemeClr val="tx1"/>
+                </a:solidFill>
+                <a:effectLst/>
+                <a:latin typeface="Arial" panose="020B0604020202020204" pitchFamily="34" charset="0"/>
+                <a:ea typeface="Arial" panose="020B0604020202020204" pitchFamily="34" charset="0"/>
+              </a:rPr>
+              <a:t>Table: person</a:t>
+            </a:r>
+            <a:endParaRPr kumimoji="0" lang="en-US" altLang="en-US" b="0" i="0" u="none" strike="noStrike" cap="none" normalizeH="0" baseline="0" dirty="0" smtClean="0">
+              <a:ln>
+                <a:noFill/>
+              </a:ln>
+              <a:solidFill>
+                <a:schemeClr val="tx1"/>
+              </a:solidFill>
+              <a:effectLst/>
+              <a:latin typeface="Arial" panose="020B0604020202020204" pitchFamily="34" charset="0"/>
+            </a:endParaRPr>
+          </a:p>
+        </p:txBody>
+      </p:sp>
+      <p:sp>
+        <p:nvSpPr>
+          <p:cNvPr id="6" name="Arc 5"/>
+          <p:cNvSpPr/>
+          <p:nvPr/>
+        </p:nvSpPr>
+        <p:spPr>
+          <a:xfrm>
+            <a:off x="1" y="-1076325"/>
+            <a:ext cx="3786272" cy="3831225"/>
+          </a:xfrm>
+          <a:prstGeom prst="arc">
+            <a:avLst>
+              <a:gd name="adj1" fmla="val 20087943"/>
+              <a:gd name="adj2" fmla="val 10418130"/>
+            </a:avLst>
+          </a:prstGeom>
+        </p:spPr>
+        <p:style>
+          <a:lnRef idx="1">
+            <a:schemeClr val="accent1"/>
+          </a:lnRef>
+          <a:fillRef idx="0">
+            <a:schemeClr val="accent1"/>
+          </a:fillRef>
+          <a:effectRef idx="0">
+            <a:schemeClr val="accent1"/>
+          </a:effectRef>
+          <a:fontRef idx="minor">
+            <a:schemeClr val="tx1"/>
+          </a:fontRef>
+        </p:style>
+        <p:txBody>
+          <a:bodyPr rtlCol="0" anchor="ctr"/>
+          <a:lstStyle/>
+          <a:p>
+            <a:pPr algn="ctr"/>
+            <a:endParaRPr lang="en-US"/>
+          </a:p>
+        </p:txBody>
+      </p:sp>
+      <p:sp>
+        <p:nvSpPr>
+          <p:cNvPr id="7" name="TextBox 6"/>
+          <p:cNvSpPr txBox="1"/>
+          <p:nvPr/>
+        </p:nvSpPr>
+        <p:spPr>
+          <a:xfrm flipH="1">
+            <a:off x="-6539" y="19258"/>
+            <a:ext cx="4350822" cy="400110"/>
+          </a:xfrm>
+          <a:prstGeom prst="rect">
+            <a:avLst/>
+          </a:prstGeom>
+          <a:noFill/>
+        </p:spPr>
+        <p:txBody>
+          <a:bodyPr wrap="square" rtlCol="0">
+            <a:spAutoFit/>
+          </a:bodyPr>
+          <a:lstStyle/>
+          <a:p>
+            <a:r>
+              <a:rPr lang="en-US" sz="2000" dirty="0" smtClean="0"/>
+              <a:t>Step 0: Starting Relational Dataset</a:t>
+            </a:r>
+            <a:endParaRPr lang="en-US" sz="2000" dirty="0"/>
+          </a:p>
+        </p:txBody>
+      </p:sp>
+      <p:sp>
+        <p:nvSpPr>
+          <p:cNvPr id="8" name="TextBox 7"/>
+          <p:cNvSpPr txBox="1"/>
+          <p:nvPr/>
+        </p:nvSpPr>
+        <p:spPr>
+          <a:xfrm flipH="1">
+            <a:off x="4028645" y="66180"/>
+            <a:ext cx="3289663" cy="400110"/>
+          </a:xfrm>
+          <a:prstGeom prst="rect">
+            <a:avLst/>
+          </a:prstGeom>
+          <a:noFill/>
+        </p:spPr>
+        <p:txBody>
+          <a:bodyPr wrap="square" rtlCol="0">
+            <a:spAutoFit/>
+          </a:bodyPr>
+          <a:lstStyle/>
+          <a:p>
+            <a:r>
+              <a:rPr lang="en-US" sz="2000" dirty="0" smtClean="0"/>
+              <a:t>Step 1: Concise RDF</a:t>
+            </a:r>
+            <a:endParaRPr lang="en-US" sz="2000" dirty="0"/>
+          </a:p>
+        </p:txBody>
+      </p:sp>
+      <p:sp>
+        <p:nvSpPr>
+          <p:cNvPr id="9" name="Oval 8"/>
+          <p:cNvSpPr/>
+          <p:nvPr/>
+        </p:nvSpPr>
+        <p:spPr>
+          <a:xfrm>
+            <a:off x="3910786" y="693905"/>
+            <a:ext cx="436709" cy="450799"/>
+          </a:xfrm>
+          <a:prstGeom prst="ellipse">
+            <a:avLst/>
+          </a:prstGeom>
+          <a:solidFill>
+            <a:schemeClr val="accent1"/>
+          </a:solidFill>
+        </p:spPr>
+        <p:style>
+          <a:lnRef idx="2">
+            <a:schemeClr val="accent1">
+              <a:shade val="50000"/>
+            </a:schemeClr>
+          </a:lnRef>
+          <a:fillRef idx="1">
+            <a:schemeClr val="accent1"/>
+          </a:fillRef>
+          <a:effectRef idx="0">
+            <a:schemeClr val="accent1"/>
+          </a:effectRef>
+          <a:fontRef idx="minor">
+            <a:schemeClr val="lt1"/>
+          </a:fontRef>
+        </p:style>
+        <p:txBody>
+          <a:bodyPr rtlCol="0" anchor="ctr"/>
+          <a:lstStyle/>
+          <a:p>
+            <a:pPr algn="ctr"/>
+            <a:endParaRPr lang="en-US"/>
+          </a:p>
+        </p:txBody>
+      </p:sp>
+      <p:cxnSp>
+        <p:nvCxnSpPr>
+          <p:cNvPr id="14" name="Straight Arrow Connector 13"/>
+          <p:cNvCxnSpPr>
+            <a:stCxn id="9" idx="6"/>
+            <a:endCxn id="25" idx="1"/>
+          </p:cNvCxnSpPr>
+          <p:nvPr/>
+        </p:nvCxnSpPr>
+        <p:spPr>
+          <a:xfrm flipV="1">
+            <a:off x="4347495" y="902487"/>
+            <a:ext cx="1317911" cy="16818"/>
+          </a:xfrm>
+          <a:prstGeom prst="straightConnector1">
+            <a:avLst/>
+          </a:prstGeom>
+          <a:ln>
+            <a:tailEnd type="triangle"/>
+          </a:ln>
+        </p:spPr>
+        <p:style>
+          <a:lnRef idx="1">
+            <a:schemeClr val="accent1"/>
+          </a:lnRef>
+          <a:fillRef idx="0">
+            <a:schemeClr val="accent1"/>
+          </a:fillRef>
+          <a:effectRef idx="0">
+            <a:schemeClr val="accent1"/>
+          </a:effectRef>
+          <a:fontRef idx="minor">
+            <a:schemeClr val="tx1"/>
+          </a:fontRef>
+        </p:style>
+      </p:cxnSp>
+      <p:sp>
+        <p:nvSpPr>
+          <p:cNvPr id="23" name="TextBox 22"/>
+          <p:cNvSpPr txBox="1"/>
+          <p:nvPr/>
+        </p:nvSpPr>
+        <p:spPr>
+          <a:xfrm>
+            <a:off x="4853018" y="605119"/>
+            <a:ext cx="731834" cy="369332"/>
+          </a:xfrm>
+          <a:prstGeom prst="rect">
+            <a:avLst/>
+          </a:prstGeom>
+          <a:noFill/>
+        </p:spPr>
+        <p:txBody>
+          <a:bodyPr wrap="square" rtlCol="0">
+            <a:spAutoFit/>
+          </a:bodyPr>
+          <a:lstStyle/>
+          <a:p>
+            <a:r>
+              <a:rPr lang="en-US" dirty="0" smtClean="0"/>
+              <a:t>type</a:t>
+            </a:r>
+            <a:endParaRPr lang="en-US" dirty="0"/>
+          </a:p>
+        </p:txBody>
+      </p:sp>
+      <p:sp>
+        <p:nvSpPr>
+          <p:cNvPr id="25" name="TextBox 24"/>
+          <p:cNvSpPr txBox="1"/>
+          <p:nvPr/>
+        </p:nvSpPr>
+        <p:spPr>
+          <a:xfrm>
+            <a:off x="5665406" y="579321"/>
+            <a:ext cx="1336809" cy="646331"/>
+          </a:xfrm>
+          <a:prstGeom prst="rect">
+            <a:avLst/>
+          </a:prstGeom>
+          <a:noFill/>
+          <a:ln>
+            <a:solidFill>
+              <a:schemeClr val="accent1"/>
+            </a:solidFill>
+          </a:ln>
+        </p:spPr>
+        <p:txBody>
+          <a:bodyPr wrap="square" rtlCol="0">
+            <a:spAutoFit/>
+          </a:bodyPr>
+          <a:lstStyle/>
+          <a:p>
+            <a:r>
+              <a:rPr lang="en-US" dirty="0" err="1" smtClean="0"/>
+              <a:t>input:HomoSapiens</a:t>
+            </a:r>
+            <a:endParaRPr lang="en-US" dirty="0"/>
+          </a:p>
+        </p:txBody>
+      </p:sp>
+      <p:cxnSp>
+        <p:nvCxnSpPr>
+          <p:cNvPr id="45" name="Straight Arrow Connector 44"/>
+          <p:cNvCxnSpPr>
+            <a:endCxn id="50" idx="0"/>
+          </p:cNvCxnSpPr>
+          <p:nvPr/>
+        </p:nvCxnSpPr>
+        <p:spPr>
+          <a:xfrm>
+            <a:off x="4140473" y="1144157"/>
+            <a:ext cx="0" cy="919640"/>
+          </a:xfrm>
+          <a:prstGeom prst="straightConnector1">
+            <a:avLst/>
+          </a:prstGeom>
+          <a:ln>
+            <a:tailEnd type="triangle"/>
+          </a:ln>
+        </p:spPr>
+        <p:style>
+          <a:lnRef idx="1">
+            <a:schemeClr val="accent1"/>
+          </a:lnRef>
+          <a:fillRef idx="0">
+            <a:schemeClr val="accent1"/>
+          </a:fillRef>
+          <a:effectRef idx="0">
+            <a:schemeClr val="accent1"/>
+          </a:effectRef>
+          <a:fontRef idx="minor">
+            <a:schemeClr val="tx1"/>
+          </a:fontRef>
+        </p:style>
+      </p:cxnSp>
+      <p:sp>
+        <p:nvSpPr>
+          <p:cNvPr id="47" name="TextBox 46"/>
+          <p:cNvSpPr txBox="1"/>
+          <p:nvPr/>
+        </p:nvSpPr>
+        <p:spPr>
+          <a:xfrm>
+            <a:off x="3581604" y="1431281"/>
+            <a:ext cx="1654638" cy="369332"/>
+          </a:xfrm>
+          <a:prstGeom prst="rect">
+            <a:avLst/>
+          </a:prstGeom>
+          <a:noFill/>
+        </p:spPr>
+        <p:txBody>
+          <a:bodyPr wrap="square" rtlCol="0">
+            <a:spAutoFit/>
+          </a:bodyPr>
+          <a:lstStyle/>
+          <a:p>
+            <a:r>
+              <a:rPr lang="en-US" dirty="0" err="1" smtClean="0"/>
+              <a:t>input:identifier</a:t>
+            </a:r>
+            <a:endParaRPr lang="en-US" dirty="0"/>
+          </a:p>
+        </p:txBody>
+      </p:sp>
+      <p:sp>
+        <p:nvSpPr>
+          <p:cNvPr id="50" name="TextBox 49"/>
+          <p:cNvSpPr txBox="1"/>
+          <p:nvPr/>
+        </p:nvSpPr>
+        <p:spPr>
+          <a:xfrm>
+            <a:off x="4014574" y="2063797"/>
+            <a:ext cx="251798" cy="369332"/>
+          </a:xfrm>
+          <a:prstGeom prst="rect">
+            <a:avLst/>
+          </a:prstGeom>
+          <a:noFill/>
+          <a:ln>
+            <a:solidFill>
+              <a:schemeClr val="accent1"/>
+            </a:solidFill>
+          </a:ln>
+        </p:spPr>
+        <p:txBody>
+          <a:bodyPr wrap="square" rtlCol="0">
+            <a:spAutoFit/>
+          </a:bodyPr>
+          <a:lstStyle/>
+          <a:p>
+            <a:r>
+              <a:rPr lang="en-US" dirty="0" smtClean="0"/>
+              <a:t>1</a:t>
+            </a:r>
+            <a:endParaRPr lang="en-US" dirty="0"/>
+          </a:p>
+        </p:txBody>
+      </p:sp>
+      <p:cxnSp>
+        <p:nvCxnSpPr>
+          <p:cNvPr id="53" name="Straight Arrow Connector 52"/>
+          <p:cNvCxnSpPr>
+            <a:stCxn id="50" idx="3"/>
+            <a:endCxn id="60" idx="1"/>
+          </p:cNvCxnSpPr>
+          <p:nvPr/>
+        </p:nvCxnSpPr>
+        <p:spPr>
+          <a:xfrm flipV="1">
+            <a:off x="4266372" y="2239754"/>
+            <a:ext cx="1590170" cy="8709"/>
+          </a:xfrm>
+          <a:prstGeom prst="straightConnector1">
+            <a:avLst/>
+          </a:prstGeom>
+          <a:ln>
+            <a:tailEnd type="triangle"/>
+          </a:ln>
+        </p:spPr>
+        <p:style>
+          <a:lnRef idx="1">
+            <a:schemeClr val="accent1"/>
+          </a:lnRef>
+          <a:fillRef idx="0">
+            <a:schemeClr val="accent1"/>
+          </a:fillRef>
+          <a:effectRef idx="0">
+            <a:schemeClr val="accent1"/>
+          </a:effectRef>
+          <a:fontRef idx="minor">
+            <a:schemeClr val="tx1"/>
+          </a:fontRef>
+        </p:style>
+      </p:cxnSp>
+      <p:sp>
+        <p:nvSpPr>
+          <p:cNvPr id="60" name="TextBox 59"/>
+          <p:cNvSpPr txBox="1"/>
+          <p:nvPr/>
+        </p:nvSpPr>
+        <p:spPr>
+          <a:xfrm>
+            <a:off x="5856542" y="2055088"/>
+            <a:ext cx="1360765" cy="369332"/>
+          </a:xfrm>
+          <a:prstGeom prst="rect">
+            <a:avLst/>
+          </a:prstGeom>
+          <a:noFill/>
+          <a:ln>
+            <a:solidFill>
+              <a:schemeClr val="accent1"/>
+            </a:solidFill>
+          </a:ln>
+        </p:spPr>
+        <p:txBody>
+          <a:bodyPr wrap="square" rtlCol="0">
+            <a:spAutoFit/>
+          </a:bodyPr>
+          <a:lstStyle/>
+          <a:p>
+            <a:r>
+              <a:rPr lang="en-US" dirty="0" err="1" smtClean="0"/>
+              <a:t>xsd:integer</a:t>
+            </a:r>
+            <a:endParaRPr lang="en-US" dirty="0"/>
+          </a:p>
+        </p:txBody>
+      </p:sp>
+      <p:sp>
+        <p:nvSpPr>
+          <p:cNvPr id="67" name="TextBox 66"/>
+          <p:cNvSpPr txBox="1"/>
+          <p:nvPr/>
+        </p:nvSpPr>
+        <p:spPr>
+          <a:xfrm flipH="1">
+            <a:off x="6900708" y="44418"/>
+            <a:ext cx="3289663" cy="400110"/>
+          </a:xfrm>
+          <a:prstGeom prst="rect">
+            <a:avLst/>
+          </a:prstGeom>
+          <a:noFill/>
+        </p:spPr>
+        <p:txBody>
+          <a:bodyPr wrap="square" rtlCol="0">
+            <a:spAutoFit/>
+          </a:bodyPr>
+          <a:lstStyle/>
+          <a:p>
+            <a:r>
+              <a:rPr lang="en-US" sz="2000" dirty="0" smtClean="0"/>
+              <a:t>Step 2: Semantically Rich RDF</a:t>
+            </a:r>
+            <a:endParaRPr lang="en-US" sz="2000" dirty="0"/>
+          </a:p>
+        </p:txBody>
+      </p:sp>
+      <p:sp>
+        <p:nvSpPr>
+          <p:cNvPr id="68" name="Oval 67"/>
+          <p:cNvSpPr/>
+          <p:nvPr/>
+        </p:nvSpPr>
+        <p:spPr>
+          <a:xfrm>
+            <a:off x="7504199" y="684435"/>
+            <a:ext cx="436709" cy="450799"/>
+          </a:xfrm>
+          <a:prstGeom prst="ellipse">
+            <a:avLst/>
+          </a:prstGeom>
+          <a:solidFill>
+            <a:schemeClr val="accent1"/>
+          </a:solidFill>
+        </p:spPr>
+        <p:style>
+          <a:lnRef idx="2">
+            <a:schemeClr val="accent1">
+              <a:shade val="50000"/>
+            </a:schemeClr>
+          </a:lnRef>
+          <a:fillRef idx="1">
+            <a:schemeClr val="accent1"/>
+          </a:fillRef>
+          <a:effectRef idx="0">
+            <a:schemeClr val="accent1"/>
+          </a:effectRef>
+          <a:fontRef idx="minor">
+            <a:schemeClr val="lt1"/>
+          </a:fontRef>
+        </p:style>
+        <p:txBody>
+          <a:bodyPr rtlCol="0" anchor="ctr"/>
+          <a:lstStyle/>
+          <a:p>
+            <a:pPr algn="ctr"/>
+            <a:endParaRPr lang="en-US"/>
+          </a:p>
+        </p:txBody>
+      </p:sp>
+      <p:cxnSp>
+        <p:nvCxnSpPr>
+          <p:cNvPr id="71" name="Straight Arrow Connector 70"/>
+          <p:cNvCxnSpPr/>
+          <p:nvPr/>
+        </p:nvCxnSpPr>
+        <p:spPr>
+          <a:xfrm>
+            <a:off x="7923928" y="840737"/>
+            <a:ext cx="1219137" cy="0"/>
+          </a:xfrm>
+          <a:prstGeom prst="straightConnector1">
+            <a:avLst/>
+          </a:prstGeom>
+          <a:ln>
+            <a:tailEnd type="triangle"/>
+          </a:ln>
+        </p:spPr>
+        <p:style>
+          <a:lnRef idx="1">
+            <a:schemeClr val="accent1"/>
+          </a:lnRef>
+          <a:fillRef idx="0">
+            <a:schemeClr val="accent1"/>
+          </a:fillRef>
+          <a:effectRef idx="0">
+            <a:schemeClr val="accent1"/>
+          </a:effectRef>
+          <a:fontRef idx="minor">
+            <a:schemeClr val="tx1"/>
+          </a:fontRef>
+        </p:style>
+      </p:cxnSp>
+      <p:sp>
+        <p:nvSpPr>
+          <p:cNvPr id="74" name="TextBox 73"/>
+          <p:cNvSpPr txBox="1"/>
+          <p:nvPr/>
+        </p:nvSpPr>
+        <p:spPr>
+          <a:xfrm>
+            <a:off x="8259513" y="607539"/>
+            <a:ext cx="731834" cy="276999"/>
+          </a:xfrm>
+          <a:prstGeom prst="rect">
+            <a:avLst/>
+          </a:prstGeom>
+          <a:noFill/>
+        </p:spPr>
+        <p:txBody>
+          <a:bodyPr wrap="square" rtlCol="0">
+            <a:spAutoFit/>
+          </a:bodyPr>
+          <a:lstStyle/>
+          <a:p>
+            <a:r>
+              <a:rPr lang="en-US" sz="1200" dirty="0" smtClean="0"/>
+              <a:t>type</a:t>
+            </a:r>
+            <a:endParaRPr lang="en-US" sz="1200" dirty="0"/>
+          </a:p>
+        </p:txBody>
+      </p:sp>
+      <p:sp>
+        <p:nvSpPr>
+          <p:cNvPr id="76" name="TextBox 75"/>
+          <p:cNvSpPr txBox="1"/>
+          <p:nvPr/>
+        </p:nvSpPr>
+        <p:spPr>
+          <a:xfrm>
+            <a:off x="9135622" y="702238"/>
+            <a:ext cx="1528887" cy="276999"/>
+          </a:xfrm>
+          <a:prstGeom prst="rect">
+            <a:avLst/>
+          </a:prstGeom>
+          <a:noFill/>
+          <a:ln>
+            <a:solidFill>
+              <a:schemeClr val="accent1"/>
+            </a:solidFill>
+          </a:ln>
+        </p:spPr>
+        <p:txBody>
+          <a:bodyPr wrap="square" rtlCol="0">
+            <a:spAutoFit/>
+          </a:bodyPr>
+          <a:lstStyle/>
+          <a:p>
+            <a:r>
+              <a:rPr lang="en-US" sz="1200" dirty="0" err="1" smtClean="0"/>
+              <a:t>NCBIT:HomoSapiens</a:t>
+            </a:r>
+            <a:endParaRPr lang="en-US" sz="1200" dirty="0"/>
+          </a:p>
+        </p:txBody>
+      </p:sp>
+      <p:sp>
+        <p:nvSpPr>
+          <p:cNvPr id="80" name="Oval 79"/>
+          <p:cNvSpPr/>
+          <p:nvPr/>
+        </p:nvSpPr>
+        <p:spPr>
+          <a:xfrm>
+            <a:off x="7487219" y="2340796"/>
+            <a:ext cx="436709" cy="450799"/>
+          </a:xfrm>
+          <a:prstGeom prst="ellipse">
+            <a:avLst/>
+          </a:prstGeom>
+          <a:solidFill>
+            <a:schemeClr val="accent1"/>
+          </a:solidFill>
+        </p:spPr>
+        <p:style>
+          <a:lnRef idx="2">
+            <a:schemeClr val="accent1">
+              <a:shade val="50000"/>
+            </a:schemeClr>
+          </a:lnRef>
+          <a:fillRef idx="1">
+            <a:schemeClr val="accent1"/>
+          </a:fillRef>
+          <a:effectRef idx="0">
+            <a:schemeClr val="accent1"/>
+          </a:effectRef>
+          <a:fontRef idx="minor">
+            <a:schemeClr val="lt1"/>
+          </a:fontRef>
+        </p:style>
+        <p:txBody>
+          <a:bodyPr rtlCol="0" anchor="ctr"/>
+          <a:lstStyle/>
+          <a:p>
+            <a:pPr algn="ctr"/>
+            <a:endParaRPr lang="en-US"/>
+          </a:p>
+        </p:txBody>
+      </p:sp>
+      <p:cxnSp>
+        <p:nvCxnSpPr>
+          <p:cNvPr id="81" name="Straight Arrow Connector 80"/>
+          <p:cNvCxnSpPr>
+            <a:stCxn id="80" idx="0"/>
+            <a:endCxn id="68" idx="4"/>
+          </p:cNvCxnSpPr>
+          <p:nvPr/>
+        </p:nvCxnSpPr>
+        <p:spPr>
+          <a:xfrm flipV="1">
+            <a:off x="7705574" y="1135234"/>
+            <a:ext cx="16980" cy="1205562"/>
+          </a:xfrm>
+          <a:prstGeom prst="straightConnector1">
+            <a:avLst/>
+          </a:prstGeom>
+          <a:ln>
+            <a:tailEnd type="triangle"/>
+          </a:ln>
+        </p:spPr>
+        <p:style>
+          <a:lnRef idx="1">
+            <a:schemeClr val="accent1"/>
+          </a:lnRef>
+          <a:fillRef idx="0">
+            <a:schemeClr val="accent1"/>
+          </a:fillRef>
+          <a:effectRef idx="0">
+            <a:schemeClr val="accent1"/>
+          </a:effectRef>
+          <a:fontRef idx="minor">
+            <a:schemeClr val="tx1"/>
+          </a:fontRef>
+        </p:style>
+      </p:cxnSp>
+      <p:sp>
+        <p:nvSpPr>
+          <p:cNvPr id="83" name="TextBox 82"/>
+          <p:cNvSpPr txBox="1"/>
+          <p:nvPr/>
+        </p:nvSpPr>
+        <p:spPr>
+          <a:xfrm>
+            <a:off x="7140826" y="1570145"/>
+            <a:ext cx="1168651" cy="276999"/>
+          </a:xfrm>
+          <a:prstGeom prst="rect">
+            <a:avLst/>
+          </a:prstGeom>
+          <a:noFill/>
+        </p:spPr>
+        <p:txBody>
+          <a:bodyPr wrap="square" rtlCol="0">
+            <a:spAutoFit/>
+          </a:bodyPr>
+          <a:lstStyle/>
+          <a:p>
+            <a:r>
+              <a:rPr lang="en-US" sz="1200" dirty="0" err="1" smtClean="0"/>
+              <a:t>IAO:denotes</a:t>
+            </a:r>
+            <a:endParaRPr lang="en-US" sz="1200" dirty="0"/>
+          </a:p>
+        </p:txBody>
+      </p:sp>
+      <p:cxnSp>
+        <p:nvCxnSpPr>
+          <p:cNvPr id="85" name="Straight Arrow Connector 84"/>
+          <p:cNvCxnSpPr>
+            <a:stCxn id="80" idx="7"/>
+            <a:endCxn id="87" idx="2"/>
+          </p:cNvCxnSpPr>
+          <p:nvPr/>
+        </p:nvCxnSpPr>
+        <p:spPr>
+          <a:xfrm flipV="1">
+            <a:off x="7859973" y="1619479"/>
+            <a:ext cx="1520295" cy="787335"/>
+          </a:xfrm>
+          <a:prstGeom prst="straightConnector1">
+            <a:avLst/>
+          </a:prstGeom>
+          <a:ln>
+            <a:tailEnd type="triangle"/>
+          </a:ln>
+        </p:spPr>
+        <p:style>
+          <a:lnRef idx="1">
+            <a:schemeClr val="accent1"/>
+          </a:lnRef>
+          <a:fillRef idx="0">
+            <a:schemeClr val="accent1"/>
+          </a:fillRef>
+          <a:effectRef idx="0">
+            <a:schemeClr val="accent1"/>
+          </a:effectRef>
+          <a:fontRef idx="minor">
+            <a:schemeClr val="tx1"/>
+          </a:fontRef>
+        </p:style>
+      </p:cxnSp>
+      <p:sp>
+        <p:nvSpPr>
+          <p:cNvPr id="87" name="TextBox 86"/>
+          <p:cNvSpPr txBox="1"/>
+          <p:nvPr/>
+        </p:nvSpPr>
+        <p:spPr>
+          <a:xfrm>
+            <a:off x="8217095" y="1342480"/>
+            <a:ext cx="2326345" cy="276999"/>
+          </a:xfrm>
+          <a:prstGeom prst="rect">
+            <a:avLst/>
+          </a:prstGeom>
+          <a:noFill/>
+          <a:ln>
+            <a:solidFill>
+              <a:schemeClr val="accent1"/>
+            </a:solidFill>
+          </a:ln>
+        </p:spPr>
+        <p:txBody>
+          <a:bodyPr wrap="square" rtlCol="0">
+            <a:spAutoFit/>
+          </a:bodyPr>
+          <a:lstStyle/>
+          <a:p>
+            <a:r>
+              <a:rPr lang="en-US" sz="1200" dirty="0" err="1" smtClean="0"/>
+              <a:t>IAO:CentrallyRegisteredIdentifier</a:t>
+            </a:r>
+            <a:endParaRPr lang="en-US" sz="1200" dirty="0"/>
+          </a:p>
+        </p:txBody>
+      </p:sp>
+      <p:sp>
+        <p:nvSpPr>
+          <p:cNvPr id="106" name="Oval 105"/>
+          <p:cNvSpPr/>
+          <p:nvPr/>
+        </p:nvSpPr>
+        <p:spPr>
+          <a:xfrm>
+            <a:off x="9135622" y="2340796"/>
+            <a:ext cx="436709" cy="450799"/>
+          </a:xfrm>
+          <a:prstGeom prst="ellipse">
+            <a:avLst/>
+          </a:prstGeom>
+          <a:solidFill>
+            <a:schemeClr val="accent1"/>
+          </a:solidFill>
+        </p:spPr>
+        <p:style>
+          <a:lnRef idx="2">
+            <a:schemeClr val="accent1">
+              <a:shade val="50000"/>
+            </a:schemeClr>
+          </a:lnRef>
+          <a:fillRef idx="1">
+            <a:schemeClr val="accent1"/>
+          </a:fillRef>
+          <a:effectRef idx="0">
+            <a:schemeClr val="accent1"/>
+          </a:effectRef>
+          <a:fontRef idx="minor">
+            <a:schemeClr val="lt1"/>
+          </a:fontRef>
+        </p:style>
+        <p:txBody>
+          <a:bodyPr rtlCol="0" anchor="ctr"/>
+          <a:lstStyle/>
+          <a:p>
+            <a:pPr algn="ctr"/>
+            <a:endParaRPr lang="en-US"/>
+          </a:p>
+        </p:txBody>
+      </p:sp>
+      <p:sp>
+        <p:nvSpPr>
+          <p:cNvPr id="114" name="TextBox 113"/>
+          <p:cNvSpPr txBox="1"/>
+          <p:nvPr/>
+        </p:nvSpPr>
+        <p:spPr>
+          <a:xfrm>
+            <a:off x="4852514" y="1933145"/>
+            <a:ext cx="731834" cy="369332"/>
+          </a:xfrm>
+          <a:prstGeom prst="rect">
+            <a:avLst/>
+          </a:prstGeom>
+          <a:noFill/>
+        </p:spPr>
+        <p:txBody>
+          <a:bodyPr wrap="square" rtlCol="0">
+            <a:spAutoFit/>
+          </a:bodyPr>
+          <a:lstStyle/>
+          <a:p>
+            <a:r>
+              <a:rPr lang="en-US" dirty="0" smtClean="0"/>
+              <a:t>type</a:t>
+            </a:r>
+            <a:endParaRPr lang="en-US" dirty="0"/>
+          </a:p>
+        </p:txBody>
+      </p:sp>
+      <p:sp>
+        <p:nvSpPr>
+          <p:cNvPr id="132" name="TextBox 131"/>
+          <p:cNvSpPr txBox="1"/>
+          <p:nvPr/>
+        </p:nvSpPr>
+        <p:spPr>
+          <a:xfrm rot="19915565">
+            <a:off x="8232946" y="1774407"/>
+            <a:ext cx="731834" cy="276999"/>
+          </a:xfrm>
+          <a:prstGeom prst="rect">
+            <a:avLst/>
+          </a:prstGeom>
+          <a:noFill/>
+        </p:spPr>
+        <p:txBody>
+          <a:bodyPr wrap="square" rtlCol="0">
+            <a:spAutoFit/>
+          </a:bodyPr>
+          <a:lstStyle/>
+          <a:p>
+            <a:r>
+              <a:rPr lang="en-US" sz="1200" dirty="0" smtClean="0"/>
+              <a:t>type</a:t>
+            </a:r>
+            <a:endParaRPr lang="en-US" sz="1200" dirty="0"/>
+          </a:p>
+        </p:txBody>
+      </p:sp>
+      <p:cxnSp>
+        <p:nvCxnSpPr>
+          <p:cNvPr id="133" name="Straight Arrow Connector 132"/>
+          <p:cNvCxnSpPr>
+            <a:stCxn id="106" idx="2"/>
+            <a:endCxn id="80" idx="6"/>
+          </p:cNvCxnSpPr>
+          <p:nvPr/>
+        </p:nvCxnSpPr>
+        <p:spPr>
+          <a:xfrm flipH="1">
+            <a:off x="7923928" y="2566196"/>
+            <a:ext cx="1211694" cy="0"/>
+          </a:xfrm>
+          <a:prstGeom prst="straightConnector1">
+            <a:avLst/>
+          </a:prstGeom>
+          <a:ln>
+            <a:tailEnd type="triangle"/>
+          </a:ln>
+        </p:spPr>
+        <p:style>
+          <a:lnRef idx="1">
+            <a:schemeClr val="accent1"/>
+          </a:lnRef>
+          <a:fillRef idx="0">
+            <a:schemeClr val="accent1"/>
+          </a:fillRef>
+          <a:effectRef idx="0">
+            <a:schemeClr val="accent1"/>
+          </a:effectRef>
+          <a:fontRef idx="minor">
+            <a:schemeClr val="tx1"/>
+          </a:fontRef>
+        </p:style>
+      </p:cxnSp>
+      <p:sp>
+        <p:nvSpPr>
+          <p:cNvPr id="139" name="TextBox 138"/>
+          <p:cNvSpPr txBox="1"/>
+          <p:nvPr/>
+        </p:nvSpPr>
+        <p:spPr>
+          <a:xfrm>
+            <a:off x="8067936" y="2310622"/>
+            <a:ext cx="1061855" cy="276999"/>
+          </a:xfrm>
+          <a:prstGeom prst="rect">
+            <a:avLst/>
+          </a:prstGeom>
+          <a:noFill/>
+        </p:spPr>
+        <p:txBody>
+          <a:bodyPr wrap="square" rtlCol="0">
+            <a:spAutoFit/>
+          </a:bodyPr>
+          <a:lstStyle/>
+          <a:p>
+            <a:r>
+              <a:rPr lang="en-US" sz="1200" dirty="0" err="1" smtClean="0"/>
+              <a:t>BFO:partOf</a:t>
+            </a:r>
+            <a:endParaRPr lang="en-US" sz="1200" dirty="0"/>
+          </a:p>
+        </p:txBody>
+      </p:sp>
+      <p:sp>
+        <p:nvSpPr>
+          <p:cNvPr id="140" name="TextBox 139"/>
+          <p:cNvSpPr txBox="1"/>
+          <p:nvPr/>
+        </p:nvSpPr>
+        <p:spPr>
+          <a:xfrm>
+            <a:off x="9730059" y="2304627"/>
+            <a:ext cx="731834" cy="276999"/>
+          </a:xfrm>
+          <a:prstGeom prst="rect">
+            <a:avLst/>
+          </a:prstGeom>
+          <a:noFill/>
+        </p:spPr>
+        <p:txBody>
+          <a:bodyPr wrap="square" rtlCol="0">
+            <a:spAutoFit/>
+          </a:bodyPr>
+          <a:lstStyle/>
+          <a:p>
+            <a:r>
+              <a:rPr lang="en-US" sz="1200" dirty="0" smtClean="0"/>
+              <a:t>type</a:t>
+            </a:r>
+            <a:endParaRPr lang="en-US" sz="1200" dirty="0"/>
+          </a:p>
+        </p:txBody>
+      </p:sp>
+      <p:cxnSp>
+        <p:nvCxnSpPr>
+          <p:cNvPr id="142" name="Straight Arrow Connector 141"/>
+          <p:cNvCxnSpPr/>
+          <p:nvPr/>
+        </p:nvCxnSpPr>
+        <p:spPr>
+          <a:xfrm>
+            <a:off x="9412762" y="2566195"/>
+            <a:ext cx="1219137" cy="0"/>
+          </a:xfrm>
+          <a:prstGeom prst="straightConnector1">
+            <a:avLst/>
+          </a:prstGeom>
+          <a:ln>
+            <a:tailEnd type="triangle"/>
+          </a:ln>
+        </p:spPr>
+        <p:style>
+          <a:lnRef idx="1">
+            <a:schemeClr val="accent1"/>
+          </a:lnRef>
+          <a:fillRef idx="0">
+            <a:schemeClr val="accent1"/>
+          </a:fillRef>
+          <a:effectRef idx="0">
+            <a:schemeClr val="accent1"/>
+          </a:effectRef>
+          <a:fontRef idx="minor">
+            <a:schemeClr val="tx1"/>
+          </a:fontRef>
+        </p:style>
+      </p:cxnSp>
+      <p:sp>
+        <p:nvSpPr>
+          <p:cNvPr id="143" name="TextBox 142"/>
+          <p:cNvSpPr txBox="1"/>
+          <p:nvPr/>
+        </p:nvSpPr>
+        <p:spPr>
+          <a:xfrm>
+            <a:off x="10619621" y="2419899"/>
+            <a:ext cx="996506" cy="276999"/>
+          </a:xfrm>
+          <a:prstGeom prst="rect">
+            <a:avLst/>
+          </a:prstGeom>
+          <a:noFill/>
+          <a:ln>
+            <a:solidFill>
+              <a:schemeClr val="accent1"/>
+            </a:solidFill>
+          </a:ln>
+        </p:spPr>
+        <p:txBody>
+          <a:bodyPr wrap="square" rtlCol="0">
+            <a:spAutoFit/>
+          </a:bodyPr>
+          <a:lstStyle/>
+          <a:p>
+            <a:r>
+              <a:rPr lang="en-US" sz="1200" dirty="0" err="1" smtClean="0"/>
+              <a:t>IAO:Symbol</a:t>
+            </a:r>
+            <a:endParaRPr lang="en-US" sz="1200" dirty="0"/>
+          </a:p>
+        </p:txBody>
+      </p:sp>
+      <p:sp>
+        <p:nvSpPr>
+          <p:cNvPr id="144" name="TextBox 143"/>
+          <p:cNvSpPr txBox="1"/>
+          <p:nvPr/>
+        </p:nvSpPr>
+        <p:spPr>
+          <a:xfrm>
+            <a:off x="9222306" y="3326140"/>
+            <a:ext cx="251798" cy="276999"/>
+          </a:xfrm>
+          <a:prstGeom prst="rect">
+            <a:avLst/>
+          </a:prstGeom>
+          <a:noFill/>
+          <a:ln>
+            <a:solidFill>
+              <a:schemeClr val="accent1"/>
+            </a:solidFill>
+          </a:ln>
+        </p:spPr>
+        <p:txBody>
+          <a:bodyPr wrap="square" rtlCol="0">
+            <a:spAutoFit/>
+          </a:bodyPr>
+          <a:lstStyle/>
+          <a:p>
+            <a:r>
+              <a:rPr lang="en-US" sz="1200" dirty="0" smtClean="0"/>
+              <a:t>1</a:t>
+            </a:r>
+            <a:endParaRPr lang="en-US" sz="1200" dirty="0"/>
+          </a:p>
+        </p:txBody>
+      </p:sp>
+      <p:cxnSp>
+        <p:nvCxnSpPr>
+          <p:cNvPr id="145" name="Straight Arrow Connector 144"/>
+          <p:cNvCxnSpPr>
+            <a:stCxn id="144" idx="3"/>
+          </p:cNvCxnSpPr>
+          <p:nvPr/>
+        </p:nvCxnSpPr>
+        <p:spPr>
+          <a:xfrm flipV="1">
+            <a:off x="9474104" y="3456842"/>
+            <a:ext cx="703419" cy="7798"/>
+          </a:xfrm>
+          <a:prstGeom prst="straightConnector1">
+            <a:avLst/>
+          </a:prstGeom>
+          <a:ln>
+            <a:tailEnd type="triangle"/>
+          </a:ln>
+        </p:spPr>
+        <p:style>
+          <a:lnRef idx="1">
+            <a:schemeClr val="accent1"/>
+          </a:lnRef>
+          <a:fillRef idx="0">
+            <a:schemeClr val="accent1"/>
+          </a:fillRef>
+          <a:effectRef idx="0">
+            <a:schemeClr val="accent1"/>
+          </a:effectRef>
+          <a:fontRef idx="minor">
+            <a:schemeClr val="tx1"/>
+          </a:fontRef>
+        </p:style>
+      </p:cxnSp>
+      <p:sp>
+        <p:nvSpPr>
+          <p:cNvPr id="146" name="TextBox 145"/>
+          <p:cNvSpPr txBox="1"/>
+          <p:nvPr/>
+        </p:nvSpPr>
+        <p:spPr>
+          <a:xfrm>
+            <a:off x="10183683" y="3318343"/>
+            <a:ext cx="869672" cy="276999"/>
+          </a:xfrm>
+          <a:prstGeom prst="rect">
+            <a:avLst/>
+          </a:prstGeom>
+          <a:noFill/>
+          <a:ln>
+            <a:solidFill>
+              <a:schemeClr val="accent1"/>
+            </a:solidFill>
+          </a:ln>
+        </p:spPr>
+        <p:txBody>
+          <a:bodyPr wrap="square" rtlCol="0">
+            <a:spAutoFit/>
+          </a:bodyPr>
+          <a:lstStyle/>
+          <a:p>
+            <a:r>
+              <a:rPr lang="en-US" sz="1200" dirty="0" err="1" smtClean="0"/>
+              <a:t>xsd:integer</a:t>
+            </a:r>
+            <a:endParaRPr lang="en-US" sz="1200" dirty="0"/>
+          </a:p>
+        </p:txBody>
+      </p:sp>
+      <p:sp>
+        <p:nvSpPr>
+          <p:cNvPr id="147" name="TextBox 146"/>
+          <p:cNvSpPr txBox="1"/>
+          <p:nvPr/>
+        </p:nvSpPr>
+        <p:spPr>
+          <a:xfrm>
+            <a:off x="9553775" y="3213089"/>
+            <a:ext cx="731834" cy="276999"/>
+          </a:xfrm>
+          <a:prstGeom prst="rect">
+            <a:avLst/>
+          </a:prstGeom>
+          <a:noFill/>
+        </p:spPr>
+        <p:txBody>
+          <a:bodyPr wrap="square" rtlCol="0">
+            <a:spAutoFit/>
+          </a:bodyPr>
+          <a:lstStyle/>
+          <a:p>
+            <a:r>
+              <a:rPr lang="en-US" sz="1200" dirty="0" smtClean="0"/>
+              <a:t>type</a:t>
+            </a:r>
+            <a:endParaRPr lang="en-US" sz="1200" dirty="0"/>
+          </a:p>
+        </p:txBody>
+      </p:sp>
+      <p:cxnSp>
+        <p:nvCxnSpPr>
+          <p:cNvPr id="148" name="Straight Arrow Connector 147"/>
+          <p:cNvCxnSpPr>
+            <a:stCxn id="106" idx="4"/>
+          </p:cNvCxnSpPr>
+          <p:nvPr/>
+        </p:nvCxnSpPr>
+        <p:spPr>
+          <a:xfrm flipH="1">
+            <a:off x="9348205" y="2791595"/>
+            <a:ext cx="5772" cy="580552"/>
+          </a:xfrm>
+          <a:prstGeom prst="straightConnector1">
+            <a:avLst/>
+          </a:prstGeom>
+          <a:ln>
+            <a:tailEnd type="triangle"/>
+          </a:ln>
+        </p:spPr>
+        <p:style>
+          <a:lnRef idx="1">
+            <a:schemeClr val="accent1"/>
+          </a:lnRef>
+          <a:fillRef idx="0">
+            <a:schemeClr val="accent1"/>
+          </a:fillRef>
+          <a:effectRef idx="0">
+            <a:schemeClr val="accent1"/>
+          </a:effectRef>
+          <a:fontRef idx="minor">
+            <a:schemeClr val="tx1"/>
+          </a:fontRef>
+        </p:style>
+      </p:cxnSp>
+      <p:sp>
+        <p:nvSpPr>
+          <p:cNvPr id="152" name="TextBox 151"/>
+          <p:cNvSpPr txBox="1"/>
+          <p:nvPr/>
+        </p:nvSpPr>
+        <p:spPr>
+          <a:xfrm>
+            <a:off x="8562793" y="2969335"/>
+            <a:ext cx="1823494" cy="276999"/>
+          </a:xfrm>
+          <a:prstGeom prst="rect">
+            <a:avLst/>
+          </a:prstGeom>
+          <a:noFill/>
+        </p:spPr>
+        <p:txBody>
+          <a:bodyPr wrap="square" rtlCol="0">
+            <a:spAutoFit/>
+          </a:bodyPr>
+          <a:lstStyle/>
+          <a:p>
+            <a:r>
+              <a:rPr lang="en-US" sz="1200" dirty="0" err="1" smtClean="0"/>
+              <a:t>TURBO:hasRepresentation</a:t>
+            </a:r>
+            <a:endParaRPr lang="en-US" sz="1200" dirty="0"/>
+          </a:p>
+        </p:txBody>
+      </p:sp>
+      <p:sp>
+        <p:nvSpPr>
+          <p:cNvPr id="156" name="Arc 155"/>
+          <p:cNvSpPr/>
+          <p:nvPr/>
+        </p:nvSpPr>
+        <p:spPr>
+          <a:xfrm>
+            <a:off x="3110537" y="6667"/>
+            <a:ext cx="4536251" cy="3503980"/>
+          </a:xfrm>
+          <a:prstGeom prst="arc">
+            <a:avLst>
+              <a:gd name="adj1" fmla="val 16200000"/>
+              <a:gd name="adj2" fmla="val 10089795"/>
+            </a:avLst>
+          </a:prstGeom>
+        </p:spPr>
+        <p:style>
+          <a:lnRef idx="1">
+            <a:schemeClr val="accent1"/>
+          </a:lnRef>
+          <a:fillRef idx="0">
+            <a:schemeClr val="accent1"/>
+          </a:fillRef>
+          <a:effectRef idx="0">
+            <a:schemeClr val="accent1"/>
+          </a:effectRef>
+          <a:fontRef idx="minor">
+            <a:schemeClr val="tx1"/>
+          </a:fontRef>
+        </p:style>
+        <p:txBody>
+          <a:bodyPr rtlCol="0" anchor="ctr"/>
+          <a:lstStyle/>
+          <a:p>
+            <a:pPr algn="ctr"/>
+            <a:endParaRPr lang="en-US"/>
+          </a:p>
+        </p:txBody>
+      </p:sp>
+      <p:sp>
+        <p:nvSpPr>
+          <p:cNvPr id="162" name="Arc 161"/>
+          <p:cNvSpPr/>
+          <p:nvPr/>
+        </p:nvSpPr>
+        <p:spPr>
+          <a:xfrm>
+            <a:off x="6246898" y="6318"/>
+            <a:ext cx="5878427" cy="4127532"/>
+          </a:xfrm>
+          <a:prstGeom prst="arc">
+            <a:avLst>
+              <a:gd name="adj1" fmla="val 16395607"/>
+              <a:gd name="adj2" fmla="val 9365246"/>
+            </a:avLst>
+          </a:prstGeom>
+        </p:spPr>
+        <p:style>
+          <a:lnRef idx="1">
+            <a:schemeClr val="accent1"/>
+          </a:lnRef>
+          <a:fillRef idx="0">
+            <a:schemeClr val="accent1"/>
+          </a:fillRef>
+          <a:effectRef idx="0">
+            <a:schemeClr val="accent1"/>
+          </a:effectRef>
+          <a:fontRef idx="minor">
+            <a:schemeClr val="tx1"/>
+          </a:fontRef>
+        </p:style>
+        <p:txBody>
+          <a:bodyPr rtlCol="0" anchor="ctr"/>
+          <a:lstStyle/>
+          <a:p>
+            <a:pPr algn="ctr"/>
+            <a:endParaRPr lang="en-US"/>
+          </a:p>
+        </p:txBody>
+      </p:sp>
+    </p:spTree>
+    <p:extLst>
+      <p:ext uri="{BB962C8B-B14F-4D97-AF65-F5344CB8AC3E}">
+        <p14:creationId xmlns:p14="http://schemas.microsoft.com/office/powerpoint/2010/main" val="267432176"/>
+      </p:ext>
+    </p:extLst>
+  </p:cSld>
+  <p:clrMapOvr>
+    <a:masterClrMapping/>
+  </p:clrMapOvr>
+</p:sld>
+</file>
+
+<file path=ppt/slides/slide10.xml><?xml version="1.0" encoding="utf-8"?>
+<p:sld xmlns:a="http://schemas.openxmlformats.org/drawingml/2006/main" xmlns:r="http://schemas.openxmlformats.org/officeDocument/2006/relationships" xmlns:p="http://schemas.openxmlformats.org/presentationml/2006/main">
+  <p:cSld>
+    <p:spTree>
+      <p:nvGrpSpPr>
+        <p:cNvPr id="1" name=""/>
+        <p:cNvGrpSpPr/>
+        <p:nvPr/>
+      </p:nvGrpSpPr>
+      <p:grpSpPr>
+        <a:xfrm>
+          <a:off x="0" y="0"/>
+          <a:ext cx="0" cy="0"/>
+          <a:chOff x="0" y="0"/>
+          <a:chExt cx="0" cy="0"/>
+        </a:xfrm>
+      </p:grpSpPr>
+      <p:cxnSp>
+        <p:nvCxnSpPr>
+          <p:cNvPr id="9" name="Straight Arrow Connector 8"/>
+          <p:cNvCxnSpPr/>
+          <p:nvPr/>
+        </p:nvCxnSpPr>
+        <p:spPr>
+          <a:xfrm>
+            <a:off x="6181053" y="5954176"/>
+            <a:ext cx="1162594" cy="0"/>
+          </a:xfrm>
+          <a:prstGeom prst="straightConnector1">
+            <a:avLst/>
+          </a:prstGeom>
+          <a:ln>
+            <a:tailEnd type="triangle"/>
+          </a:ln>
+        </p:spPr>
+        <p:style>
+          <a:lnRef idx="1">
+            <a:schemeClr val="accent1"/>
+          </a:lnRef>
+          <a:fillRef idx="0">
+            <a:schemeClr val="accent1"/>
+          </a:fillRef>
+          <a:effectRef idx="0">
+            <a:schemeClr val="accent1"/>
+          </a:effectRef>
+          <a:fontRef idx="minor">
+            <a:schemeClr val="tx1"/>
+          </a:fontRef>
+        </p:style>
+      </p:cxnSp>
+      <p:sp>
+        <p:nvSpPr>
+          <p:cNvPr id="11" name="Rectangle 10"/>
+          <p:cNvSpPr/>
+          <p:nvPr/>
+        </p:nvSpPr>
+        <p:spPr>
+          <a:xfrm>
+            <a:off x="7343647" y="5183467"/>
+            <a:ext cx="2325189" cy="1541417"/>
+          </a:xfrm>
+          <a:prstGeom prst="rect">
+            <a:avLst/>
+          </a:prstGeom>
+          <a:solidFill>
+            <a:schemeClr val="accent6"/>
+          </a:solidFill>
+        </p:spPr>
+        <p:style>
+          <a:lnRef idx="2">
+            <a:schemeClr val="accent1">
+              <a:shade val="50000"/>
+            </a:schemeClr>
+          </a:lnRef>
+          <a:fillRef idx="1">
+            <a:schemeClr val="accent1"/>
+          </a:fillRef>
+          <a:effectRef idx="0">
+            <a:schemeClr val="accent1"/>
+          </a:effectRef>
+          <a:fontRef idx="minor">
+            <a:schemeClr val="lt1"/>
+          </a:fontRef>
+        </p:style>
+        <p:txBody>
+          <a:bodyPr rot="0" spcFirstLastPara="0" vertOverflow="overflow" horzOverflow="overflow" vert="horz" wrap="square" lIns="91440" tIns="45721" rIns="91440" bIns="45721" numCol="1" spcCol="0" rtlCol="0" fromWordArt="0" anchor="ctr" anchorCtr="0" forceAA="0" compatLnSpc="1">
+            <a:prstTxWarp prst="textNoShape">
+              <a:avLst/>
+            </a:prstTxWarp>
+            <a:noAutofit/>
+          </a:bodyPr>
+          <a:lstStyle/>
+          <a:p>
+            <a:pPr algn="ctr"/>
+            <a:r>
+              <a:rPr lang="en-US" sz="1801" dirty="0" smtClean="0"/>
+              <a:t>RDF </a:t>
+            </a:r>
+            <a:r>
+              <a:rPr lang="en-US" sz="1801" dirty="0" err="1" smtClean="0"/>
+              <a:t>Triplestore</a:t>
+            </a:r>
+            <a:r>
+              <a:rPr lang="en-US" sz="1801" dirty="0" smtClean="0"/>
+              <a:t> (</a:t>
+            </a:r>
+            <a:r>
+              <a:rPr lang="en-US" sz="1801" dirty="0" err="1" smtClean="0"/>
+              <a:t>Ontotext</a:t>
+            </a:r>
+            <a:r>
+              <a:rPr lang="en-US" sz="1801" dirty="0" smtClean="0"/>
+              <a:t> </a:t>
+            </a:r>
+            <a:r>
+              <a:rPr lang="en-US" sz="1801" dirty="0" err="1" smtClean="0"/>
+              <a:t>GraphDB</a:t>
+            </a:r>
+            <a:r>
+              <a:rPr lang="en-US" sz="1801" dirty="0" smtClean="0"/>
+              <a:t>)</a:t>
+            </a:r>
+            <a:endParaRPr lang="en-US" sz="1801" dirty="0"/>
+          </a:p>
+        </p:txBody>
+      </p:sp>
+      <p:sp>
+        <p:nvSpPr>
+          <p:cNvPr id="13" name="Rectangle 12"/>
+          <p:cNvSpPr/>
+          <p:nvPr/>
+        </p:nvSpPr>
+        <p:spPr>
+          <a:xfrm>
+            <a:off x="966785" y="1726466"/>
+            <a:ext cx="2325189" cy="1541417"/>
+          </a:xfrm>
+          <a:prstGeom prst="rect">
+            <a:avLst/>
+          </a:prstGeom>
+          <a:solidFill>
+            <a:srgbClr val="7030A0"/>
+          </a:solidFill>
+        </p:spPr>
+        <p:style>
+          <a:lnRef idx="2">
+            <a:schemeClr val="accent1">
+              <a:shade val="50000"/>
+            </a:schemeClr>
+          </a:lnRef>
+          <a:fillRef idx="1">
+            <a:schemeClr val="accent1"/>
+          </a:fillRef>
+          <a:effectRef idx="0">
+            <a:schemeClr val="accent1"/>
+          </a:effectRef>
+          <a:fontRef idx="minor">
+            <a:schemeClr val="lt1"/>
+          </a:fontRef>
+        </p:style>
+        <p:txBody>
+          <a:bodyPr rot="0" spcFirstLastPara="0" vertOverflow="overflow" horzOverflow="overflow" vert="horz" wrap="square" lIns="91440" tIns="45721" rIns="91440" bIns="45721" numCol="1" spcCol="0" rtlCol="0" fromWordArt="0" anchor="ctr" anchorCtr="0" forceAA="0" compatLnSpc="1">
+            <a:prstTxWarp prst="textNoShape">
+              <a:avLst/>
+            </a:prstTxWarp>
+            <a:noAutofit/>
+          </a:bodyPr>
+          <a:lstStyle/>
+          <a:p>
+            <a:pPr algn="ctr"/>
+            <a:r>
+              <a:rPr lang="en-US" sz="1801" dirty="0" smtClean="0"/>
+              <a:t>PDS Patient Demographics Transformation</a:t>
+            </a:r>
+            <a:endParaRPr lang="en-US" sz="1801" dirty="0"/>
+          </a:p>
+        </p:txBody>
+      </p:sp>
+      <p:sp>
+        <p:nvSpPr>
+          <p:cNvPr id="23" name="Rectangle 22"/>
+          <p:cNvSpPr/>
+          <p:nvPr/>
+        </p:nvSpPr>
+        <p:spPr>
+          <a:xfrm>
+            <a:off x="396246" y="1001486"/>
+            <a:ext cx="11490954" cy="4040777"/>
+          </a:xfrm>
+          <a:prstGeom prst="rect">
+            <a:avLst/>
+          </a:prstGeom>
+          <a:noFill/>
+        </p:spPr>
+        <p:style>
+          <a:lnRef idx="2">
+            <a:schemeClr val="accent1">
+              <a:shade val="50000"/>
+            </a:schemeClr>
+          </a:lnRef>
+          <a:fillRef idx="1">
+            <a:schemeClr val="accent1"/>
+          </a:fillRef>
+          <a:effectRef idx="0">
+            <a:schemeClr val="accent1"/>
+          </a:effectRef>
+          <a:fontRef idx="minor">
+            <a:schemeClr val="lt1"/>
+          </a:fontRef>
+        </p:style>
+        <p:txBody>
+          <a:bodyPr rtlCol="0" anchor="ctr"/>
+          <a:lstStyle/>
+          <a:p>
+            <a:pPr algn="ctr"/>
+            <a:endParaRPr lang="en-US"/>
+          </a:p>
+        </p:txBody>
+      </p:sp>
+      <p:sp>
+        <p:nvSpPr>
+          <p:cNvPr id="24" name="Rectangle 23"/>
+          <p:cNvSpPr/>
+          <p:nvPr/>
+        </p:nvSpPr>
+        <p:spPr>
+          <a:xfrm>
+            <a:off x="3570652" y="1726466"/>
+            <a:ext cx="2325189" cy="1541417"/>
+          </a:xfrm>
+          <a:prstGeom prst="rect">
+            <a:avLst/>
+          </a:prstGeom>
+          <a:solidFill>
+            <a:srgbClr val="7030A0"/>
+          </a:solidFill>
+        </p:spPr>
+        <p:style>
+          <a:lnRef idx="2">
+            <a:schemeClr val="accent1">
+              <a:shade val="50000"/>
+            </a:schemeClr>
+          </a:lnRef>
+          <a:fillRef idx="1">
+            <a:schemeClr val="accent1"/>
+          </a:fillRef>
+          <a:effectRef idx="0">
+            <a:schemeClr val="accent1"/>
+          </a:effectRef>
+          <a:fontRef idx="minor">
+            <a:schemeClr val="lt1"/>
+          </a:fontRef>
+        </p:style>
+        <p:txBody>
+          <a:bodyPr rot="0" spcFirstLastPara="0" vertOverflow="overflow" horzOverflow="overflow" vert="horz" wrap="square" lIns="91440" tIns="45721" rIns="91440" bIns="45721" numCol="1" spcCol="0" rtlCol="0" fromWordArt="0" anchor="ctr" anchorCtr="0" forceAA="0" compatLnSpc="1">
+            <a:prstTxWarp prst="textNoShape">
+              <a:avLst/>
+            </a:prstTxWarp>
+            <a:noAutofit/>
+          </a:bodyPr>
+          <a:lstStyle/>
+          <a:p>
+            <a:pPr algn="ctr"/>
+            <a:r>
+              <a:rPr lang="en-US" sz="1801" dirty="0" smtClean="0"/>
+              <a:t>PDS Diagnoses Transformation</a:t>
+            </a:r>
+            <a:endParaRPr lang="en-US" sz="1801" dirty="0"/>
+          </a:p>
+        </p:txBody>
+      </p:sp>
+      <p:sp>
+        <p:nvSpPr>
+          <p:cNvPr id="25" name="Rectangle 24"/>
+          <p:cNvSpPr/>
+          <p:nvPr/>
+        </p:nvSpPr>
+        <p:spPr>
+          <a:xfrm>
+            <a:off x="6181054" y="1726466"/>
+            <a:ext cx="2325189" cy="1541417"/>
+          </a:xfrm>
+          <a:prstGeom prst="rect">
+            <a:avLst/>
+          </a:prstGeom>
+          <a:solidFill>
+            <a:srgbClr val="7030A0"/>
+          </a:solidFill>
+        </p:spPr>
+        <p:style>
+          <a:lnRef idx="2">
+            <a:schemeClr val="accent1">
+              <a:shade val="50000"/>
+            </a:schemeClr>
+          </a:lnRef>
+          <a:fillRef idx="1">
+            <a:schemeClr val="accent1"/>
+          </a:fillRef>
+          <a:effectRef idx="0">
+            <a:schemeClr val="accent1"/>
+          </a:effectRef>
+          <a:fontRef idx="minor">
+            <a:schemeClr val="lt1"/>
+          </a:fontRef>
+        </p:style>
+        <p:txBody>
+          <a:bodyPr rot="0" spcFirstLastPara="0" vertOverflow="overflow" horzOverflow="overflow" vert="horz" wrap="square" lIns="91440" tIns="45721" rIns="91440" bIns="45721" numCol="1" spcCol="0" rtlCol="0" fromWordArt="0" anchor="ctr" anchorCtr="0" forceAA="0" compatLnSpc="1">
+            <a:prstTxWarp prst="textNoShape">
+              <a:avLst/>
+            </a:prstTxWarp>
+            <a:noAutofit/>
+          </a:bodyPr>
+          <a:lstStyle/>
+          <a:p>
+            <a:pPr algn="ctr"/>
+            <a:r>
+              <a:rPr lang="en-US" sz="1801" dirty="0" smtClean="0"/>
+              <a:t>PDS Medications Transformation</a:t>
+            </a:r>
+            <a:endParaRPr lang="en-US" sz="1801" dirty="0"/>
+          </a:p>
+        </p:txBody>
+      </p:sp>
+      <p:sp>
+        <p:nvSpPr>
+          <p:cNvPr id="26" name="Rectangle 25"/>
+          <p:cNvSpPr/>
+          <p:nvPr/>
+        </p:nvSpPr>
+        <p:spPr>
+          <a:xfrm>
+            <a:off x="8791456" y="1726466"/>
+            <a:ext cx="2325189" cy="1541417"/>
+          </a:xfrm>
+          <a:prstGeom prst="rect">
+            <a:avLst/>
+          </a:prstGeom>
+          <a:solidFill>
+            <a:srgbClr val="7030A0"/>
+          </a:solidFill>
+        </p:spPr>
+        <p:style>
+          <a:lnRef idx="2">
+            <a:schemeClr val="accent1">
+              <a:shade val="50000"/>
+            </a:schemeClr>
+          </a:lnRef>
+          <a:fillRef idx="1">
+            <a:schemeClr val="accent1"/>
+          </a:fillRef>
+          <a:effectRef idx="0">
+            <a:schemeClr val="accent1"/>
+          </a:effectRef>
+          <a:fontRef idx="minor">
+            <a:schemeClr val="lt1"/>
+          </a:fontRef>
+        </p:style>
+        <p:txBody>
+          <a:bodyPr rot="0" spcFirstLastPara="0" vertOverflow="overflow" horzOverflow="overflow" vert="horz" wrap="square" lIns="91440" tIns="45721" rIns="91440" bIns="45721" numCol="1" spcCol="0" rtlCol="0" fromWordArt="0" anchor="ctr" anchorCtr="0" forceAA="0" compatLnSpc="1">
+            <a:prstTxWarp prst="textNoShape">
+              <a:avLst/>
+            </a:prstTxWarp>
+            <a:noAutofit/>
+          </a:bodyPr>
+          <a:lstStyle/>
+          <a:p>
+            <a:pPr algn="ctr"/>
+            <a:r>
+              <a:rPr lang="en-US" sz="1801" dirty="0" smtClean="0"/>
+              <a:t>Regeneron Genomic Loss of Function Transformation</a:t>
+            </a:r>
+            <a:endParaRPr lang="en-US" sz="1801" dirty="0"/>
+          </a:p>
+        </p:txBody>
+      </p:sp>
+      <p:sp>
+        <p:nvSpPr>
+          <p:cNvPr id="27" name="TextBox 26"/>
+          <p:cNvSpPr txBox="1"/>
+          <p:nvPr/>
+        </p:nvSpPr>
+        <p:spPr>
+          <a:xfrm>
+            <a:off x="4876801" y="1228291"/>
+            <a:ext cx="2186368" cy="369332"/>
+          </a:xfrm>
+          <a:prstGeom prst="rect">
+            <a:avLst/>
+          </a:prstGeom>
+          <a:noFill/>
+        </p:spPr>
+        <p:txBody>
+          <a:bodyPr wrap="none" rtlCol="0">
+            <a:spAutoFit/>
+          </a:bodyPr>
+          <a:lstStyle/>
+          <a:p>
+            <a:r>
+              <a:rPr lang="en-US" b="1" dirty="0" smtClean="0"/>
+              <a:t>Raw SPARQL Queries</a:t>
+            </a:r>
+            <a:endParaRPr lang="en-US" b="1" dirty="0"/>
+          </a:p>
+        </p:txBody>
+      </p:sp>
+      <p:sp>
+        <p:nvSpPr>
+          <p:cNvPr id="28" name="Rectangle 27"/>
+          <p:cNvSpPr/>
+          <p:nvPr/>
+        </p:nvSpPr>
+        <p:spPr>
+          <a:xfrm>
+            <a:off x="3565075" y="3384364"/>
+            <a:ext cx="2325189" cy="1541417"/>
+          </a:xfrm>
+          <a:prstGeom prst="rect">
+            <a:avLst/>
+          </a:prstGeom>
+          <a:solidFill>
+            <a:srgbClr val="7030A0"/>
+          </a:solidFill>
+        </p:spPr>
+        <p:style>
+          <a:lnRef idx="2">
+            <a:schemeClr val="accent1">
+              <a:shade val="50000"/>
+            </a:schemeClr>
+          </a:lnRef>
+          <a:fillRef idx="1">
+            <a:schemeClr val="accent1"/>
+          </a:fillRef>
+          <a:effectRef idx="0">
+            <a:schemeClr val="accent1"/>
+          </a:effectRef>
+          <a:fontRef idx="minor">
+            <a:schemeClr val="lt1"/>
+          </a:fontRef>
+        </p:style>
+        <p:txBody>
+          <a:bodyPr rot="0" spcFirstLastPara="0" vertOverflow="overflow" horzOverflow="overflow" vert="horz" wrap="square" lIns="91440" tIns="45721" rIns="91440" bIns="45721" numCol="1" spcCol="0" rtlCol="0" fromWordArt="0" anchor="ctr" anchorCtr="0" forceAA="0" compatLnSpc="1">
+            <a:prstTxWarp prst="textNoShape">
+              <a:avLst/>
+            </a:prstTxWarp>
+            <a:noAutofit/>
+          </a:bodyPr>
+          <a:lstStyle/>
+          <a:p>
+            <a:pPr algn="ctr"/>
+            <a:r>
+              <a:rPr lang="en-US" sz="1801" dirty="0" smtClean="0"/>
+              <a:t>Patient To Healthcare Encounter Linking</a:t>
+            </a:r>
+            <a:endParaRPr lang="en-US" sz="1801" dirty="0"/>
+          </a:p>
+        </p:txBody>
+      </p:sp>
+      <p:sp>
+        <p:nvSpPr>
+          <p:cNvPr id="29" name="Rectangle 28"/>
+          <p:cNvSpPr/>
+          <p:nvPr/>
+        </p:nvSpPr>
+        <p:spPr>
+          <a:xfrm>
+            <a:off x="6181053" y="3396726"/>
+            <a:ext cx="2325189" cy="1541417"/>
+          </a:xfrm>
+          <a:prstGeom prst="rect">
+            <a:avLst/>
+          </a:prstGeom>
+          <a:solidFill>
+            <a:srgbClr val="7030A0"/>
+          </a:solidFill>
+        </p:spPr>
+        <p:style>
+          <a:lnRef idx="2">
+            <a:schemeClr val="accent1">
+              <a:shade val="50000"/>
+            </a:schemeClr>
+          </a:lnRef>
+          <a:fillRef idx="1">
+            <a:schemeClr val="accent1"/>
+          </a:fillRef>
+          <a:effectRef idx="0">
+            <a:schemeClr val="accent1"/>
+          </a:effectRef>
+          <a:fontRef idx="minor">
+            <a:schemeClr val="lt1"/>
+          </a:fontRef>
+        </p:style>
+        <p:txBody>
+          <a:bodyPr rot="0" spcFirstLastPara="0" vertOverflow="overflow" horzOverflow="overflow" vert="horz" wrap="square" lIns="91440" tIns="45721" rIns="91440" bIns="45721" numCol="1" spcCol="0" rtlCol="0" fromWordArt="0" anchor="ctr" anchorCtr="0" forceAA="0" compatLnSpc="1">
+            <a:prstTxWarp prst="textNoShape">
+              <a:avLst/>
+            </a:prstTxWarp>
+            <a:noAutofit/>
+          </a:bodyPr>
+          <a:lstStyle/>
+          <a:p>
+            <a:pPr algn="ctr"/>
+            <a:r>
+              <a:rPr lang="en-US" sz="1801" dirty="0" smtClean="0"/>
+              <a:t>Patient To Biobank Encounter Linking</a:t>
+            </a:r>
+            <a:endParaRPr lang="en-US" sz="1801" dirty="0"/>
+          </a:p>
+        </p:txBody>
+      </p:sp>
+      <p:cxnSp>
+        <p:nvCxnSpPr>
+          <p:cNvPr id="30" name="Straight Arrow Connector 29"/>
+          <p:cNvCxnSpPr>
+            <a:endCxn id="11" idx="3"/>
+          </p:cNvCxnSpPr>
+          <p:nvPr/>
+        </p:nvCxnSpPr>
+        <p:spPr>
+          <a:xfrm flipH="1">
+            <a:off x="9668836" y="5050672"/>
+            <a:ext cx="2193620" cy="903504"/>
+          </a:xfrm>
+          <a:prstGeom prst="straightConnector1">
+            <a:avLst/>
+          </a:prstGeom>
+          <a:ln>
+            <a:tailEnd type="triangle"/>
+          </a:ln>
+        </p:spPr>
+        <p:style>
+          <a:lnRef idx="1">
+            <a:schemeClr val="accent1"/>
+          </a:lnRef>
+          <a:fillRef idx="0">
+            <a:schemeClr val="accent1"/>
+          </a:fillRef>
+          <a:effectRef idx="0">
+            <a:schemeClr val="accent1"/>
+          </a:effectRef>
+          <a:fontRef idx="minor">
+            <a:schemeClr val="tx1"/>
+          </a:fontRef>
+        </p:style>
+      </p:cxnSp>
+      <p:sp>
+        <p:nvSpPr>
+          <p:cNvPr id="15" name="Rectangle 14"/>
+          <p:cNvSpPr/>
+          <p:nvPr/>
+        </p:nvSpPr>
+        <p:spPr>
+          <a:xfrm>
+            <a:off x="3978414" y="5183467"/>
+            <a:ext cx="2325189" cy="1541417"/>
+          </a:xfrm>
+          <a:prstGeom prst="rect">
+            <a:avLst/>
+          </a:prstGeom>
+          <a:solidFill>
+            <a:srgbClr val="FFFF00"/>
+          </a:solidFill>
+        </p:spPr>
+        <p:style>
+          <a:lnRef idx="2">
+            <a:schemeClr val="accent1">
+              <a:shade val="50000"/>
+            </a:schemeClr>
+          </a:lnRef>
+          <a:fillRef idx="1">
+            <a:schemeClr val="accent1"/>
+          </a:fillRef>
+          <a:effectRef idx="0">
+            <a:schemeClr val="accent1"/>
+          </a:effectRef>
+          <a:fontRef idx="minor">
+            <a:schemeClr val="lt1"/>
+          </a:fontRef>
+        </p:style>
+        <p:txBody>
+          <a:bodyPr rot="0" spcFirstLastPara="0" vertOverflow="overflow" horzOverflow="overflow" vert="horz" wrap="square" lIns="91440" tIns="45721" rIns="91440" bIns="45721" numCol="1" spcCol="0" rtlCol="0" fromWordArt="0" anchor="ctr" anchorCtr="0" forceAA="0" compatLnSpc="1">
+            <a:prstTxWarp prst="textNoShape">
+              <a:avLst/>
+            </a:prstTxWarp>
+            <a:noAutofit/>
+          </a:bodyPr>
+          <a:lstStyle/>
+          <a:p>
+            <a:pPr algn="ctr"/>
+            <a:r>
+              <a:rPr lang="en-US" sz="1801" dirty="0" smtClean="0">
+                <a:solidFill>
+                  <a:schemeClr val="tx1"/>
+                </a:solidFill>
+              </a:rPr>
+              <a:t>Carnival (data aggregator)</a:t>
+            </a:r>
+            <a:endParaRPr lang="en-US" sz="1801" dirty="0">
+              <a:solidFill>
+                <a:schemeClr val="tx1"/>
+              </a:solidFill>
+            </a:endParaRPr>
+          </a:p>
+        </p:txBody>
+      </p:sp>
+      <p:sp>
+        <p:nvSpPr>
+          <p:cNvPr id="16" name="Rectangle 15"/>
+          <p:cNvSpPr/>
+          <p:nvPr/>
+        </p:nvSpPr>
+        <p:spPr>
+          <a:xfrm>
+            <a:off x="499648" y="5158744"/>
+            <a:ext cx="2325189" cy="1541417"/>
+          </a:xfrm>
+          <a:prstGeom prst="rect">
+            <a:avLst/>
+          </a:prstGeom>
+          <a:solidFill>
+            <a:srgbClr val="FF0000"/>
+          </a:solidFill>
+        </p:spPr>
+        <p:style>
+          <a:lnRef idx="2">
+            <a:schemeClr val="accent1">
+              <a:shade val="50000"/>
+            </a:schemeClr>
+          </a:lnRef>
+          <a:fillRef idx="1">
+            <a:schemeClr val="accent1"/>
+          </a:fillRef>
+          <a:effectRef idx="0">
+            <a:schemeClr val="accent1"/>
+          </a:effectRef>
+          <a:fontRef idx="minor">
+            <a:schemeClr val="lt1"/>
+          </a:fontRef>
+        </p:style>
+        <p:txBody>
+          <a:bodyPr rot="0" spcFirstLastPara="0" vertOverflow="overflow" horzOverflow="overflow" vert="horz" wrap="square" lIns="91440" tIns="45721" rIns="91440" bIns="45721" numCol="1" spcCol="0" rtlCol="0" fromWordArt="0" anchor="ctr" anchorCtr="0" forceAA="0" compatLnSpc="1">
+            <a:prstTxWarp prst="textNoShape">
+              <a:avLst/>
+            </a:prstTxWarp>
+            <a:noAutofit/>
+          </a:bodyPr>
+          <a:lstStyle/>
+          <a:p>
+            <a:pPr algn="ctr"/>
+            <a:r>
+              <a:rPr lang="en-US" sz="1801" dirty="0" smtClean="0">
+                <a:solidFill>
+                  <a:schemeClr val="tx1"/>
+                </a:solidFill>
+              </a:rPr>
+              <a:t>Input data from multiple sources</a:t>
+            </a:r>
+            <a:endParaRPr lang="en-US" sz="1801" dirty="0">
+              <a:solidFill>
+                <a:schemeClr val="tx1"/>
+              </a:solidFill>
+            </a:endParaRPr>
+          </a:p>
+        </p:txBody>
+      </p:sp>
+      <p:cxnSp>
+        <p:nvCxnSpPr>
+          <p:cNvPr id="17" name="Straight Arrow Connector 16"/>
+          <p:cNvCxnSpPr/>
+          <p:nvPr/>
+        </p:nvCxnSpPr>
+        <p:spPr>
+          <a:xfrm>
+            <a:off x="2824837" y="5954175"/>
+            <a:ext cx="1162594" cy="0"/>
+          </a:xfrm>
+          <a:prstGeom prst="straightConnector1">
+            <a:avLst/>
+          </a:prstGeom>
+          <a:ln>
+            <a:tailEnd type="triangle"/>
+          </a:ln>
+        </p:spPr>
+        <p:style>
+          <a:lnRef idx="1">
+            <a:schemeClr val="accent1"/>
+          </a:lnRef>
+          <a:fillRef idx="0">
+            <a:schemeClr val="accent1"/>
+          </a:fillRef>
+          <a:effectRef idx="0">
+            <a:schemeClr val="accent1"/>
+          </a:effectRef>
+          <a:fontRef idx="minor">
+            <a:schemeClr val="tx1"/>
+          </a:fontRef>
+        </p:style>
+      </p:cxnSp>
+    </p:spTree>
+    <p:extLst>
+      <p:ext uri="{BB962C8B-B14F-4D97-AF65-F5344CB8AC3E}">
+        <p14:creationId xmlns:p14="http://schemas.microsoft.com/office/powerpoint/2010/main" val="314390400"/>
+      </p:ext>
+    </p:extLst>
+  </p:cSld>
+  <p:clrMapOvr>
+    <a:masterClrMapping/>
+  </p:clrMapOvr>
+  <p:timing>
+    <p:tnLst>
+      <p:par>
+        <p:cTn id="1" dur="indefinite" restart="never" nodeType="tmRoot"/>
+      </p:par>
+    </p:tnLst>
+  </p:timing>
+</p:sld>
+</file>
+
+<file path=ppt/slides/slide11.xml><?xml version="1.0" encoding="utf-8"?>
+<p:sld xmlns:a="http://schemas.openxmlformats.org/drawingml/2006/main" xmlns:r="http://schemas.openxmlformats.org/officeDocument/2006/relationships" xmlns:p="http://schemas.openxmlformats.org/presentationml/2006/main">
+  <p:cSld>
+    <p:spTree>
+      <p:nvGrpSpPr>
+        <p:cNvPr id="1" name=""/>
+        <p:cNvGrpSpPr/>
+        <p:nvPr/>
+      </p:nvGrpSpPr>
+      <p:grpSpPr>
+        <a:xfrm>
+          <a:off x="0" y="0"/>
+          <a:ext cx="0" cy="0"/>
+          <a:chOff x="0" y="0"/>
+          <a:chExt cx="0" cy="0"/>
+        </a:xfrm>
+      </p:grpSpPr>
+      <p:sp>
+        <p:nvSpPr>
+          <p:cNvPr id="5" name="Rectangle 4"/>
+          <p:cNvSpPr/>
+          <p:nvPr/>
+        </p:nvSpPr>
+        <p:spPr>
+          <a:xfrm>
+            <a:off x="396248" y="1771411"/>
+            <a:ext cx="2325189" cy="1541417"/>
+          </a:xfrm>
+          <a:prstGeom prst="rect">
+            <a:avLst/>
+          </a:prstGeom>
+          <a:solidFill>
+            <a:srgbClr val="7030A0"/>
+          </a:solidFill>
+        </p:spPr>
+        <p:style>
+          <a:lnRef idx="2">
+            <a:schemeClr val="accent1">
+              <a:shade val="50000"/>
+            </a:schemeClr>
+          </a:lnRef>
+          <a:fillRef idx="1">
+            <a:schemeClr val="accent1"/>
+          </a:fillRef>
+          <a:effectRef idx="0">
+            <a:schemeClr val="accent1"/>
+          </a:effectRef>
+          <a:fontRef idx="minor">
+            <a:schemeClr val="lt1"/>
+          </a:fontRef>
+        </p:style>
+        <p:txBody>
+          <a:bodyPr rot="0" spcFirstLastPara="0" vertOverflow="overflow" horzOverflow="overflow" vert="horz" wrap="square" lIns="91440" tIns="45721" rIns="91440" bIns="45721" numCol="1" spcCol="0" rtlCol="0" fromWordArt="0" anchor="ctr" anchorCtr="0" forceAA="0" compatLnSpc="1">
+            <a:prstTxWarp prst="textNoShape">
+              <a:avLst/>
+            </a:prstTxWarp>
+            <a:noAutofit/>
+          </a:bodyPr>
+          <a:lstStyle/>
+          <a:p>
+            <a:pPr algn="ctr"/>
+            <a:r>
+              <a:rPr lang="en-US" sz="1801" dirty="0" smtClean="0"/>
+              <a:t>PDS Patient Demographics Process Specification</a:t>
+            </a:r>
+            <a:endParaRPr lang="en-US" sz="1801" dirty="0"/>
+          </a:p>
+        </p:txBody>
+      </p:sp>
+      <p:sp>
+        <p:nvSpPr>
+          <p:cNvPr id="6" name="Rectangle 5"/>
+          <p:cNvSpPr/>
+          <p:nvPr/>
+        </p:nvSpPr>
+        <p:spPr>
+          <a:xfrm>
+            <a:off x="396247" y="3408623"/>
+            <a:ext cx="2325189" cy="1541417"/>
+          </a:xfrm>
+          <a:prstGeom prst="rect">
+            <a:avLst/>
+          </a:prstGeom>
+          <a:solidFill>
+            <a:srgbClr val="7030A0"/>
+          </a:solidFill>
+        </p:spPr>
+        <p:style>
+          <a:lnRef idx="2">
+            <a:schemeClr val="accent1">
+              <a:shade val="50000"/>
+            </a:schemeClr>
+          </a:lnRef>
+          <a:fillRef idx="1">
+            <a:schemeClr val="accent1"/>
+          </a:fillRef>
+          <a:effectRef idx="0">
+            <a:schemeClr val="accent1"/>
+          </a:effectRef>
+          <a:fontRef idx="minor">
+            <a:schemeClr val="lt1"/>
+          </a:fontRef>
+        </p:style>
+        <p:txBody>
+          <a:bodyPr rot="0" spcFirstLastPara="0" vertOverflow="overflow" horzOverflow="overflow" vert="horz" wrap="square" lIns="91440" tIns="45721" rIns="91440" bIns="45721" numCol="1" spcCol="0" rtlCol="0" fromWordArt="0" anchor="ctr" anchorCtr="0" forceAA="0" compatLnSpc="1">
+            <a:prstTxWarp prst="textNoShape">
+              <a:avLst/>
+            </a:prstTxWarp>
+            <a:noAutofit/>
+          </a:bodyPr>
+          <a:lstStyle/>
+          <a:p>
+            <a:pPr algn="ctr"/>
+            <a:r>
+              <a:rPr lang="en-US" sz="1801" dirty="0" smtClean="0"/>
+              <a:t>PDS Diagnoses Process Specification</a:t>
+            </a:r>
+            <a:endParaRPr lang="en-US" sz="1801" dirty="0"/>
+          </a:p>
+        </p:txBody>
+      </p:sp>
+      <p:sp>
+        <p:nvSpPr>
+          <p:cNvPr id="7" name="Rectangle 6"/>
+          <p:cNvSpPr/>
+          <p:nvPr/>
+        </p:nvSpPr>
+        <p:spPr>
+          <a:xfrm>
+            <a:off x="396246" y="5045835"/>
+            <a:ext cx="2325189" cy="1541417"/>
+          </a:xfrm>
+          <a:prstGeom prst="rect">
+            <a:avLst/>
+          </a:prstGeom>
+          <a:solidFill>
+            <a:srgbClr val="7030A0"/>
+          </a:solidFill>
+        </p:spPr>
+        <p:style>
+          <a:lnRef idx="2">
+            <a:schemeClr val="accent1">
+              <a:shade val="50000"/>
+            </a:schemeClr>
+          </a:lnRef>
+          <a:fillRef idx="1">
+            <a:schemeClr val="accent1"/>
+          </a:fillRef>
+          <a:effectRef idx="0">
+            <a:schemeClr val="accent1"/>
+          </a:effectRef>
+          <a:fontRef idx="minor">
+            <a:schemeClr val="lt1"/>
+          </a:fontRef>
+        </p:style>
+        <p:txBody>
+          <a:bodyPr rot="0" spcFirstLastPara="0" vertOverflow="overflow" horzOverflow="overflow" vert="horz" wrap="square" lIns="91440" tIns="45721" rIns="91440" bIns="45721" numCol="1" spcCol="0" rtlCol="0" fromWordArt="0" anchor="ctr" anchorCtr="0" forceAA="0" compatLnSpc="1">
+            <a:prstTxWarp prst="textNoShape">
+              <a:avLst/>
+            </a:prstTxWarp>
+            <a:noAutofit/>
+          </a:bodyPr>
+          <a:lstStyle/>
+          <a:p>
+            <a:pPr algn="ctr"/>
+            <a:r>
+              <a:rPr lang="en-US" sz="1801" dirty="0" smtClean="0"/>
+              <a:t>PDS Medications Specification</a:t>
+            </a:r>
+            <a:endParaRPr lang="en-US" sz="1801" dirty="0"/>
+          </a:p>
+        </p:txBody>
+      </p:sp>
+      <p:sp>
+        <p:nvSpPr>
+          <p:cNvPr id="8" name="Rectangle 7"/>
+          <p:cNvSpPr/>
+          <p:nvPr/>
+        </p:nvSpPr>
+        <p:spPr>
+          <a:xfrm>
+            <a:off x="2835677" y="1771411"/>
+            <a:ext cx="2325189" cy="1541417"/>
+          </a:xfrm>
+          <a:prstGeom prst="rect">
+            <a:avLst/>
+          </a:prstGeom>
+          <a:solidFill>
+            <a:srgbClr val="7030A0"/>
+          </a:solidFill>
+        </p:spPr>
+        <p:style>
+          <a:lnRef idx="2">
+            <a:schemeClr val="accent1">
+              <a:shade val="50000"/>
+            </a:schemeClr>
+          </a:lnRef>
+          <a:fillRef idx="1">
+            <a:schemeClr val="accent1"/>
+          </a:fillRef>
+          <a:effectRef idx="0">
+            <a:schemeClr val="accent1"/>
+          </a:effectRef>
+          <a:fontRef idx="minor">
+            <a:schemeClr val="lt1"/>
+          </a:fontRef>
+        </p:style>
+        <p:txBody>
+          <a:bodyPr rot="0" spcFirstLastPara="0" vertOverflow="overflow" horzOverflow="overflow" vert="horz" wrap="square" lIns="91440" tIns="45721" rIns="91440" bIns="45721" numCol="1" spcCol="0" rtlCol="0" fromWordArt="0" anchor="ctr" anchorCtr="0" forceAA="0" compatLnSpc="1">
+            <a:prstTxWarp prst="textNoShape">
+              <a:avLst/>
+            </a:prstTxWarp>
+            <a:noAutofit/>
+          </a:bodyPr>
+          <a:lstStyle/>
+          <a:p>
+            <a:pPr algn="ctr"/>
+            <a:r>
+              <a:rPr lang="en-US" sz="1801" dirty="0" smtClean="0"/>
+              <a:t>Regeneron Genomic Loss of Function Process Specification</a:t>
+            </a:r>
+            <a:endParaRPr lang="en-US" sz="1801" dirty="0"/>
+          </a:p>
+        </p:txBody>
+      </p:sp>
+      <p:sp>
+        <p:nvSpPr>
+          <p:cNvPr id="9" name="Rectangle 8"/>
+          <p:cNvSpPr/>
+          <p:nvPr/>
+        </p:nvSpPr>
+        <p:spPr>
+          <a:xfrm>
+            <a:off x="2835677" y="3408623"/>
+            <a:ext cx="2325189" cy="1541417"/>
+          </a:xfrm>
+          <a:prstGeom prst="rect">
+            <a:avLst/>
+          </a:prstGeom>
+          <a:solidFill>
+            <a:srgbClr val="7030A0"/>
+          </a:solidFill>
+        </p:spPr>
+        <p:style>
+          <a:lnRef idx="2">
+            <a:schemeClr val="accent1">
+              <a:shade val="50000"/>
+            </a:schemeClr>
+          </a:lnRef>
+          <a:fillRef idx="1">
+            <a:schemeClr val="accent1"/>
+          </a:fillRef>
+          <a:effectRef idx="0">
+            <a:schemeClr val="accent1"/>
+          </a:effectRef>
+          <a:fontRef idx="minor">
+            <a:schemeClr val="lt1"/>
+          </a:fontRef>
+        </p:style>
+        <p:txBody>
+          <a:bodyPr rot="0" spcFirstLastPara="0" vertOverflow="overflow" horzOverflow="overflow" vert="horz" wrap="square" lIns="91440" tIns="45721" rIns="91440" bIns="45721" numCol="1" spcCol="0" rtlCol="0" fromWordArt="0" anchor="ctr" anchorCtr="0" forceAA="0" compatLnSpc="1">
+            <a:prstTxWarp prst="textNoShape">
+              <a:avLst/>
+            </a:prstTxWarp>
+            <a:noAutofit/>
+          </a:bodyPr>
+          <a:lstStyle/>
+          <a:p>
+            <a:pPr algn="ctr"/>
+            <a:r>
+              <a:rPr lang="en-US" sz="1801" dirty="0" smtClean="0"/>
+              <a:t>Patient To Healthcare Encounter Linking</a:t>
+            </a:r>
+            <a:endParaRPr lang="en-US" sz="1801" dirty="0"/>
+          </a:p>
+        </p:txBody>
+      </p:sp>
+      <p:sp>
+        <p:nvSpPr>
+          <p:cNvPr id="10" name="Rectangle 9"/>
+          <p:cNvSpPr/>
+          <p:nvPr/>
+        </p:nvSpPr>
+        <p:spPr>
+          <a:xfrm>
+            <a:off x="2835677" y="5045835"/>
+            <a:ext cx="2325189" cy="1541417"/>
+          </a:xfrm>
+          <a:prstGeom prst="rect">
+            <a:avLst/>
+          </a:prstGeom>
+          <a:solidFill>
+            <a:srgbClr val="7030A0"/>
+          </a:solidFill>
+        </p:spPr>
+        <p:style>
+          <a:lnRef idx="2">
+            <a:schemeClr val="accent1">
+              <a:shade val="50000"/>
+            </a:schemeClr>
+          </a:lnRef>
+          <a:fillRef idx="1">
+            <a:schemeClr val="accent1"/>
+          </a:fillRef>
+          <a:effectRef idx="0">
+            <a:schemeClr val="accent1"/>
+          </a:effectRef>
+          <a:fontRef idx="minor">
+            <a:schemeClr val="lt1"/>
+          </a:fontRef>
+        </p:style>
+        <p:txBody>
+          <a:bodyPr rot="0" spcFirstLastPara="0" vertOverflow="overflow" horzOverflow="overflow" vert="horz" wrap="square" lIns="91440" tIns="45721" rIns="91440" bIns="45721" numCol="1" spcCol="0" rtlCol="0" fromWordArt="0" anchor="ctr" anchorCtr="0" forceAA="0" compatLnSpc="1">
+            <a:prstTxWarp prst="textNoShape">
+              <a:avLst/>
+            </a:prstTxWarp>
+            <a:noAutofit/>
+          </a:bodyPr>
+          <a:lstStyle/>
+          <a:p>
+            <a:pPr algn="ctr"/>
+            <a:r>
+              <a:rPr lang="en-US" sz="1801" dirty="0" smtClean="0"/>
+              <a:t>Patient To Biobank Encounter Linking</a:t>
+            </a:r>
+            <a:endParaRPr lang="en-US" sz="1801" dirty="0"/>
+          </a:p>
+        </p:txBody>
+      </p:sp>
+      <p:sp>
+        <p:nvSpPr>
+          <p:cNvPr id="11" name="Rectangle 10"/>
+          <p:cNvSpPr/>
+          <p:nvPr/>
+        </p:nvSpPr>
+        <p:spPr>
+          <a:xfrm>
+            <a:off x="121920" y="1001486"/>
+            <a:ext cx="5259977" cy="5738948"/>
+          </a:xfrm>
+          <a:prstGeom prst="rect">
+            <a:avLst/>
+          </a:prstGeom>
+          <a:noFill/>
+        </p:spPr>
+        <p:style>
+          <a:lnRef idx="2">
+            <a:schemeClr val="accent1">
+              <a:shade val="50000"/>
+            </a:schemeClr>
+          </a:lnRef>
+          <a:fillRef idx="1">
+            <a:schemeClr val="accent1"/>
+          </a:fillRef>
+          <a:effectRef idx="0">
+            <a:schemeClr val="accent1"/>
+          </a:effectRef>
+          <a:fontRef idx="minor">
+            <a:schemeClr val="lt1"/>
+          </a:fontRef>
+        </p:style>
+        <p:txBody>
+          <a:bodyPr rtlCol="0" anchor="ctr"/>
+          <a:lstStyle/>
+          <a:p>
+            <a:pPr algn="ctr"/>
+            <a:endParaRPr lang="en-US"/>
+          </a:p>
+        </p:txBody>
+      </p:sp>
+      <p:sp>
+        <p:nvSpPr>
+          <p:cNvPr id="12" name="TextBox 11"/>
+          <p:cNvSpPr txBox="1"/>
+          <p:nvPr/>
+        </p:nvSpPr>
+        <p:spPr>
+          <a:xfrm>
+            <a:off x="553197" y="1240971"/>
+            <a:ext cx="4397422" cy="369332"/>
+          </a:xfrm>
+          <a:prstGeom prst="rect">
+            <a:avLst/>
+          </a:prstGeom>
+          <a:noFill/>
+        </p:spPr>
+        <p:txBody>
+          <a:bodyPr wrap="none" rtlCol="0">
+            <a:spAutoFit/>
+          </a:bodyPr>
+          <a:lstStyle/>
+          <a:p>
+            <a:r>
+              <a:rPr lang="en-US" b="1" dirty="0" smtClean="0"/>
+              <a:t>PDS/Carnival Transformation Instruction Set</a:t>
+            </a:r>
+            <a:endParaRPr lang="en-US" b="1" dirty="0"/>
+          </a:p>
+        </p:txBody>
+      </p:sp>
+      <p:cxnSp>
+        <p:nvCxnSpPr>
+          <p:cNvPr id="20" name="Straight Arrow Connector 19"/>
+          <p:cNvCxnSpPr/>
+          <p:nvPr/>
+        </p:nvCxnSpPr>
+        <p:spPr>
+          <a:xfrm>
+            <a:off x="5381896" y="1950720"/>
+            <a:ext cx="720463" cy="1"/>
+          </a:xfrm>
+          <a:prstGeom prst="straightConnector1">
+            <a:avLst/>
+          </a:prstGeom>
+          <a:ln>
+            <a:tailEnd type="triangle"/>
+          </a:ln>
+        </p:spPr>
+        <p:style>
+          <a:lnRef idx="1">
+            <a:schemeClr val="accent1"/>
+          </a:lnRef>
+          <a:fillRef idx="0">
+            <a:schemeClr val="accent1"/>
+          </a:fillRef>
+          <a:effectRef idx="0">
+            <a:schemeClr val="accent1"/>
+          </a:effectRef>
+          <a:fontRef idx="minor">
+            <a:schemeClr val="tx1"/>
+          </a:fontRef>
+        </p:style>
+      </p:cxnSp>
+      <p:sp>
+        <p:nvSpPr>
+          <p:cNvPr id="21" name="Rounded Rectangle 20"/>
+          <p:cNvSpPr/>
+          <p:nvPr/>
+        </p:nvSpPr>
+        <p:spPr>
+          <a:xfrm>
+            <a:off x="9313820" y="1001486"/>
+            <a:ext cx="2569028" cy="1898468"/>
+          </a:xfrm>
+          <a:prstGeom prst="roundRect">
+            <a:avLst/>
+          </a:prstGeom>
+        </p:spPr>
+        <p:style>
+          <a:lnRef idx="2">
+            <a:schemeClr val="accent1">
+              <a:shade val="50000"/>
+            </a:schemeClr>
+          </a:lnRef>
+          <a:fillRef idx="1">
+            <a:schemeClr val="accent1"/>
+          </a:fillRef>
+          <a:effectRef idx="0">
+            <a:schemeClr val="accent1"/>
+          </a:effectRef>
+          <a:fontRef idx="minor">
+            <a:schemeClr val="lt1"/>
+          </a:fontRef>
+        </p:style>
+        <p:txBody>
+          <a:bodyPr rot="0" spcFirstLastPara="0" vertOverflow="overflow" horzOverflow="overflow" vert="horz" wrap="square" lIns="91440" tIns="45721" rIns="91440" bIns="45721" numCol="1" spcCol="0" rtlCol="0" fromWordArt="0" anchor="ctr" anchorCtr="0" forceAA="0" compatLnSpc="1">
+            <a:prstTxWarp prst="textNoShape">
+              <a:avLst/>
+            </a:prstTxWarp>
+            <a:noAutofit/>
+          </a:bodyPr>
+          <a:lstStyle/>
+          <a:p>
+            <a:pPr algn="ctr"/>
+            <a:r>
+              <a:rPr lang="en-US" sz="1801" dirty="0"/>
+              <a:t>Graph Specification</a:t>
+            </a:r>
+          </a:p>
+          <a:p>
+            <a:pPr algn="ctr"/>
+            <a:r>
+              <a:rPr lang="en-US" sz="1801" dirty="0"/>
+              <a:t>(data source independent)</a:t>
+            </a:r>
+          </a:p>
+        </p:txBody>
+      </p:sp>
+      <p:cxnSp>
+        <p:nvCxnSpPr>
+          <p:cNvPr id="22" name="Straight Arrow Connector 21"/>
+          <p:cNvCxnSpPr>
+            <a:stCxn id="21" idx="1"/>
+          </p:cNvCxnSpPr>
+          <p:nvPr/>
+        </p:nvCxnSpPr>
+        <p:spPr>
+          <a:xfrm flipH="1">
+            <a:off x="8427548" y="1950720"/>
+            <a:ext cx="886272" cy="1"/>
+          </a:xfrm>
+          <a:prstGeom prst="straightConnector1">
+            <a:avLst/>
+          </a:prstGeom>
+          <a:ln>
+            <a:tailEnd type="triangle"/>
+          </a:ln>
+        </p:spPr>
+        <p:style>
+          <a:lnRef idx="1">
+            <a:schemeClr val="accent1"/>
+          </a:lnRef>
+          <a:fillRef idx="0">
+            <a:schemeClr val="accent1"/>
+          </a:fillRef>
+          <a:effectRef idx="0">
+            <a:schemeClr val="accent1"/>
+          </a:effectRef>
+          <a:fontRef idx="minor">
+            <a:schemeClr val="tx1"/>
+          </a:fontRef>
+        </p:style>
+      </p:cxnSp>
+      <p:cxnSp>
+        <p:nvCxnSpPr>
+          <p:cNvPr id="24" name="Straight Arrow Connector 23"/>
+          <p:cNvCxnSpPr/>
+          <p:nvPr/>
+        </p:nvCxnSpPr>
+        <p:spPr>
+          <a:xfrm flipV="1">
+            <a:off x="8423196" y="3907115"/>
+            <a:ext cx="1134463" cy="8709"/>
+          </a:xfrm>
+          <a:prstGeom prst="straightConnector1">
+            <a:avLst/>
+          </a:prstGeom>
+          <a:ln>
+            <a:tailEnd type="triangle"/>
+          </a:ln>
+        </p:spPr>
+        <p:style>
+          <a:lnRef idx="1">
+            <a:schemeClr val="accent1"/>
+          </a:lnRef>
+          <a:fillRef idx="0">
+            <a:schemeClr val="accent1"/>
+          </a:fillRef>
+          <a:effectRef idx="0">
+            <a:schemeClr val="accent1"/>
+          </a:effectRef>
+          <a:fontRef idx="minor">
+            <a:schemeClr val="tx1"/>
+          </a:fontRef>
+        </p:style>
+      </p:cxnSp>
+      <p:sp>
+        <p:nvSpPr>
+          <p:cNvPr id="25" name="Rectangle 24"/>
+          <p:cNvSpPr/>
+          <p:nvPr/>
+        </p:nvSpPr>
+        <p:spPr>
+          <a:xfrm>
+            <a:off x="9557659" y="3145116"/>
+            <a:ext cx="2325189" cy="1541417"/>
+          </a:xfrm>
+          <a:prstGeom prst="rect">
+            <a:avLst/>
+          </a:prstGeom>
+          <a:solidFill>
+            <a:schemeClr val="accent6"/>
+          </a:solidFill>
+        </p:spPr>
+        <p:style>
+          <a:lnRef idx="2">
+            <a:schemeClr val="accent1">
+              <a:shade val="50000"/>
+            </a:schemeClr>
+          </a:lnRef>
+          <a:fillRef idx="1">
+            <a:schemeClr val="accent1"/>
+          </a:fillRef>
+          <a:effectRef idx="0">
+            <a:schemeClr val="accent1"/>
+          </a:effectRef>
+          <a:fontRef idx="minor">
+            <a:schemeClr val="lt1"/>
+          </a:fontRef>
+        </p:style>
+        <p:txBody>
+          <a:bodyPr rot="0" spcFirstLastPara="0" vertOverflow="overflow" horzOverflow="overflow" vert="horz" wrap="square" lIns="91440" tIns="45721" rIns="91440" bIns="45721" numCol="1" spcCol="0" rtlCol="0" fromWordArt="0" anchor="ctr" anchorCtr="0" forceAA="0" compatLnSpc="1">
+            <a:prstTxWarp prst="textNoShape">
+              <a:avLst/>
+            </a:prstTxWarp>
+            <a:noAutofit/>
+          </a:bodyPr>
+          <a:lstStyle/>
+          <a:p>
+            <a:pPr algn="ctr"/>
+            <a:r>
+              <a:rPr lang="en-US" sz="1801" dirty="0" smtClean="0"/>
+              <a:t>RDF </a:t>
+            </a:r>
+            <a:r>
+              <a:rPr lang="en-US" sz="1801" dirty="0" err="1" smtClean="0"/>
+              <a:t>Triplestore</a:t>
+            </a:r>
+            <a:r>
+              <a:rPr lang="en-US" sz="1801" dirty="0" smtClean="0"/>
+              <a:t> (</a:t>
+            </a:r>
+            <a:r>
+              <a:rPr lang="en-US" sz="1801" dirty="0" err="1" smtClean="0"/>
+              <a:t>Ontotext</a:t>
+            </a:r>
+            <a:r>
+              <a:rPr lang="en-US" sz="1801" dirty="0" smtClean="0"/>
+              <a:t> </a:t>
+            </a:r>
+            <a:r>
+              <a:rPr lang="en-US" sz="1801" dirty="0" err="1" smtClean="0"/>
+              <a:t>GraphDB</a:t>
+            </a:r>
+            <a:r>
+              <a:rPr lang="en-US" sz="1801" dirty="0" smtClean="0"/>
+              <a:t>)</a:t>
+            </a:r>
+            <a:endParaRPr lang="en-US" sz="1801" dirty="0"/>
+          </a:p>
+        </p:txBody>
+      </p:sp>
+      <p:cxnSp>
+        <p:nvCxnSpPr>
+          <p:cNvPr id="29" name="Straight Arrow Connector 28"/>
+          <p:cNvCxnSpPr/>
+          <p:nvPr/>
+        </p:nvCxnSpPr>
+        <p:spPr>
+          <a:xfrm>
+            <a:off x="8303453" y="2578825"/>
+            <a:ext cx="1254206" cy="571725"/>
+          </a:xfrm>
+          <a:prstGeom prst="straightConnector1">
+            <a:avLst/>
+          </a:prstGeom>
+          <a:ln>
+            <a:tailEnd type="triangle"/>
+          </a:ln>
+        </p:spPr>
+        <p:style>
+          <a:lnRef idx="1">
+            <a:schemeClr val="accent1"/>
+          </a:lnRef>
+          <a:fillRef idx="0">
+            <a:schemeClr val="accent1"/>
+          </a:fillRef>
+          <a:effectRef idx="0">
+            <a:schemeClr val="accent1"/>
+          </a:effectRef>
+          <a:fontRef idx="minor">
+            <a:schemeClr val="tx1"/>
+          </a:fontRef>
+        </p:style>
+      </p:cxnSp>
+      <p:sp>
+        <p:nvSpPr>
+          <p:cNvPr id="27" name="Rectangle 26"/>
+          <p:cNvSpPr/>
+          <p:nvPr/>
+        </p:nvSpPr>
+        <p:spPr>
+          <a:xfrm>
+            <a:off x="6176985" y="3145116"/>
+            <a:ext cx="2325189" cy="1541417"/>
+          </a:xfrm>
+          <a:prstGeom prst="rect">
+            <a:avLst/>
+          </a:prstGeom>
+          <a:solidFill>
+            <a:srgbClr val="FFFF00"/>
+          </a:solidFill>
+        </p:spPr>
+        <p:style>
+          <a:lnRef idx="2">
+            <a:schemeClr val="accent1">
+              <a:shade val="50000"/>
+            </a:schemeClr>
+          </a:lnRef>
+          <a:fillRef idx="1">
+            <a:schemeClr val="accent1"/>
+          </a:fillRef>
+          <a:effectRef idx="0">
+            <a:schemeClr val="accent1"/>
+          </a:effectRef>
+          <a:fontRef idx="minor">
+            <a:schemeClr val="lt1"/>
+          </a:fontRef>
+        </p:style>
+        <p:txBody>
+          <a:bodyPr rot="0" spcFirstLastPara="0" vertOverflow="overflow" horzOverflow="overflow" vert="horz" wrap="square" lIns="91440" tIns="45721" rIns="91440" bIns="45721" numCol="1" spcCol="0" rtlCol="0" fromWordArt="0" anchor="ctr" anchorCtr="0" forceAA="0" compatLnSpc="1">
+            <a:prstTxWarp prst="textNoShape">
+              <a:avLst/>
+            </a:prstTxWarp>
+            <a:noAutofit/>
+          </a:bodyPr>
+          <a:lstStyle/>
+          <a:p>
+            <a:pPr algn="ctr"/>
+            <a:r>
+              <a:rPr lang="en-US" sz="1801" dirty="0" smtClean="0">
+                <a:solidFill>
+                  <a:schemeClr val="tx1"/>
+                </a:solidFill>
+              </a:rPr>
+              <a:t>Carnival (data aggregator)</a:t>
+            </a:r>
+            <a:endParaRPr lang="en-US" sz="1801" dirty="0">
+              <a:solidFill>
+                <a:schemeClr val="tx1"/>
+              </a:solidFill>
+            </a:endParaRPr>
+          </a:p>
+        </p:txBody>
+      </p:sp>
+      <p:sp>
+        <p:nvSpPr>
+          <p:cNvPr id="28" name="Rounded Rectangle 27"/>
+          <p:cNvSpPr/>
+          <p:nvPr/>
+        </p:nvSpPr>
+        <p:spPr>
+          <a:xfrm>
+            <a:off x="6111668" y="1001486"/>
+            <a:ext cx="2325189" cy="1647718"/>
+          </a:xfrm>
+          <a:prstGeom prst="roundRect">
+            <a:avLst/>
+          </a:prstGeom>
+          <a:solidFill>
+            <a:srgbClr val="7030A0"/>
+          </a:solidFill>
+        </p:spPr>
+        <p:style>
+          <a:lnRef idx="2">
+            <a:schemeClr val="accent1">
+              <a:shade val="50000"/>
+            </a:schemeClr>
+          </a:lnRef>
+          <a:fillRef idx="1">
+            <a:schemeClr val="accent1"/>
+          </a:fillRef>
+          <a:effectRef idx="0">
+            <a:schemeClr val="accent1"/>
+          </a:effectRef>
+          <a:fontRef idx="minor">
+            <a:schemeClr val="lt1"/>
+          </a:fontRef>
+        </p:style>
+        <p:txBody>
+          <a:bodyPr rot="0" spcFirstLastPara="0" vertOverflow="overflow" horzOverflow="overflow" vert="horz" wrap="square" lIns="91440" tIns="45721" rIns="91440" bIns="45721" numCol="1" spcCol="0" rtlCol="0" fromWordArt="0" anchor="ctr" anchorCtr="0" forceAA="0" compatLnSpc="1">
+            <a:prstTxWarp prst="textNoShape">
+              <a:avLst/>
+            </a:prstTxWarp>
+            <a:noAutofit/>
+          </a:bodyPr>
+          <a:lstStyle/>
+          <a:p>
+            <a:pPr algn="ctr"/>
+            <a:r>
+              <a:rPr lang="en-US" sz="1801" dirty="0" smtClean="0"/>
+              <a:t>Transformation Interpreter</a:t>
+            </a:r>
+            <a:endParaRPr lang="en-US" sz="1801" dirty="0"/>
+          </a:p>
+        </p:txBody>
+      </p:sp>
+      <p:sp>
+        <p:nvSpPr>
+          <p:cNvPr id="23" name="Rectangle 22"/>
+          <p:cNvSpPr/>
+          <p:nvPr/>
+        </p:nvSpPr>
+        <p:spPr>
+          <a:xfrm>
+            <a:off x="6176985" y="5182446"/>
+            <a:ext cx="2325189" cy="1541417"/>
+          </a:xfrm>
+          <a:prstGeom prst="rect">
+            <a:avLst/>
+          </a:prstGeom>
+          <a:solidFill>
+            <a:srgbClr val="FF0000"/>
+          </a:solidFill>
+        </p:spPr>
+        <p:style>
+          <a:lnRef idx="2">
+            <a:schemeClr val="accent1">
+              <a:shade val="50000"/>
+            </a:schemeClr>
+          </a:lnRef>
+          <a:fillRef idx="1">
+            <a:schemeClr val="accent1"/>
+          </a:fillRef>
+          <a:effectRef idx="0">
+            <a:schemeClr val="accent1"/>
+          </a:effectRef>
+          <a:fontRef idx="minor">
+            <a:schemeClr val="lt1"/>
+          </a:fontRef>
+        </p:style>
+        <p:txBody>
+          <a:bodyPr rot="0" spcFirstLastPara="0" vertOverflow="overflow" horzOverflow="overflow" vert="horz" wrap="square" lIns="91440" tIns="45721" rIns="91440" bIns="45721" numCol="1" spcCol="0" rtlCol="0" fromWordArt="0" anchor="ctr" anchorCtr="0" forceAA="0" compatLnSpc="1">
+            <a:prstTxWarp prst="textNoShape">
+              <a:avLst/>
+            </a:prstTxWarp>
+            <a:noAutofit/>
+          </a:bodyPr>
+          <a:lstStyle/>
+          <a:p>
+            <a:pPr algn="ctr"/>
+            <a:r>
+              <a:rPr lang="en-US" sz="1801" dirty="0" smtClean="0">
+                <a:solidFill>
+                  <a:schemeClr val="tx1"/>
+                </a:solidFill>
+              </a:rPr>
+              <a:t>Input data from multiple sources</a:t>
+            </a:r>
+            <a:endParaRPr lang="en-US" sz="1801" dirty="0">
+              <a:solidFill>
+                <a:schemeClr val="tx1"/>
+              </a:solidFill>
+            </a:endParaRPr>
+          </a:p>
+        </p:txBody>
+      </p:sp>
+      <p:cxnSp>
+        <p:nvCxnSpPr>
+          <p:cNvPr id="26" name="Straight Arrow Connector 25"/>
+          <p:cNvCxnSpPr>
+            <a:stCxn id="23" idx="0"/>
+          </p:cNvCxnSpPr>
+          <p:nvPr/>
+        </p:nvCxnSpPr>
+        <p:spPr>
+          <a:xfrm flipV="1">
+            <a:off x="7339580" y="4686534"/>
+            <a:ext cx="0" cy="495912"/>
+          </a:xfrm>
+          <a:prstGeom prst="straightConnector1">
+            <a:avLst/>
+          </a:prstGeom>
+          <a:ln>
+            <a:tailEnd type="triangle"/>
+          </a:ln>
+        </p:spPr>
+        <p:style>
+          <a:lnRef idx="1">
+            <a:schemeClr val="accent1"/>
+          </a:lnRef>
+          <a:fillRef idx="0">
+            <a:schemeClr val="accent1"/>
+          </a:fillRef>
+          <a:effectRef idx="0">
+            <a:schemeClr val="accent1"/>
+          </a:effectRef>
+          <a:fontRef idx="minor">
+            <a:schemeClr val="tx1"/>
+          </a:fontRef>
+        </p:style>
+      </p:cxnSp>
+    </p:spTree>
+    <p:extLst>
+      <p:ext uri="{BB962C8B-B14F-4D97-AF65-F5344CB8AC3E}">
+        <p14:creationId xmlns:p14="http://schemas.microsoft.com/office/powerpoint/2010/main" val="4090908282"/>
+      </p:ext>
+    </p:extLst>
+  </p:cSld>
+  <p:clrMapOvr>
+    <a:masterClrMapping/>
+  </p:clrMapOvr>
+  <p:timing>
+    <p:tnLst>
+      <p:par>
+        <p:cTn id="1" dur="indefinite" restart="never" nodeType="tmRoot"/>
+      </p:par>
+    </p:tnLst>
+  </p:timing>
+</p:sld>
+</file>
+
+<file path=ppt/slides/slide12.xml><?xml version="1.0" encoding="utf-8"?>
+<p:sld xmlns:a="http://schemas.openxmlformats.org/drawingml/2006/main" xmlns:r="http://schemas.openxmlformats.org/officeDocument/2006/relationships" xmlns:p="http://schemas.openxmlformats.org/presentationml/2006/main">
+  <p:cSld>
+    <p:spTree>
+      <p:nvGrpSpPr>
+        <p:cNvPr id="1" name=""/>
+        <p:cNvGrpSpPr/>
+        <p:nvPr/>
+      </p:nvGrpSpPr>
+      <p:grpSpPr>
+        <a:xfrm>
+          <a:off x="0" y="0"/>
+          <a:ext cx="0" cy="0"/>
+          <a:chOff x="0" y="0"/>
+          <a:chExt cx="0" cy="0"/>
+        </a:xfrm>
+      </p:grpSpPr>
+      <p:sp>
+        <p:nvSpPr>
+          <p:cNvPr id="5" name="Rectangle 4"/>
+          <p:cNvSpPr/>
+          <p:nvPr/>
+        </p:nvSpPr>
+        <p:spPr>
+          <a:xfrm>
+            <a:off x="226243" y="254524"/>
+            <a:ext cx="6516430" cy="6198816"/>
+          </a:xfrm>
+          <a:prstGeom prst="rect">
+            <a:avLst/>
+          </a:prstGeom>
+          <a:solidFill>
+            <a:schemeClr val="accent4">
+              <a:lumMod val="50000"/>
+              <a:alpha val="13000"/>
+            </a:schemeClr>
+          </a:solidFill>
+        </p:spPr>
+        <p:style>
+          <a:lnRef idx="2">
+            <a:schemeClr val="accent1">
+              <a:shade val="50000"/>
+            </a:schemeClr>
+          </a:lnRef>
+          <a:fillRef idx="1">
+            <a:schemeClr val="accent1"/>
+          </a:fillRef>
+          <a:effectRef idx="0">
+            <a:schemeClr val="accent1"/>
+          </a:effectRef>
+          <a:fontRef idx="minor">
+            <a:schemeClr val="lt1"/>
+          </a:fontRef>
+        </p:style>
+        <p:txBody>
+          <a:bodyPr rtlCol="0" anchor="ctr"/>
+          <a:lstStyle/>
+          <a:p>
+            <a:pPr algn="ctr"/>
+            <a:endParaRPr lang="en-US"/>
+          </a:p>
+        </p:txBody>
+      </p:sp>
+      <p:sp>
+        <p:nvSpPr>
+          <p:cNvPr id="6" name="Rectangle 5"/>
+          <p:cNvSpPr/>
+          <p:nvPr/>
+        </p:nvSpPr>
+        <p:spPr>
+          <a:xfrm>
+            <a:off x="6957665" y="254524"/>
+            <a:ext cx="4797560" cy="6198816"/>
+          </a:xfrm>
+          <a:prstGeom prst="rect">
+            <a:avLst/>
+          </a:prstGeom>
+          <a:solidFill>
+            <a:schemeClr val="accent4">
+              <a:lumMod val="50000"/>
+              <a:alpha val="13000"/>
+            </a:schemeClr>
+          </a:solidFill>
+        </p:spPr>
+        <p:style>
+          <a:lnRef idx="2">
+            <a:schemeClr val="accent1">
+              <a:shade val="50000"/>
+            </a:schemeClr>
+          </a:lnRef>
+          <a:fillRef idx="1">
+            <a:schemeClr val="accent1"/>
+          </a:fillRef>
+          <a:effectRef idx="0">
+            <a:schemeClr val="accent1"/>
+          </a:effectRef>
+          <a:fontRef idx="minor">
+            <a:schemeClr val="lt1"/>
+          </a:fontRef>
+        </p:style>
+        <p:txBody>
+          <a:bodyPr rtlCol="0" anchor="ctr"/>
+          <a:lstStyle/>
+          <a:p>
+            <a:pPr algn="ctr"/>
+            <a:endParaRPr lang="en-US"/>
+          </a:p>
+        </p:txBody>
+      </p:sp>
+      <p:sp>
+        <p:nvSpPr>
+          <p:cNvPr id="7" name="TextBox 6"/>
+          <p:cNvSpPr txBox="1"/>
+          <p:nvPr/>
+        </p:nvSpPr>
+        <p:spPr>
+          <a:xfrm>
+            <a:off x="891783" y="582612"/>
+            <a:ext cx="5185350" cy="553998"/>
+          </a:xfrm>
+          <a:prstGeom prst="rect">
+            <a:avLst/>
+          </a:prstGeom>
+          <a:noFill/>
+        </p:spPr>
+        <p:txBody>
+          <a:bodyPr wrap="square" rtlCol="0">
+            <a:spAutoFit/>
+          </a:bodyPr>
+          <a:lstStyle/>
+          <a:p>
+            <a:r>
+              <a:rPr lang="en-US" sz="3000" b="1" dirty="0" smtClean="0"/>
+              <a:t>Transformation Instruction Set</a:t>
+            </a:r>
+            <a:endParaRPr lang="en-US" sz="3000" b="1" dirty="0"/>
+          </a:p>
+        </p:txBody>
+      </p:sp>
+      <p:sp>
+        <p:nvSpPr>
+          <p:cNvPr id="8" name="TextBox 7"/>
+          <p:cNvSpPr txBox="1"/>
+          <p:nvPr/>
+        </p:nvSpPr>
+        <p:spPr>
+          <a:xfrm>
+            <a:off x="7169391" y="523995"/>
+            <a:ext cx="4374108" cy="553998"/>
+          </a:xfrm>
+          <a:prstGeom prst="rect">
+            <a:avLst/>
+          </a:prstGeom>
+          <a:noFill/>
+        </p:spPr>
+        <p:txBody>
+          <a:bodyPr wrap="square" rtlCol="0">
+            <a:spAutoFit/>
+          </a:bodyPr>
+          <a:lstStyle/>
+          <a:p>
+            <a:pPr algn="ctr"/>
+            <a:r>
+              <a:rPr lang="en-US" sz="3000" b="1" dirty="0" smtClean="0"/>
+              <a:t>Graph Specification</a:t>
+            </a:r>
+            <a:endParaRPr lang="en-US" sz="3000" b="1" dirty="0"/>
+          </a:p>
+        </p:txBody>
+      </p:sp>
+      <p:sp>
+        <p:nvSpPr>
+          <p:cNvPr id="9" name="Rectangle 8"/>
+          <p:cNvSpPr/>
+          <p:nvPr/>
+        </p:nvSpPr>
+        <p:spPr>
+          <a:xfrm>
+            <a:off x="4762682" y="2417816"/>
+            <a:ext cx="1852061" cy="1216057"/>
+          </a:xfrm>
+          <a:prstGeom prst="rect">
+            <a:avLst/>
+          </a:prstGeom>
+          <a:solidFill>
+            <a:schemeClr val="tx2">
+              <a:lumMod val="50000"/>
+            </a:schemeClr>
+          </a:solidFill>
+        </p:spPr>
+        <p:style>
+          <a:lnRef idx="2">
+            <a:schemeClr val="accent1">
+              <a:shade val="50000"/>
+            </a:schemeClr>
+          </a:lnRef>
+          <a:fillRef idx="1">
+            <a:schemeClr val="accent1"/>
+          </a:fillRef>
+          <a:effectRef idx="0">
+            <a:schemeClr val="accent1"/>
+          </a:effectRef>
+          <a:fontRef idx="minor">
+            <a:schemeClr val="lt1"/>
+          </a:fontRef>
+        </p:style>
+        <p:txBody>
+          <a:bodyPr rtlCol="0" anchor="ctr"/>
+          <a:lstStyle/>
+          <a:p>
+            <a:pPr algn="ctr"/>
+            <a:r>
+              <a:rPr lang="en-US" sz="2400" b="1" dirty="0" smtClean="0"/>
+              <a:t>Process Specification</a:t>
+            </a:r>
+            <a:endParaRPr lang="en-US" sz="2400" b="1" dirty="0"/>
+          </a:p>
+        </p:txBody>
+      </p:sp>
+      <p:sp>
+        <p:nvSpPr>
+          <p:cNvPr id="10" name="Rectangle 9"/>
+          <p:cNvSpPr/>
+          <p:nvPr/>
+        </p:nvSpPr>
+        <p:spPr>
+          <a:xfrm>
+            <a:off x="327029" y="2417816"/>
+            <a:ext cx="1772239" cy="1216057"/>
+          </a:xfrm>
+          <a:prstGeom prst="rect">
+            <a:avLst/>
+          </a:prstGeom>
+          <a:solidFill>
+            <a:schemeClr val="tx2">
+              <a:lumMod val="50000"/>
+            </a:schemeClr>
+          </a:solidFill>
+        </p:spPr>
+        <p:style>
+          <a:lnRef idx="2">
+            <a:schemeClr val="accent1">
+              <a:shade val="50000"/>
+            </a:schemeClr>
+          </a:lnRef>
+          <a:fillRef idx="1">
+            <a:schemeClr val="accent1"/>
+          </a:fillRef>
+          <a:effectRef idx="0">
+            <a:schemeClr val="accent1"/>
+          </a:effectRef>
+          <a:fontRef idx="minor">
+            <a:schemeClr val="lt1"/>
+          </a:fontRef>
+        </p:style>
+        <p:txBody>
+          <a:bodyPr rtlCol="0" anchor="ctr"/>
+          <a:lstStyle/>
+          <a:p>
+            <a:pPr algn="ctr"/>
+            <a:r>
+              <a:rPr lang="en-US" sz="2400" b="1" dirty="0" smtClean="0"/>
+              <a:t>Connection Recipe</a:t>
+            </a:r>
+            <a:endParaRPr lang="en-US" sz="2400" b="1" dirty="0"/>
+          </a:p>
+        </p:txBody>
+      </p:sp>
+      <p:cxnSp>
+        <p:nvCxnSpPr>
+          <p:cNvPr id="14" name="Straight Arrow Connector 13"/>
+          <p:cNvCxnSpPr>
+            <a:stCxn id="9" idx="1"/>
+          </p:cNvCxnSpPr>
+          <p:nvPr/>
+        </p:nvCxnSpPr>
+        <p:spPr>
+          <a:xfrm flipH="1" flipV="1">
+            <a:off x="2099268" y="3014260"/>
+            <a:ext cx="2663414" cy="11585"/>
+          </a:xfrm>
+          <a:prstGeom prst="straightConnector1">
+            <a:avLst/>
+          </a:prstGeom>
+          <a:ln>
+            <a:tailEnd type="triangle"/>
+          </a:ln>
+        </p:spPr>
+        <p:style>
+          <a:lnRef idx="1">
+            <a:schemeClr val="accent1"/>
+          </a:lnRef>
+          <a:fillRef idx="0">
+            <a:schemeClr val="accent1"/>
+          </a:fillRef>
+          <a:effectRef idx="0">
+            <a:schemeClr val="accent1"/>
+          </a:effectRef>
+          <a:fontRef idx="minor">
+            <a:schemeClr val="tx1"/>
+          </a:fontRef>
+        </p:style>
+      </p:cxnSp>
+      <p:cxnSp>
+        <p:nvCxnSpPr>
+          <p:cNvPr id="17" name="Straight Arrow Connector 16"/>
+          <p:cNvCxnSpPr/>
+          <p:nvPr/>
+        </p:nvCxnSpPr>
+        <p:spPr>
+          <a:xfrm flipV="1">
+            <a:off x="6614743" y="2971488"/>
+            <a:ext cx="3024316" cy="2785"/>
+          </a:xfrm>
+          <a:prstGeom prst="straightConnector1">
+            <a:avLst/>
+          </a:prstGeom>
+          <a:ln>
+            <a:tailEnd type="triangle"/>
+          </a:ln>
+        </p:spPr>
+        <p:style>
+          <a:lnRef idx="1">
+            <a:schemeClr val="accent1"/>
+          </a:lnRef>
+          <a:fillRef idx="0">
+            <a:schemeClr val="accent1"/>
+          </a:fillRef>
+          <a:effectRef idx="0">
+            <a:schemeClr val="accent1"/>
+          </a:effectRef>
+          <a:fontRef idx="minor">
+            <a:schemeClr val="tx1"/>
+          </a:fontRef>
+        </p:style>
+      </p:cxnSp>
+      <p:sp>
+        <p:nvSpPr>
+          <p:cNvPr id="21" name="TextBox 20"/>
+          <p:cNvSpPr txBox="1"/>
+          <p:nvPr/>
+        </p:nvSpPr>
+        <p:spPr>
+          <a:xfrm>
+            <a:off x="6923419" y="1744128"/>
+            <a:ext cx="3598208" cy="1246495"/>
+          </a:xfrm>
+          <a:prstGeom prst="rect">
+            <a:avLst/>
+          </a:prstGeom>
+          <a:noFill/>
+        </p:spPr>
+        <p:txBody>
+          <a:bodyPr wrap="square" rtlCol="0">
+            <a:spAutoFit/>
+          </a:bodyPr>
+          <a:lstStyle/>
+          <a:p>
+            <a:r>
+              <a:rPr lang="en-US" sz="1500" b="1" dirty="0" err="1" smtClean="0"/>
+              <a:t>semExpander:hasRequiredInput</a:t>
+            </a:r>
+            <a:r>
+              <a:rPr lang="en-US" sz="1500" b="1" dirty="0" smtClean="0"/>
+              <a:t> </a:t>
+            </a:r>
+          </a:p>
+          <a:p>
+            <a:r>
+              <a:rPr lang="en-US" sz="1500" b="1" dirty="0" smtClean="0"/>
+              <a:t>OR</a:t>
+            </a:r>
+          </a:p>
+          <a:p>
+            <a:r>
+              <a:rPr lang="en-US" sz="1500" b="1" dirty="0" err="1" smtClean="0"/>
+              <a:t>semExpander:hasOptionalInput</a:t>
+            </a:r>
+            <a:endParaRPr lang="en-US" sz="1500" b="1" dirty="0" smtClean="0"/>
+          </a:p>
+          <a:p>
+            <a:r>
+              <a:rPr lang="en-US" sz="1500" b="1" dirty="0" smtClean="0"/>
+              <a:t>OR</a:t>
+            </a:r>
+          </a:p>
+          <a:p>
+            <a:r>
+              <a:rPr lang="en-US" sz="1500" b="1" dirty="0" err="1" smtClean="0"/>
+              <a:t>semExpander:hasOutput</a:t>
+            </a:r>
+            <a:endParaRPr lang="en-US" sz="1500" b="1" dirty="0"/>
+          </a:p>
+        </p:txBody>
+      </p:sp>
+      <p:sp>
+        <p:nvSpPr>
+          <p:cNvPr id="22" name="Rectangle 21"/>
+          <p:cNvSpPr/>
+          <p:nvPr/>
+        </p:nvSpPr>
+        <p:spPr>
+          <a:xfrm>
+            <a:off x="1026979" y="4801184"/>
+            <a:ext cx="1772239" cy="1216057"/>
+          </a:xfrm>
+          <a:prstGeom prst="rect">
+            <a:avLst/>
+          </a:prstGeom>
+          <a:solidFill>
+            <a:schemeClr val="tx2">
+              <a:lumMod val="50000"/>
+            </a:schemeClr>
+          </a:solidFill>
+        </p:spPr>
+        <p:style>
+          <a:lnRef idx="2">
+            <a:schemeClr val="accent1">
+              <a:shade val="50000"/>
+            </a:schemeClr>
+          </a:lnRef>
+          <a:fillRef idx="1">
+            <a:schemeClr val="accent1"/>
+          </a:fillRef>
+          <a:effectRef idx="0">
+            <a:schemeClr val="accent1"/>
+          </a:effectRef>
+          <a:fontRef idx="minor">
+            <a:schemeClr val="lt1"/>
+          </a:fontRef>
+        </p:style>
+        <p:txBody>
+          <a:bodyPr rtlCol="0" anchor="ctr"/>
+          <a:lstStyle/>
+          <a:p>
+            <a:pPr algn="ctr"/>
+            <a:r>
+              <a:rPr lang="en-US" sz="2400" b="1" dirty="0" smtClean="0"/>
+              <a:t>Named Graph</a:t>
+            </a:r>
+            <a:endParaRPr lang="en-US" sz="2400" b="1" dirty="0"/>
+          </a:p>
+        </p:txBody>
+      </p:sp>
+      <p:cxnSp>
+        <p:nvCxnSpPr>
+          <p:cNvPr id="23" name="Straight Arrow Connector 22"/>
+          <p:cNvCxnSpPr>
+            <a:endCxn id="22" idx="0"/>
+          </p:cNvCxnSpPr>
+          <p:nvPr/>
+        </p:nvCxnSpPr>
+        <p:spPr>
+          <a:xfrm flipH="1">
+            <a:off x="1913099" y="3477416"/>
+            <a:ext cx="2845300" cy="1323768"/>
+          </a:xfrm>
+          <a:prstGeom prst="straightConnector1">
+            <a:avLst/>
+          </a:prstGeom>
+          <a:ln>
+            <a:tailEnd type="triangle"/>
+          </a:ln>
+        </p:spPr>
+        <p:style>
+          <a:lnRef idx="1">
+            <a:schemeClr val="accent1"/>
+          </a:lnRef>
+          <a:fillRef idx="0">
+            <a:schemeClr val="accent1"/>
+          </a:fillRef>
+          <a:effectRef idx="0">
+            <a:schemeClr val="accent1"/>
+          </a:effectRef>
+          <a:fontRef idx="minor">
+            <a:schemeClr val="tx1"/>
+          </a:fontRef>
+        </p:style>
+      </p:cxnSp>
+      <p:sp>
+        <p:nvSpPr>
+          <p:cNvPr id="26" name="TextBox 25"/>
+          <p:cNvSpPr txBox="1"/>
+          <p:nvPr/>
+        </p:nvSpPr>
+        <p:spPr>
+          <a:xfrm>
+            <a:off x="1851888" y="3978154"/>
+            <a:ext cx="4513256" cy="323165"/>
+          </a:xfrm>
+          <a:prstGeom prst="rect">
+            <a:avLst/>
+          </a:prstGeom>
+          <a:noFill/>
+        </p:spPr>
+        <p:txBody>
+          <a:bodyPr wrap="square" rtlCol="0">
+            <a:spAutoFit/>
+          </a:bodyPr>
+          <a:lstStyle/>
+          <a:p>
+            <a:r>
+              <a:rPr lang="en-US" sz="1500" b="1" dirty="0" err="1" smtClean="0"/>
+              <a:t>semExpander:inputNamedGraph</a:t>
+            </a:r>
+            <a:endParaRPr lang="en-US" sz="1500" b="1" dirty="0" smtClean="0"/>
+          </a:p>
+        </p:txBody>
+      </p:sp>
+      <p:sp>
+        <p:nvSpPr>
+          <p:cNvPr id="18" name="TextBox 17"/>
+          <p:cNvSpPr txBox="1"/>
+          <p:nvPr/>
+        </p:nvSpPr>
+        <p:spPr>
+          <a:xfrm>
+            <a:off x="2103551" y="1779349"/>
+            <a:ext cx="3598208" cy="1246495"/>
+          </a:xfrm>
+          <a:prstGeom prst="rect">
+            <a:avLst/>
+          </a:prstGeom>
+          <a:noFill/>
+        </p:spPr>
+        <p:txBody>
+          <a:bodyPr wrap="square" rtlCol="0">
+            <a:spAutoFit/>
+          </a:bodyPr>
+          <a:lstStyle/>
+          <a:p>
+            <a:r>
+              <a:rPr lang="en-US" sz="1500" b="1" dirty="0" err="1" smtClean="0"/>
+              <a:t>semExpander:hasRequiredInput</a:t>
+            </a:r>
+            <a:r>
+              <a:rPr lang="en-US" sz="1500" b="1" dirty="0" smtClean="0"/>
+              <a:t> </a:t>
+            </a:r>
+          </a:p>
+          <a:p>
+            <a:r>
+              <a:rPr lang="en-US" sz="1500" b="1" dirty="0" smtClean="0"/>
+              <a:t>OR</a:t>
+            </a:r>
+          </a:p>
+          <a:p>
+            <a:r>
+              <a:rPr lang="en-US" sz="1500" b="1" dirty="0" err="1" smtClean="0"/>
+              <a:t>semExpander:hasOptionalInput</a:t>
+            </a:r>
+            <a:endParaRPr lang="en-US" sz="1500" b="1" dirty="0" smtClean="0"/>
+          </a:p>
+          <a:p>
+            <a:r>
+              <a:rPr lang="en-US" sz="1500" b="1" dirty="0" smtClean="0"/>
+              <a:t>OR</a:t>
+            </a:r>
+          </a:p>
+          <a:p>
+            <a:r>
+              <a:rPr lang="en-US" sz="1500" b="1" dirty="0" err="1" smtClean="0"/>
+              <a:t>semExpander:hasOutput</a:t>
+            </a:r>
+            <a:endParaRPr lang="en-US" sz="1500" b="1" dirty="0"/>
+          </a:p>
+        </p:txBody>
+      </p:sp>
+      <p:sp>
+        <p:nvSpPr>
+          <p:cNvPr id="24" name="Rectangle 23"/>
+          <p:cNvSpPr/>
+          <p:nvPr/>
+        </p:nvSpPr>
+        <p:spPr>
+          <a:xfrm>
+            <a:off x="9639059" y="2381464"/>
+            <a:ext cx="1772239" cy="1216057"/>
+          </a:xfrm>
+          <a:prstGeom prst="rect">
+            <a:avLst/>
+          </a:prstGeom>
+          <a:solidFill>
+            <a:schemeClr val="tx2">
+              <a:lumMod val="50000"/>
+            </a:schemeClr>
+          </a:solidFill>
+        </p:spPr>
+        <p:style>
+          <a:lnRef idx="2">
+            <a:schemeClr val="accent1">
+              <a:shade val="50000"/>
+            </a:schemeClr>
+          </a:lnRef>
+          <a:fillRef idx="1">
+            <a:schemeClr val="accent1"/>
+          </a:fillRef>
+          <a:effectRef idx="0">
+            <a:schemeClr val="accent1"/>
+          </a:effectRef>
+          <a:fontRef idx="minor">
+            <a:schemeClr val="lt1"/>
+          </a:fontRef>
+        </p:style>
+        <p:txBody>
+          <a:bodyPr rtlCol="0" anchor="ctr"/>
+          <a:lstStyle/>
+          <a:p>
+            <a:pPr algn="ctr"/>
+            <a:r>
+              <a:rPr lang="en-US" sz="2400" b="1" dirty="0" smtClean="0"/>
+              <a:t>Connection Recipe</a:t>
+            </a:r>
+            <a:endParaRPr lang="en-US" sz="2400" b="1" dirty="0"/>
+          </a:p>
+        </p:txBody>
+      </p:sp>
+      <p:sp>
+        <p:nvSpPr>
+          <p:cNvPr id="25" name="Rectangle 24"/>
+          <p:cNvSpPr/>
+          <p:nvPr/>
+        </p:nvSpPr>
+        <p:spPr>
+          <a:xfrm>
+            <a:off x="4728482" y="4834661"/>
+            <a:ext cx="1772239" cy="1216057"/>
+          </a:xfrm>
+          <a:prstGeom prst="rect">
+            <a:avLst/>
+          </a:prstGeom>
+          <a:solidFill>
+            <a:schemeClr val="tx2">
+              <a:lumMod val="50000"/>
+            </a:schemeClr>
+          </a:solidFill>
+        </p:spPr>
+        <p:style>
+          <a:lnRef idx="2">
+            <a:schemeClr val="accent1">
+              <a:shade val="50000"/>
+            </a:schemeClr>
+          </a:lnRef>
+          <a:fillRef idx="1">
+            <a:schemeClr val="accent1"/>
+          </a:fillRef>
+          <a:effectRef idx="0">
+            <a:schemeClr val="accent1"/>
+          </a:effectRef>
+          <a:fontRef idx="minor">
+            <a:schemeClr val="lt1"/>
+          </a:fontRef>
+        </p:style>
+        <p:txBody>
+          <a:bodyPr rtlCol="0" anchor="ctr"/>
+          <a:lstStyle/>
+          <a:p>
+            <a:pPr algn="ctr"/>
+            <a:r>
+              <a:rPr lang="en-US" sz="2400" b="1" dirty="0" smtClean="0"/>
+              <a:t>Named Graph</a:t>
+            </a:r>
+            <a:endParaRPr lang="en-US" sz="2400" b="1" dirty="0"/>
+          </a:p>
+        </p:txBody>
+      </p:sp>
+      <p:cxnSp>
+        <p:nvCxnSpPr>
+          <p:cNvPr id="27" name="Straight Arrow Connector 26"/>
+          <p:cNvCxnSpPr/>
+          <p:nvPr/>
+        </p:nvCxnSpPr>
+        <p:spPr>
+          <a:xfrm>
+            <a:off x="5651282" y="3633873"/>
+            <a:ext cx="9334" cy="1211689"/>
+          </a:xfrm>
+          <a:prstGeom prst="straightConnector1">
+            <a:avLst/>
+          </a:prstGeom>
+          <a:ln>
+            <a:tailEnd type="triangle"/>
+          </a:ln>
+        </p:spPr>
+        <p:style>
+          <a:lnRef idx="1">
+            <a:schemeClr val="accent1"/>
+          </a:lnRef>
+          <a:fillRef idx="0">
+            <a:schemeClr val="accent1"/>
+          </a:fillRef>
+          <a:effectRef idx="0">
+            <a:schemeClr val="accent1"/>
+          </a:effectRef>
+          <a:fontRef idx="minor">
+            <a:schemeClr val="tx1"/>
+          </a:fontRef>
+        </p:style>
+      </p:cxnSp>
+      <p:sp>
+        <p:nvSpPr>
+          <p:cNvPr id="28" name="TextBox 27"/>
+          <p:cNvSpPr txBox="1"/>
+          <p:nvPr/>
+        </p:nvSpPr>
+        <p:spPr>
+          <a:xfrm>
+            <a:off x="4244093" y="4263656"/>
+            <a:ext cx="4513256" cy="323165"/>
+          </a:xfrm>
+          <a:prstGeom prst="rect">
+            <a:avLst/>
+          </a:prstGeom>
+          <a:noFill/>
+        </p:spPr>
+        <p:txBody>
+          <a:bodyPr wrap="square" rtlCol="0">
+            <a:spAutoFit/>
+          </a:bodyPr>
+          <a:lstStyle/>
+          <a:p>
+            <a:r>
+              <a:rPr lang="en-US" sz="1500" b="1" dirty="0" err="1" smtClean="0"/>
+              <a:t>semExpander:outputNamedGraph</a:t>
+            </a:r>
+            <a:endParaRPr lang="en-US" sz="1500" b="1" dirty="0" smtClean="0"/>
+          </a:p>
+        </p:txBody>
+      </p:sp>
+    </p:spTree>
+    <p:extLst>
+      <p:ext uri="{BB962C8B-B14F-4D97-AF65-F5344CB8AC3E}">
+        <p14:creationId xmlns:p14="http://schemas.microsoft.com/office/powerpoint/2010/main" val="3767419629"/>
+      </p:ext>
+    </p:extLst>
+  </p:cSld>
+  <p:clrMapOvr>
+    <a:masterClrMapping/>
+  </p:clrMapOvr>
+</p:sld>
+</file>
+
+<file path=ppt/slides/slide13.xml><?xml version="1.0" encoding="utf-8"?>
+<p:sld xmlns:a="http://schemas.openxmlformats.org/drawingml/2006/main" xmlns:r="http://schemas.openxmlformats.org/officeDocument/2006/relationships" xmlns:p="http://schemas.openxmlformats.org/presentationml/2006/main">
+  <p:cSld>
+    <p:spTree>
+      <p:nvGrpSpPr>
+        <p:cNvPr id="1" name=""/>
+        <p:cNvGrpSpPr/>
+        <p:nvPr/>
+      </p:nvGrpSpPr>
+      <p:grpSpPr>
+        <a:xfrm>
+          <a:off x="0" y="0"/>
+          <a:ext cx="0" cy="0"/>
+          <a:chOff x="0" y="0"/>
+          <a:chExt cx="0" cy="0"/>
+        </a:xfrm>
+      </p:grpSpPr>
+      <p:sp>
+        <p:nvSpPr>
+          <p:cNvPr id="4" name="Oval 3"/>
+          <p:cNvSpPr/>
+          <p:nvPr/>
+        </p:nvSpPr>
+        <p:spPr>
+          <a:xfrm>
+            <a:off x="448552" y="4081807"/>
+            <a:ext cx="2601798" cy="2413262"/>
+          </a:xfrm>
+          <a:prstGeom prst="ellipse">
+            <a:avLst/>
+          </a:prstGeom>
+        </p:spPr>
+        <p:style>
+          <a:lnRef idx="2">
+            <a:schemeClr val="accent1">
+              <a:shade val="50000"/>
+            </a:schemeClr>
+          </a:lnRef>
+          <a:fillRef idx="1">
+            <a:schemeClr val="accent1"/>
+          </a:fillRef>
+          <a:effectRef idx="0">
+            <a:schemeClr val="accent1"/>
+          </a:effectRef>
+          <a:fontRef idx="minor">
+            <a:schemeClr val="lt1"/>
+          </a:fontRef>
+        </p:style>
+        <p:txBody>
+          <a:bodyPr rtlCol="0" anchor="ctr"/>
+          <a:lstStyle/>
+          <a:p>
+            <a:pPr algn="ctr"/>
+            <a:r>
+              <a:rPr lang="en-US" sz="3000" b="1" dirty="0" smtClean="0"/>
+              <a:t>Class B</a:t>
+            </a:r>
+            <a:endParaRPr lang="en-US" sz="3000" b="1" dirty="0"/>
+          </a:p>
+        </p:txBody>
+      </p:sp>
+      <p:sp>
+        <p:nvSpPr>
+          <p:cNvPr id="5" name="Oval 4"/>
+          <p:cNvSpPr/>
+          <p:nvPr/>
+        </p:nvSpPr>
+        <p:spPr>
+          <a:xfrm>
+            <a:off x="9287054" y="4013420"/>
+            <a:ext cx="2601798" cy="2413262"/>
+          </a:xfrm>
+          <a:prstGeom prst="ellipse">
+            <a:avLst/>
+          </a:prstGeom>
+        </p:spPr>
+        <p:style>
+          <a:lnRef idx="2">
+            <a:schemeClr val="accent1">
+              <a:shade val="50000"/>
+            </a:schemeClr>
+          </a:lnRef>
+          <a:fillRef idx="1">
+            <a:schemeClr val="accent1"/>
+          </a:fillRef>
+          <a:effectRef idx="0">
+            <a:schemeClr val="accent1"/>
+          </a:effectRef>
+          <a:fontRef idx="minor">
+            <a:schemeClr val="lt1"/>
+          </a:fontRef>
+        </p:style>
+        <p:txBody>
+          <a:bodyPr rtlCol="0" anchor="ctr"/>
+          <a:lstStyle/>
+          <a:p>
+            <a:pPr algn="ctr"/>
+            <a:r>
+              <a:rPr lang="en-US" sz="3000" b="1" dirty="0" smtClean="0"/>
+              <a:t>Class C</a:t>
+            </a:r>
+            <a:endParaRPr lang="en-US" sz="3000" b="1" dirty="0"/>
+          </a:p>
+        </p:txBody>
+      </p:sp>
+      <p:sp>
+        <p:nvSpPr>
+          <p:cNvPr id="6" name="Oval 5"/>
+          <p:cNvSpPr/>
+          <p:nvPr/>
+        </p:nvSpPr>
+        <p:spPr>
+          <a:xfrm>
+            <a:off x="4418805" y="197963"/>
+            <a:ext cx="2601798" cy="2413262"/>
+          </a:xfrm>
+          <a:prstGeom prst="ellipse">
+            <a:avLst/>
+          </a:prstGeom>
+        </p:spPr>
+        <p:style>
+          <a:lnRef idx="2">
+            <a:schemeClr val="accent1">
+              <a:shade val="50000"/>
+            </a:schemeClr>
+          </a:lnRef>
+          <a:fillRef idx="1">
+            <a:schemeClr val="accent1"/>
+          </a:fillRef>
+          <a:effectRef idx="0">
+            <a:schemeClr val="accent1"/>
+          </a:effectRef>
+          <a:fontRef idx="minor">
+            <a:schemeClr val="lt1"/>
+          </a:fontRef>
+        </p:style>
+        <p:txBody>
+          <a:bodyPr rtlCol="0" anchor="ctr"/>
+          <a:lstStyle/>
+          <a:p>
+            <a:pPr algn="ctr"/>
+            <a:r>
+              <a:rPr lang="en-US" sz="3000" b="1" dirty="0" smtClean="0"/>
+              <a:t>Class A</a:t>
+            </a:r>
+            <a:endParaRPr lang="en-US" sz="3000" b="1" dirty="0"/>
+          </a:p>
+        </p:txBody>
+      </p:sp>
+      <p:cxnSp>
+        <p:nvCxnSpPr>
+          <p:cNvPr id="8" name="Straight Arrow Connector 7"/>
+          <p:cNvCxnSpPr/>
+          <p:nvPr/>
+        </p:nvCxnSpPr>
+        <p:spPr>
+          <a:xfrm flipH="1">
+            <a:off x="2525585" y="2070579"/>
+            <a:ext cx="2123383" cy="2291871"/>
+          </a:xfrm>
+          <a:prstGeom prst="straightConnector1">
+            <a:avLst/>
+          </a:prstGeom>
+          <a:ln>
+            <a:solidFill>
+              <a:schemeClr val="tx1"/>
+            </a:solidFill>
+            <a:tailEnd type="triangle"/>
+          </a:ln>
+        </p:spPr>
+        <p:style>
+          <a:lnRef idx="1">
+            <a:schemeClr val="accent1"/>
+          </a:lnRef>
+          <a:fillRef idx="0">
+            <a:schemeClr val="accent1"/>
+          </a:fillRef>
+          <a:effectRef idx="0">
+            <a:schemeClr val="accent1"/>
+          </a:effectRef>
+          <a:fontRef idx="minor">
+            <a:schemeClr val="tx1"/>
+          </a:fontRef>
+        </p:style>
+      </p:cxnSp>
+      <p:cxnSp>
+        <p:nvCxnSpPr>
+          <p:cNvPr id="10" name="Straight Arrow Connector 9"/>
+          <p:cNvCxnSpPr/>
+          <p:nvPr/>
+        </p:nvCxnSpPr>
+        <p:spPr>
+          <a:xfrm>
+            <a:off x="6870957" y="1932609"/>
+            <a:ext cx="2663568" cy="2609521"/>
+          </a:xfrm>
+          <a:prstGeom prst="straightConnector1">
+            <a:avLst/>
+          </a:prstGeom>
+          <a:ln>
+            <a:solidFill>
+              <a:schemeClr val="tx1"/>
+            </a:solidFill>
+            <a:tailEnd type="triangle"/>
+          </a:ln>
+        </p:spPr>
+        <p:style>
+          <a:lnRef idx="1">
+            <a:schemeClr val="accent1"/>
+          </a:lnRef>
+          <a:fillRef idx="0">
+            <a:schemeClr val="accent1"/>
+          </a:fillRef>
+          <a:effectRef idx="0">
+            <a:schemeClr val="accent1"/>
+          </a:effectRef>
+          <a:fontRef idx="minor">
+            <a:schemeClr val="tx1"/>
+          </a:fontRef>
+        </p:style>
+      </p:cxnSp>
+      <p:cxnSp>
+        <p:nvCxnSpPr>
+          <p:cNvPr id="14" name="Straight Arrow Connector 13"/>
+          <p:cNvCxnSpPr>
+            <a:stCxn id="4" idx="6"/>
+          </p:cNvCxnSpPr>
+          <p:nvPr/>
+        </p:nvCxnSpPr>
+        <p:spPr>
+          <a:xfrm>
+            <a:off x="3050350" y="5288438"/>
+            <a:ext cx="6236704" cy="6602"/>
+          </a:xfrm>
+          <a:prstGeom prst="straightConnector1">
+            <a:avLst/>
+          </a:prstGeom>
+          <a:ln>
+            <a:solidFill>
+              <a:schemeClr val="tx1"/>
+            </a:solidFill>
+            <a:tailEnd type="triangle"/>
+          </a:ln>
+        </p:spPr>
+        <p:style>
+          <a:lnRef idx="1">
+            <a:schemeClr val="accent1"/>
+          </a:lnRef>
+          <a:fillRef idx="0">
+            <a:schemeClr val="accent1"/>
+          </a:fillRef>
+          <a:effectRef idx="0">
+            <a:schemeClr val="accent1"/>
+          </a:effectRef>
+          <a:fontRef idx="minor">
+            <a:schemeClr val="tx1"/>
+          </a:fontRef>
+        </p:style>
+      </p:cxnSp>
+      <p:sp>
+        <p:nvSpPr>
+          <p:cNvPr id="17" name="TextBox 16"/>
+          <p:cNvSpPr txBox="1"/>
+          <p:nvPr/>
+        </p:nvSpPr>
+        <p:spPr>
+          <a:xfrm rot="18727353">
+            <a:off x="2220044" y="2799194"/>
+            <a:ext cx="2479653" cy="553998"/>
+          </a:xfrm>
+          <a:prstGeom prst="rect">
+            <a:avLst/>
+          </a:prstGeom>
+          <a:noFill/>
+        </p:spPr>
+        <p:txBody>
+          <a:bodyPr wrap="none" rtlCol="0">
+            <a:spAutoFit/>
+          </a:bodyPr>
+          <a:lstStyle/>
+          <a:p>
+            <a:r>
+              <a:rPr lang="en-US" sz="3000" b="1" dirty="0" smtClean="0"/>
+              <a:t>cardinality:1-1</a:t>
+            </a:r>
+            <a:endParaRPr lang="en-US" sz="3000" b="1" dirty="0"/>
+          </a:p>
+        </p:txBody>
+      </p:sp>
+      <p:sp>
+        <p:nvSpPr>
+          <p:cNvPr id="19" name="TextBox 18"/>
+          <p:cNvSpPr txBox="1"/>
+          <p:nvPr/>
+        </p:nvSpPr>
+        <p:spPr>
+          <a:xfrm rot="2685202">
+            <a:off x="7059798" y="2799055"/>
+            <a:ext cx="2479653" cy="553998"/>
+          </a:xfrm>
+          <a:prstGeom prst="rect">
+            <a:avLst/>
+          </a:prstGeom>
+          <a:noFill/>
+        </p:spPr>
+        <p:txBody>
+          <a:bodyPr wrap="none" rtlCol="0">
+            <a:spAutoFit/>
+          </a:bodyPr>
+          <a:lstStyle/>
+          <a:p>
+            <a:r>
+              <a:rPr lang="en-US" sz="3000" b="1" dirty="0" smtClean="0"/>
+              <a:t>cardinality:1-1</a:t>
+            </a:r>
+            <a:endParaRPr lang="en-US" sz="3000" b="1" dirty="0"/>
+          </a:p>
+        </p:txBody>
+      </p:sp>
+      <p:sp>
+        <p:nvSpPr>
+          <p:cNvPr id="20" name="TextBox 19"/>
+          <p:cNvSpPr txBox="1"/>
+          <p:nvPr/>
+        </p:nvSpPr>
+        <p:spPr>
+          <a:xfrm>
+            <a:off x="4418805" y="4779142"/>
+            <a:ext cx="3168431" cy="553998"/>
+          </a:xfrm>
+          <a:prstGeom prst="rect">
+            <a:avLst/>
+          </a:prstGeom>
+          <a:noFill/>
+        </p:spPr>
+        <p:txBody>
+          <a:bodyPr wrap="none" rtlCol="0">
+            <a:spAutoFit/>
+          </a:bodyPr>
+          <a:lstStyle/>
+          <a:p>
+            <a:r>
+              <a:rPr lang="en-US" sz="3000" b="1" dirty="0" smtClean="0"/>
+              <a:t>cardinality:many-1</a:t>
+            </a:r>
+            <a:endParaRPr lang="en-US" sz="3000" b="1" dirty="0"/>
+          </a:p>
+        </p:txBody>
+      </p:sp>
+    </p:spTree>
+    <p:extLst>
+      <p:ext uri="{BB962C8B-B14F-4D97-AF65-F5344CB8AC3E}">
+        <p14:creationId xmlns:p14="http://schemas.microsoft.com/office/powerpoint/2010/main" val="654016366"/>
+      </p:ext>
+    </p:extLst>
+  </p:cSld>
+  <p:clrMapOvr>
+    <a:masterClrMapping/>
+  </p:clrMapOvr>
+</p:sld>
+</file>
+
+<file path=ppt/slides/slide2.xml><?xml version="1.0" encoding="utf-8"?>
+<p:sld xmlns:a="http://schemas.openxmlformats.org/drawingml/2006/main" xmlns:r="http://schemas.openxmlformats.org/officeDocument/2006/relationships" xmlns:p="http://schemas.openxmlformats.org/presentationml/2006/main">
+  <p:cSld>
+    <p:bg>
+      <p:bgPr>
+        <a:solidFill>
+          <a:schemeClr val="accent3">
+            <a:lumMod val="60000"/>
+            <a:lumOff val="40000"/>
+          </a:schemeClr>
+        </a:solidFill>
+        <a:effectLst/>
+      </p:bgPr>
+    </p:bg>
+    <p:spTree>
+      <p:nvGrpSpPr>
+        <p:cNvPr id="1" name=""/>
+        <p:cNvGrpSpPr/>
+        <p:nvPr/>
+      </p:nvGrpSpPr>
+      <p:grpSpPr>
+        <a:xfrm>
+          <a:off x="0" y="0"/>
+          <a:ext cx="0" cy="0"/>
+          <a:chOff x="0" y="0"/>
+          <a:chExt cx="0" cy="0"/>
+        </a:xfrm>
+      </p:grpSpPr>
+      <p:sp>
+        <p:nvSpPr>
+          <p:cNvPr id="5" name="TextBox 4"/>
+          <p:cNvSpPr txBox="1"/>
+          <p:nvPr/>
+        </p:nvSpPr>
+        <p:spPr>
+          <a:xfrm>
+            <a:off x="161925" y="285750"/>
+            <a:ext cx="11029950" cy="4247317"/>
+          </a:xfrm>
+          <a:prstGeom prst="rect">
+            <a:avLst/>
+          </a:prstGeom>
+          <a:noFill/>
+        </p:spPr>
+        <p:txBody>
+          <a:bodyPr wrap="square" rtlCol="0">
+            <a:spAutoFit/>
+          </a:bodyPr>
+          <a:lstStyle/>
+          <a:p>
+            <a:r>
+              <a:rPr lang="en-US" sz="3000" b="1" dirty="0"/>
+              <a:t>:</a:t>
+            </a:r>
+            <a:r>
+              <a:rPr lang="en-US" sz="3000" b="1" dirty="0" err="1"/>
+              <a:t>homoSapiensIdentifierDenotesHomoSapiens</a:t>
+            </a:r>
+            <a:r>
+              <a:rPr lang="en-US" sz="3000" b="1" dirty="0"/>
+              <a:t> a :</a:t>
+            </a:r>
+            <a:r>
+              <a:rPr lang="en-US" sz="3000" b="1" dirty="0" err="1"/>
+              <a:t>InstanceToInstanceRecipe</a:t>
+            </a:r>
+            <a:r>
+              <a:rPr lang="en-US" sz="3000" b="1" dirty="0"/>
+              <a:t> ;</a:t>
+            </a:r>
+          </a:p>
+          <a:p>
+            <a:r>
+              <a:rPr lang="en-US" sz="3000" b="1" dirty="0"/>
+              <a:t>  :subject obo:IAO_0000578 ; # centrally-registered identifier</a:t>
+            </a:r>
+          </a:p>
+          <a:p>
+            <a:r>
+              <a:rPr lang="en-US" sz="3000" b="1" dirty="0"/>
+              <a:t>  :predicate obo:IAO_0000219 ; # denotes</a:t>
+            </a:r>
+          </a:p>
+          <a:p>
+            <a:r>
+              <a:rPr lang="en-US" sz="3000" b="1" dirty="0"/>
+              <a:t>  :object obo:NCBITaxon_9606 ; # homo sapiens</a:t>
+            </a:r>
+          </a:p>
+          <a:p>
+            <a:r>
+              <a:rPr lang="en-US" sz="3000" b="1" dirty="0"/>
+              <a:t>  :cardinality :1-1 ;</a:t>
+            </a:r>
+          </a:p>
+          <a:p>
+            <a:r>
+              <a:rPr lang="en-US" sz="3000" b="1" dirty="0"/>
+              <a:t>  :</a:t>
+            </a:r>
+            <a:r>
+              <a:rPr lang="en-US" sz="3000" b="1" dirty="0" err="1"/>
+              <a:t>mustExecuteIf</a:t>
+            </a:r>
+            <a:r>
+              <a:rPr lang="en-US" sz="3000" b="1" dirty="0"/>
+              <a:t> :</a:t>
+            </a:r>
+            <a:r>
+              <a:rPr lang="en-US" sz="3000" b="1" dirty="0" err="1"/>
+              <a:t>objectExists</a:t>
+            </a:r>
+            <a:r>
+              <a:rPr lang="en-US" sz="3000" b="1" dirty="0"/>
+              <a:t> ;</a:t>
+            </a:r>
+          </a:p>
+          <a:p>
+            <a:r>
+              <a:rPr lang="en-US" sz="3000" b="1" dirty="0"/>
+              <a:t>.</a:t>
+            </a:r>
+          </a:p>
+          <a:p>
+            <a:endParaRPr lang="en-US" sz="3000" b="1" dirty="0"/>
+          </a:p>
+        </p:txBody>
+      </p:sp>
+    </p:spTree>
+    <p:extLst>
+      <p:ext uri="{BB962C8B-B14F-4D97-AF65-F5344CB8AC3E}">
+        <p14:creationId xmlns:p14="http://schemas.microsoft.com/office/powerpoint/2010/main" val="233832936"/>
+      </p:ext>
+    </p:extLst>
+  </p:cSld>
+  <p:clrMapOvr>
+    <a:masterClrMapping/>
+  </p:clrMapOvr>
+</p:sld>
+</file>
+
+<file path=ppt/slides/slide3.xml><?xml version="1.0" encoding="utf-8"?>
+<p:sld xmlns:a="http://schemas.openxmlformats.org/drawingml/2006/main" xmlns:r="http://schemas.openxmlformats.org/officeDocument/2006/relationships" xmlns:p="http://schemas.openxmlformats.org/presentationml/2006/main">
+  <p:cSld>
+    <p:spTree>
+      <p:nvGrpSpPr>
+        <p:cNvPr id="1" name=""/>
+        <p:cNvGrpSpPr/>
+        <p:nvPr/>
+      </p:nvGrpSpPr>
+      <p:grpSpPr>
+        <a:xfrm>
+          <a:off x="0" y="0"/>
+          <a:ext cx="0" cy="0"/>
+          <a:chOff x="0" y="0"/>
+          <a:chExt cx="0" cy="0"/>
+        </a:xfrm>
+      </p:grpSpPr>
       <p:pic>
         <p:nvPicPr>
           <p:cNvPr id="4" name="Picture 3"/>
@@ -4250,1111 +8702,7 @@
 </p:sld>
 </file>
 
-<file path=ppt/slides/slide10.xml><?xml version="1.0" encoding="utf-8"?>
-<p:sld xmlns:a="http://schemas.openxmlformats.org/drawingml/2006/main" xmlns:r="http://schemas.openxmlformats.org/officeDocument/2006/relationships" xmlns:p="http://schemas.openxmlformats.org/presentationml/2006/main">
-  <p:cSld>
-    <p:spTree>
-      <p:nvGrpSpPr>
-        <p:cNvPr id="1" name=""/>
-        <p:cNvGrpSpPr/>
-        <p:nvPr/>
-      </p:nvGrpSpPr>
-      <p:grpSpPr>
-        <a:xfrm>
-          <a:off x="0" y="0"/>
-          <a:ext cx="0" cy="0"/>
-          <a:chOff x="0" y="0"/>
-          <a:chExt cx="0" cy="0"/>
-        </a:xfrm>
-      </p:grpSpPr>
-      <p:sp>
-        <p:nvSpPr>
-          <p:cNvPr id="5" name="Rectangle 4"/>
-          <p:cNvSpPr/>
-          <p:nvPr/>
-        </p:nvSpPr>
-        <p:spPr>
-          <a:xfrm>
-            <a:off x="226243" y="254524"/>
-            <a:ext cx="6516430" cy="6198816"/>
-          </a:xfrm>
-          <a:prstGeom prst="rect">
-            <a:avLst/>
-          </a:prstGeom>
-          <a:solidFill>
-            <a:schemeClr val="accent4">
-              <a:lumMod val="50000"/>
-              <a:alpha val="13000"/>
-            </a:schemeClr>
-          </a:solidFill>
-        </p:spPr>
-        <p:style>
-          <a:lnRef idx="2">
-            <a:schemeClr val="accent1">
-              <a:shade val="50000"/>
-            </a:schemeClr>
-          </a:lnRef>
-          <a:fillRef idx="1">
-            <a:schemeClr val="accent1"/>
-          </a:fillRef>
-          <a:effectRef idx="0">
-            <a:schemeClr val="accent1"/>
-          </a:effectRef>
-          <a:fontRef idx="minor">
-            <a:schemeClr val="lt1"/>
-          </a:fontRef>
-        </p:style>
-        <p:txBody>
-          <a:bodyPr rtlCol="0" anchor="ctr"/>
-          <a:lstStyle/>
-          <a:p>
-            <a:pPr algn="ctr"/>
-            <a:endParaRPr lang="en-US"/>
-          </a:p>
-        </p:txBody>
-      </p:sp>
-      <p:sp>
-        <p:nvSpPr>
-          <p:cNvPr id="6" name="Rectangle 5"/>
-          <p:cNvSpPr/>
-          <p:nvPr/>
-        </p:nvSpPr>
-        <p:spPr>
-          <a:xfrm>
-            <a:off x="6957665" y="254524"/>
-            <a:ext cx="4797560" cy="6198816"/>
-          </a:xfrm>
-          <a:prstGeom prst="rect">
-            <a:avLst/>
-          </a:prstGeom>
-          <a:solidFill>
-            <a:schemeClr val="accent4">
-              <a:lumMod val="50000"/>
-              <a:alpha val="13000"/>
-            </a:schemeClr>
-          </a:solidFill>
-        </p:spPr>
-        <p:style>
-          <a:lnRef idx="2">
-            <a:schemeClr val="accent1">
-              <a:shade val="50000"/>
-            </a:schemeClr>
-          </a:lnRef>
-          <a:fillRef idx="1">
-            <a:schemeClr val="accent1"/>
-          </a:fillRef>
-          <a:effectRef idx="0">
-            <a:schemeClr val="accent1"/>
-          </a:effectRef>
-          <a:fontRef idx="minor">
-            <a:schemeClr val="lt1"/>
-          </a:fontRef>
-        </p:style>
-        <p:txBody>
-          <a:bodyPr rtlCol="0" anchor="ctr"/>
-          <a:lstStyle/>
-          <a:p>
-            <a:pPr algn="ctr"/>
-            <a:endParaRPr lang="en-US"/>
-          </a:p>
-        </p:txBody>
-      </p:sp>
-      <p:sp>
-        <p:nvSpPr>
-          <p:cNvPr id="7" name="TextBox 6"/>
-          <p:cNvSpPr txBox="1"/>
-          <p:nvPr/>
-        </p:nvSpPr>
-        <p:spPr>
-          <a:xfrm>
-            <a:off x="891783" y="582612"/>
-            <a:ext cx="5185350" cy="553998"/>
-          </a:xfrm>
-          <a:prstGeom prst="rect">
-            <a:avLst/>
-          </a:prstGeom>
-          <a:noFill/>
-        </p:spPr>
-        <p:txBody>
-          <a:bodyPr wrap="square" rtlCol="0">
-            <a:spAutoFit/>
-          </a:bodyPr>
-          <a:lstStyle/>
-          <a:p>
-            <a:r>
-              <a:rPr lang="en-US" sz="3000" b="1" dirty="0" smtClean="0"/>
-              <a:t>Transformation Instruction Set</a:t>
-            </a:r>
-            <a:endParaRPr lang="en-US" sz="3000" b="1" dirty="0"/>
-          </a:p>
-        </p:txBody>
-      </p:sp>
-      <p:sp>
-        <p:nvSpPr>
-          <p:cNvPr id="8" name="TextBox 7"/>
-          <p:cNvSpPr txBox="1"/>
-          <p:nvPr/>
-        </p:nvSpPr>
-        <p:spPr>
-          <a:xfrm>
-            <a:off x="7169391" y="523995"/>
-            <a:ext cx="4374108" cy="553998"/>
-          </a:xfrm>
-          <a:prstGeom prst="rect">
-            <a:avLst/>
-          </a:prstGeom>
-          <a:noFill/>
-        </p:spPr>
-        <p:txBody>
-          <a:bodyPr wrap="square" rtlCol="0">
-            <a:spAutoFit/>
-          </a:bodyPr>
-          <a:lstStyle/>
-          <a:p>
-            <a:pPr algn="ctr"/>
-            <a:r>
-              <a:rPr lang="en-US" sz="3000" b="1" dirty="0" smtClean="0"/>
-              <a:t>Graph Specification</a:t>
-            </a:r>
-            <a:endParaRPr lang="en-US" sz="3000" b="1" dirty="0"/>
-          </a:p>
-        </p:txBody>
-      </p:sp>
-      <p:sp>
-        <p:nvSpPr>
-          <p:cNvPr id="9" name="Rectangle 8"/>
-          <p:cNvSpPr/>
-          <p:nvPr/>
-        </p:nvSpPr>
-        <p:spPr>
-          <a:xfrm>
-            <a:off x="4762682" y="2417816"/>
-            <a:ext cx="1852061" cy="1216057"/>
-          </a:xfrm>
-          <a:prstGeom prst="rect">
-            <a:avLst/>
-          </a:prstGeom>
-          <a:solidFill>
-            <a:schemeClr val="tx2">
-              <a:lumMod val="50000"/>
-            </a:schemeClr>
-          </a:solidFill>
-        </p:spPr>
-        <p:style>
-          <a:lnRef idx="2">
-            <a:schemeClr val="accent1">
-              <a:shade val="50000"/>
-            </a:schemeClr>
-          </a:lnRef>
-          <a:fillRef idx="1">
-            <a:schemeClr val="accent1"/>
-          </a:fillRef>
-          <a:effectRef idx="0">
-            <a:schemeClr val="accent1"/>
-          </a:effectRef>
-          <a:fontRef idx="minor">
-            <a:schemeClr val="lt1"/>
-          </a:fontRef>
-        </p:style>
-        <p:txBody>
-          <a:bodyPr rtlCol="0" anchor="ctr"/>
-          <a:lstStyle/>
-          <a:p>
-            <a:pPr algn="ctr"/>
-            <a:r>
-              <a:rPr lang="en-US" sz="2400" b="1" dirty="0" smtClean="0"/>
-              <a:t>Process Specification</a:t>
-            </a:r>
-            <a:endParaRPr lang="en-US" sz="2400" b="1" dirty="0"/>
-          </a:p>
-        </p:txBody>
-      </p:sp>
-      <p:sp>
-        <p:nvSpPr>
-          <p:cNvPr id="10" name="Rectangle 9"/>
-          <p:cNvSpPr/>
-          <p:nvPr/>
-        </p:nvSpPr>
-        <p:spPr>
-          <a:xfrm>
-            <a:off x="327029" y="2417816"/>
-            <a:ext cx="1772239" cy="1216057"/>
-          </a:xfrm>
-          <a:prstGeom prst="rect">
-            <a:avLst/>
-          </a:prstGeom>
-          <a:solidFill>
-            <a:schemeClr val="tx2">
-              <a:lumMod val="50000"/>
-            </a:schemeClr>
-          </a:solidFill>
-        </p:spPr>
-        <p:style>
-          <a:lnRef idx="2">
-            <a:schemeClr val="accent1">
-              <a:shade val="50000"/>
-            </a:schemeClr>
-          </a:lnRef>
-          <a:fillRef idx="1">
-            <a:schemeClr val="accent1"/>
-          </a:fillRef>
-          <a:effectRef idx="0">
-            <a:schemeClr val="accent1"/>
-          </a:effectRef>
-          <a:fontRef idx="minor">
-            <a:schemeClr val="lt1"/>
-          </a:fontRef>
-        </p:style>
-        <p:txBody>
-          <a:bodyPr rtlCol="0" anchor="ctr"/>
-          <a:lstStyle/>
-          <a:p>
-            <a:pPr algn="ctr"/>
-            <a:r>
-              <a:rPr lang="en-US" sz="2400" b="1" dirty="0" smtClean="0"/>
-              <a:t>Connection Recipe</a:t>
-            </a:r>
-            <a:endParaRPr lang="en-US" sz="2400" b="1" dirty="0"/>
-          </a:p>
-        </p:txBody>
-      </p:sp>
-      <p:cxnSp>
-        <p:nvCxnSpPr>
-          <p:cNvPr id="14" name="Straight Arrow Connector 13"/>
-          <p:cNvCxnSpPr>
-            <a:stCxn id="9" idx="1"/>
-          </p:cNvCxnSpPr>
-          <p:nvPr/>
-        </p:nvCxnSpPr>
-        <p:spPr>
-          <a:xfrm flipH="1" flipV="1">
-            <a:off x="2099268" y="3014260"/>
-            <a:ext cx="2663414" cy="11585"/>
-          </a:xfrm>
-          <a:prstGeom prst="straightConnector1">
-            <a:avLst/>
-          </a:prstGeom>
-          <a:ln>
-            <a:tailEnd type="triangle"/>
-          </a:ln>
-        </p:spPr>
-        <p:style>
-          <a:lnRef idx="1">
-            <a:schemeClr val="accent1"/>
-          </a:lnRef>
-          <a:fillRef idx="0">
-            <a:schemeClr val="accent1"/>
-          </a:fillRef>
-          <a:effectRef idx="0">
-            <a:schemeClr val="accent1"/>
-          </a:effectRef>
-          <a:fontRef idx="minor">
-            <a:schemeClr val="tx1"/>
-          </a:fontRef>
-        </p:style>
-      </p:cxnSp>
-      <p:cxnSp>
-        <p:nvCxnSpPr>
-          <p:cNvPr id="17" name="Straight Arrow Connector 16"/>
-          <p:cNvCxnSpPr/>
-          <p:nvPr/>
-        </p:nvCxnSpPr>
-        <p:spPr>
-          <a:xfrm flipV="1">
-            <a:off x="6614743" y="2971488"/>
-            <a:ext cx="3024316" cy="2785"/>
-          </a:xfrm>
-          <a:prstGeom prst="straightConnector1">
-            <a:avLst/>
-          </a:prstGeom>
-          <a:ln>
-            <a:tailEnd type="triangle"/>
-          </a:ln>
-        </p:spPr>
-        <p:style>
-          <a:lnRef idx="1">
-            <a:schemeClr val="accent1"/>
-          </a:lnRef>
-          <a:fillRef idx="0">
-            <a:schemeClr val="accent1"/>
-          </a:fillRef>
-          <a:effectRef idx="0">
-            <a:schemeClr val="accent1"/>
-          </a:effectRef>
-          <a:fontRef idx="minor">
-            <a:schemeClr val="tx1"/>
-          </a:fontRef>
-        </p:style>
-      </p:cxnSp>
-      <p:sp>
-        <p:nvSpPr>
-          <p:cNvPr id="21" name="TextBox 20"/>
-          <p:cNvSpPr txBox="1"/>
-          <p:nvPr/>
-        </p:nvSpPr>
-        <p:spPr>
-          <a:xfrm>
-            <a:off x="6923419" y="1744128"/>
-            <a:ext cx="3598208" cy="1246495"/>
-          </a:xfrm>
-          <a:prstGeom prst="rect">
-            <a:avLst/>
-          </a:prstGeom>
-          <a:noFill/>
-        </p:spPr>
-        <p:txBody>
-          <a:bodyPr wrap="square" rtlCol="0">
-            <a:spAutoFit/>
-          </a:bodyPr>
-          <a:lstStyle/>
-          <a:p>
-            <a:r>
-              <a:rPr lang="en-US" sz="1500" b="1" dirty="0" err="1" smtClean="0"/>
-              <a:t>semExpander:hasRequiredInput</a:t>
-            </a:r>
-            <a:r>
-              <a:rPr lang="en-US" sz="1500" b="1" dirty="0" smtClean="0"/>
-              <a:t> </a:t>
-            </a:r>
-          </a:p>
-          <a:p>
-            <a:r>
-              <a:rPr lang="en-US" sz="1500" b="1" dirty="0" smtClean="0"/>
-              <a:t>OR</a:t>
-            </a:r>
-          </a:p>
-          <a:p>
-            <a:r>
-              <a:rPr lang="en-US" sz="1500" b="1" dirty="0" err="1" smtClean="0"/>
-              <a:t>semExpander:hasOptionalInput</a:t>
-            </a:r>
-            <a:endParaRPr lang="en-US" sz="1500" b="1" dirty="0" smtClean="0"/>
-          </a:p>
-          <a:p>
-            <a:r>
-              <a:rPr lang="en-US" sz="1500" b="1" dirty="0" smtClean="0"/>
-              <a:t>OR</a:t>
-            </a:r>
-          </a:p>
-          <a:p>
-            <a:r>
-              <a:rPr lang="en-US" sz="1500" b="1" dirty="0" err="1" smtClean="0"/>
-              <a:t>semExpander:hasOutput</a:t>
-            </a:r>
-            <a:endParaRPr lang="en-US" sz="1500" b="1" dirty="0"/>
-          </a:p>
-        </p:txBody>
-      </p:sp>
-      <p:sp>
-        <p:nvSpPr>
-          <p:cNvPr id="22" name="Rectangle 21"/>
-          <p:cNvSpPr/>
-          <p:nvPr/>
-        </p:nvSpPr>
-        <p:spPr>
-          <a:xfrm>
-            <a:off x="1026979" y="4801184"/>
-            <a:ext cx="1772239" cy="1216057"/>
-          </a:xfrm>
-          <a:prstGeom prst="rect">
-            <a:avLst/>
-          </a:prstGeom>
-          <a:solidFill>
-            <a:schemeClr val="tx2">
-              <a:lumMod val="50000"/>
-            </a:schemeClr>
-          </a:solidFill>
-        </p:spPr>
-        <p:style>
-          <a:lnRef idx="2">
-            <a:schemeClr val="accent1">
-              <a:shade val="50000"/>
-            </a:schemeClr>
-          </a:lnRef>
-          <a:fillRef idx="1">
-            <a:schemeClr val="accent1"/>
-          </a:fillRef>
-          <a:effectRef idx="0">
-            <a:schemeClr val="accent1"/>
-          </a:effectRef>
-          <a:fontRef idx="minor">
-            <a:schemeClr val="lt1"/>
-          </a:fontRef>
-        </p:style>
-        <p:txBody>
-          <a:bodyPr rtlCol="0" anchor="ctr"/>
-          <a:lstStyle/>
-          <a:p>
-            <a:pPr algn="ctr"/>
-            <a:r>
-              <a:rPr lang="en-US" sz="2400" b="1" dirty="0" smtClean="0"/>
-              <a:t>Named Graph</a:t>
-            </a:r>
-            <a:endParaRPr lang="en-US" sz="2400" b="1" dirty="0"/>
-          </a:p>
-        </p:txBody>
-      </p:sp>
-      <p:cxnSp>
-        <p:nvCxnSpPr>
-          <p:cNvPr id="23" name="Straight Arrow Connector 22"/>
-          <p:cNvCxnSpPr>
-            <a:endCxn id="22" idx="0"/>
-          </p:cNvCxnSpPr>
-          <p:nvPr/>
-        </p:nvCxnSpPr>
-        <p:spPr>
-          <a:xfrm flipH="1">
-            <a:off x="1913099" y="3477416"/>
-            <a:ext cx="2845300" cy="1323768"/>
-          </a:xfrm>
-          <a:prstGeom prst="straightConnector1">
-            <a:avLst/>
-          </a:prstGeom>
-          <a:ln>
-            <a:tailEnd type="triangle"/>
-          </a:ln>
-        </p:spPr>
-        <p:style>
-          <a:lnRef idx="1">
-            <a:schemeClr val="accent1"/>
-          </a:lnRef>
-          <a:fillRef idx="0">
-            <a:schemeClr val="accent1"/>
-          </a:fillRef>
-          <a:effectRef idx="0">
-            <a:schemeClr val="accent1"/>
-          </a:effectRef>
-          <a:fontRef idx="minor">
-            <a:schemeClr val="tx1"/>
-          </a:fontRef>
-        </p:style>
-      </p:cxnSp>
-      <p:sp>
-        <p:nvSpPr>
-          <p:cNvPr id="26" name="TextBox 25"/>
-          <p:cNvSpPr txBox="1"/>
-          <p:nvPr/>
-        </p:nvSpPr>
-        <p:spPr>
-          <a:xfrm>
-            <a:off x="1851888" y="3978154"/>
-            <a:ext cx="4513256" cy="323165"/>
-          </a:xfrm>
-          <a:prstGeom prst="rect">
-            <a:avLst/>
-          </a:prstGeom>
-          <a:noFill/>
-        </p:spPr>
-        <p:txBody>
-          <a:bodyPr wrap="square" rtlCol="0">
-            <a:spAutoFit/>
-          </a:bodyPr>
-          <a:lstStyle/>
-          <a:p>
-            <a:r>
-              <a:rPr lang="en-US" sz="1500" b="1" dirty="0" err="1" smtClean="0"/>
-              <a:t>semExpander:inputNamedGraph</a:t>
-            </a:r>
-            <a:endParaRPr lang="en-US" sz="1500" b="1" dirty="0" smtClean="0"/>
-          </a:p>
-        </p:txBody>
-      </p:sp>
-      <p:sp>
-        <p:nvSpPr>
-          <p:cNvPr id="18" name="TextBox 17"/>
-          <p:cNvSpPr txBox="1"/>
-          <p:nvPr/>
-        </p:nvSpPr>
-        <p:spPr>
-          <a:xfrm>
-            <a:off x="2103551" y="1779349"/>
-            <a:ext cx="3598208" cy="1246495"/>
-          </a:xfrm>
-          <a:prstGeom prst="rect">
-            <a:avLst/>
-          </a:prstGeom>
-          <a:noFill/>
-        </p:spPr>
-        <p:txBody>
-          <a:bodyPr wrap="square" rtlCol="0">
-            <a:spAutoFit/>
-          </a:bodyPr>
-          <a:lstStyle/>
-          <a:p>
-            <a:r>
-              <a:rPr lang="en-US" sz="1500" b="1" dirty="0" err="1" smtClean="0"/>
-              <a:t>semExpander:hasRequiredInput</a:t>
-            </a:r>
-            <a:r>
-              <a:rPr lang="en-US" sz="1500" b="1" dirty="0" smtClean="0"/>
-              <a:t> </a:t>
-            </a:r>
-          </a:p>
-          <a:p>
-            <a:r>
-              <a:rPr lang="en-US" sz="1500" b="1" dirty="0" smtClean="0"/>
-              <a:t>OR</a:t>
-            </a:r>
-          </a:p>
-          <a:p>
-            <a:r>
-              <a:rPr lang="en-US" sz="1500" b="1" dirty="0" err="1" smtClean="0"/>
-              <a:t>semExpander:hasOptionalInput</a:t>
-            </a:r>
-            <a:endParaRPr lang="en-US" sz="1500" b="1" dirty="0" smtClean="0"/>
-          </a:p>
-          <a:p>
-            <a:r>
-              <a:rPr lang="en-US" sz="1500" b="1" dirty="0" smtClean="0"/>
-              <a:t>OR</a:t>
-            </a:r>
-          </a:p>
-          <a:p>
-            <a:r>
-              <a:rPr lang="en-US" sz="1500" b="1" dirty="0" err="1" smtClean="0"/>
-              <a:t>semExpander:hasOutput</a:t>
-            </a:r>
-            <a:endParaRPr lang="en-US" sz="1500" b="1" dirty="0"/>
-          </a:p>
-        </p:txBody>
-      </p:sp>
-      <p:sp>
-        <p:nvSpPr>
-          <p:cNvPr id="24" name="Rectangle 23"/>
-          <p:cNvSpPr/>
-          <p:nvPr/>
-        </p:nvSpPr>
-        <p:spPr>
-          <a:xfrm>
-            <a:off x="9639059" y="2381464"/>
-            <a:ext cx="1772239" cy="1216057"/>
-          </a:xfrm>
-          <a:prstGeom prst="rect">
-            <a:avLst/>
-          </a:prstGeom>
-          <a:solidFill>
-            <a:schemeClr val="tx2">
-              <a:lumMod val="50000"/>
-            </a:schemeClr>
-          </a:solidFill>
-        </p:spPr>
-        <p:style>
-          <a:lnRef idx="2">
-            <a:schemeClr val="accent1">
-              <a:shade val="50000"/>
-            </a:schemeClr>
-          </a:lnRef>
-          <a:fillRef idx="1">
-            <a:schemeClr val="accent1"/>
-          </a:fillRef>
-          <a:effectRef idx="0">
-            <a:schemeClr val="accent1"/>
-          </a:effectRef>
-          <a:fontRef idx="minor">
-            <a:schemeClr val="lt1"/>
-          </a:fontRef>
-        </p:style>
-        <p:txBody>
-          <a:bodyPr rtlCol="0" anchor="ctr"/>
-          <a:lstStyle/>
-          <a:p>
-            <a:pPr algn="ctr"/>
-            <a:r>
-              <a:rPr lang="en-US" sz="2400" b="1" dirty="0" smtClean="0"/>
-              <a:t>Connection Recipe</a:t>
-            </a:r>
-            <a:endParaRPr lang="en-US" sz="2400" b="1" dirty="0"/>
-          </a:p>
-        </p:txBody>
-      </p:sp>
-      <p:sp>
-        <p:nvSpPr>
-          <p:cNvPr id="25" name="Rectangle 24"/>
-          <p:cNvSpPr/>
-          <p:nvPr/>
-        </p:nvSpPr>
-        <p:spPr>
-          <a:xfrm>
-            <a:off x="4728482" y="4834661"/>
-            <a:ext cx="1772239" cy="1216057"/>
-          </a:xfrm>
-          <a:prstGeom prst="rect">
-            <a:avLst/>
-          </a:prstGeom>
-          <a:solidFill>
-            <a:schemeClr val="tx2">
-              <a:lumMod val="50000"/>
-            </a:schemeClr>
-          </a:solidFill>
-        </p:spPr>
-        <p:style>
-          <a:lnRef idx="2">
-            <a:schemeClr val="accent1">
-              <a:shade val="50000"/>
-            </a:schemeClr>
-          </a:lnRef>
-          <a:fillRef idx="1">
-            <a:schemeClr val="accent1"/>
-          </a:fillRef>
-          <a:effectRef idx="0">
-            <a:schemeClr val="accent1"/>
-          </a:effectRef>
-          <a:fontRef idx="minor">
-            <a:schemeClr val="lt1"/>
-          </a:fontRef>
-        </p:style>
-        <p:txBody>
-          <a:bodyPr rtlCol="0" anchor="ctr"/>
-          <a:lstStyle/>
-          <a:p>
-            <a:pPr algn="ctr"/>
-            <a:r>
-              <a:rPr lang="en-US" sz="2400" b="1" dirty="0" smtClean="0"/>
-              <a:t>Named Graph</a:t>
-            </a:r>
-            <a:endParaRPr lang="en-US" sz="2400" b="1" dirty="0"/>
-          </a:p>
-        </p:txBody>
-      </p:sp>
-      <p:cxnSp>
-        <p:nvCxnSpPr>
-          <p:cNvPr id="27" name="Straight Arrow Connector 26"/>
-          <p:cNvCxnSpPr/>
-          <p:nvPr/>
-        </p:nvCxnSpPr>
-        <p:spPr>
-          <a:xfrm>
-            <a:off x="5651282" y="3633873"/>
-            <a:ext cx="9334" cy="1211689"/>
-          </a:xfrm>
-          <a:prstGeom prst="straightConnector1">
-            <a:avLst/>
-          </a:prstGeom>
-          <a:ln>
-            <a:tailEnd type="triangle"/>
-          </a:ln>
-        </p:spPr>
-        <p:style>
-          <a:lnRef idx="1">
-            <a:schemeClr val="accent1"/>
-          </a:lnRef>
-          <a:fillRef idx="0">
-            <a:schemeClr val="accent1"/>
-          </a:fillRef>
-          <a:effectRef idx="0">
-            <a:schemeClr val="accent1"/>
-          </a:effectRef>
-          <a:fontRef idx="minor">
-            <a:schemeClr val="tx1"/>
-          </a:fontRef>
-        </p:style>
-      </p:cxnSp>
-      <p:sp>
-        <p:nvSpPr>
-          <p:cNvPr id="28" name="TextBox 27"/>
-          <p:cNvSpPr txBox="1"/>
-          <p:nvPr/>
-        </p:nvSpPr>
-        <p:spPr>
-          <a:xfrm>
-            <a:off x="4244093" y="4263656"/>
-            <a:ext cx="4513256" cy="323165"/>
-          </a:xfrm>
-          <a:prstGeom prst="rect">
-            <a:avLst/>
-          </a:prstGeom>
-          <a:noFill/>
-        </p:spPr>
-        <p:txBody>
-          <a:bodyPr wrap="square" rtlCol="0">
-            <a:spAutoFit/>
-          </a:bodyPr>
-          <a:lstStyle/>
-          <a:p>
-            <a:r>
-              <a:rPr lang="en-US" sz="1500" b="1" dirty="0" err="1" smtClean="0"/>
-              <a:t>semExpander:outputNamedGraph</a:t>
-            </a:r>
-            <a:endParaRPr lang="en-US" sz="1500" b="1" dirty="0" smtClean="0"/>
-          </a:p>
-        </p:txBody>
-      </p:sp>
-    </p:spTree>
-    <p:extLst>
-      <p:ext uri="{BB962C8B-B14F-4D97-AF65-F5344CB8AC3E}">
-        <p14:creationId xmlns:p14="http://schemas.microsoft.com/office/powerpoint/2010/main" val="3767419629"/>
-      </p:ext>
-    </p:extLst>
-  </p:cSld>
-  <p:clrMapOvr>
-    <a:masterClrMapping/>
-  </p:clrMapOvr>
-</p:sld>
-</file>
-
-<file path=ppt/slides/slide11.xml><?xml version="1.0" encoding="utf-8"?>
-<p:sld xmlns:a="http://schemas.openxmlformats.org/drawingml/2006/main" xmlns:r="http://schemas.openxmlformats.org/officeDocument/2006/relationships" xmlns:p="http://schemas.openxmlformats.org/presentationml/2006/main">
-  <p:cSld>
-    <p:spTree>
-      <p:nvGrpSpPr>
-        <p:cNvPr id="1" name=""/>
-        <p:cNvGrpSpPr/>
-        <p:nvPr/>
-      </p:nvGrpSpPr>
-      <p:grpSpPr>
-        <a:xfrm>
-          <a:off x="0" y="0"/>
-          <a:ext cx="0" cy="0"/>
-          <a:chOff x="0" y="0"/>
-          <a:chExt cx="0" cy="0"/>
-        </a:xfrm>
-      </p:grpSpPr>
-      <p:sp>
-        <p:nvSpPr>
-          <p:cNvPr id="4" name="Oval 3"/>
-          <p:cNvSpPr/>
-          <p:nvPr/>
-        </p:nvSpPr>
-        <p:spPr>
-          <a:xfrm>
-            <a:off x="448552" y="4081807"/>
-            <a:ext cx="2601798" cy="2413262"/>
-          </a:xfrm>
-          <a:prstGeom prst="ellipse">
-            <a:avLst/>
-          </a:prstGeom>
-        </p:spPr>
-        <p:style>
-          <a:lnRef idx="2">
-            <a:schemeClr val="accent1">
-              <a:shade val="50000"/>
-            </a:schemeClr>
-          </a:lnRef>
-          <a:fillRef idx="1">
-            <a:schemeClr val="accent1"/>
-          </a:fillRef>
-          <a:effectRef idx="0">
-            <a:schemeClr val="accent1"/>
-          </a:effectRef>
-          <a:fontRef idx="minor">
-            <a:schemeClr val="lt1"/>
-          </a:fontRef>
-        </p:style>
-        <p:txBody>
-          <a:bodyPr rtlCol="0" anchor="ctr"/>
-          <a:lstStyle/>
-          <a:p>
-            <a:pPr algn="ctr"/>
-            <a:r>
-              <a:rPr lang="en-US" sz="3000" b="1" dirty="0" smtClean="0"/>
-              <a:t>Class B</a:t>
-            </a:r>
-            <a:endParaRPr lang="en-US" sz="3000" b="1" dirty="0"/>
-          </a:p>
-        </p:txBody>
-      </p:sp>
-      <p:sp>
-        <p:nvSpPr>
-          <p:cNvPr id="5" name="Oval 4"/>
-          <p:cNvSpPr/>
-          <p:nvPr/>
-        </p:nvSpPr>
-        <p:spPr>
-          <a:xfrm>
-            <a:off x="9287054" y="4013420"/>
-            <a:ext cx="2601798" cy="2413262"/>
-          </a:xfrm>
-          <a:prstGeom prst="ellipse">
-            <a:avLst/>
-          </a:prstGeom>
-        </p:spPr>
-        <p:style>
-          <a:lnRef idx="2">
-            <a:schemeClr val="accent1">
-              <a:shade val="50000"/>
-            </a:schemeClr>
-          </a:lnRef>
-          <a:fillRef idx="1">
-            <a:schemeClr val="accent1"/>
-          </a:fillRef>
-          <a:effectRef idx="0">
-            <a:schemeClr val="accent1"/>
-          </a:effectRef>
-          <a:fontRef idx="minor">
-            <a:schemeClr val="lt1"/>
-          </a:fontRef>
-        </p:style>
-        <p:txBody>
-          <a:bodyPr rtlCol="0" anchor="ctr"/>
-          <a:lstStyle/>
-          <a:p>
-            <a:pPr algn="ctr"/>
-            <a:r>
-              <a:rPr lang="en-US" sz="3000" b="1" dirty="0" smtClean="0"/>
-              <a:t>Class C</a:t>
-            </a:r>
-            <a:endParaRPr lang="en-US" sz="3000" b="1" dirty="0"/>
-          </a:p>
-        </p:txBody>
-      </p:sp>
-      <p:sp>
-        <p:nvSpPr>
-          <p:cNvPr id="6" name="Oval 5"/>
-          <p:cNvSpPr/>
-          <p:nvPr/>
-        </p:nvSpPr>
-        <p:spPr>
-          <a:xfrm>
-            <a:off x="4418805" y="197963"/>
-            <a:ext cx="2601798" cy="2413262"/>
-          </a:xfrm>
-          <a:prstGeom prst="ellipse">
-            <a:avLst/>
-          </a:prstGeom>
-        </p:spPr>
-        <p:style>
-          <a:lnRef idx="2">
-            <a:schemeClr val="accent1">
-              <a:shade val="50000"/>
-            </a:schemeClr>
-          </a:lnRef>
-          <a:fillRef idx="1">
-            <a:schemeClr val="accent1"/>
-          </a:fillRef>
-          <a:effectRef idx="0">
-            <a:schemeClr val="accent1"/>
-          </a:effectRef>
-          <a:fontRef idx="minor">
-            <a:schemeClr val="lt1"/>
-          </a:fontRef>
-        </p:style>
-        <p:txBody>
-          <a:bodyPr rtlCol="0" anchor="ctr"/>
-          <a:lstStyle/>
-          <a:p>
-            <a:pPr algn="ctr"/>
-            <a:r>
-              <a:rPr lang="en-US" sz="3000" b="1" dirty="0" smtClean="0"/>
-              <a:t>Class A</a:t>
-            </a:r>
-            <a:endParaRPr lang="en-US" sz="3000" b="1" dirty="0"/>
-          </a:p>
-        </p:txBody>
-      </p:sp>
-      <p:cxnSp>
-        <p:nvCxnSpPr>
-          <p:cNvPr id="8" name="Straight Arrow Connector 7"/>
-          <p:cNvCxnSpPr/>
-          <p:nvPr/>
-        </p:nvCxnSpPr>
-        <p:spPr>
-          <a:xfrm flipH="1">
-            <a:off x="2525585" y="2070579"/>
-            <a:ext cx="2123383" cy="2291871"/>
-          </a:xfrm>
-          <a:prstGeom prst="straightConnector1">
-            <a:avLst/>
-          </a:prstGeom>
-          <a:ln>
-            <a:solidFill>
-              <a:schemeClr val="tx1"/>
-            </a:solidFill>
-            <a:tailEnd type="triangle"/>
-          </a:ln>
-        </p:spPr>
-        <p:style>
-          <a:lnRef idx="1">
-            <a:schemeClr val="accent1"/>
-          </a:lnRef>
-          <a:fillRef idx="0">
-            <a:schemeClr val="accent1"/>
-          </a:fillRef>
-          <a:effectRef idx="0">
-            <a:schemeClr val="accent1"/>
-          </a:effectRef>
-          <a:fontRef idx="minor">
-            <a:schemeClr val="tx1"/>
-          </a:fontRef>
-        </p:style>
-      </p:cxnSp>
-      <p:cxnSp>
-        <p:nvCxnSpPr>
-          <p:cNvPr id="10" name="Straight Arrow Connector 9"/>
-          <p:cNvCxnSpPr/>
-          <p:nvPr/>
-        </p:nvCxnSpPr>
-        <p:spPr>
-          <a:xfrm>
-            <a:off x="6870957" y="1932609"/>
-            <a:ext cx="2663568" cy="2609521"/>
-          </a:xfrm>
-          <a:prstGeom prst="straightConnector1">
-            <a:avLst/>
-          </a:prstGeom>
-          <a:ln>
-            <a:solidFill>
-              <a:schemeClr val="tx1"/>
-            </a:solidFill>
-            <a:tailEnd type="triangle"/>
-          </a:ln>
-        </p:spPr>
-        <p:style>
-          <a:lnRef idx="1">
-            <a:schemeClr val="accent1"/>
-          </a:lnRef>
-          <a:fillRef idx="0">
-            <a:schemeClr val="accent1"/>
-          </a:fillRef>
-          <a:effectRef idx="0">
-            <a:schemeClr val="accent1"/>
-          </a:effectRef>
-          <a:fontRef idx="minor">
-            <a:schemeClr val="tx1"/>
-          </a:fontRef>
-        </p:style>
-      </p:cxnSp>
-      <p:cxnSp>
-        <p:nvCxnSpPr>
-          <p:cNvPr id="14" name="Straight Arrow Connector 13"/>
-          <p:cNvCxnSpPr>
-            <a:stCxn id="4" idx="6"/>
-          </p:cNvCxnSpPr>
-          <p:nvPr/>
-        </p:nvCxnSpPr>
-        <p:spPr>
-          <a:xfrm>
-            <a:off x="3050350" y="5288438"/>
-            <a:ext cx="6236704" cy="6602"/>
-          </a:xfrm>
-          <a:prstGeom prst="straightConnector1">
-            <a:avLst/>
-          </a:prstGeom>
-          <a:ln>
-            <a:solidFill>
-              <a:schemeClr val="tx1"/>
-            </a:solidFill>
-            <a:tailEnd type="triangle"/>
-          </a:ln>
-        </p:spPr>
-        <p:style>
-          <a:lnRef idx="1">
-            <a:schemeClr val="accent1"/>
-          </a:lnRef>
-          <a:fillRef idx="0">
-            <a:schemeClr val="accent1"/>
-          </a:fillRef>
-          <a:effectRef idx="0">
-            <a:schemeClr val="accent1"/>
-          </a:effectRef>
-          <a:fontRef idx="minor">
-            <a:schemeClr val="tx1"/>
-          </a:fontRef>
-        </p:style>
-      </p:cxnSp>
-      <p:sp>
-        <p:nvSpPr>
-          <p:cNvPr id="17" name="TextBox 16"/>
-          <p:cNvSpPr txBox="1"/>
-          <p:nvPr/>
-        </p:nvSpPr>
-        <p:spPr>
-          <a:xfrm rot="18727353">
-            <a:off x="2220044" y="2799194"/>
-            <a:ext cx="2479653" cy="553998"/>
-          </a:xfrm>
-          <a:prstGeom prst="rect">
-            <a:avLst/>
-          </a:prstGeom>
-          <a:noFill/>
-        </p:spPr>
-        <p:txBody>
-          <a:bodyPr wrap="none" rtlCol="0">
-            <a:spAutoFit/>
-          </a:bodyPr>
-          <a:lstStyle/>
-          <a:p>
-            <a:r>
-              <a:rPr lang="en-US" sz="3000" b="1" dirty="0" smtClean="0"/>
-              <a:t>cardinality:1-1</a:t>
-            </a:r>
-            <a:endParaRPr lang="en-US" sz="3000" b="1" dirty="0"/>
-          </a:p>
-        </p:txBody>
-      </p:sp>
-      <p:sp>
-        <p:nvSpPr>
-          <p:cNvPr id="19" name="TextBox 18"/>
-          <p:cNvSpPr txBox="1"/>
-          <p:nvPr/>
-        </p:nvSpPr>
-        <p:spPr>
-          <a:xfrm rot="2685202">
-            <a:off x="7059798" y="2799055"/>
-            <a:ext cx="2479653" cy="553998"/>
-          </a:xfrm>
-          <a:prstGeom prst="rect">
-            <a:avLst/>
-          </a:prstGeom>
-          <a:noFill/>
-        </p:spPr>
-        <p:txBody>
-          <a:bodyPr wrap="none" rtlCol="0">
-            <a:spAutoFit/>
-          </a:bodyPr>
-          <a:lstStyle/>
-          <a:p>
-            <a:r>
-              <a:rPr lang="en-US" sz="3000" b="1" dirty="0" smtClean="0"/>
-              <a:t>cardinality:1-1</a:t>
-            </a:r>
-            <a:endParaRPr lang="en-US" sz="3000" b="1" dirty="0"/>
-          </a:p>
-        </p:txBody>
-      </p:sp>
-      <p:sp>
-        <p:nvSpPr>
-          <p:cNvPr id="20" name="TextBox 19"/>
-          <p:cNvSpPr txBox="1"/>
-          <p:nvPr/>
-        </p:nvSpPr>
-        <p:spPr>
-          <a:xfrm>
-            <a:off x="4418805" y="4779142"/>
-            <a:ext cx="3168431" cy="553998"/>
-          </a:xfrm>
-          <a:prstGeom prst="rect">
-            <a:avLst/>
-          </a:prstGeom>
-          <a:noFill/>
-        </p:spPr>
-        <p:txBody>
-          <a:bodyPr wrap="none" rtlCol="0">
-            <a:spAutoFit/>
-          </a:bodyPr>
-          <a:lstStyle/>
-          <a:p>
-            <a:r>
-              <a:rPr lang="en-US" sz="3000" b="1" dirty="0" smtClean="0"/>
-              <a:t>cardinality:many-1</a:t>
-            </a:r>
-            <a:endParaRPr lang="en-US" sz="3000" b="1" dirty="0"/>
-          </a:p>
-        </p:txBody>
-      </p:sp>
-    </p:spTree>
-    <p:extLst>
-      <p:ext uri="{BB962C8B-B14F-4D97-AF65-F5344CB8AC3E}">
-        <p14:creationId xmlns:p14="http://schemas.microsoft.com/office/powerpoint/2010/main" val="654016366"/>
-      </p:ext>
-    </p:extLst>
-  </p:cSld>
-  <p:clrMapOvr>
-    <a:masterClrMapping/>
-  </p:clrMapOvr>
-</p:sld>
-</file>
-
-<file path=ppt/slides/slide2.xml><?xml version="1.0" encoding="utf-8"?>
+<file path=ppt/slides/slide4.xml><?xml version="1.0" encoding="utf-8"?>
 <p:sld xmlns:a="http://schemas.openxmlformats.org/drawingml/2006/main" xmlns:r="http://schemas.openxmlformats.org/officeDocument/2006/relationships" xmlns:p="http://schemas.openxmlformats.org/presentationml/2006/main">
   <p:cSld>
     <p:spTree>
@@ -6956,7 +10304,7 @@
 </p:sld>
 </file>
 
-<file path=ppt/slides/slide3.xml><?xml version="1.0" encoding="utf-8"?>
+<file path=ppt/slides/slide5.xml><?xml version="1.0" encoding="utf-8"?>
 <p:sld xmlns:a="http://schemas.openxmlformats.org/drawingml/2006/main" xmlns:r="http://schemas.openxmlformats.org/officeDocument/2006/relationships" xmlns:p="http://schemas.openxmlformats.org/presentationml/2006/main">
   <p:cSld>
     <p:spTree>
@@ -9011,7 +12359,7 @@
 </p:sld>
 </file>
 
-<file path=ppt/slides/slide4.xml><?xml version="1.0" encoding="utf-8"?>
+<file path=ppt/slides/slide6.xml><?xml version="1.0" encoding="utf-8"?>
 <p:sld xmlns:a="http://schemas.openxmlformats.org/drawingml/2006/main" xmlns:r="http://schemas.openxmlformats.org/officeDocument/2006/relationships" xmlns:p="http://schemas.openxmlformats.org/presentationml/2006/main">
   <p:cSld>
     <p:spTree>
@@ -10090,7 +13438,7 @@
 </p:sld>
 </file>
 
-<file path=ppt/slides/slide5.xml><?xml version="1.0" encoding="utf-8"?>
+<file path=ppt/slides/slide7.xml><?xml version="1.0" encoding="utf-8"?>
 <p:sld xmlns:a="http://schemas.openxmlformats.org/drawingml/2006/main" xmlns:r="http://schemas.openxmlformats.org/officeDocument/2006/relationships" xmlns:p="http://schemas.openxmlformats.org/presentationml/2006/main">
   <p:cSld>
     <p:spTree>
@@ -11294,1819 +14642,6 @@
 </p:sld>
 </file>
 
-<file path=ppt/slides/slide6.xml><?xml version="1.0" encoding="utf-8"?>
-<p:sld xmlns:a="http://schemas.openxmlformats.org/drawingml/2006/main" xmlns:r="http://schemas.openxmlformats.org/officeDocument/2006/relationships" xmlns:p="http://schemas.openxmlformats.org/presentationml/2006/main">
-  <p:cSld>
-    <p:spTree>
-      <p:nvGrpSpPr>
-        <p:cNvPr id="1" name=""/>
-        <p:cNvGrpSpPr/>
-        <p:nvPr/>
-      </p:nvGrpSpPr>
-      <p:grpSpPr>
-        <a:xfrm>
-          <a:off x="0" y="0"/>
-          <a:ext cx="0" cy="0"/>
-          <a:chOff x="0" y="0"/>
-          <a:chExt cx="0" cy="0"/>
-        </a:xfrm>
-      </p:grpSpPr>
-      <p:sp>
-        <p:nvSpPr>
-          <p:cNvPr id="7" name="Rectangle 6"/>
-          <p:cNvSpPr/>
-          <p:nvPr/>
-        </p:nvSpPr>
-        <p:spPr>
-          <a:xfrm>
-            <a:off x="4154956" y="2495404"/>
-            <a:ext cx="2569028" cy="1823723"/>
-          </a:xfrm>
-          <a:prstGeom prst="rect">
-            <a:avLst/>
-          </a:prstGeom>
-          <a:solidFill>
-            <a:srgbClr val="FFFF00"/>
-          </a:solidFill>
-        </p:spPr>
-        <p:style>
-          <a:lnRef idx="2">
-            <a:schemeClr val="accent1">
-              <a:shade val="50000"/>
-            </a:schemeClr>
-          </a:lnRef>
-          <a:fillRef idx="1">
-            <a:schemeClr val="accent1"/>
-          </a:fillRef>
-          <a:effectRef idx="0">
-            <a:schemeClr val="accent1"/>
-          </a:effectRef>
-          <a:fontRef idx="minor">
-            <a:schemeClr val="lt1"/>
-          </a:fontRef>
-        </p:style>
-        <p:txBody>
-          <a:bodyPr rot="0" spcFirstLastPara="0" vertOverflow="overflow" horzOverflow="overflow" vert="horz" wrap="square" lIns="91440" tIns="45721" rIns="91440" bIns="45721" numCol="1" spcCol="0" rtlCol="0" fromWordArt="0" anchor="ctr" anchorCtr="0" forceAA="0" compatLnSpc="1">
-            <a:prstTxWarp prst="textNoShape">
-              <a:avLst/>
-            </a:prstTxWarp>
-            <a:noAutofit/>
-          </a:bodyPr>
-          <a:lstStyle/>
-          <a:p>
-            <a:r>
-              <a:rPr lang="en-US" sz="2200" b="1" dirty="0" smtClean="0">
-                <a:solidFill>
-                  <a:schemeClr val="tx1"/>
-                </a:solidFill>
-              </a:rPr>
-              <a:t>Data Aggregator (Carnival)</a:t>
-            </a:r>
-            <a:endParaRPr lang="en-US" sz="2200" b="1" dirty="0">
-              <a:solidFill>
-                <a:schemeClr val="tx1"/>
-              </a:solidFill>
-            </a:endParaRPr>
-          </a:p>
-        </p:txBody>
-      </p:sp>
-      <p:cxnSp>
-        <p:nvCxnSpPr>
-          <p:cNvPr id="10" name="Straight Arrow Connector 9"/>
-          <p:cNvCxnSpPr>
-            <a:stCxn id="18" idx="3"/>
-          </p:cNvCxnSpPr>
-          <p:nvPr/>
-        </p:nvCxnSpPr>
-        <p:spPr>
-          <a:xfrm>
-            <a:off x="2978871" y="1150927"/>
-            <a:ext cx="1176085" cy="1893931"/>
-          </a:xfrm>
-          <a:prstGeom prst="straightConnector1">
-            <a:avLst/>
-          </a:prstGeom>
-          <a:ln>
-            <a:tailEnd type="triangle"/>
-          </a:ln>
-        </p:spPr>
-        <p:style>
-          <a:lnRef idx="1">
-            <a:schemeClr val="accent1"/>
-          </a:lnRef>
-          <a:fillRef idx="0">
-            <a:schemeClr val="accent1"/>
-          </a:fillRef>
-          <a:effectRef idx="0">
-            <a:schemeClr val="accent1"/>
-          </a:effectRef>
-          <a:fontRef idx="minor">
-            <a:schemeClr val="tx1"/>
-          </a:fontRef>
-        </p:style>
-      </p:cxnSp>
-      <p:cxnSp>
-        <p:nvCxnSpPr>
-          <p:cNvPr id="11" name="Straight Arrow Connector 10"/>
-          <p:cNvCxnSpPr>
-            <a:stCxn id="19" idx="3"/>
-            <a:endCxn id="7" idx="1"/>
-          </p:cNvCxnSpPr>
-          <p:nvPr/>
-        </p:nvCxnSpPr>
-        <p:spPr>
-          <a:xfrm>
-            <a:off x="3063712" y="3405753"/>
-            <a:ext cx="1091244" cy="1513"/>
-          </a:xfrm>
-          <a:prstGeom prst="straightConnector1">
-            <a:avLst/>
-          </a:prstGeom>
-          <a:ln>
-            <a:tailEnd type="triangle"/>
-          </a:ln>
-        </p:spPr>
-        <p:style>
-          <a:lnRef idx="1">
-            <a:schemeClr val="accent1"/>
-          </a:lnRef>
-          <a:fillRef idx="0">
-            <a:schemeClr val="accent1"/>
-          </a:fillRef>
-          <a:effectRef idx="0">
-            <a:schemeClr val="accent1"/>
-          </a:effectRef>
-          <a:fontRef idx="minor">
-            <a:schemeClr val="tx1"/>
-          </a:fontRef>
-        </p:style>
-      </p:cxnSp>
-      <p:cxnSp>
-        <p:nvCxnSpPr>
-          <p:cNvPr id="13" name="Straight Arrow Connector 12"/>
-          <p:cNvCxnSpPr>
-            <a:stCxn id="7" idx="3"/>
-          </p:cNvCxnSpPr>
-          <p:nvPr/>
-        </p:nvCxnSpPr>
-        <p:spPr>
-          <a:xfrm flipV="1">
-            <a:off x="6723984" y="3405753"/>
-            <a:ext cx="824013" cy="1513"/>
-          </a:xfrm>
-          <a:prstGeom prst="straightConnector1">
-            <a:avLst/>
-          </a:prstGeom>
-          <a:ln>
-            <a:tailEnd type="triangle"/>
-          </a:ln>
-        </p:spPr>
-        <p:style>
-          <a:lnRef idx="1">
-            <a:schemeClr val="accent1"/>
-          </a:lnRef>
-          <a:fillRef idx="0">
-            <a:schemeClr val="accent1"/>
-          </a:fillRef>
-          <a:effectRef idx="0">
-            <a:schemeClr val="accent1"/>
-          </a:effectRef>
-          <a:fontRef idx="minor">
-            <a:schemeClr val="tx1"/>
-          </a:fontRef>
-        </p:style>
-      </p:cxnSp>
-      <p:sp>
-        <p:nvSpPr>
-          <p:cNvPr id="17" name="Rounded Rectangle 16"/>
-          <p:cNvSpPr/>
-          <p:nvPr/>
-        </p:nvSpPr>
-        <p:spPr>
-          <a:xfrm>
-            <a:off x="7547997" y="248828"/>
-            <a:ext cx="2569028" cy="1898468"/>
-          </a:xfrm>
-          <a:prstGeom prst="roundRect">
-            <a:avLst/>
-          </a:prstGeom>
-          <a:solidFill>
-            <a:srgbClr val="7030A0"/>
-          </a:solidFill>
-        </p:spPr>
-        <p:style>
-          <a:lnRef idx="2">
-            <a:schemeClr val="accent1">
-              <a:shade val="50000"/>
-            </a:schemeClr>
-          </a:lnRef>
-          <a:fillRef idx="1">
-            <a:schemeClr val="accent1"/>
-          </a:fillRef>
-          <a:effectRef idx="0">
-            <a:schemeClr val="accent1"/>
-          </a:effectRef>
-          <a:fontRef idx="minor">
-            <a:schemeClr val="lt1"/>
-          </a:fontRef>
-        </p:style>
-        <p:txBody>
-          <a:bodyPr rot="0" spcFirstLastPara="0" vertOverflow="overflow" horzOverflow="overflow" vert="horz" wrap="square" lIns="91440" tIns="45721" rIns="91440" bIns="45721" numCol="1" spcCol="0" rtlCol="0" fromWordArt="0" anchor="ctr" anchorCtr="0" forceAA="0" compatLnSpc="1">
-            <a:prstTxWarp prst="textNoShape">
-              <a:avLst/>
-            </a:prstTxWarp>
-            <a:noAutofit/>
-          </a:bodyPr>
-          <a:lstStyle/>
-          <a:p>
-            <a:pPr algn="ctr"/>
-            <a:r>
-              <a:rPr lang="en-US" sz="2200" b="1" dirty="0" smtClean="0"/>
-              <a:t>Semantic Engine</a:t>
-            </a:r>
-            <a:endParaRPr lang="en-US" sz="2200" b="1" dirty="0"/>
-          </a:p>
-        </p:txBody>
-      </p:sp>
-      <p:sp>
-        <p:nvSpPr>
-          <p:cNvPr id="18" name="Rectangle 17"/>
-          <p:cNvSpPr/>
-          <p:nvPr/>
-        </p:nvSpPr>
-        <p:spPr>
-          <a:xfrm>
-            <a:off x="429993" y="322225"/>
-            <a:ext cx="2548878" cy="1657404"/>
-          </a:xfrm>
-          <a:prstGeom prst="rect">
-            <a:avLst/>
-          </a:prstGeom>
-          <a:solidFill>
-            <a:srgbClr val="FF0000"/>
-          </a:solidFill>
-        </p:spPr>
-        <p:style>
-          <a:lnRef idx="2">
-            <a:schemeClr val="accent1">
-              <a:shade val="50000"/>
-            </a:schemeClr>
-          </a:lnRef>
-          <a:fillRef idx="1">
-            <a:schemeClr val="accent1"/>
-          </a:fillRef>
-          <a:effectRef idx="0">
-            <a:schemeClr val="accent1"/>
-          </a:effectRef>
-          <a:fontRef idx="minor">
-            <a:schemeClr val="lt1"/>
-          </a:fontRef>
-        </p:style>
-        <p:txBody>
-          <a:bodyPr rot="0" spcFirstLastPara="0" vertOverflow="overflow" horzOverflow="overflow" vert="horz" wrap="square" lIns="91440" tIns="45721" rIns="91440" bIns="45721" numCol="1" spcCol="0" rtlCol="0" fromWordArt="0" anchor="ctr" anchorCtr="0" forceAA="0" compatLnSpc="1">
-            <a:prstTxWarp prst="textNoShape">
-              <a:avLst/>
-            </a:prstTxWarp>
-            <a:noAutofit/>
-          </a:bodyPr>
-          <a:lstStyle/>
-          <a:p>
-            <a:r>
-              <a:rPr lang="en-US" sz="2200" b="1" dirty="0">
-                <a:solidFill>
-                  <a:schemeClr val="tx1"/>
-                </a:solidFill>
-              </a:rPr>
-              <a:t>Penn Data </a:t>
-            </a:r>
-            <a:r>
-              <a:rPr lang="en-US" sz="2200" b="1" dirty="0" smtClean="0">
-                <a:solidFill>
-                  <a:schemeClr val="tx1"/>
-                </a:solidFill>
-              </a:rPr>
-              <a:t>Store</a:t>
-            </a:r>
-            <a:endParaRPr lang="en-US" sz="2200" b="1" dirty="0">
-              <a:solidFill>
-                <a:schemeClr val="tx1"/>
-              </a:solidFill>
-            </a:endParaRPr>
-          </a:p>
-        </p:txBody>
-      </p:sp>
-      <p:sp>
-        <p:nvSpPr>
-          <p:cNvPr id="19" name="Rectangle 18"/>
-          <p:cNvSpPr/>
-          <p:nvPr/>
-        </p:nvSpPr>
-        <p:spPr>
-          <a:xfrm>
-            <a:off x="429992" y="2577220"/>
-            <a:ext cx="2633720" cy="1657066"/>
-          </a:xfrm>
-          <a:prstGeom prst="rect">
-            <a:avLst/>
-          </a:prstGeom>
-          <a:solidFill>
-            <a:srgbClr val="FF0000"/>
-          </a:solidFill>
-        </p:spPr>
-        <p:style>
-          <a:lnRef idx="2">
-            <a:schemeClr val="accent1">
-              <a:shade val="50000"/>
-            </a:schemeClr>
-          </a:lnRef>
-          <a:fillRef idx="1">
-            <a:schemeClr val="accent1"/>
-          </a:fillRef>
-          <a:effectRef idx="0">
-            <a:schemeClr val="accent1"/>
-          </a:effectRef>
-          <a:fontRef idx="minor">
-            <a:schemeClr val="lt1"/>
-          </a:fontRef>
-        </p:style>
-        <p:txBody>
-          <a:bodyPr rot="0" spcFirstLastPara="0" vertOverflow="overflow" horzOverflow="overflow" vert="horz" wrap="square" lIns="91440" tIns="45721" rIns="91440" bIns="45721" numCol="1" spcCol="0" rtlCol="0" fromWordArt="0" anchor="ctr" anchorCtr="0" forceAA="0" compatLnSpc="1">
-            <a:prstTxWarp prst="textNoShape">
-              <a:avLst/>
-            </a:prstTxWarp>
-            <a:noAutofit/>
-          </a:bodyPr>
-          <a:lstStyle/>
-          <a:p>
-            <a:r>
-              <a:rPr lang="en-US" sz="2200" b="1" dirty="0" smtClean="0">
-                <a:solidFill>
-                  <a:schemeClr val="tx1"/>
-                </a:solidFill>
-              </a:rPr>
-              <a:t>Loss of Gene Function Mutation CSV File</a:t>
-            </a:r>
-            <a:endParaRPr lang="en-US" sz="2200" b="1" dirty="0">
-              <a:solidFill>
-                <a:schemeClr val="tx1"/>
-              </a:solidFill>
-            </a:endParaRPr>
-          </a:p>
-        </p:txBody>
-      </p:sp>
-      <p:cxnSp>
-        <p:nvCxnSpPr>
-          <p:cNvPr id="50" name="Straight Arrow Connector 49"/>
-          <p:cNvCxnSpPr/>
-          <p:nvPr/>
-        </p:nvCxnSpPr>
-        <p:spPr>
-          <a:xfrm flipV="1">
-            <a:off x="6597754" y="1180645"/>
-            <a:ext cx="950243" cy="1514"/>
-          </a:xfrm>
-          <a:prstGeom prst="straightConnector1">
-            <a:avLst/>
-          </a:prstGeom>
-          <a:ln>
-            <a:tailEnd type="triangle"/>
-          </a:ln>
-        </p:spPr>
-        <p:style>
-          <a:lnRef idx="1">
-            <a:schemeClr val="accent1"/>
-          </a:lnRef>
-          <a:fillRef idx="0">
-            <a:schemeClr val="accent1"/>
-          </a:fillRef>
-          <a:effectRef idx="0">
-            <a:schemeClr val="accent1"/>
-          </a:effectRef>
-          <a:fontRef idx="minor">
-            <a:schemeClr val="tx1"/>
-          </a:fontRef>
-        </p:style>
-      </p:cxnSp>
-      <p:cxnSp>
-        <p:nvCxnSpPr>
-          <p:cNvPr id="52" name="Straight Arrow Connector 51"/>
-          <p:cNvCxnSpPr/>
-          <p:nvPr/>
-        </p:nvCxnSpPr>
-        <p:spPr>
-          <a:xfrm flipH="1">
-            <a:off x="8946037" y="2147296"/>
-            <a:ext cx="9427" cy="482844"/>
-          </a:xfrm>
-          <a:prstGeom prst="straightConnector1">
-            <a:avLst/>
-          </a:prstGeom>
-          <a:ln>
-            <a:tailEnd type="triangle"/>
-          </a:ln>
-        </p:spPr>
-        <p:style>
-          <a:lnRef idx="1">
-            <a:schemeClr val="accent1"/>
-          </a:lnRef>
-          <a:fillRef idx="0">
-            <a:schemeClr val="accent1"/>
-          </a:fillRef>
-          <a:effectRef idx="0">
-            <a:schemeClr val="accent1"/>
-          </a:effectRef>
-          <a:fontRef idx="minor">
-            <a:schemeClr val="tx1"/>
-          </a:fontRef>
-        </p:style>
-      </p:cxnSp>
-      <p:sp>
-        <p:nvSpPr>
-          <p:cNvPr id="59" name="Oval 58"/>
-          <p:cNvSpPr/>
-          <p:nvPr/>
-        </p:nvSpPr>
-        <p:spPr>
-          <a:xfrm>
-            <a:off x="2225554" y="1246205"/>
-            <a:ext cx="753317" cy="733424"/>
-          </a:xfrm>
-          <a:prstGeom prst="ellipse">
-            <a:avLst/>
-          </a:prstGeom>
-          <a:solidFill>
-            <a:schemeClr val="accent4">
-              <a:lumMod val="60000"/>
-              <a:lumOff val="40000"/>
-            </a:schemeClr>
-          </a:solidFill>
-        </p:spPr>
-        <p:style>
-          <a:lnRef idx="2">
-            <a:schemeClr val="accent1">
-              <a:shade val="50000"/>
-            </a:schemeClr>
-          </a:lnRef>
-          <a:fillRef idx="1">
-            <a:schemeClr val="accent1"/>
-          </a:fillRef>
-          <a:effectRef idx="0">
-            <a:schemeClr val="accent1"/>
-          </a:effectRef>
-          <a:fontRef idx="minor">
-            <a:schemeClr val="lt1"/>
-          </a:fontRef>
-        </p:style>
-        <p:txBody>
-          <a:bodyPr rtlCol="0" anchor="ctr"/>
-          <a:lstStyle/>
-          <a:p>
-            <a:pPr algn="ctr"/>
-            <a:r>
-              <a:rPr lang="en-US" dirty="0" smtClean="0">
-                <a:solidFill>
-                  <a:schemeClr val="tx1"/>
-                </a:solidFill>
-              </a:rPr>
-              <a:t>1</a:t>
-            </a:r>
-            <a:endParaRPr lang="en-US" dirty="0">
-              <a:solidFill>
-                <a:schemeClr val="tx1"/>
-              </a:solidFill>
-            </a:endParaRPr>
-          </a:p>
-        </p:txBody>
-      </p:sp>
-      <p:sp>
-        <p:nvSpPr>
-          <p:cNvPr id="60" name="Oval 59"/>
-          <p:cNvSpPr/>
-          <p:nvPr/>
-        </p:nvSpPr>
-        <p:spPr>
-          <a:xfrm>
-            <a:off x="2310395" y="3500862"/>
-            <a:ext cx="753317" cy="733424"/>
-          </a:xfrm>
-          <a:prstGeom prst="ellipse">
-            <a:avLst/>
-          </a:prstGeom>
-          <a:solidFill>
-            <a:schemeClr val="accent4">
-              <a:lumMod val="60000"/>
-              <a:lumOff val="40000"/>
-            </a:schemeClr>
-          </a:solidFill>
-        </p:spPr>
-        <p:style>
-          <a:lnRef idx="2">
-            <a:schemeClr val="accent1">
-              <a:shade val="50000"/>
-            </a:schemeClr>
-          </a:lnRef>
-          <a:fillRef idx="1">
-            <a:schemeClr val="accent1"/>
-          </a:fillRef>
-          <a:effectRef idx="0">
-            <a:schemeClr val="accent1"/>
-          </a:effectRef>
-          <a:fontRef idx="minor">
-            <a:schemeClr val="lt1"/>
-          </a:fontRef>
-        </p:style>
-        <p:txBody>
-          <a:bodyPr rtlCol="0" anchor="ctr"/>
-          <a:lstStyle/>
-          <a:p>
-            <a:pPr algn="ctr"/>
-            <a:r>
-              <a:rPr lang="en-US" dirty="0" smtClean="0">
-                <a:solidFill>
-                  <a:schemeClr val="tx1"/>
-                </a:solidFill>
-              </a:rPr>
-              <a:t>1</a:t>
-            </a:r>
-            <a:endParaRPr lang="en-US" dirty="0">
-              <a:solidFill>
-                <a:schemeClr val="tx1"/>
-              </a:solidFill>
-            </a:endParaRPr>
-          </a:p>
-        </p:txBody>
-      </p:sp>
-      <p:sp>
-        <p:nvSpPr>
-          <p:cNvPr id="61" name="Oval 60"/>
-          <p:cNvSpPr/>
-          <p:nvPr/>
-        </p:nvSpPr>
-        <p:spPr>
-          <a:xfrm>
-            <a:off x="5970667" y="3584191"/>
-            <a:ext cx="753317" cy="733424"/>
-          </a:xfrm>
-          <a:prstGeom prst="ellipse">
-            <a:avLst/>
-          </a:prstGeom>
-          <a:solidFill>
-            <a:schemeClr val="accent4">
-              <a:lumMod val="60000"/>
-              <a:lumOff val="40000"/>
-            </a:schemeClr>
-          </a:solidFill>
-        </p:spPr>
-        <p:style>
-          <a:lnRef idx="2">
-            <a:schemeClr val="accent1">
-              <a:shade val="50000"/>
-            </a:schemeClr>
-          </a:lnRef>
-          <a:fillRef idx="1">
-            <a:schemeClr val="accent1"/>
-          </a:fillRef>
-          <a:effectRef idx="0">
-            <a:schemeClr val="accent1"/>
-          </a:effectRef>
-          <a:fontRef idx="minor">
-            <a:schemeClr val="lt1"/>
-          </a:fontRef>
-        </p:style>
-        <p:txBody>
-          <a:bodyPr rtlCol="0" anchor="ctr"/>
-          <a:lstStyle/>
-          <a:p>
-            <a:pPr algn="ctr"/>
-            <a:r>
-              <a:rPr lang="en-US" dirty="0">
-                <a:solidFill>
-                  <a:schemeClr val="tx1"/>
-                </a:solidFill>
-              </a:rPr>
-              <a:t>2</a:t>
-            </a:r>
-          </a:p>
-        </p:txBody>
-      </p:sp>
-      <p:sp>
-        <p:nvSpPr>
-          <p:cNvPr id="64" name="Rectangle 63"/>
-          <p:cNvSpPr/>
-          <p:nvPr/>
-        </p:nvSpPr>
-        <p:spPr>
-          <a:xfrm>
-            <a:off x="7547997" y="2630140"/>
-            <a:ext cx="2447108" cy="1741444"/>
-          </a:xfrm>
-          <a:prstGeom prst="rect">
-            <a:avLst/>
-          </a:prstGeom>
-          <a:solidFill>
-            <a:schemeClr val="accent6"/>
-          </a:solidFill>
-        </p:spPr>
-        <p:style>
-          <a:lnRef idx="2">
-            <a:schemeClr val="accent1">
-              <a:shade val="50000"/>
-            </a:schemeClr>
-          </a:lnRef>
-          <a:fillRef idx="1">
-            <a:schemeClr val="accent1"/>
-          </a:fillRef>
-          <a:effectRef idx="0">
-            <a:schemeClr val="accent1"/>
-          </a:effectRef>
-          <a:fontRef idx="minor">
-            <a:schemeClr val="lt1"/>
-          </a:fontRef>
-        </p:style>
-        <p:txBody>
-          <a:bodyPr rot="0" spcFirstLastPara="0" vertOverflow="overflow" horzOverflow="overflow" vert="horz" wrap="square" lIns="91440" tIns="45721" rIns="91440" bIns="45721" numCol="1" spcCol="0" rtlCol="0" fromWordArt="0" anchor="ctr" anchorCtr="0" forceAA="0" compatLnSpc="1">
-            <a:prstTxWarp prst="textNoShape">
-              <a:avLst/>
-            </a:prstTxWarp>
-            <a:noAutofit/>
-          </a:bodyPr>
-          <a:lstStyle/>
-          <a:p>
-            <a:r>
-              <a:rPr lang="en-US" sz="2200" b="1" dirty="0" smtClean="0"/>
-              <a:t>RDF </a:t>
-            </a:r>
-            <a:r>
-              <a:rPr lang="en-US" sz="2200" b="1" dirty="0" err="1" smtClean="0"/>
-              <a:t>Triplestore</a:t>
-            </a:r>
-            <a:r>
-              <a:rPr lang="en-US" sz="2200" b="1" dirty="0" smtClean="0"/>
-              <a:t> (</a:t>
-            </a:r>
-            <a:r>
-              <a:rPr lang="en-US" sz="2200" b="1" dirty="0" err="1" smtClean="0"/>
-              <a:t>Ontotext</a:t>
-            </a:r>
-            <a:endParaRPr lang="en-US" sz="2200" b="1" dirty="0" smtClean="0"/>
-          </a:p>
-          <a:p>
-            <a:r>
-              <a:rPr lang="en-US" sz="2200" b="1" dirty="0" err="1" smtClean="0"/>
-              <a:t>GraphDB</a:t>
-            </a:r>
-            <a:r>
-              <a:rPr lang="en-US" sz="2200" b="1" dirty="0" smtClean="0"/>
-              <a:t>)</a:t>
-            </a:r>
-            <a:endParaRPr lang="en-US" sz="2200" b="1" dirty="0"/>
-          </a:p>
-        </p:txBody>
-      </p:sp>
-      <p:sp>
-        <p:nvSpPr>
-          <p:cNvPr id="62" name="Oval 61"/>
-          <p:cNvSpPr/>
-          <p:nvPr/>
-        </p:nvSpPr>
-        <p:spPr>
-          <a:xfrm>
-            <a:off x="9241788" y="3638160"/>
-            <a:ext cx="753317" cy="733424"/>
-          </a:xfrm>
-          <a:prstGeom prst="ellipse">
-            <a:avLst/>
-          </a:prstGeom>
-          <a:solidFill>
-            <a:schemeClr val="accent4">
-              <a:lumMod val="60000"/>
-              <a:lumOff val="40000"/>
-            </a:schemeClr>
-          </a:solidFill>
-        </p:spPr>
-        <p:style>
-          <a:lnRef idx="2">
-            <a:schemeClr val="accent1">
-              <a:shade val="50000"/>
-            </a:schemeClr>
-          </a:lnRef>
-          <a:fillRef idx="1">
-            <a:schemeClr val="accent1"/>
-          </a:fillRef>
-          <a:effectRef idx="0">
-            <a:schemeClr val="accent1"/>
-          </a:effectRef>
-          <a:fontRef idx="minor">
-            <a:schemeClr val="lt1"/>
-          </a:fontRef>
-        </p:style>
-        <p:txBody>
-          <a:bodyPr rtlCol="0" anchor="ctr"/>
-          <a:lstStyle/>
-          <a:p>
-            <a:pPr algn="ctr"/>
-            <a:r>
-              <a:rPr lang="en-US" dirty="0" smtClean="0">
-                <a:solidFill>
-                  <a:schemeClr val="tx1"/>
-                </a:solidFill>
-              </a:rPr>
-              <a:t>3</a:t>
-            </a:r>
-            <a:endParaRPr lang="en-US" dirty="0">
-              <a:solidFill>
-                <a:schemeClr val="tx1"/>
-              </a:solidFill>
-            </a:endParaRPr>
-          </a:p>
-        </p:txBody>
-      </p:sp>
-      <p:sp>
-        <p:nvSpPr>
-          <p:cNvPr id="20" name="Rounded Rectangle 19"/>
-          <p:cNvSpPr/>
-          <p:nvPr/>
-        </p:nvSpPr>
-        <p:spPr>
-          <a:xfrm>
-            <a:off x="4089897" y="377604"/>
-            <a:ext cx="2569028" cy="1898468"/>
-          </a:xfrm>
-          <a:prstGeom prst="roundRect">
-            <a:avLst/>
-          </a:prstGeom>
-          <a:solidFill>
-            <a:schemeClr val="accent4">
-              <a:lumMod val="75000"/>
-            </a:schemeClr>
-          </a:solidFill>
-        </p:spPr>
-        <p:style>
-          <a:lnRef idx="2">
-            <a:schemeClr val="accent1">
-              <a:shade val="50000"/>
-            </a:schemeClr>
-          </a:lnRef>
-          <a:fillRef idx="1">
-            <a:schemeClr val="accent1"/>
-          </a:fillRef>
-          <a:effectRef idx="0">
-            <a:schemeClr val="accent1"/>
-          </a:effectRef>
-          <a:fontRef idx="minor">
-            <a:schemeClr val="lt1"/>
-          </a:fontRef>
-        </p:style>
-        <p:txBody>
-          <a:bodyPr rot="0" spcFirstLastPara="0" vertOverflow="overflow" horzOverflow="overflow" vert="horz" wrap="square" lIns="91440" tIns="45721" rIns="91440" bIns="45721" numCol="1" spcCol="0" rtlCol="0" fromWordArt="0" anchor="ctr" anchorCtr="0" forceAA="0" compatLnSpc="1">
-            <a:prstTxWarp prst="textNoShape">
-              <a:avLst/>
-            </a:prstTxWarp>
-            <a:noAutofit/>
-          </a:bodyPr>
-          <a:lstStyle/>
-          <a:p>
-            <a:pPr algn="ctr"/>
-            <a:r>
-              <a:rPr lang="en-US" sz="2200" b="1" dirty="0" smtClean="0"/>
-              <a:t>Semantic Engine Language</a:t>
-            </a:r>
-            <a:endParaRPr lang="en-US" sz="2200" b="1" dirty="0"/>
-          </a:p>
-        </p:txBody>
-      </p:sp>
-    </p:spTree>
-    <p:extLst>
-      <p:ext uri="{BB962C8B-B14F-4D97-AF65-F5344CB8AC3E}">
-        <p14:creationId xmlns:p14="http://schemas.microsoft.com/office/powerpoint/2010/main" val="588329694"/>
-      </p:ext>
-    </p:extLst>
-  </p:cSld>
-  <p:clrMapOvr>
-    <a:masterClrMapping/>
-  </p:clrMapOvr>
-  <p:timing>
-    <p:tnLst>
-      <p:par>
-        <p:cTn id="1" dur="indefinite" restart="never" nodeType="tmRoot"/>
-      </p:par>
-    </p:tnLst>
-  </p:timing>
-</p:sld>
-</file>
-
-<file path=ppt/slides/slide7.xml><?xml version="1.0" encoding="utf-8"?>
-<p:sld xmlns:a="http://schemas.openxmlformats.org/drawingml/2006/main" xmlns:r="http://schemas.openxmlformats.org/officeDocument/2006/relationships" xmlns:p="http://schemas.openxmlformats.org/presentationml/2006/main">
-  <p:cSld>
-    <p:spTree>
-      <p:nvGrpSpPr>
-        <p:cNvPr id="1" name=""/>
-        <p:cNvGrpSpPr/>
-        <p:nvPr/>
-      </p:nvGrpSpPr>
-      <p:grpSpPr>
-        <a:xfrm>
-          <a:off x="0" y="0"/>
-          <a:ext cx="0" cy="0"/>
-          <a:chOff x="0" y="0"/>
-          <a:chExt cx="0" cy="0"/>
-        </a:xfrm>
-      </p:grpSpPr>
-      <p:sp>
-        <p:nvSpPr>
-          <p:cNvPr id="4" name="Rounded Rectangle 3"/>
-          <p:cNvSpPr/>
-          <p:nvPr/>
-        </p:nvSpPr>
-        <p:spPr>
-          <a:xfrm>
-            <a:off x="3445029" y="239210"/>
-            <a:ext cx="2569028" cy="1898468"/>
-          </a:xfrm>
-          <a:prstGeom prst="roundRect">
-            <a:avLst/>
-          </a:prstGeom>
-          <a:solidFill>
-            <a:schemeClr val="accent4"/>
-          </a:solidFill>
-        </p:spPr>
-        <p:style>
-          <a:lnRef idx="2">
-            <a:schemeClr val="accent1">
-              <a:shade val="50000"/>
-            </a:schemeClr>
-          </a:lnRef>
-          <a:fillRef idx="1">
-            <a:schemeClr val="accent1"/>
-          </a:fillRef>
-          <a:effectRef idx="0">
-            <a:schemeClr val="accent1"/>
-          </a:effectRef>
-          <a:fontRef idx="minor">
-            <a:schemeClr val="lt1"/>
-          </a:fontRef>
-        </p:style>
-        <p:txBody>
-          <a:bodyPr rot="0" spcFirstLastPara="0" vertOverflow="overflow" horzOverflow="overflow" vert="horz" wrap="square" lIns="91440" tIns="45721" rIns="91440" bIns="45721" numCol="1" spcCol="0" rtlCol="0" fromWordArt="0" anchor="ctr" anchorCtr="0" forceAA="0" compatLnSpc="1">
-            <a:prstTxWarp prst="textNoShape">
-              <a:avLst/>
-            </a:prstTxWarp>
-            <a:noAutofit/>
-          </a:bodyPr>
-          <a:lstStyle/>
-          <a:p>
-            <a:pPr algn="ctr"/>
-            <a:r>
-              <a:rPr lang="en-US" sz="2200" b="1" dirty="0" smtClean="0"/>
-              <a:t>OHDSI ETL-</a:t>
-            </a:r>
-            <a:r>
-              <a:rPr lang="en-US" sz="2200" b="1" dirty="0" err="1" smtClean="0"/>
-              <a:t>Synthea</a:t>
-            </a:r>
-            <a:endParaRPr lang="en-US" sz="2200" b="1" dirty="0"/>
-          </a:p>
-        </p:txBody>
-      </p:sp>
-      <p:sp>
-        <p:nvSpPr>
-          <p:cNvPr id="6" name="Rectangle 5"/>
-          <p:cNvSpPr/>
-          <p:nvPr/>
-        </p:nvSpPr>
-        <p:spPr>
-          <a:xfrm>
-            <a:off x="3560416" y="2778160"/>
-            <a:ext cx="2595775" cy="1789337"/>
-          </a:xfrm>
-          <a:prstGeom prst="rect">
-            <a:avLst/>
-          </a:prstGeom>
-          <a:solidFill>
-            <a:schemeClr val="accent2"/>
-          </a:solidFill>
-        </p:spPr>
-        <p:style>
-          <a:lnRef idx="2">
-            <a:schemeClr val="accent1">
-              <a:shade val="50000"/>
-            </a:schemeClr>
-          </a:lnRef>
-          <a:fillRef idx="1">
-            <a:schemeClr val="accent1"/>
-          </a:fillRef>
-          <a:effectRef idx="0">
-            <a:schemeClr val="accent1"/>
-          </a:effectRef>
-          <a:fontRef idx="minor">
-            <a:schemeClr val="lt1"/>
-          </a:fontRef>
-        </p:style>
-        <p:txBody>
-          <a:bodyPr rot="0" spcFirstLastPara="0" vertOverflow="overflow" horzOverflow="overflow" vert="horz" wrap="square" lIns="91440" tIns="45721" rIns="91440" bIns="45721" numCol="1" spcCol="0" rtlCol="0" fromWordArt="0" anchor="ctr" anchorCtr="0" forceAA="0" compatLnSpc="1">
-            <a:prstTxWarp prst="textNoShape">
-              <a:avLst/>
-            </a:prstTxWarp>
-            <a:noAutofit/>
-          </a:bodyPr>
-          <a:lstStyle/>
-          <a:p>
-            <a:r>
-              <a:rPr lang="en-US" sz="2200" b="1" dirty="0" smtClean="0"/>
-              <a:t>PostgreSQL (OMOP schema)</a:t>
-            </a:r>
-            <a:endParaRPr lang="en-US" sz="2200" b="1" dirty="0"/>
-          </a:p>
-        </p:txBody>
-      </p:sp>
-      <p:cxnSp>
-        <p:nvCxnSpPr>
-          <p:cNvPr id="7" name="Straight Arrow Connector 6"/>
-          <p:cNvCxnSpPr>
-            <a:endCxn id="6" idx="0"/>
-          </p:cNvCxnSpPr>
-          <p:nvPr/>
-        </p:nvCxnSpPr>
-        <p:spPr>
-          <a:xfrm>
-            <a:off x="4858303" y="2137678"/>
-            <a:ext cx="1" cy="640482"/>
-          </a:xfrm>
-          <a:prstGeom prst="straightConnector1">
-            <a:avLst/>
-          </a:prstGeom>
-          <a:ln>
-            <a:tailEnd type="triangle"/>
-          </a:ln>
-        </p:spPr>
-        <p:style>
-          <a:lnRef idx="1">
-            <a:schemeClr val="accent1"/>
-          </a:lnRef>
-          <a:fillRef idx="0">
-            <a:schemeClr val="accent1"/>
-          </a:fillRef>
-          <a:effectRef idx="0">
-            <a:schemeClr val="accent1"/>
-          </a:effectRef>
-          <a:fontRef idx="minor">
-            <a:schemeClr val="tx1"/>
-          </a:fontRef>
-        </p:style>
-      </p:cxnSp>
-      <p:cxnSp>
-        <p:nvCxnSpPr>
-          <p:cNvPr id="8" name="Straight Arrow Connector 7"/>
-          <p:cNvCxnSpPr/>
-          <p:nvPr/>
-        </p:nvCxnSpPr>
-        <p:spPr>
-          <a:xfrm>
-            <a:off x="1522170" y="2085974"/>
-            <a:ext cx="1830" cy="695321"/>
-          </a:xfrm>
-          <a:prstGeom prst="straightConnector1">
-            <a:avLst/>
-          </a:prstGeom>
-          <a:ln>
-            <a:tailEnd type="triangle"/>
-          </a:ln>
-        </p:spPr>
-        <p:style>
-          <a:lnRef idx="1">
-            <a:schemeClr val="accent1"/>
-          </a:lnRef>
-          <a:fillRef idx="0">
-            <a:schemeClr val="accent1"/>
-          </a:fillRef>
-          <a:effectRef idx="0">
-            <a:schemeClr val="accent1"/>
-          </a:effectRef>
-          <a:fontRef idx="minor">
-            <a:schemeClr val="tx1"/>
-          </a:fontRef>
-        </p:style>
-      </p:cxnSp>
-      <p:sp>
-        <p:nvSpPr>
-          <p:cNvPr id="10" name="Rectangle 9"/>
-          <p:cNvSpPr/>
-          <p:nvPr/>
-        </p:nvSpPr>
-        <p:spPr>
-          <a:xfrm>
-            <a:off x="9595457" y="2778160"/>
-            <a:ext cx="2447108" cy="1741444"/>
-          </a:xfrm>
-          <a:prstGeom prst="rect">
-            <a:avLst/>
-          </a:prstGeom>
-          <a:solidFill>
-            <a:schemeClr val="accent6"/>
-          </a:solidFill>
-        </p:spPr>
-        <p:style>
-          <a:lnRef idx="2">
-            <a:schemeClr val="accent1">
-              <a:shade val="50000"/>
-            </a:schemeClr>
-          </a:lnRef>
-          <a:fillRef idx="1">
-            <a:schemeClr val="accent1"/>
-          </a:fillRef>
-          <a:effectRef idx="0">
-            <a:schemeClr val="accent1"/>
-          </a:effectRef>
-          <a:fontRef idx="minor">
-            <a:schemeClr val="lt1"/>
-          </a:fontRef>
-        </p:style>
-        <p:txBody>
-          <a:bodyPr rot="0" spcFirstLastPara="0" vertOverflow="overflow" horzOverflow="overflow" vert="horz" wrap="square" lIns="91440" tIns="45721" rIns="91440" bIns="45721" numCol="1" spcCol="0" rtlCol="0" fromWordArt="0" anchor="ctr" anchorCtr="0" forceAA="0" compatLnSpc="1">
-            <a:prstTxWarp prst="textNoShape">
-              <a:avLst/>
-            </a:prstTxWarp>
-            <a:noAutofit/>
-          </a:bodyPr>
-          <a:lstStyle/>
-          <a:p>
-            <a:r>
-              <a:rPr lang="en-US" sz="2200" b="1" dirty="0" smtClean="0"/>
-              <a:t>RDF </a:t>
-            </a:r>
-            <a:r>
-              <a:rPr lang="en-US" sz="2200" b="1" dirty="0" err="1" smtClean="0"/>
-              <a:t>Triplestore</a:t>
-            </a:r>
-            <a:r>
-              <a:rPr lang="en-US" sz="2200" b="1" dirty="0" smtClean="0"/>
-              <a:t> (</a:t>
-            </a:r>
-            <a:r>
-              <a:rPr lang="en-US" sz="2200" b="1" dirty="0" err="1" smtClean="0"/>
-              <a:t>Ontotext</a:t>
-            </a:r>
-            <a:endParaRPr lang="en-US" sz="2200" b="1" dirty="0" smtClean="0"/>
-          </a:p>
-          <a:p>
-            <a:r>
-              <a:rPr lang="en-US" sz="2200" b="1" dirty="0" err="1" smtClean="0"/>
-              <a:t>GraphDB</a:t>
-            </a:r>
-            <a:r>
-              <a:rPr lang="en-US" sz="2200" b="1" dirty="0" smtClean="0"/>
-              <a:t>)</a:t>
-            </a:r>
-            <a:endParaRPr lang="en-US" sz="2200" b="1" dirty="0"/>
-          </a:p>
-        </p:txBody>
-      </p:sp>
-      <p:cxnSp>
-        <p:nvCxnSpPr>
-          <p:cNvPr id="13" name="Straight Arrow Connector 12"/>
-          <p:cNvCxnSpPr>
-            <a:stCxn id="23" idx="3"/>
-          </p:cNvCxnSpPr>
-          <p:nvPr/>
-        </p:nvCxnSpPr>
-        <p:spPr>
-          <a:xfrm>
-            <a:off x="8993944" y="1188444"/>
-            <a:ext cx="479593" cy="0"/>
-          </a:xfrm>
-          <a:prstGeom prst="straightConnector1">
-            <a:avLst/>
-          </a:prstGeom>
-          <a:ln>
-            <a:tailEnd type="triangle"/>
-          </a:ln>
-        </p:spPr>
-        <p:style>
-          <a:lnRef idx="1">
-            <a:schemeClr val="accent1"/>
-          </a:lnRef>
-          <a:fillRef idx="0">
-            <a:schemeClr val="accent1"/>
-          </a:fillRef>
-          <a:effectRef idx="0">
-            <a:schemeClr val="accent1"/>
-          </a:effectRef>
-          <a:fontRef idx="minor">
-            <a:schemeClr val="tx1"/>
-          </a:fontRef>
-        </p:style>
-      </p:cxnSp>
-      <p:sp>
-        <p:nvSpPr>
-          <p:cNvPr id="34" name="Rectangle 33"/>
-          <p:cNvSpPr/>
-          <p:nvPr/>
-        </p:nvSpPr>
-        <p:spPr>
-          <a:xfrm>
-            <a:off x="6659094" y="2796662"/>
-            <a:ext cx="2495627" cy="1752331"/>
-          </a:xfrm>
-          <a:prstGeom prst="rect">
-            <a:avLst/>
-          </a:prstGeom>
-          <a:solidFill>
-            <a:srgbClr val="002060"/>
-          </a:solidFill>
-        </p:spPr>
-        <p:style>
-          <a:lnRef idx="2">
-            <a:schemeClr val="accent1">
-              <a:shade val="50000"/>
-            </a:schemeClr>
-          </a:lnRef>
-          <a:fillRef idx="1">
-            <a:schemeClr val="accent1"/>
-          </a:fillRef>
-          <a:effectRef idx="0">
-            <a:schemeClr val="accent1"/>
-          </a:effectRef>
-          <a:fontRef idx="minor">
-            <a:schemeClr val="lt1"/>
-          </a:fontRef>
-        </p:style>
-        <p:txBody>
-          <a:bodyPr rot="0" spcFirstLastPara="0" vertOverflow="overflow" horzOverflow="overflow" vert="horz" wrap="square" lIns="91440" tIns="45721" rIns="91440" bIns="45721" numCol="1" spcCol="0" rtlCol="0" fromWordArt="0" anchor="ctr" anchorCtr="0" forceAA="0" compatLnSpc="1">
-            <a:prstTxWarp prst="textNoShape">
-              <a:avLst/>
-            </a:prstTxWarp>
-            <a:noAutofit/>
-          </a:bodyPr>
-          <a:lstStyle/>
-          <a:p>
-            <a:r>
-              <a:rPr lang="en-US" sz="2200" b="1" dirty="0" err="1" smtClean="0"/>
-              <a:t>Stardog</a:t>
-            </a:r>
-            <a:r>
-              <a:rPr lang="en-US" sz="2200" b="1" dirty="0" smtClean="0"/>
-              <a:t> Virtual Graph</a:t>
-            </a:r>
-            <a:endParaRPr lang="en-US" sz="2200" b="1" dirty="0"/>
-          </a:p>
-        </p:txBody>
-      </p:sp>
-      <p:sp>
-        <p:nvSpPr>
-          <p:cNvPr id="18" name="Rectangle 17"/>
-          <p:cNvSpPr/>
-          <p:nvPr/>
-        </p:nvSpPr>
-        <p:spPr>
-          <a:xfrm>
-            <a:off x="306938" y="2790819"/>
-            <a:ext cx="2683900" cy="1789335"/>
-          </a:xfrm>
-          <a:prstGeom prst="rect">
-            <a:avLst/>
-          </a:prstGeom>
-          <a:solidFill>
-            <a:schemeClr val="accent2"/>
-          </a:solidFill>
-        </p:spPr>
-        <p:style>
-          <a:lnRef idx="2">
-            <a:schemeClr val="accent1">
-              <a:shade val="50000"/>
-            </a:schemeClr>
-          </a:lnRef>
-          <a:fillRef idx="1">
-            <a:schemeClr val="accent1"/>
-          </a:fillRef>
-          <a:effectRef idx="0">
-            <a:schemeClr val="accent1"/>
-          </a:effectRef>
-          <a:fontRef idx="minor">
-            <a:schemeClr val="lt1"/>
-          </a:fontRef>
-        </p:style>
-        <p:txBody>
-          <a:bodyPr rot="0" spcFirstLastPara="0" vertOverflow="overflow" horzOverflow="overflow" vert="horz" wrap="square" lIns="91440" tIns="45721" rIns="91440" bIns="45721" numCol="1" spcCol="0" rtlCol="0" fromWordArt="0" anchor="ctr" anchorCtr="0" forceAA="0" compatLnSpc="1">
-            <a:prstTxWarp prst="textNoShape">
-              <a:avLst/>
-            </a:prstTxWarp>
-            <a:noAutofit/>
-          </a:bodyPr>
-          <a:lstStyle/>
-          <a:p>
-            <a:r>
-              <a:rPr lang="en-US" sz="2200" b="1" dirty="0" smtClean="0"/>
-              <a:t>PostgreSQL (</a:t>
-            </a:r>
-            <a:r>
-              <a:rPr lang="en-US" sz="2200" b="1" dirty="0" err="1" smtClean="0"/>
-              <a:t>Synthea</a:t>
-            </a:r>
-            <a:r>
-              <a:rPr lang="en-US" sz="2200" b="1" dirty="0" smtClean="0"/>
-              <a:t> schema)</a:t>
-            </a:r>
-            <a:endParaRPr lang="en-US" sz="2200" b="1" dirty="0"/>
-          </a:p>
-        </p:txBody>
-      </p:sp>
-      <p:cxnSp>
-        <p:nvCxnSpPr>
-          <p:cNvPr id="19" name="Straight Arrow Connector 18"/>
-          <p:cNvCxnSpPr/>
-          <p:nvPr/>
-        </p:nvCxnSpPr>
-        <p:spPr>
-          <a:xfrm flipV="1">
-            <a:off x="2990772" y="3828228"/>
-            <a:ext cx="569644" cy="8013"/>
-          </a:xfrm>
-          <a:prstGeom prst="straightConnector1">
-            <a:avLst/>
-          </a:prstGeom>
-          <a:ln>
-            <a:tailEnd type="triangle"/>
-          </a:ln>
-        </p:spPr>
-        <p:style>
-          <a:lnRef idx="1">
-            <a:schemeClr val="accent1"/>
-          </a:lnRef>
-          <a:fillRef idx="0">
-            <a:schemeClr val="accent1"/>
-          </a:fillRef>
-          <a:effectRef idx="0">
-            <a:schemeClr val="accent1"/>
-          </a:effectRef>
-          <a:fontRef idx="minor">
-            <a:schemeClr val="tx1"/>
-          </a:fontRef>
-        </p:style>
-      </p:cxnSp>
-      <p:sp>
-        <p:nvSpPr>
-          <p:cNvPr id="23" name="Rounded Rectangle 22"/>
-          <p:cNvSpPr/>
-          <p:nvPr/>
-        </p:nvSpPr>
-        <p:spPr>
-          <a:xfrm>
-            <a:off x="6424916" y="239210"/>
-            <a:ext cx="2569028" cy="1898468"/>
-          </a:xfrm>
-          <a:prstGeom prst="roundRect">
-            <a:avLst/>
-          </a:prstGeom>
-          <a:solidFill>
-            <a:schemeClr val="accent4">
-              <a:lumMod val="75000"/>
-            </a:schemeClr>
-          </a:solidFill>
-        </p:spPr>
-        <p:style>
-          <a:lnRef idx="2">
-            <a:schemeClr val="accent1">
-              <a:shade val="50000"/>
-            </a:schemeClr>
-          </a:lnRef>
-          <a:fillRef idx="1">
-            <a:schemeClr val="accent1"/>
-          </a:fillRef>
-          <a:effectRef idx="0">
-            <a:schemeClr val="accent1"/>
-          </a:effectRef>
-          <a:fontRef idx="minor">
-            <a:schemeClr val="lt1"/>
-          </a:fontRef>
-        </p:style>
-        <p:txBody>
-          <a:bodyPr rot="0" spcFirstLastPara="0" vertOverflow="overflow" horzOverflow="overflow" vert="horz" wrap="square" lIns="91440" tIns="45721" rIns="91440" bIns="45721" numCol="1" spcCol="0" rtlCol="0" fromWordArt="0" anchor="ctr" anchorCtr="0" forceAA="0" compatLnSpc="1">
-            <a:prstTxWarp prst="textNoShape">
-              <a:avLst/>
-            </a:prstTxWarp>
-            <a:noAutofit/>
-          </a:bodyPr>
-          <a:lstStyle/>
-          <a:p>
-            <a:pPr algn="ctr"/>
-            <a:r>
-              <a:rPr lang="en-US" sz="2200" b="1" dirty="0" smtClean="0"/>
-              <a:t>Semantic Engine Language</a:t>
-            </a:r>
-            <a:endParaRPr lang="en-US" sz="2200" b="1" dirty="0"/>
-          </a:p>
-        </p:txBody>
-      </p:sp>
-      <p:sp>
-        <p:nvSpPr>
-          <p:cNvPr id="24" name="Rounded Rectangle 23"/>
-          <p:cNvSpPr/>
-          <p:nvPr/>
-        </p:nvSpPr>
-        <p:spPr>
-          <a:xfrm>
-            <a:off x="9473537" y="187506"/>
-            <a:ext cx="2569028" cy="1898468"/>
-          </a:xfrm>
-          <a:prstGeom prst="roundRect">
-            <a:avLst/>
-          </a:prstGeom>
-          <a:solidFill>
-            <a:srgbClr val="7030A0"/>
-          </a:solidFill>
-        </p:spPr>
-        <p:style>
-          <a:lnRef idx="2">
-            <a:schemeClr val="accent1">
-              <a:shade val="50000"/>
-            </a:schemeClr>
-          </a:lnRef>
-          <a:fillRef idx="1">
-            <a:schemeClr val="accent1"/>
-          </a:fillRef>
-          <a:effectRef idx="0">
-            <a:schemeClr val="accent1"/>
-          </a:effectRef>
-          <a:fontRef idx="minor">
-            <a:schemeClr val="lt1"/>
-          </a:fontRef>
-        </p:style>
-        <p:txBody>
-          <a:bodyPr rot="0" spcFirstLastPara="0" vertOverflow="overflow" horzOverflow="overflow" vert="horz" wrap="square" lIns="91440" tIns="45721" rIns="91440" bIns="45721" numCol="1" spcCol="0" rtlCol="0" fromWordArt="0" anchor="ctr" anchorCtr="0" forceAA="0" compatLnSpc="1">
-            <a:prstTxWarp prst="textNoShape">
-              <a:avLst/>
-            </a:prstTxWarp>
-            <a:noAutofit/>
-          </a:bodyPr>
-          <a:lstStyle/>
-          <a:p>
-            <a:pPr algn="ctr"/>
-            <a:r>
-              <a:rPr lang="en-US" sz="2200" b="1" dirty="0" smtClean="0"/>
-              <a:t>Semantic Engine</a:t>
-            </a:r>
-            <a:endParaRPr lang="en-US" sz="2200" b="1" dirty="0"/>
-          </a:p>
-        </p:txBody>
-      </p:sp>
-      <p:sp>
-        <p:nvSpPr>
-          <p:cNvPr id="25" name="Rectangle 24"/>
-          <p:cNvSpPr/>
-          <p:nvPr/>
-        </p:nvSpPr>
-        <p:spPr>
-          <a:xfrm>
-            <a:off x="306938" y="300439"/>
-            <a:ext cx="2683900" cy="1776011"/>
-          </a:xfrm>
-          <a:prstGeom prst="rect">
-            <a:avLst/>
-          </a:prstGeom>
-          <a:solidFill>
-            <a:schemeClr val="accent1">
-              <a:lumMod val="75000"/>
-            </a:schemeClr>
-          </a:solidFill>
-        </p:spPr>
-        <p:style>
-          <a:lnRef idx="2">
-            <a:schemeClr val="accent1">
-              <a:shade val="50000"/>
-            </a:schemeClr>
-          </a:lnRef>
-          <a:fillRef idx="1">
-            <a:schemeClr val="accent1"/>
-          </a:fillRef>
-          <a:effectRef idx="0">
-            <a:schemeClr val="accent1"/>
-          </a:effectRef>
-          <a:fontRef idx="minor">
-            <a:schemeClr val="lt1"/>
-          </a:fontRef>
-        </p:style>
-        <p:txBody>
-          <a:bodyPr rot="0" spcFirstLastPara="0" vertOverflow="overflow" horzOverflow="overflow" vert="horz" wrap="square" lIns="91440" tIns="45721" rIns="91440" bIns="45721" numCol="1" spcCol="0" rtlCol="0" fromWordArt="0" anchor="ctr" anchorCtr="0" forceAA="0" compatLnSpc="1">
-            <a:prstTxWarp prst="textNoShape">
-              <a:avLst/>
-            </a:prstTxWarp>
-            <a:noAutofit/>
-          </a:bodyPr>
-          <a:lstStyle/>
-          <a:p>
-            <a:r>
-              <a:rPr lang="en-US" sz="2000" b="1" dirty="0" err="1" smtClean="0"/>
-              <a:t>Synthea</a:t>
-            </a:r>
-            <a:r>
-              <a:rPr lang="en-US" sz="2000" b="1" dirty="0" smtClean="0"/>
-              <a:t> Dataset (CSV file)</a:t>
-            </a:r>
-            <a:endParaRPr lang="en-US" sz="2000" b="1" dirty="0"/>
-          </a:p>
-        </p:txBody>
-      </p:sp>
-      <p:sp>
-        <p:nvSpPr>
-          <p:cNvPr id="28" name="Oval 27"/>
-          <p:cNvSpPr/>
-          <p:nvPr/>
-        </p:nvSpPr>
-        <p:spPr>
-          <a:xfrm>
-            <a:off x="2240694" y="1343026"/>
-            <a:ext cx="753317" cy="733424"/>
-          </a:xfrm>
-          <a:prstGeom prst="ellipse">
-            <a:avLst/>
-          </a:prstGeom>
-          <a:solidFill>
-            <a:schemeClr val="accent4">
-              <a:lumMod val="60000"/>
-              <a:lumOff val="40000"/>
-            </a:schemeClr>
-          </a:solidFill>
-        </p:spPr>
-        <p:style>
-          <a:lnRef idx="2">
-            <a:schemeClr val="accent1">
-              <a:shade val="50000"/>
-            </a:schemeClr>
-          </a:lnRef>
-          <a:fillRef idx="1">
-            <a:schemeClr val="accent1"/>
-          </a:fillRef>
-          <a:effectRef idx="0">
-            <a:schemeClr val="accent1"/>
-          </a:effectRef>
-          <a:fontRef idx="minor">
-            <a:schemeClr val="lt1"/>
-          </a:fontRef>
-        </p:style>
-        <p:txBody>
-          <a:bodyPr rtlCol="0" anchor="ctr"/>
-          <a:lstStyle/>
-          <a:p>
-            <a:pPr algn="ctr"/>
-            <a:r>
-              <a:rPr lang="en-US" dirty="0" smtClean="0">
-                <a:solidFill>
-                  <a:schemeClr val="tx1"/>
-                </a:solidFill>
-              </a:rPr>
-              <a:t>1</a:t>
-            </a:r>
-            <a:endParaRPr lang="en-US" dirty="0">
-              <a:solidFill>
-                <a:schemeClr val="tx1"/>
-              </a:solidFill>
-            </a:endParaRPr>
-          </a:p>
-        </p:txBody>
-      </p:sp>
-      <p:sp>
-        <p:nvSpPr>
-          <p:cNvPr id="37" name="Oval 36"/>
-          <p:cNvSpPr/>
-          <p:nvPr/>
-        </p:nvSpPr>
-        <p:spPr>
-          <a:xfrm>
-            <a:off x="2237455" y="3834073"/>
-            <a:ext cx="753317" cy="733424"/>
-          </a:xfrm>
-          <a:prstGeom prst="ellipse">
-            <a:avLst/>
-          </a:prstGeom>
-          <a:solidFill>
-            <a:schemeClr val="accent4">
-              <a:lumMod val="60000"/>
-              <a:lumOff val="40000"/>
-            </a:schemeClr>
-          </a:solidFill>
-        </p:spPr>
-        <p:style>
-          <a:lnRef idx="2">
-            <a:schemeClr val="accent1">
-              <a:shade val="50000"/>
-            </a:schemeClr>
-          </a:lnRef>
-          <a:fillRef idx="1">
-            <a:schemeClr val="accent1"/>
-          </a:fillRef>
-          <a:effectRef idx="0">
-            <a:schemeClr val="accent1"/>
-          </a:effectRef>
-          <a:fontRef idx="minor">
-            <a:schemeClr val="lt1"/>
-          </a:fontRef>
-        </p:style>
-        <p:txBody>
-          <a:bodyPr rtlCol="0" anchor="ctr"/>
-          <a:lstStyle/>
-          <a:p>
-            <a:pPr algn="ctr"/>
-            <a:r>
-              <a:rPr lang="en-US" dirty="0">
-                <a:solidFill>
-                  <a:schemeClr val="tx1"/>
-                </a:solidFill>
-              </a:rPr>
-              <a:t>2</a:t>
-            </a:r>
-          </a:p>
-        </p:txBody>
-      </p:sp>
-      <p:sp>
-        <p:nvSpPr>
-          <p:cNvPr id="41" name="Oval 40"/>
-          <p:cNvSpPr/>
-          <p:nvPr/>
-        </p:nvSpPr>
-        <p:spPr>
-          <a:xfrm>
-            <a:off x="5402874" y="3813652"/>
-            <a:ext cx="753317" cy="733424"/>
-          </a:xfrm>
-          <a:prstGeom prst="ellipse">
-            <a:avLst/>
-          </a:prstGeom>
-          <a:solidFill>
-            <a:schemeClr val="accent4">
-              <a:lumMod val="60000"/>
-              <a:lumOff val="40000"/>
-            </a:schemeClr>
-          </a:solidFill>
-        </p:spPr>
-        <p:style>
-          <a:lnRef idx="2">
-            <a:schemeClr val="accent1">
-              <a:shade val="50000"/>
-            </a:schemeClr>
-          </a:lnRef>
-          <a:fillRef idx="1">
-            <a:schemeClr val="accent1"/>
-          </a:fillRef>
-          <a:effectRef idx="0">
-            <a:schemeClr val="accent1"/>
-          </a:effectRef>
-          <a:fontRef idx="minor">
-            <a:schemeClr val="lt1"/>
-          </a:fontRef>
-        </p:style>
-        <p:txBody>
-          <a:bodyPr rtlCol="0" anchor="ctr"/>
-          <a:lstStyle/>
-          <a:p>
-            <a:pPr algn="ctr"/>
-            <a:r>
-              <a:rPr lang="en-US" dirty="0" smtClean="0">
-                <a:solidFill>
-                  <a:schemeClr val="tx1"/>
-                </a:solidFill>
-              </a:rPr>
-              <a:t>3</a:t>
-            </a:r>
-            <a:endParaRPr lang="en-US" dirty="0">
-              <a:solidFill>
-                <a:schemeClr val="tx1"/>
-              </a:solidFill>
-            </a:endParaRPr>
-          </a:p>
-        </p:txBody>
-      </p:sp>
-      <p:sp>
-        <p:nvSpPr>
-          <p:cNvPr id="42" name="Oval 41"/>
-          <p:cNvSpPr/>
-          <p:nvPr/>
-        </p:nvSpPr>
-        <p:spPr>
-          <a:xfrm>
-            <a:off x="8401404" y="3813652"/>
-            <a:ext cx="753317" cy="733424"/>
-          </a:xfrm>
-          <a:prstGeom prst="ellipse">
-            <a:avLst/>
-          </a:prstGeom>
-          <a:solidFill>
-            <a:schemeClr val="accent4">
-              <a:lumMod val="60000"/>
-              <a:lumOff val="40000"/>
-            </a:schemeClr>
-          </a:solidFill>
-        </p:spPr>
-        <p:style>
-          <a:lnRef idx="2">
-            <a:schemeClr val="accent1">
-              <a:shade val="50000"/>
-            </a:schemeClr>
-          </a:lnRef>
-          <a:fillRef idx="1">
-            <a:schemeClr val="accent1"/>
-          </a:fillRef>
-          <a:effectRef idx="0">
-            <a:schemeClr val="accent1"/>
-          </a:effectRef>
-          <a:fontRef idx="minor">
-            <a:schemeClr val="lt1"/>
-          </a:fontRef>
-        </p:style>
-        <p:txBody>
-          <a:bodyPr rtlCol="0" anchor="ctr"/>
-          <a:lstStyle/>
-          <a:p>
-            <a:pPr algn="ctr"/>
-            <a:r>
-              <a:rPr lang="en-US" dirty="0">
-                <a:solidFill>
-                  <a:schemeClr val="tx1"/>
-                </a:solidFill>
-              </a:rPr>
-              <a:t>4</a:t>
-            </a:r>
-          </a:p>
-        </p:txBody>
-      </p:sp>
-      <p:sp>
-        <p:nvSpPr>
-          <p:cNvPr id="43" name="Oval 42"/>
-          <p:cNvSpPr/>
-          <p:nvPr/>
-        </p:nvSpPr>
-        <p:spPr>
-          <a:xfrm>
-            <a:off x="11289248" y="3786180"/>
-            <a:ext cx="753317" cy="733424"/>
-          </a:xfrm>
-          <a:prstGeom prst="ellipse">
-            <a:avLst/>
-          </a:prstGeom>
-          <a:solidFill>
-            <a:schemeClr val="accent4">
-              <a:lumMod val="60000"/>
-              <a:lumOff val="40000"/>
-            </a:schemeClr>
-          </a:solidFill>
-        </p:spPr>
-        <p:style>
-          <a:lnRef idx="2">
-            <a:schemeClr val="accent1">
-              <a:shade val="50000"/>
-            </a:schemeClr>
-          </a:lnRef>
-          <a:fillRef idx="1">
-            <a:schemeClr val="accent1"/>
-          </a:fillRef>
-          <a:effectRef idx="0">
-            <a:schemeClr val="accent1"/>
-          </a:effectRef>
-          <a:fontRef idx="minor">
-            <a:schemeClr val="lt1"/>
-          </a:fontRef>
-        </p:style>
-        <p:txBody>
-          <a:bodyPr rtlCol="0" anchor="ctr"/>
-          <a:lstStyle/>
-          <a:p>
-            <a:pPr algn="ctr"/>
-            <a:r>
-              <a:rPr lang="en-US" dirty="0" smtClean="0">
-                <a:solidFill>
-                  <a:schemeClr val="tx1"/>
-                </a:solidFill>
-              </a:rPr>
-              <a:t>5</a:t>
-            </a:r>
-            <a:endParaRPr lang="en-US" dirty="0">
-              <a:solidFill>
-                <a:schemeClr val="tx1"/>
-              </a:solidFill>
-            </a:endParaRPr>
-          </a:p>
-        </p:txBody>
-      </p:sp>
-      <p:cxnSp>
-        <p:nvCxnSpPr>
-          <p:cNvPr id="49" name="Straight Arrow Connector 48"/>
-          <p:cNvCxnSpPr/>
-          <p:nvPr/>
-        </p:nvCxnSpPr>
-        <p:spPr>
-          <a:xfrm>
-            <a:off x="6156191" y="3732426"/>
-            <a:ext cx="502903" cy="7077"/>
-          </a:xfrm>
-          <a:prstGeom prst="straightConnector1">
-            <a:avLst/>
-          </a:prstGeom>
-          <a:ln>
-            <a:tailEnd type="triangle"/>
-          </a:ln>
-        </p:spPr>
-        <p:style>
-          <a:lnRef idx="1">
-            <a:schemeClr val="accent1"/>
-          </a:lnRef>
-          <a:fillRef idx="0">
-            <a:schemeClr val="accent1"/>
-          </a:fillRef>
-          <a:effectRef idx="0">
-            <a:schemeClr val="accent1"/>
-          </a:effectRef>
-          <a:fontRef idx="minor">
-            <a:schemeClr val="tx1"/>
-          </a:fontRef>
-        </p:style>
-      </p:cxnSp>
-      <p:cxnSp>
-        <p:nvCxnSpPr>
-          <p:cNvPr id="59" name="Straight Arrow Connector 58"/>
-          <p:cNvCxnSpPr/>
-          <p:nvPr/>
-        </p:nvCxnSpPr>
-        <p:spPr>
-          <a:xfrm>
-            <a:off x="9114981" y="3685486"/>
-            <a:ext cx="502903" cy="7077"/>
-          </a:xfrm>
-          <a:prstGeom prst="straightConnector1">
-            <a:avLst/>
-          </a:prstGeom>
-          <a:ln>
-            <a:tailEnd type="triangle"/>
-          </a:ln>
-        </p:spPr>
-        <p:style>
-          <a:lnRef idx="1">
-            <a:schemeClr val="accent1"/>
-          </a:lnRef>
-          <a:fillRef idx="0">
-            <a:schemeClr val="accent1"/>
-          </a:fillRef>
-          <a:effectRef idx="0">
-            <a:schemeClr val="accent1"/>
-          </a:effectRef>
-          <a:fontRef idx="minor">
-            <a:schemeClr val="tx1"/>
-          </a:fontRef>
-        </p:style>
-      </p:cxnSp>
-      <p:cxnSp>
-        <p:nvCxnSpPr>
-          <p:cNvPr id="64" name="Straight Arrow Connector 63"/>
-          <p:cNvCxnSpPr>
-            <a:stCxn id="24" idx="2"/>
-          </p:cNvCxnSpPr>
-          <p:nvPr/>
-        </p:nvCxnSpPr>
-        <p:spPr>
-          <a:xfrm>
-            <a:off x="10758051" y="2085974"/>
-            <a:ext cx="0" cy="728654"/>
-          </a:xfrm>
-          <a:prstGeom prst="straightConnector1">
-            <a:avLst/>
-          </a:prstGeom>
-          <a:ln>
-            <a:tailEnd type="triangle"/>
-          </a:ln>
-        </p:spPr>
-        <p:style>
-          <a:lnRef idx="1">
-            <a:schemeClr val="accent1"/>
-          </a:lnRef>
-          <a:fillRef idx="0">
-            <a:schemeClr val="accent1"/>
-          </a:fillRef>
-          <a:effectRef idx="0">
-            <a:schemeClr val="accent1"/>
-          </a:effectRef>
-          <a:fontRef idx="minor">
-            <a:schemeClr val="tx1"/>
-          </a:fontRef>
-        </p:style>
-      </p:cxnSp>
-    </p:spTree>
-    <p:extLst>
-      <p:ext uri="{BB962C8B-B14F-4D97-AF65-F5344CB8AC3E}">
-        <p14:creationId xmlns:p14="http://schemas.microsoft.com/office/powerpoint/2010/main" val="1136126899"/>
-      </p:ext>
-    </p:extLst>
-  </p:cSld>
-  <p:clrMapOvr>
-    <a:masterClrMapping/>
-  </p:clrMapOvr>
-  <p:timing>
-    <p:tnLst>
-      <p:par>
-        <p:cTn id="1" dur="indefinite" restart="never" nodeType="tmRoot"/>
-      </p:par>
-    </p:tnLst>
-  </p:timing>
-</p:sld>
-</file>
-
 <file path=ppt/slides/slide8.xml><?xml version="1.0" encoding="utf-8"?>
 <p:sld xmlns:a="http://schemas.openxmlformats.org/drawingml/2006/main" xmlns:r="http://schemas.openxmlformats.org/officeDocument/2006/relationships" xmlns:p="http://schemas.openxmlformats.org/presentationml/2006/main">
   <p:cSld>
@@ -13124,55 +14659,22 @@
           <a:chExt cx="0" cy="0"/>
         </a:xfrm>
       </p:grpSpPr>
-      <p:cxnSp>
-        <p:nvCxnSpPr>
-          <p:cNvPr id="9" name="Straight Arrow Connector 8"/>
-          <p:cNvCxnSpPr/>
-          <p:nvPr/>
-        </p:nvCxnSpPr>
-        <p:spPr>
-          <a:xfrm>
-            <a:off x="6181053" y="5954176"/>
-            <a:ext cx="1162594" cy="0"/>
-          </a:xfrm>
-          <a:prstGeom prst="straightConnector1">
-            <a:avLst/>
-          </a:prstGeom>
-          <a:ln>
-            <a:tailEnd type="triangle"/>
-          </a:ln>
-        </p:spPr>
-        <p:style>
-          <a:lnRef idx="1">
-            <a:schemeClr val="accent1"/>
-          </a:lnRef>
-          <a:fillRef idx="0">
-            <a:schemeClr val="accent1"/>
-          </a:fillRef>
-          <a:effectRef idx="0">
-            <a:schemeClr val="accent1"/>
-          </a:effectRef>
-          <a:fontRef idx="minor">
-            <a:schemeClr val="tx1"/>
-          </a:fontRef>
-        </p:style>
-      </p:cxnSp>
-      <p:sp>
-        <p:nvSpPr>
-          <p:cNvPr id="11" name="Rectangle 10"/>
+      <p:sp>
+        <p:nvSpPr>
+          <p:cNvPr id="7" name="Rectangle 6"/>
           <p:cNvSpPr/>
           <p:nvPr/>
         </p:nvSpPr>
         <p:spPr>
           <a:xfrm>
-            <a:off x="7343647" y="5183467"/>
-            <a:ext cx="2325189" cy="1541417"/>
+            <a:off x="4154956" y="2495404"/>
+            <a:ext cx="2569028" cy="1823723"/>
           </a:xfrm>
           <a:prstGeom prst="rect">
             <a:avLst/>
           </a:prstGeom>
           <a:solidFill>
-            <a:schemeClr val="accent6"/>
+            <a:srgbClr val="FFFF00"/>
           </a:solidFill>
         </p:spPr>
         <p:style>
@@ -13200,51 +14702,140 @@
           </a:bodyPr>
           <a:lstStyle/>
           <a:p>
-            <a:pPr algn="ctr"/>
-            <a:r>
-              <a:rPr lang="en-US" sz="1801" dirty="0" smtClean="0"/>
-              <a:t>RDF </a:t>
-            </a:r>
-            <a:r>
-              <a:rPr lang="en-US" sz="1801" dirty="0" err="1" smtClean="0"/>
-              <a:t>Triplestore</a:t>
-            </a:r>
-            <a:r>
-              <a:rPr lang="en-US" sz="1801" dirty="0" smtClean="0"/>
-              <a:t> (</a:t>
-            </a:r>
-            <a:r>
-              <a:rPr lang="en-US" sz="1801" dirty="0" err="1" smtClean="0"/>
-              <a:t>Ontotext</a:t>
-            </a:r>
-            <a:r>
-              <a:rPr lang="en-US" sz="1801" dirty="0" smtClean="0"/>
-              <a:t> </a:t>
-            </a:r>
-            <a:r>
-              <a:rPr lang="en-US" sz="1801" dirty="0" err="1" smtClean="0"/>
-              <a:t>GraphDB</a:t>
-            </a:r>
-            <a:r>
-              <a:rPr lang="en-US" sz="1801" dirty="0" smtClean="0"/>
-              <a:t>)</a:t>
-            </a:r>
-            <a:endParaRPr lang="en-US" sz="1801" dirty="0"/>
-          </a:p>
-        </p:txBody>
-      </p:sp>
-      <p:sp>
-        <p:nvSpPr>
-          <p:cNvPr id="13" name="Rectangle 12"/>
+            <a:r>
+              <a:rPr lang="en-US" sz="2200" b="1" dirty="0" smtClean="0">
+                <a:solidFill>
+                  <a:schemeClr val="tx1"/>
+                </a:solidFill>
+              </a:rPr>
+              <a:t>Data Aggregator (Carnival)</a:t>
+            </a:r>
+            <a:endParaRPr lang="en-US" sz="2200" b="1" dirty="0">
+              <a:solidFill>
+                <a:schemeClr val="tx1"/>
+              </a:solidFill>
+            </a:endParaRPr>
+          </a:p>
+        </p:txBody>
+      </p:sp>
+      <p:cxnSp>
+        <p:nvCxnSpPr>
+          <p:cNvPr id="10" name="Straight Arrow Connector 9"/>
+          <p:cNvCxnSpPr>
+            <a:stCxn id="18" idx="3"/>
+          </p:cNvCxnSpPr>
+          <p:nvPr/>
+        </p:nvCxnSpPr>
+        <p:spPr>
+          <a:xfrm>
+            <a:off x="2978871" y="1150927"/>
+            <a:ext cx="1176085" cy="1893931"/>
+          </a:xfrm>
+          <a:prstGeom prst="straightConnector1">
+            <a:avLst/>
+          </a:prstGeom>
+          <a:ln>
+            <a:tailEnd type="triangle"/>
+          </a:ln>
+        </p:spPr>
+        <p:style>
+          <a:lnRef idx="1">
+            <a:schemeClr val="accent1"/>
+          </a:lnRef>
+          <a:fillRef idx="0">
+            <a:schemeClr val="accent1"/>
+          </a:fillRef>
+          <a:effectRef idx="0">
+            <a:schemeClr val="accent1"/>
+          </a:effectRef>
+          <a:fontRef idx="minor">
+            <a:schemeClr val="tx1"/>
+          </a:fontRef>
+        </p:style>
+      </p:cxnSp>
+      <p:cxnSp>
+        <p:nvCxnSpPr>
+          <p:cNvPr id="11" name="Straight Arrow Connector 10"/>
+          <p:cNvCxnSpPr>
+            <a:stCxn id="19" idx="3"/>
+            <a:endCxn id="7" idx="1"/>
+          </p:cNvCxnSpPr>
+          <p:nvPr/>
+        </p:nvCxnSpPr>
+        <p:spPr>
+          <a:xfrm>
+            <a:off x="3063712" y="3405753"/>
+            <a:ext cx="1091244" cy="1513"/>
+          </a:xfrm>
+          <a:prstGeom prst="straightConnector1">
+            <a:avLst/>
+          </a:prstGeom>
+          <a:ln>
+            <a:tailEnd type="triangle"/>
+          </a:ln>
+        </p:spPr>
+        <p:style>
+          <a:lnRef idx="1">
+            <a:schemeClr val="accent1"/>
+          </a:lnRef>
+          <a:fillRef idx="0">
+            <a:schemeClr val="accent1"/>
+          </a:fillRef>
+          <a:effectRef idx="0">
+            <a:schemeClr val="accent1"/>
+          </a:effectRef>
+          <a:fontRef idx="minor">
+            <a:schemeClr val="tx1"/>
+          </a:fontRef>
+        </p:style>
+      </p:cxnSp>
+      <p:cxnSp>
+        <p:nvCxnSpPr>
+          <p:cNvPr id="13" name="Straight Arrow Connector 12"/>
+          <p:cNvCxnSpPr>
+            <a:stCxn id="7" idx="3"/>
+          </p:cNvCxnSpPr>
+          <p:nvPr/>
+        </p:nvCxnSpPr>
+        <p:spPr>
+          <a:xfrm flipV="1">
+            <a:off x="6723984" y="3405753"/>
+            <a:ext cx="824013" cy="1513"/>
+          </a:xfrm>
+          <a:prstGeom prst="straightConnector1">
+            <a:avLst/>
+          </a:prstGeom>
+          <a:ln>
+            <a:tailEnd type="triangle"/>
+          </a:ln>
+        </p:spPr>
+        <p:style>
+          <a:lnRef idx="1">
+            <a:schemeClr val="accent1"/>
+          </a:lnRef>
+          <a:fillRef idx="0">
+            <a:schemeClr val="accent1"/>
+          </a:fillRef>
+          <a:effectRef idx="0">
+            <a:schemeClr val="accent1"/>
+          </a:effectRef>
+          <a:fontRef idx="minor">
+            <a:schemeClr val="tx1"/>
+          </a:fontRef>
+        </p:style>
+      </p:cxnSp>
+      <p:sp>
+        <p:nvSpPr>
+          <p:cNvPr id="17" name="Rounded Rectangle 16"/>
           <p:cNvSpPr/>
           <p:nvPr/>
         </p:nvSpPr>
         <p:spPr>
           <a:xfrm>
-            <a:off x="966785" y="1726466"/>
-            <a:ext cx="2325189" cy="1541417"/>
-          </a:xfrm>
-          <a:prstGeom prst="rect">
+            <a:off x="7547997" y="248828"/>
+            <a:ext cx="2569028" cy="1898468"/>
+          </a:xfrm>
+          <a:prstGeom prst="roundRect">
             <a:avLst/>
           </a:prstGeom>
           <a:solidFill>
@@ -13278,70 +14869,29 @@
           <a:p>
             <a:pPr algn="ctr"/>
             <a:r>
-              <a:rPr lang="en-US" sz="1801" dirty="0" smtClean="0"/>
-              <a:t>PDS Patient Demographics Transformation</a:t>
-            </a:r>
-            <a:endParaRPr lang="en-US" sz="1801" dirty="0"/>
-          </a:p>
-        </p:txBody>
-      </p:sp>
-      <p:sp>
-        <p:nvSpPr>
-          <p:cNvPr id="23" name="Rectangle 22"/>
+              <a:rPr lang="en-US" sz="2200" b="1" dirty="0" smtClean="0"/>
+              <a:t>Semantic Engine</a:t>
+            </a:r>
+            <a:endParaRPr lang="en-US" sz="2200" b="1" dirty="0"/>
+          </a:p>
+        </p:txBody>
+      </p:sp>
+      <p:sp>
+        <p:nvSpPr>
+          <p:cNvPr id="18" name="Rectangle 17"/>
           <p:cNvSpPr/>
           <p:nvPr/>
         </p:nvSpPr>
         <p:spPr>
           <a:xfrm>
-            <a:off x="396246" y="1001486"/>
-            <a:ext cx="11490954" cy="4040777"/>
+            <a:off x="429993" y="322225"/>
+            <a:ext cx="2548878" cy="1657404"/>
           </a:xfrm>
           <a:prstGeom prst="rect">
             <a:avLst/>
           </a:prstGeom>
-          <a:noFill/>
-        </p:spPr>
-        <p:style>
-          <a:lnRef idx="2">
-            <a:schemeClr val="accent1">
-              <a:shade val="50000"/>
-            </a:schemeClr>
-          </a:lnRef>
-          <a:fillRef idx="1">
-            <a:schemeClr val="accent1"/>
-          </a:fillRef>
-          <a:effectRef idx="0">
-            <a:schemeClr val="accent1"/>
-          </a:effectRef>
-          <a:fontRef idx="minor">
-            <a:schemeClr val="lt1"/>
-          </a:fontRef>
-        </p:style>
-        <p:txBody>
-          <a:bodyPr rtlCol="0" anchor="ctr"/>
-          <a:lstStyle/>
-          <a:p>
-            <a:pPr algn="ctr"/>
-            <a:endParaRPr lang="en-US"/>
-          </a:p>
-        </p:txBody>
-      </p:sp>
-      <p:sp>
-        <p:nvSpPr>
-          <p:cNvPr id="24" name="Rectangle 23"/>
-          <p:cNvSpPr/>
-          <p:nvPr/>
-        </p:nvSpPr>
-        <p:spPr>
-          <a:xfrm>
-            <a:off x="3570652" y="1726466"/>
-            <a:ext cx="2325189" cy="1541417"/>
-          </a:xfrm>
-          <a:prstGeom prst="rect">
-            <a:avLst/>
-          </a:prstGeom>
           <a:solidFill>
-            <a:srgbClr val="7030A0"/>
+            <a:srgbClr val="FF0000"/>
           </a:solidFill>
         </p:spPr>
         <p:style>
@@ -13369,31 +14919,46 @@
           </a:bodyPr>
           <a:lstStyle/>
           <a:p>
-            <a:pPr algn="ctr"/>
-            <a:r>
-              <a:rPr lang="en-US" sz="1801" dirty="0" smtClean="0"/>
-              <a:t>PDS Diagnoses Transformation</a:t>
-            </a:r>
-            <a:endParaRPr lang="en-US" sz="1801" dirty="0"/>
-          </a:p>
-        </p:txBody>
-      </p:sp>
-      <p:sp>
-        <p:nvSpPr>
-          <p:cNvPr id="25" name="Rectangle 24"/>
+            <a:r>
+              <a:rPr lang="en-US" sz="2200" b="1" dirty="0">
+                <a:solidFill>
+                  <a:schemeClr val="tx1"/>
+                </a:solidFill>
+              </a:rPr>
+              <a:t>Penn Data </a:t>
+            </a:r>
+            <a:r>
+              <a:rPr lang="en-US" sz="2200" b="1" dirty="0" smtClean="0">
+                <a:solidFill>
+                  <a:schemeClr val="tx1"/>
+                </a:solidFill>
+              </a:rPr>
+              <a:t>Store</a:t>
+            </a:r>
+            <a:endParaRPr lang="en-US" sz="2200" b="1" dirty="0">
+              <a:solidFill>
+                <a:schemeClr val="tx1"/>
+              </a:solidFill>
+            </a:endParaRPr>
+          </a:p>
+        </p:txBody>
+      </p:sp>
+      <p:sp>
+        <p:nvSpPr>
+          <p:cNvPr id="19" name="Rectangle 18"/>
           <p:cNvSpPr/>
           <p:nvPr/>
         </p:nvSpPr>
         <p:spPr>
           <a:xfrm>
-            <a:off x="6181054" y="1726466"/>
-            <a:ext cx="2325189" cy="1541417"/>
+            <a:off x="429992" y="2577220"/>
+            <a:ext cx="2633720" cy="1657066"/>
           </a:xfrm>
           <a:prstGeom prst="rect">
             <a:avLst/>
           </a:prstGeom>
           <a:solidFill>
-            <a:srgbClr val="7030A0"/>
+            <a:srgbClr val="FF0000"/>
           </a:solidFill>
         </p:spPr>
         <p:style>
@@ -13421,31 +14986,273 @@
           </a:bodyPr>
           <a:lstStyle/>
           <a:p>
+            <a:r>
+              <a:rPr lang="en-US" sz="2200" b="1" dirty="0" smtClean="0">
+                <a:solidFill>
+                  <a:schemeClr val="tx1"/>
+                </a:solidFill>
+              </a:rPr>
+              <a:t>Loss of Gene Function Mutation CSV File</a:t>
+            </a:r>
+            <a:endParaRPr lang="en-US" sz="2200" b="1" dirty="0">
+              <a:solidFill>
+                <a:schemeClr val="tx1"/>
+              </a:solidFill>
+            </a:endParaRPr>
+          </a:p>
+        </p:txBody>
+      </p:sp>
+      <p:cxnSp>
+        <p:nvCxnSpPr>
+          <p:cNvPr id="50" name="Straight Arrow Connector 49"/>
+          <p:cNvCxnSpPr/>
+          <p:nvPr/>
+        </p:nvCxnSpPr>
+        <p:spPr>
+          <a:xfrm flipV="1">
+            <a:off x="6597754" y="1180645"/>
+            <a:ext cx="950243" cy="1514"/>
+          </a:xfrm>
+          <a:prstGeom prst="straightConnector1">
+            <a:avLst/>
+          </a:prstGeom>
+          <a:ln>
+            <a:tailEnd type="triangle"/>
+          </a:ln>
+        </p:spPr>
+        <p:style>
+          <a:lnRef idx="1">
+            <a:schemeClr val="accent1"/>
+          </a:lnRef>
+          <a:fillRef idx="0">
+            <a:schemeClr val="accent1"/>
+          </a:fillRef>
+          <a:effectRef idx="0">
+            <a:schemeClr val="accent1"/>
+          </a:effectRef>
+          <a:fontRef idx="minor">
+            <a:schemeClr val="tx1"/>
+          </a:fontRef>
+        </p:style>
+      </p:cxnSp>
+      <p:cxnSp>
+        <p:nvCxnSpPr>
+          <p:cNvPr id="52" name="Straight Arrow Connector 51"/>
+          <p:cNvCxnSpPr/>
+          <p:nvPr/>
+        </p:nvCxnSpPr>
+        <p:spPr>
+          <a:xfrm flipH="1">
+            <a:off x="8946037" y="2147296"/>
+            <a:ext cx="9427" cy="482844"/>
+          </a:xfrm>
+          <a:prstGeom prst="straightConnector1">
+            <a:avLst/>
+          </a:prstGeom>
+          <a:ln>
+            <a:tailEnd type="triangle"/>
+          </a:ln>
+        </p:spPr>
+        <p:style>
+          <a:lnRef idx="1">
+            <a:schemeClr val="accent1"/>
+          </a:lnRef>
+          <a:fillRef idx="0">
+            <a:schemeClr val="accent1"/>
+          </a:fillRef>
+          <a:effectRef idx="0">
+            <a:schemeClr val="accent1"/>
+          </a:effectRef>
+          <a:fontRef idx="minor">
+            <a:schemeClr val="tx1"/>
+          </a:fontRef>
+        </p:style>
+      </p:cxnSp>
+      <p:sp>
+        <p:nvSpPr>
+          <p:cNvPr id="59" name="Oval 58"/>
+          <p:cNvSpPr/>
+          <p:nvPr/>
+        </p:nvSpPr>
+        <p:spPr>
+          <a:xfrm>
+            <a:off x="2225554" y="1246205"/>
+            <a:ext cx="753317" cy="733424"/>
+          </a:xfrm>
+          <a:prstGeom prst="ellipse">
+            <a:avLst/>
+          </a:prstGeom>
+          <a:solidFill>
+            <a:schemeClr val="accent4">
+              <a:lumMod val="60000"/>
+              <a:lumOff val="40000"/>
+            </a:schemeClr>
+          </a:solidFill>
+        </p:spPr>
+        <p:style>
+          <a:lnRef idx="2">
+            <a:schemeClr val="accent1">
+              <a:shade val="50000"/>
+            </a:schemeClr>
+          </a:lnRef>
+          <a:fillRef idx="1">
+            <a:schemeClr val="accent1"/>
+          </a:fillRef>
+          <a:effectRef idx="0">
+            <a:schemeClr val="accent1"/>
+          </a:effectRef>
+          <a:fontRef idx="minor">
+            <a:schemeClr val="lt1"/>
+          </a:fontRef>
+        </p:style>
+        <p:txBody>
+          <a:bodyPr rtlCol="0" anchor="ctr"/>
+          <a:lstStyle/>
+          <a:p>
             <a:pPr algn="ctr"/>
             <a:r>
-              <a:rPr lang="en-US" sz="1801" dirty="0" smtClean="0"/>
-              <a:t>PDS Medications Transformation</a:t>
-            </a:r>
-            <a:endParaRPr lang="en-US" sz="1801" dirty="0"/>
-          </a:p>
-        </p:txBody>
-      </p:sp>
-      <p:sp>
-        <p:nvSpPr>
-          <p:cNvPr id="26" name="Rectangle 25"/>
+              <a:rPr lang="en-US" dirty="0" smtClean="0">
+                <a:solidFill>
+                  <a:schemeClr val="tx1"/>
+                </a:solidFill>
+              </a:rPr>
+              <a:t>1</a:t>
+            </a:r>
+            <a:endParaRPr lang="en-US" dirty="0">
+              <a:solidFill>
+                <a:schemeClr val="tx1"/>
+              </a:solidFill>
+            </a:endParaRPr>
+          </a:p>
+        </p:txBody>
+      </p:sp>
+      <p:sp>
+        <p:nvSpPr>
+          <p:cNvPr id="60" name="Oval 59"/>
           <p:cNvSpPr/>
           <p:nvPr/>
         </p:nvSpPr>
         <p:spPr>
           <a:xfrm>
-            <a:off x="8791456" y="1726466"/>
-            <a:ext cx="2325189" cy="1541417"/>
+            <a:off x="2310395" y="3500862"/>
+            <a:ext cx="753317" cy="733424"/>
+          </a:xfrm>
+          <a:prstGeom prst="ellipse">
+            <a:avLst/>
+          </a:prstGeom>
+          <a:solidFill>
+            <a:schemeClr val="accent4">
+              <a:lumMod val="60000"/>
+              <a:lumOff val="40000"/>
+            </a:schemeClr>
+          </a:solidFill>
+        </p:spPr>
+        <p:style>
+          <a:lnRef idx="2">
+            <a:schemeClr val="accent1">
+              <a:shade val="50000"/>
+            </a:schemeClr>
+          </a:lnRef>
+          <a:fillRef idx="1">
+            <a:schemeClr val="accent1"/>
+          </a:fillRef>
+          <a:effectRef idx="0">
+            <a:schemeClr val="accent1"/>
+          </a:effectRef>
+          <a:fontRef idx="minor">
+            <a:schemeClr val="lt1"/>
+          </a:fontRef>
+        </p:style>
+        <p:txBody>
+          <a:bodyPr rtlCol="0" anchor="ctr"/>
+          <a:lstStyle/>
+          <a:p>
+            <a:pPr algn="ctr"/>
+            <a:r>
+              <a:rPr lang="en-US" dirty="0" smtClean="0">
+                <a:solidFill>
+                  <a:schemeClr val="tx1"/>
+                </a:solidFill>
+              </a:rPr>
+              <a:t>1</a:t>
+            </a:r>
+            <a:endParaRPr lang="en-US" dirty="0">
+              <a:solidFill>
+                <a:schemeClr val="tx1"/>
+              </a:solidFill>
+            </a:endParaRPr>
+          </a:p>
+        </p:txBody>
+      </p:sp>
+      <p:sp>
+        <p:nvSpPr>
+          <p:cNvPr id="61" name="Oval 60"/>
+          <p:cNvSpPr/>
+          <p:nvPr/>
+        </p:nvSpPr>
+        <p:spPr>
+          <a:xfrm>
+            <a:off x="5970667" y="3584191"/>
+            <a:ext cx="753317" cy="733424"/>
+          </a:xfrm>
+          <a:prstGeom prst="ellipse">
+            <a:avLst/>
+          </a:prstGeom>
+          <a:solidFill>
+            <a:schemeClr val="accent4">
+              <a:lumMod val="60000"/>
+              <a:lumOff val="40000"/>
+            </a:schemeClr>
+          </a:solidFill>
+        </p:spPr>
+        <p:style>
+          <a:lnRef idx="2">
+            <a:schemeClr val="accent1">
+              <a:shade val="50000"/>
+            </a:schemeClr>
+          </a:lnRef>
+          <a:fillRef idx="1">
+            <a:schemeClr val="accent1"/>
+          </a:fillRef>
+          <a:effectRef idx="0">
+            <a:schemeClr val="accent1"/>
+          </a:effectRef>
+          <a:fontRef idx="minor">
+            <a:schemeClr val="lt1"/>
+          </a:fontRef>
+        </p:style>
+        <p:txBody>
+          <a:bodyPr rtlCol="0" anchor="ctr"/>
+          <a:lstStyle/>
+          <a:p>
+            <a:pPr algn="ctr"/>
+            <a:r>
+              <a:rPr lang="en-US" dirty="0">
+                <a:solidFill>
+                  <a:schemeClr val="tx1"/>
+                </a:solidFill>
+              </a:rPr>
+              <a:t>2</a:t>
+            </a:r>
+          </a:p>
+        </p:txBody>
+      </p:sp>
+      <p:sp>
+        <p:nvSpPr>
+          <p:cNvPr id="64" name="Rectangle 63"/>
+          <p:cNvSpPr/>
+          <p:nvPr/>
+        </p:nvSpPr>
+        <p:spPr>
+          <a:xfrm>
+            <a:off x="7547997" y="2630140"/>
+            <a:ext cx="2447108" cy="1741444"/>
           </a:xfrm>
           <a:prstGeom prst="rect">
             <a:avLst/>
           </a:prstGeom>
           <a:solidFill>
-            <a:srgbClr val="7030A0"/>
+            <a:schemeClr val="accent6"/>
           </a:solidFill>
         </p:spPr>
         <p:style>
@@ -13473,61 +15280,113 @@
           </a:bodyPr>
           <a:lstStyle/>
           <a:p>
+            <a:r>
+              <a:rPr lang="en-US" sz="2200" b="1" dirty="0" smtClean="0"/>
+              <a:t>RDF </a:t>
+            </a:r>
+            <a:r>
+              <a:rPr lang="en-US" sz="2200" b="1" dirty="0" err="1" smtClean="0"/>
+              <a:t>Triplestore</a:t>
+            </a:r>
+            <a:r>
+              <a:rPr lang="en-US" sz="2200" b="1" dirty="0" smtClean="0"/>
+              <a:t> (</a:t>
+            </a:r>
+            <a:r>
+              <a:rPr lang="en-US" sz="2200" b="1" dirty="0" err="1" smtClean="0"/>
+              <a:t>Ontotext</a:t>
+            </a:r>
+            <a:endParaRPr lang="en-US" sz="2200" b="1" dirty="0" smtClean="0"/>
+          </a:p>
+          <a:p>
+            <a:r>
+              <a:rPr lang="en-US" sz="2200" b="1" dirty="0" err="1" smtClean="0"/>
+              <a:t>GraphDB</a:t>
+            </a:r>
+            <a:r>
+              <a:rPr lang="en-US" sz="2200" b="1" dirty="0" smtClean="0"/>
+              <a:t>)</a:t>
+            </a:r>
+            <a:endParaRPr lang="en-US" sz="2200" b="1" dirty="0"/>
+          </a:p>
+        </p:txBody>
+      </p:sp>
+      <p:sp>
+        <p:nvSpPr>
+          <p:cNvPr id="62" name="Oval 61"/>
+          <p:cNvSpPr/>
+          <p:nvPr/>
+        </p:nvSpPr>
+        <p:spPr>
+          <a:xfrm>
+            <a:off x="9241788" y="3638160"/>
+            <a:ext cx="753317" cy="733424"/>
+          </a:xfrm>
+          <a:prstGeom prst="ellipse">
+            <a:avLst/>
+          </a:prstGeom>
+          <a:solidFill>
+            <a:schemeClr val="accent4">
+              <a:lumMod val="60000"/>
+              <a:lumOff val="40000"/>
+            </a:schemeClr>
+          </a:solidFill>
+        </p:spPr>
+        <p:style>
+          <a:lnRef idx="2">
+            <a:schemeClr val="accent1">
+              <a:shade val="50000"/>
+            </a:schemeClr>
+          </a:lnRef>
+          <a:fillRef idx="1">
+            <a:schemeClr val="accent1"/>
+          </a:fillRef>
+          <a:effectRef idx="0">
+            <a:schemeClr val="accent1"/>
+          </a:effectRef>
+          <a:fontRef idx="minor">
+            <a:schemeClr val="lt1"/>
+          </a:fontRef>
+        </p:style>
+        <p:txBody>
+          <a:bodyPr rtlCol="0" anchor="ctr"/>
+          <a:lstStyle/>
+          <a:p>
             <a:pPr algn="ctr"/>
             <a:r>
-              <a:rPr lang="en-US" sz="1801" dirty="0" smtClean="0"/>
-              <a:t>Regeneron Genomic Loss of Function Transformation</a:t>
-            </a:r>
-            <a:endParaRPr lang="en-US" sz="1801" dirty="0"/>
-          </a:p>
-        </p:txBody>
-      </p:sp>
-      <p:sp>
-        <p:nvSpPr>
-          <p:cNvPr id="27" name="TextBox 26"/>
-          <p:cNvSpPr txBox="1"/>
-          <p:nvPr/>
-        </p:nvSpPr>
-        <p:spPr>
-          <a:xfrm>
-            <a:off x="4876801" y="1228291"/>
-            <a:ext cx="2186368" cy="369332"/>
-          </a:xfrm>
-          <a:prstGeom prst="rect">
-            <a:avLst/>
-          </a:prstGeom>
-          <a:noFill/>
-        </p:spPr>
-        <p:txBody>
-          <a:bodyPr wrap="none" rtlCol="0">
-            <a:spAutoFit/>
-          </a:bodyPr>
-          <a:lstStyle/>
-          <a:p>
-            <a:r>
-              <a:rPr lang="en-US" b="1" dirty="0" smtClean="0"/>
-              <a:t>Raw SPARQL Queries</a:t>
-            </a:r>
-            <a:endParaRPr lang="en-US" b="1" dirty="0"/>
-          </a:p>
-        </p:txBody>
-      </p:sp>
-      <p:sp>
-        <p:nvSpPr>
-          <p:cNvPr id="28" name="Rectangle 27"/>
+              <a:rPr lang="en-US" dirty="0" smtClean="0">
+                <a:solidFill>
+                  <a:schemeClr val="tx1"/>
+                </a:solidFill>
+              </a:rPr>
+              <a:t>3</a:t>
+            </a:r>
+            <a:endParaRPr lang="en-US" dirty="0">
+              <a:solidFill>
+                <a:schemeClr val="tx1"/>
+              </a:solidFill>
+            </a:endParaRPr>
+          </a:p>
+        </p:txBody>
+      </p:sp>
+      <p:sp>
+        <p:nvSpPr>
+          <p:cNvPr id="20" name="Rounded Rectangle 19"/>
           <p:cNvSpPr/>
           <p:nvPr/>
         </p:nvSpPr>
         <p:spPr>
           <a:xfrm>
-            <a:off x="3565075" y="3384364"/>
-            <a:ext cx="2325189" cy="1541417"/>
-          </a:xfrm>
-          <a:prstGeom prst="rect">
+            <a:off x="4089897" y="377604"/>
+            <a:ext cx="2569028" cy="1898468"/>
+          </a:xfrm>
+          <a:prstGeom prst="roundRect">
             <a:avLst/>
           </a:prstGeom>
           <a:solidFill>
-            <a:srgbClr val="7030A0"/>
+            <a:schemeClr val="accent4">
+              <a:lumMod val="75000"/>
+            </a:schemeClr>
           </a:solidFill>
         </p:spPr>
         <p:style>
@@ -13557,257 +15416,17 @@
           <a:p>
             <a:pPr algn="ctr"/>
             <a:r>
-              <a:rPr lang="en-US" sz="1801" dirty="0" smtClean="0"/>
-              <a:t>Patient To Healthcare Encounter Linking</a:t>
-            </a:r>
-            <a:endParaRPr lang="en-US" sz="1801" dirty="0"/>
-          </a:p>
-        </p:txBody>
-      </p:sp>
-      <p:sp>
-        <p:nvSpPr>
-          <p:cNvPr id="29" name="Rectangle 28"/>
-          <p:cNvSpPr/>
-          <p:nvPr/>
-        </p:nvSpPr>
-        <p:spPr>
-          <a:xfrm>
-            <a:off x="6181053" y="3396726"/>
-            <a:ext cx="2325189" cy="1541417"/>
-          </a:xfrm>
-          <a:prstGeom prst="rect">
-            <a:avLst/>
-          </a:prstGeom>
-          <a:solidFill>
-            <a:srgbClr val="7030A0"/>
-          </a:solidFill>
-        </p:spPr>
-        <p:style>
-          <a:lnRef idx="2">
-            <a:schemeClr val="accent1">
-              <a:shade val="50000"/>
-            </a:schemeClr>
-          </a:lnRef>
-          <a:fillRef idx="1">
-            <a:schemeClr val="accent1"/>
-          </a:fillRef>
-          <a:effectRef idx="0">
-            <a:schemeClr val="accent1"/>
-          </a:effectRef>
-          <a:fontRef idx="minor">
-            <a:schemeClr val="lt1"/>
-          </a:fontRef>
-        </p:style>
-        <p:txBody>
-          <a:bodyPr rot="0" spcFirstLastPara="0" vertOverflow="overflow" horzOverflow="overflow" vert="horz" wrap="square" lIns="91440" tIns="45721" rIns="91440" bIns="45721" numCol="1" spcCol="0" rtlCol="0" fromWordArt="0" anchor="ctr" anchorCtr="0" forceAA="0" compatLnSpc="1">
-            <a:prstTxWarp prst="textNoShape">
-              <a:avLst/>
-            </a:prstTxWarp>
-            <a:noAutofit/>
-          </a:bodyPr>
-          <a:lstStyle/>
-          <a:p>
-            <a:pPr algn="ctr"/>
-            <a:r>
-              <a:rPr lang="en-US" sz="1801" dirty="0" smtClean="0"/>
-              <a:t>Patient To Biobank Encounter Linking</a:t>
-            </a:r>
-            <a:endParaRPr lang="en-US" sz="1801" dirty="0"/>
-          </a:p>
-        </p:txBody>
-      </p:sp>
-      <p:cxnSp>
-        <p:nvCxnSpPr>
-          <p:cNvPr id="30" name="Straight Arrow Connector 29"/>
-          <p:cNvCxnSpPr>
-            <a:endCxn id="11" idx="3"/>
-          </p:cNvCxnSpPr>
-          <p:nvPr/>
-        </p:nvCxnSpPr>
-        <p:spPr>
-          <a:xfrm flipH="1">
-            <a:off x="9668836" y="5050672"/>
-            <a:ext cx="2193620" cy="903504"/>
-          </a:xfrm>
-          <a:prstGeom prst="straightConnector1">
-            <a:avLst/>
-          </a:prstGeom>
-          <a:ln>
-            <a:tailEnd type="triangle"/>
-          </a:ln>
-        </p:spPr>
-        <p:style>
-          <a:lnRef idx="1">
-            <a:schemeClr val="accent1"/>
-          </a:lnRef>
-          <a:fillRef idx="0">
-            <a:schemeClr val="accent1"/>
-          </a:fillRef>
-          <a:effectRef idx="0">
-            <a:schemeClr val="accent1"/>
-          </a:effectRef>
-          <a:fontRef idx="minor">
-            <a:schemeClr val="tx1"/>
-          </a:fontRef>
-        </p:style>
-      </p:cxnSp>
-      <p:sp>
-        <p:nvSpPr>
-          <p:cNvPr id="15" name="Rectangle 14"/>
-          <p:cNvSpPr/>
-          <p:nvPr/>
-        </p:nvSpPr>
-        <p:spPr>
-          <a:xfrm>
-            <a:off x="3978414" y="5183467"/>
-            <a:ext cx="2325189" cy="1541417"/>
-          </a:xfrm>
-          <a:prstGeom prst="rect">
-            <a:avLst/>
-          </a:prstGeom>
-          <a:solidFill>
-            <a:srgbClr val="FFFF00"/>
-          </a:solidFill>
-        </p:spPr>
-        <p:style>
-          <a:lnRef idx="2">
-            <a:schemeClr val="accent1">
-              <a:shade val="50000"/>
-            </a:schemeClr>
-          </a:lnRef>
-          <a:fillRef idx="1">
-            <a:schemeClr val="accent1"/>
-          </a:fillRef>
-          <a:effectRef idx="0">
-            <a:schemeClr val="accent1"/>
-          </a:effectRef>
-          <a:fontRef idx="minor">
-            <a:schemeClr val="lt1"/>
-          </a:fontRef>
-        </p:style>
-        <p:txBody>
-          <a:bodyPr rot="0" spcFirstLastPara="0" vertOverflow="overflow" horzOverflow="overflow" vert="horz" wrap="square" lIns="91440" tIns="45721" rIns="91440" bIns="45721" numCol="1" spcCol="0" rtlCol="0" fromWordArt="0" anchor="ctr" anchorCtr="0" forceAA="0" compatLnSpc="1">
-            <a:prstTxWarp prst="textNoShape">
-              <a:avLst/>
-            </a:prstTxWarp>
-            <a:noAutofit/>
-          </a:bodyPr>
-          <a:lstStyle/>
-          <a:p>
-            <a:pPr algn="ctr"/>
-            <a:r>
-              <a:rPr lang="en-US" sz="1801" dirty="0" smtClean="0">
-                <a:solidFill>
-                  <a:schemeClr val="tx1"/>
-                </a:solidFill>
-              </a:rPr>
-              <a:t>Carnival (data aggregator)</a:t>
-            </a:r>
-            <a:endParaRPr lang="en-US" sz="1801" dirty="0">
-              <a:solidFill>
-                <a:schemeClr val="tx1"/>
-              </a:solidFill>
-            </a:endParaRPr>
-          </a:p>
-        </p:txBody>
-      </p:sp>
-      <p:sp>
-        <p:nvSpPr>
-          <p:cNvPr id="16" name="Rectangle 15"/>
-          <p:cNvSpPr/>
-          <p:nvPr/>
-        </p:nvSpPr>
-        <p:spPr>
-          <a:xfrm>
-            <a:off x="499648" y="5158744"/>
-            <a:ext cx="2325189" cy="1541417"/>
-          </a:xfrm>
-          <a:prstGeom prst="rect">
-            <a:avLst/>
-          </a:prstGeom>
-          <a:solidFill>
-            <a:srgbClr val="FF0000"/>
-          </a:solidFill>
-        </p:spPr>
-        <p:style>
-          <a:lnRef idx="2">
-            <a:schemeClr val="accent1">
-              <a:shade val="50000"/>
-            </a:schemeClr>
-          </a:lnRef>
-          <a:fillRef idx="1">
-            <a:schemeClr val="accent1"/>
-          </a:fillRef>
-          <a:effectRef idx="0">
-            <a:schemeClr val="accent1"/>
-          </a:effectRef>
-          <a:fontRef idx="minor">
-            <a:schemeClr val="lt1"/>
-          </a:fontRef>
-        </p:style>
-        <p:txBody>
-          <a:bodyPr rot="0" spcFirstLastPara="0" vertOverflow="overflow" horzOverflow="overflow" vert="horz" wrap="square" lIns="91440" tIns="45721" rIns="91440" bIns="45721" numCol="1" spcCol="0" rtlCol="0" fromWordArt="0" anchor="ctr" anchorCtr="0" forceAA="0" compatLnSpc="1">
-            <a:prstTxWarp prst="textNoShape">
-              <a:avLst/>
-            </a:prstTxWarp>
-            <a:noAutofit/>
-          </a:bodyPr>
-          <a:lstStyle/>
-          <a:p>
-            <a:pPr algn="ctr"/>
-            <a:r>
-              <a:rPr lang="en-US" sz="1801" dirty="0" smtClean="0">
-                <a:solidFill>
-                  <a:schemeClr val="tx1"/>
-                </a:solidFill>
-              </a:rPr>
-              <a:t>Input data from multiple sources</a:t>
-            </a:r>
-            <a:endParaRPr lang="en-US" sz="1801" dirty="0">
-              <a:solidFill>
-                <a:schemeClr val="tx1"/>
-              </a:solidFill>
-            </a:endParaRPr>
-          </a:p>
-        </p:txBody>
-      </p:sp>
-      <p:cxnSp>
-        <p:nvCxnSpPr>
-          <p:cNvPr id="17" name="Straight Arrow Connector 16"/>
-          <p:cNvCxnSpPr/>
-          <p:nvPr/>
-        </p:nvCxnSpPr>
-        <p:spPr>
-          <a:xfrm>
-            <a:off x="2824837" y="5954175"/>
-            <a:ext cx="1162594" cy="0"/>
-          </a:xfrm>
-          <a:prstGeom prst="straightConnector1">
-            <a:avLst/>
-          </a:prstGeom>
-          <a:ln>
-            <a:tailEnd type="triangle"/>
-          </a:ln>
-        </p:spPr>
-        <p:style>
-          <a:lnRef idx="1">
-            <a:schemeClr val="accent1"/>
-          </a:lnRef>
-          <a:fillRef idx="0">
-            <a:schemeClr val="accent1"/>
-          </a:fillRef>
-          <a:effectRef idx="0">
-            <a:schemeClr val="accent1"/>
-          </a:effectRef>
-          <a:fontRef idx="minor">
-            <a:schemeClr val="tx1"/>
-          </a:fontRef>
-        </p:style>
-      </p:cxnSp>
+              <a:rPr lang="en-US" sz="2200" b="1" dirty="0" smtClean="0"/>
+              <a:t>Semantic Engine Language</a:t>
+            </a:r>
+            <a:endParaRPr lang="en-US" sz="2200" b="1" dirty="0"/>
+          </a:p>
+        </p:txBody>
+      </p:sp>
     </p:spTree>
     <p:extLst>
       <p:ext uri="{BB962C8B-B14F-4D97-AF65-F5344CB8AC3E}">
-        <p14:creationId xmlns:p14="http://schemas.microsoft.com/office/powerpoint/2010/main" val="314390400"/>
+        <p14:creationId xmlns:p14="http://schemas.microsoft.com/office/powerpoint/2010/main" val="588329694"/>
       </p:ext>
     </p:extLst>
   </p:cSld>
@@ -13843,20 +15462,20 @@
       </p:grpSpPr>
       <p:sp>
         <p:nvSpPr>
-          <p:cNvPr id="5" name="Rectangle 4"/>
+          <p:cNvPr id="4" name="Rounded Rectangle 3"/>
           <p:cNvSpPr/>
           <p:nvPr/>
         </p:nvSpPr>
         <p:spPr>
           <a:xfrm>
-            <a:off x="396248" y="1771411"/>
-            <a:ext cx="2325189" cy="1541417"/>
-          </a:xfrm>
-          <a:prstGeom prst="rect">
+            <a:off x="3445029" y="239210"/>
+            <a:ext cx="2569028" cy="1898468"/>
+          </a:xfrm>
+          <a:prstGeom prst="roundRect">
             <a:avLst/>
           </a:prstGeom>
           <a:solidFill>
-            <a:srgbClr val="7030A0"/>
+            <a:schemeClr val="accent4"/>
           </a:solidFill>
         </p:spPr>
         <p:style>
@@ -13886,10 +15505,14 @@
           <a:p>
             <a:pPr algn="ctr"/>
             <a:r>
-              <a:rPr lang="en-US" sz="1801" dirty="0" smtClean="0"/>
-              <a:t>PDS Patient Demographics Process Specification</a:t>
-            </a:r>
-            <a:endParaRPr lang="en-US" sz="1801" dirty="0"/>
+              <a:rPr lang="en-US" sz="2200" b="1" dirty="0" smtClean="0"/>
+              <a:t>OHDSI ETL-</a:t>
+            </a:r>
+            <a:r>
+              <a:rPr lang="en-US" sz="2200" b="1" dirty="0" err="1" smtClean="0"/>
+              <a:t>Synthea</a:t>
+            </a:r>
+            <a:endParaRPr lang="en-US" sz="2200" b="1" dirty="0"/>
           </a:p>
         </p:txBody>
       </p:sp>
@@ -13901,14 +15524,14 @@
         </p:nvSpPr>
         <p:spPr>
           <a:xfrm>
-            <a:off x="396247" y="3408623"/>
-            <a:ext cx="2325189" cy="1541417"/>
+            <a:off x="3560416" y="2778160"/>
+            <a:ext cx="2595775" cy="1789337"/>
           </a:xfrm>
           <a:prstGeom prst="rect">
             <a:avLst/>
           </a:prstGeom>
           <a:solidFill>
-            <a:srgbClr val="7030A0"/>
+            <a:schemeClr val="accent2"/>
           </a:solidFill>
         </p:spPr>
         <p:style>
@@ -13936,31 +15559,98 @@
           </a:bodyPr>
           <a:lstStyle/>
           <a:p>
-            <a:pPr algn="ctr"/>
-            <a:r>
-              <a:rPr lang="en-US" sz="1801" dirty="0" smtClean="0"/>
-              <a:t>PDS Diagnoses Process Specification</a:t>
-            </a:r>
-            <a:endParaRPr lang="en-US" sz="1801" dirty="0"/>
-          </a:p>
-        </p:txBody>
-      </p:sp>
-      <p:sp>
-        <p:nvSpPr>
-          <p:cNvPr id="7" name="Rectangle 6"/>
+            <a:r>
+              <a:rPr lang="en-US" sz="2200" b="1" dirty="0" smtClean="0"/>
+              <a:t>PostgreSQL (OMOP schema)</a:t>
+            </a:r>
+            <a:endParaRPr lang="en-US" sz="2200" b="1" dirty="0"/>
+          </a:p>
+        </p:txBody>
+      </p:sp>
+      <p:cxnSp>
+        <p:nvCxnSpPr>
+          <p:cNvPr id="7" name="Straight Arrow Connector 6"/>
+          <p:cNvCxnSpPr>
+            <a:endCxn id="6" idx="0"/>
+          </p:cNvCxnSpPr>
+          <p:nvPr/>
+        </p:nvCxnSpPr>
+        <p:spPr>
+          <a:xfrm>
+            <a:off x="4858303" y="2137678"/>
+            <a:ext cx="1" cy="640482"/>
+          </a:xfrm>
+          <a:prstGeom prst="straightConnector1">
+            <a:avLst/>
+          </a:prstGeom>
+          <a:ln>
+            <a:tailEnd type="triangle"/>
+          </a:ln>
+        </p:spPr>
+        <p:style>
+          <a:lnRef idx="1">
+            <a:schemeClr val="accent1"/>
+          </a:lnRef>
+          <a:fillRef idx="0">
+            <a:schemeClr val="accent1"/>
+          </a:fillRef>
+          <a:effectRef idx="0">
+            <a:schemeClr val="accent1"/>
+          </a:effectRef>
+          <a:fontRef idx="minor">
+            <a:schemeClr val="tx1"/>
+          </a:fontRef>
+        </p:style>
+      </p:cxnSp>
+      <p:cxnSp>
+        <p:nvCxnSpPr>
+          <p:cNvPr id="8" name="Straight Arrow Connector 7"/>
+          <p:cNvCxnSpPr/>
+          <p:nvPr/>
+        </p:nvCxnSpPr>
+        <p:spPr>
+          <a:xfrm>
+            <a:off x="1522170" y="2085974"/>
+            <a:ext cx="1830" cy="695321"/>
+          </a:xfrm>
+          <a:prstGeom prst="straightConnector1">
+            <a:avLst/>
+          </a:prstGeom>
+          <a:ln>
+            <a:tailEnd type="triangle"/>
+          </a:ln>
+        </p:spPr>
+        <p:style>
+          <a:lnRef idx="1">
+            <a:schemeClr val="accent1"/>
+          </a:lnRef>
+          <a:fillRef idx="0">
+            <a:schemeClr val="accent1"/>
+          </a:fillRef>
+          <a:effectRef idx="0">
+            <a:schemeClr val="accent1"/>
+          </a:effectRef>
+          <a:fontRef idx="minor">
+            <a:schemeClr val="tx1"/>
+          </a:fontRef>
+        </p:style>
+      </p:cxnSp>
+      <p:sp>
+        <p:nvSpPr>
+          <p:cNvPr id="10" name="Rectangle 9"/>
           <p:cNvSpPr/>
           <p:nvPr/>
         </p:nvSpPr>
         <p:spPr>
           <a:xfrm>
-            <a:off x="396246" y="5045835"/>
-            <a:ext cx="2325189" cy="1541417"/>
+            <a:off x="9595457" y="2778160"/>
+            <a:ext cx="2447108" cy="1741444"/>
           </a:xfrm>
           <a:prstGeom prst="rect">
             <a:avLst/>
           </a:prstGeom>
           <a:solidFill>
-            <a:srgbClr val="7030A0"/>
+            <a:schemeClr val="accent6"/>
           </a:solidFill>
         </p:spPr>
         <p:style>
@@ -13988,31 +15678,88 @@
           </a:bodyPr>
           <a:lstStyle/>
           <a:p>
-            <a:pPr algn="ctr"/>
-            <a:r>
-              <a:rPr lang="en-US" sz="1801" dirty="0" smtClean="0"/>
-              <a:t>PDS Medications Specification</a:t>
-            </a:r>
-            <a:endParaRPr lang="en-US" sz="1801" dirty="0"/>
-          </a:p>
-        </p:txBody>
-      </p:sp>
-      <p:sp>
-        <p:nvSpPr>
-          <p:cNvPr id="8" name="Rectangle 7"/>
+            <a:r>
+              <a:rPr lang="en-US" sz="2200" b="1" dirty="0" smtClean="0"/>
+              <a:t>RDF </a:t>
+            </a:r>
+            <a:r>
+              <a:rPr lang="en-US" sz="2200" b="1" dirty="0" err="1" smtClean="0"/>
+              <a:t>Triplestore</a:t>
+            </a:r>
+            <a:r>
+              <a:rPr lang="en-US" sz="2200" b="1" dirty="0" smtClean="0"/>
+              <a:t> (</a:t>
+            </a:r>
+            <a:r>
+              <a:rPr lang="en-US" sz="2200" b="1" dirty="0" err="1" smtClean="0"/>
+              <a:t>Ontotext</a:t>
+            </a:r>
+            <a:endParaRPr lang="en-US" sz="2200" b="1" dirty="0" smtClean="0"/>
+          </a:p>
+          <a:p>
+            <a:r>
+              <a:rPr lang="en-US" sz="2200" b="1" dirty="0" err="1" smtClean="0"/>
+              <a:t>GraphDB</a:t>
+            </a:r>
+            <a:r>
+              <a:rPr lang="en-US" sz="2200" b="1" dirty="0" smtClean="0"/>
+              <a:t>)</a:t>
+            </a:r>
+            <a:endParaRPr lang="en-US" sz="2200" b="1" dirty="0"/>
+          </a:p>
+        </p:txBody>
+      </p:sp>
+      <p:cxnSp>
+        <p:nvCxnSpPr>
+          <p:cNvPr id="13" name="Straight Arrow Connector 12"/>
+          <p:cNvCxnSpPr>
+            <a:stCxn id="23" idx="3"/>
+          </p:cNvCxnSpPr>
+          <p:nvPr/>
+        </p:nvCxnSpPr>
+        <p:spPr>
+          <a:xfrm>
+            <a:off x="8993944" y="1188444"/>
+            <a:ext cx="479593" cy="0"/>
+          </a:xfrm>
+          <a:prstGeom prst="straightConnector1">
+            <a:avLst/>
+          </a:prstGeom>
+          <a:ln>
+            <a:tailEnd type="triangle"/>
+          </a:ln>
+        </p:spPr>
+        <p:style>
+          <a:lnRef idx="1">
+            <a:schemeClr val="accent1"/>
+          </a:lnRef>
+          <a:fillRef idx="0">
+            <a:schemeClr val="accent1"/>
+          </a:fillRef>
+          <a:effectRef idx="0">
+            <a:schemeClr val="accent1"/>
+          </a:effectRef>
+          <a:fontRef idx="minor">
+            <a:schemeClr val="tx1"/>
+          </a:fontRef>
+        </p:style>
+      </p:cxnSp>
+      <p:sp>
+        <p:nvSpPr>
+          <p:cNvPr id="34" name="Rectangle 33"/>
           <p:cNvSpPr/>
           <p:nvPr/>
         </p:nvSpPr>
         <p:spPr>
           <a:xfrm>
-            <a:off x="2835677" y="1771411"/>
-            <a:ext cx="2325189" cy="1541417"/>
+            <a:off x="6659094" y="2796662"/>
+            <a:ext cx="2495627" cy="1752331"/>
           </a:xfrm>
           <a:prstGeom prst="rect">
             <a:avLst/>
           </a:prstGeom>
           <a:solidFill>
-            <a:srgbClr val="7030A0"/>
+            <a:srgbClr val="002060"/>
           </a:solidFill>
         </p:spPr>
         <p:style>
@@ -14040,31 +15787,34 @@
           </a:bodyPr>
           <a:lstStyle/>
           <a:p>
-            <a:pPr algn="ctr"/>
-            <a:r>
-              <a:rPr lang="en-US" sz="1801" dirty="0" smtClean="0"/>
-              <a:t>Regeneron Genomic Loss of Function Process Specification</a:t>
-            </a:r>
-            <a:endParaRPr lang="en-US" sz="1801" dirty="0"/>
-          </a:p>
-        </p:txBody>
-      </p:sp>
-      <p:sp>
-        <p:nvSpPr>
-          <p:cNvPr id="9" name="Rectangle 8"/>
+            <a:r>
+              <a:rPr lang="en-US" sz="2200" b="1" dirty="0" err="1" smtClean="0"/>
+              <a:t>Stardog</a:t>
+            </a:r>
+            <a:r>
+              <a:rPr lang="en-US" sz="2200" b="1" dirty="0" smtClean="0"/>
+              <a:t> Virtual Graph</a:t>
+            </a:r>
+            <a:endParaRPr lang="en-US" sz="2200" b="1" dirty="0"/>
+          </a:p>
+        </p:txBody>
+      </p:sp>
+      <p:sp>
+        <p:nvSpPr>
+          <p:cNvPr id="18" name="Rectangle 17"/>
           <p:cNvSpPr/>
           <p:nvPr/>
         </p:nvSpPr>
         <p:spPr>
           <a:xfrm>
-            <a:off x="2835677" y="3408623"/>
-            <a:ext cx="2325189" cy="1541417"/>
+            <a:off x="306938" y="2790819"/>
+            <a:ext cx="2683900" cy="1789335"/>
           </a:xfrm>
           <a:prstGeom prst="rect">
             <a:avLst/>
           </a:prstGeom>
           <a:solidFill>
-            <a:srgbClr val="7030A0"/>
+            <a:schemeClr val="accent2"/>
           </a:solidFill>
         </p:spPr>
         <p:style>
@@ -14092,31 +15842,73 @@
           </a:bodyPr>
           <a:lstStyle/>
           <a:p>
-            <a:pPr algn="ctr"/>
-            <a:r>
-              <a:rPr lang="en-US" sz="1801" dirty="0" smtClean="0"/>
-              <a:t>Patient To Healthcare Encounter Linking</a:t>
-            </a:r>
-            <a:endParaRPr lang="en-US" sz="1801" dirty="0"/>
-          </a:p>
-        </p:txBody>
-      </p:sp>
-      <p:sp>
-        <p:nvSpPr>
-          <p:cNvPr id="10" name="Rectangle 9"/>
+            <a:r>
+              <a:rPr lang="en-US" sz="2200" b="1" dirty="0" smtClean="0"/>
+              <a:t>PostgreSQL (</a:t>
+            </a:r>
+            <a:r>
+              <a:rPr lang="en-US" sz="2200" b="1" dirty="0" err="1" smtClean="0"/>
+              <a:t>Synthea</a:t>
+            </a:r>
+            <a:r>
+              <a:rPr lang="en-US" sz="2200" b="1" dirty="0" smtClean="0"/>
+              <a:t> schema)</a:t>
+            </a:r>
+            <a:endParaRPr lang="en-US" sz="2200" b="1" dirty="0"/>
+          </a:p>
+        </p:txBody>
+      </p:sp>
+      <p:cxnSp>
+        <p:nvCxnSpPr>
+          <p:cNvPr id="19" name="Straight Arrow Connector 18"/>
+          <p:cNvCxnSpPr/>
+          <p:nvPr/>
+        </p:nvCxnSpPr>
+        <p:spPr>
+          <a:xfrm flipV="1">
+            <a:off x="2990772" y="3828228"/>
+            <a:ext cx="569644" cy="8013"/>
+          </a:xfrm>
+          <a:prstGeom prst="straightConnector1">
+            <a:avLst/>
+          </a:prstGeom>
+          <a:ln>
+            <a:tailEnd type="triangle"/>
+          </a:ln>
+        </p:spPr>
+        <p:style>
+          <a:lnRef idx="1">
+            <a:schemeClr val="accent1"/>
+          </a:lnRef>
+          <a:fillRef idx="0">
+            <a:schemeClr val="accent1"/>
+          </a:fillRef>
+          <a:effectRef idx="0">
+            <a:schemeClr val="accent1"/>
+          </a:effectRef>
+          <a:fontRef idx="minor">
+            <a:schemeClr val="tx1"/>
+          </a:fontRef>
+        </p:style>
+      </p:cxnSp>
+      <p:sp>
+        <p:nvSpPr>
+          <p:cNvPr id="23" name="Rounded Rectangle 22"/>
           <p:cNvSpPr/>
           <p:nvPr/>
         </p:nvSpPr>
         <p:spPr>
           <a:xfrm>
-            <a:off x="2835677" y="5045835"/>
-            <a:ext cx="2325189" cy="1541417"/>
-          </a:xfrm>
-          <a:prstGeom prst="rect">
+            <a:off x="6424916" y="239210"/>
+            <a:ext cx="2569028" cy="1898468"/>
+          </a:xfrm>
+          <a:prstGeom prst="roundRect">
             <a:avLst/>
           </a:prstGeom>
           <a:solidFill>
-            <a:srgbClr val="7030A0"/>
+            <a:schemeClr val="accent4">
+              <a:lumMod val="75000"/>
+            </a:schemeClr>
           </a:solidFill>
         </p:spPr>
         <p:style>
@@ -14146,131 +15938,30 @@
           <a:p>
             <a:pPr algn="ctr"/>
             <a:r>
-              <a:rPr lang="en-US" sz="1801" dirty="0" smtClean="0"/>
-              <a:t>Patient To Biobank Encounter Linking</a:t>
-            </a:r>
-            <a:endParaRPr lang="en-US" sz="1801" dirty="0"/>
-          </a:p>
-        </p:txBody>
-      </p:sp>
-      <p:sp>
-        <p:nvSpPr>
-          <p:cNvPr id="11" name="Rectangle 10"/>
+              <a:rPr lang="en-US" sz="2200" b="1" dirty="0" smtClean="0"/>
+              <a:t>Semantic Engine Language</a:t>
+            </a:r>
+            <a:endParaRPr lang="en-US" sz="2200" b="1" dirty="0"/>
+          </a:p>
+        </p:txBody>
+      </p:sp>
+      <p:sp>
+        <p:nvSpPr>
+          <p:cNvPr id="24" name="Rounded Rectangle 23"/>
           <p:cNvSpPr/>
           <p:nvPr/>
         </p:nvSpPr>
         <p:spPr>
           <a:xfrm>
-            <a:off x="121920" y="1001486"/>
-            <a:ext cx="5259977" cy="5738948"/>
-          </a:xfrm>
-          <a:prstGeom prst="rect">
-            <a:avLst/>
-          </a:prstGeom>
-          <a:noFill/>
-        </p:spPr>
-        <p:style>
-          <a:lnRef idx="2">
-            <a:schemeClr val="accent1">
-              <a:shade val="50000"/>
-            </a:schemeClr>
-          </a:lnRef>
-          <a:fillRef idx="1">
-            <a:schemeClr val="accent1"/>
-          </a:fillRef>
-          <a:effectRef idx="0">
-            <a:schemeClr val="accent1"/>
-          </a:effectRef>
-          <a:fontRef idx="minor">
-            <a:schemeClr val="lt1"/>
-          </a:fontRef>
-        </p:style>
-        <p:txBody>
-          <a:bodyPr rtlCol="0" anchor="ctr"/>
-          <a:lstStyle/>
-          <a:p>
-            <a:pPr algn="ctr"/>
-            <a:endParaRPr lang="en-US"/>
-          </a:p>
-        </p:txBody>
-      </p:sp>
-      <p:sp>
-        <p:nvSpPr>
-          <p:cNvPr id="12" name="TextBox 11"/>
-          <p:cNvSpPr txBox="1"/>
-          <p:nvPr/>
-        </p:nvSpPr>
-        <p:spPr>
-          <a:xfrm>
-            <a:off x="553197" y="1240971"/>
-            <a:ext cx="4397422" cy="369332"/>
-          </a:xfrm>
-          <a:prstGeom prst="rect">
-            <a:avLst/>
-          </a:prstGeom>
-          <a:noFill/>
-        </p:spPr>
-        <p:txBody>
-          <a:bodyPr wrap="none" rtlCol="0">
-            <a:spAutoFit/>
-          </a:bodyPr>
-          <a:lstStyle/>
-          <a:p>
-            <a:r>
-              <a:rPr lang="en-US" b="1" dirty="0" smtClean="0"/>
-              <a:t>PDS/Carnival Transformation Instruction Set</a:t>
-            </a:r>
-            <a:endParaRPr lang="en-US" b="1" dirty="0"/>
-          </a:p>
-        </p:txBody>
-      </p:sp>
-      <p:cxnSp>
-        <p:nvCxnSpPr>
-          <p:cNvPr id="20" name="Straight Arrow Connector 19"/>
-          <p:cNvCxnSpPr/>
-          <p:nvPr/>
-        </p:nvCxnSpPr>
-        <p:spPr>
-          <a:xfrm>
-            <a:off x="5381896" y="1950720"/>
-            <a:ext cx="720463" cy="1"/>
-          </a:xfrm>
-          <a:prstGeom prst="straightConnector1">
-            <a:avLst/>
-          </a:prstGeom>
-          <a:ln>
-            <a:tailEnd type="triangle"/>
-          </a:ln>
-        </p:spPr>
-        <p:style>
-          <a:lnRef idx="1">
-            <a:schemeClr val="accent1"/>
-          </a:lnRef>
-          <a:fillRef idx="0">
-            <a:schemeClr val="accent1"/>
-          </a:fillRef>
-          <a:effectRef idx="0">
-            <a:schemeClr val="accent1"/>
-          </a:effectRef>
-          <a:fontRef idx="minor">
-            <a:schemeClr val="tx1"/>
-          </a:fontRef>
-        </p:style>
-      </p:cxnSp>
-      <p:sp>
-        <p:nvSpPr>
-          <p:cNvPr id="21" name="Rounded Rectangle 20"/>
-          <p:cNvSpPr/>
-          <p:nvPr/>
-        </p:nvSpPr>
-        <p:spPr>
-          <a:xfrm>
-            <a:off x="9313820" y="1001486"/>
+            <a:off x="9473537" y="187506"/>
             <a:ext cx="2569028" cy="1898468"/>
           </a:xfrm>
           <a:prstGeom prst="roundRect">
             <a:avLst/>
           </a:prstGeom>
+          <a:solidFill>
+            <a:srgbClr val="7030A0"/>
+          </a:solidFill>
         </p:spPr>
         <p:style>
           <a:lnRef idx="2">
@@ -14299,87 +15990,13 @@
           <a:p>
             <a:pPr algn="ctr"/>
             <a:r>
-              <a:rPr lang="en-US" sz="1801" dirty="0"/>
-              <a:t>Graph Specification</a:t>
-            </a:r>
-          </a:p>
-          <a:p>
-            <a:pPr algn="ctr"/>
-            <a:r>
-              <a:rPr lang="en-US" sz="1801" dirty="0"/>
-              <a:t>(data source independent)</a:t>
-            </a:r>
-          </a:p>
-        </p:txBody>
-      </p:sp>
-      <p:cxnSp>
-        <p:nvCxnSpPr>
-          <p:cNvPr id="22" name="Straight Arrow Connector 21"/>
-          <p:cNvCxnSpPr>
-            <a:stCxn id="21" idx="1"/>
-          </p:cNvCxnSpPr>
-          <p:nvPr/>
-        </p:nvCxnSpPr>
-        <p:spPr>
-          <a:xfrm flipH="1">
-            <a:off x="8427548" y="1950720"/>
-            <a:ext cx="886272" cy="1"/>
-          </a:xfrm>
-          <a:prstGeom prst="straightConnector1">
-            <a:avLst/>
-          </a:prstGeom>
-          <a:ln>
-            <a:tailEnd type="triangle"/>
-          </a:ln>
-        </p:spPr>
-        <p:style>
-          <a:lnRef idx="1">
-            <a:schemeClr val="accent1"/>
-          </a:lnRef>
-          <a:fillRef idx="0">
-            <a:schemeClr val="accent1"/>
-          </a:fillRef>
-          <a:effectRef idx="0">
-            <a:schemeClr val="accent1"/>
-          </a:effectRef>
-          <a:fontRef idx="minor">
-            <a:schemeClr val="tx1"/>
-          </a:fontRef>
-        </p:style>
-      </p:cxnSp>
-      <p:cxnSp>
-        <p:nvCxnSpPr>
-          <p:cNvPr id="24" name="Straight Arrow Connector 23"/>
-          <p:cNvCxnSpPr/>
-          <p:nvPr/>
-        </p:nvCxnSpPr>
-        <p:spPr>
-          <a:xfrm flipV="1">
-            <a:off x="8423196" y="3907115"/>
-            <a:ext cx="1134463" cy="8709"/>
-          </a:xfrm>
-          <a:prstGeom prst="straightConnector1">
-            <a:avLst/>
-          </a:prstGeom>
-          <a:ln>
-            <a:tailEnd type="triangle"/>
-          </a:ln>
-        </p:spPr>
-        <p:style>
-          <a:lnRef idx="1">
-            <a:schemeClr val="accent1"/>
-          </a:lnRef>
-          <a:fillRef idx="0">
-            <a:schemeClr val="accent1"/>
-          </a:fillRef>
-          <a:effectRef idx="0">
-            <a:schemeClr val="accent1"/>
-          </a:effectRef>
-          <a:fontRef idx="minor">
-            <a:schemeClr val="tx1"/>
-          </a:fontRef>
-        </p:style>
-      </p:cxnSp>
+              <a:rPr lang="en-US" sz="2200" b="1" dirty="0" smtClean="0"/>
+              <a:t>Semantic Engine</a:t>
+            </a:r>
+            <a:endParaRPr lang="en-US" sz="2200" b="1" dirty="0"/>
+          </a:p>
+        </p:txBody>
+      </p:sp>
       <p:sp>
         <p:nvSpPr>
           <p:cNvPr id="25" name="Rectangle 24"/>
@@ -14388,14 +16005,16 @@
         </p:nvSpPr>
         <p:spPr>
           <a:xfrm>
-            <a:off x="9557659" y="3145116"/>
-            <a:ext cx="2325189" cy="1541417"/>
+            <a:off x="306938" y="300439"/>
+            <a:ext cx="2683900" cy="1776011"/>
           </a:xfrm>
           <a:prstGeom prst="rect">
             <a:avLst/>
           </a:prstGeom>
           <a:solidFill>
-            <a:schemeClr val="accent6"/>
+            <a:schemeClr val="accent1">
+              <a:lumMod val="75000"/>
+            </a:schemeClr>
           </a:solidFill>
         </p:spPr>
         <p:style>
@@ -14423,88 +16042,37 @@
           </a:bodyPr>
           <a:lstStyle/>
           <a:p>
-            <a:pPr algn="ctr"/>
-            <a:r>
-              <a:rPr lang="en-US" sz="1801" dirty="0" smtClean="0"/>
-              <a:t>RDF </a:t>
-            </a:r>
-            <a:r>
-              <a:rPr lang="en-US" sz="1801" dirty="0" err="1" smtClean="0"/>
-              <a:t>Triplestore</a:t>
-            </a:r>
-            <a:r>
-              <a:rPr lang="en-US" sz="1801" dirty="0" smtClean="0"/>
-              <a:t> (</a:t>
-            </a:r>
-            <a:r>
-              <a:rPr lang="en-US" sz="1801" dirty="0" err="1" smtClean="0"/>
-              <a:t>Ontotext</a:t>
-            </a:r>
-            <a:r>
-              <a:rPr lang="en-US" sz="1801" dirty="0" smtClean="0"/>
-              <a:t> </a:t>
-            </a:r>
-            <a:r>
-              <a:rPr lang="en-US" sz="1801" dirty="0" err="1" smtClean="0"/>
-              <a:t>GraphDB</a:t>
-            </a:r>
-            <a:r>
-              <a:rPr lang="en-US" sz="1801" dirty="0" smtClean="0"/>
-              <a:t>)</a:t>
-            </a:r>
-            <a:endParaRPr lang="en-US" sz="1801" dirty="0"/>
-          </a:p>
-        </p:txBody>
-      </p:sp>
-      <p:cxnSp>
-        <p:nvCxnSpPr>
-          <p:cNvPr id="29" name="Straight Arrow Connector 28"/>
-          <p:cNvCxnSpPr/>
-          <p:nvPr/>
-        </p:nvCxnSpPr>
-        <p:spPr>
-          <a:xfrm>
-            <a:off x="8303453" y="2578825"/>
-            <a:ext cx="1254206" cy="571725"/>
-          </a:xfrm>
-          <a:prstGeom prst="straightConnector1">
-            <a:avLst/>
-          </a:prstGeom>
-          <a:ln>
-            <a:tailEnd type="triangle"/>
-          </a:ln>
-        </p:spPr>
-        <p:style>
-          <a:lnRef idx="1">
-            <a:schemeClr val="accent1"/>
-          </a:lnRef>
-          <a:fillRef idx="0">
-            <a:schemeClr val="accent1"/>
-          </a:fillRef>
-          <a:effectRef idx="0">
-            <a:schemeClr val="accent1"/>
-          </a:effectRef>
-          <a:fontRef idx="minor">
-            <a:schemeClr val="tx1"/>
-          </a:fontRef>
-        </p:style>
-      </p:cxnSp>
-      <p:sp>
-        <p:nvSpPr>
-          <p:cNvPr id="27" name="Rectangle 26"/>
+            <a:r>
+              <a:rPr lang="en-US" sz="2000" b="1" dirty="0" err="1" smtClean="0"/>
+              <a:t>Synthea</a:t>
+            </a:r>
+            <a:r>
+              <a:rPr lang="en-US" sz="2000" b="1" dirty="0" smtClean="0"/>
+              <a:t> Dataset (CSV file)</a:t>
+            </a:r>
+            <a:endParaRPr lang="en-US" sz="2000" b="1" dirty="0"/>
+          </a:p>
+        </p:txBody>
+      </p:sp>
+      <p:sp>
+        <p:nvSpPr>
+          <p:cNvPr id="28" name="Oval 27"/>
           <p:cNvSpPr/>
           <p:nvPr/>
         </p:nvSpPr>
         <p:spPr>
           <a:xfrm>
-            <a:off x="6176985" y="3145116"/>
-            <a:ext cx="2325189" cy="1541417"/>
-          </a:xfrm>
-          <a:prstGeom prst="rect">
+            <a:off x="2240694" y="1343026"/>
+            <a:ext cx="753317" cy="733424"/>
+          </a:xfrm>
+          <a:prstGeom prst="ellipse">
             <a:avLst/>
           </a:prstGeom>
           <a:solidFill>
-            <a:srgbClr val="FFFF00"/>
+            <a:schemeClr val="accent4">
+              <a:lumMod val="60000"/>
+              <a:lumOff val="40000"/>
+            </a:schemeClr>
           </a:solidFill>
         </p:spPr>
         <p:style>
@@ -14524,24 +16092,19 @@
           </a:fontRef>
         </p:style>
         <p:txBody>
-          <a:bodyPr rot="0" spcFirstLastPara="0" vertOverflow="overflow" horzOverflow="overflow" vert="horz" wrap="square" lIns="91440" tIns="45721" rIns="91440" bIns="45721" numCol="1" spcCol="0" rtlCol="0" fromWordArt="0" anchor="ctr" anchorCtr="0" forceAA="0" compatLnSpc="1">
-            <a:prstTxWarp prst="textNoShape">
-              <a:avLst/>
-            </a:prstTxWarp>
-            <a:noAutofit/>
-          </a:bodyPr>
+          <a:bodyPr rtlCol="0" anchor="ctr"/>
           <a:lstStyle/>
           <a:p>
             <a:pPr algn="ctr"/>
             <a:r>
-              <a:rPr lang="en-US" sz="1801" dirty="0" smtClean="0">
+              <a:rPr lang="en-US" dirty="0" smtClean="0">
                 <a:solidFill>
                   <a:schemeClr val="tx1"/>
                 </a:solidFill>
               </a:rPr>
-              <a:t>Carnival (data aggregator)</a:t>
-            </a:r>
-            <a:endParaRPr lang="en-US" sz="1801" dirty="0">
+              <a:t>1</a:t>
+            </a:r>
+            <a:endParaRPr lang="en-US" dirty="0">
               <a:solidFill>
                 <a:schemeClr val="tx1"/>
               </a:solidFill>
@@ -14551,20 +16114,23 @@
       </p:sp>
       <p:sp>
         <p:nvSpPr>
-          <p:cNvPr id="28" name="Rounded Rectangle 27"/>
+          <p:cNvPr id="37" name="Oval 36"/>
           <p:cNvSpPr/>
           <p:nvPr/>
         </p:nvSpPr>
         <p:spPr>
           <a:xfrm>
-            <a:off x="6111668" y="1001486"/>
-            <a:ext cx="2325189" cy="1647718"/>
-          </a:xfrm>
-          <a:prstGeom prst="roundRect">
+            <a:off x="2237455" y="3834073"/>
+            <a:ext cx="753317" cy="733424"/>
+          </a:xfrm>
+          <a:prstGeom prst="ellipse">
             <a:avLst/>
           </a:prstGeom>
           <a:solidFill>
-            <a:srgbClr val="7030A0"/>
+            <a:schemeClr val="accent4">
+              <a:lumMod val="60000"/>
+              <a:lumOff val="40000"/>
+            </a:schemeClr>
           </a:solidFill>
         </p:spPr>
         <p:style>
@@ -14584,39 +16150,40 @@
           </a:fontRef>
         </p:style>
         <p:txBody>
-          <a:bodyPr rot="0" spcFirstLastPara="0" vertOverflow="overflow" horzOverflow="overflow" vert="horz" wrap="square" lIns="91440" tIns="45721" rIns="91440" bIns="45721" numCol="1" spcCol="0" rtlCol="0" fromWordArt="0" anchor="ctr" anchorCtr="0" forceAA="0" compatLnSpc="1">
-            <a:prstTxWarp prst="textNoShape">
-              <a:avLst/>
-            </a:prstTxWarp>
-            <a:noAutofit/>
-          </a:bodyPr>
+          <a:bodyPr rtlCol="0" anchor="ctr"/>
           <a:lstStyle/>
           <a:p>
             <a:pPr algn="ctr"/>
             <a:r>
-              <a:rPr lang="en-US" sz="1801" dirty="0" smtClean="0"/>
-              <a:t>Transformation Interpreter</a:t>
-            </a:r>
-            <a:endParaRPr lang="en-US" sz="1801" dirty="0"/>
-          </a:p>
-        </p:txBody>
-      </p:sp>
-      <p:sp>
-        <p:nvSpPr>
-          <p:cNvPr id="23" name="Rectangle 22"/>
+              <a:rPr lang="en-US" dirty="0">
+                <a:solidFill>
+                  <a:schemeClr val="tx1"/>
+                </a:solidFill>
+              </a:rPr>
+              <a:t>2</a:t>
+            </a:r>
+          </a:p>
+        </p:txBody>
+      </p:sp>
+      <p:sp>
+        <p:nvSpPr>
+          <p:cNvPr id="41" name="Oval 40"/>
           <p:cNvSpPr/>
           <p:nvPr/>
         </p:nvSpPr>
         <p:spPr>
           <a:xfrm>
-            <a:off x="6176985" y="5182446"/>
-            <a:ext cx="2325189" cy="1541417"/>
-          </a:xfrm>
-          <a:prstGeom prst="rect">
+            <a:off x="5402874" y="3813652"/>
+            <a:ext cx="753317" cy="733424"/>
+          </a:xfrm>
+          <a:prstGeom prst="ellipse">
             <a:avLst/>
           </a:prstGeom>
           <a:solidFill>
-            <a:srgbClr val="FF0000"/>
+            <a:schemeClr val="accent4">
+              <a:lumMod val="60000"/>
+              <a:lumOff val="40000"/>
+            </a:schemeClr>
           </a:solidFill>
         </p:spPr>
         <p:style>
@@ -14636,24 +16203,19 @@
           </a:fontRef>
         </p:style>
         <p:txBody>
-          <a:bodyPr rot="0" spcFirstLastPara="0" vertOverflow="overflow" horzOverflow="overflow" vert="horz" wrap="square" lIns="91440" tIns="45721" rIns="91440" bIns="45721" numCol="1" spcCol="0" rtlCol="0" fromWordArt="0" anchor="ctr" anchorCtr="0" forceAA="0" compatLnSpc="1">
-            <a:prstTxWarp prst="textNoShape">
-              <a:avLst/>
-            </a:prstTxWarp>
-            <a:noAutofit/>
-          </a:bodyPr>
+          <a:bodyPr rtlCol="0" anchor="ctr"/>
           <a:lstStyle/>
           <a:p>
             <a:pPr algn="ctr"/>
             <a:r>
-              <a:rPr lang="en-US" sz="1801" dirty="0" smtClean="0">
+              <a:rPr lang="en-US" dirty="0" smtClean="0">
                 <a:solidFill>
                   <a:schemeClr val="tx1"/>
                 </a:solidFill>
               </a:rPr>
-              <a:t>Input data from multiple sources</a:t>
-            </a:r>
-            <a:endParaRPr lang="en-US" sz="1801" dirty="0">
+              <a:t>3</a:t>
+            </a:r>
+            <a:endParaRPr lang="en-US" dirty="0">
               <a:solidFill>
                 <a:schemeClr val="tx1"/>
               </a:solidFill>
@@ -14661,18 +16223,195 @@
           </a:p>
         </p:txBody>
       </p:sp>
+      <p:sp>
+        <p:nvSpPr>
+          <p:cNvPr id="42" name="Oval 41"/>
+          <p:cNvSpPr/>
+          <p:nvPr/>
+        </p:nvSpPr>
+        <p:spPr>
+          <a:xfrm>
+            <a:off x="8401404" y="3813652"/>
+            <a:ext cx="753317" cy="733424"/>
+          </a:xfrm>
+          <a:prstGeom prst="ellipse">
+            <a:avLst/>
+          </a:prstGeom>
+          <a:solidFill>
+            <a:schemeClr val="accent4">
+              <a:lumMod val="60000"/>
+              <a:lumOff val="40000"/>
+            </a:schemeClr>
+          </a:solidFill>
+        </p:spPr>
+        <p:style>
+          <a:lnRef idx="2">
+            <a:schemeClr val="accent1">
+              <a:shade val="50000"/>
+            </a:schemeClr>
+          </a:lnRef>
+          <a:fillRef idx="1">
+            <a:schemeClr val="accent1"/>
+          </a:fillRef>
+          <a:effectRef idx="0">
+            <a:schemeClr val="accent1"/>
+          </a:effectRef>
+          <a:fontRef idx="minor">
+            <a:schemeClr val="lt1"/>
+          </a:fontRef>
+        </p:style>
+        <p:txBody>
+          <a:bodyPr rtlCol="0" anchor="ctr"/>
+          <a:lstStyle/>
+          <a:p>
+            <a:pPr algn="ctr"/>
+            <a:r>
+              <a:rPr lang="en-US" dirty="0">
+                <a:solidFill>
+                  <a:schemeClr val="tx1"/>
+                </a:solidFill>
+              </a:rPr>
+              <a:t>4</a:t>
+            </a:r>
+          </a:p>
+        </p:txBody>
+      </p:sp>
+      <p:sp>
+        <p:nvSpPr>
+          <p:cNvPr id="43" name="Oval 42"/>
+          <p:cNvSpPr/>
+          <p:nvPr/>
+        </p:nvSpPr>
+        <p:spPr>
+          <a:xfrm>
+            <a:off x="11289248" y="3786180"/>
+            <a:ext cx="753317" cy="733424"/>
+          </a:xfrm>
+          <a:prstGeom prst="ellipse">
+            <a:avLst/>
+          </a:prstGeom>
+          <a:solidFill>
+            <a:schemeClr val="accent4">
+              <a:lumMod val="60000"/>
+              <a:lumOff val="40000"/>
+            </a:schemeClr>
+          </a:solidFill>
+        </p:spPr>
+        <p:style>
+          <a:lnRef idx="2">
+            <a:schemeClr val="accent1">
+              <a:shade val="50000"/>
+            </a:schemeClr>
+          </a:lnRef>
+          <a:fillRef idx="1">
+            <a:schemeClr val="accent1"/>
+          </a:fillRef>
+          <a:effectRef idx="0">
+            <a:schemeClr val="accent1"/>
+          </a:effectRef>
+          <a:fontRef idx="minor">
+            <a:schemeClr val="lt1"/>
+          </a:fontRef>
+        </p:style>
+        <p:txBody>
+          <a:bodyPr rtlCol="0" anchor="ctr"/>
+          <a:lstStyle/>
+          <a:p>
+            <a:pPr algn="ctr"/>
+            <a:r>
+              <a:rPr lang="en-US" dirty="0" smtClean="0">
+                <a:solidFill>
+                  <a:schemeClr val="tx1"/>
+                </a:solidFill>
+              </a:rPr>
+              <a:t>5</a:t>
+            </a:r>
+            <a:endParaRPr lang="en-US" dirty="0">
+              <a:solidFill>
+                <a:schemeClr val="tx1"/>
+              </a:solidFill>
+            </a:endParaRPr>
+          </a:p>
+        </p:txBody>
+      </p:sp>
       <p:cxnSp>
         <p:nvCxnSpPr>
-          <p:cNvPr id="26" name="Straight Arrow Connector 25"/>
+          <p:cNvPr id="49" name="Straight Arrow Connector 48"/>
+          <p:cNvCxnSpPr/>
+          <p:nvPr/>
+        </p:nvCxnSpPr>
+        <p:spPr>
+          <a:xfrm>
+            <a:off x="6156191" y="3732426"/>
+            <a:ext cx="502903" cy="7077"/>
+          </a:xfrm>
+          <a:prstGeom prst="straightConnector1">
+            <a:avLst/>
+          </a:prstGeom>
+          <a:ln>
+            <a:tailEnd type="triangle"/>
+          </a:ln>
+        </p:spPr>
+        <p:style>
+          <a:lnRef idx="1">
+            <a:schemeClr val="accent1"/>
+          </a:lnRef>
+          <a:fillRef idx="0">
+            <a:schemeClr val="accent1"/>
+          </a:fillRef>
+          <a:effectRef idx="0">
+            <a:schemeClr val="accent1"/>
+          </a:effectRef>
+          <a:fontRef idx="minor">
+            <a:schemeClr val="tx1"/>
+          </a:fontRef>
+        </p:style>
+      </p:cxnSp>
+      <p:cxnSp>
+        <p:nvCxnSpPr>
+          <p:cNvPr id="59" name="Straight Arrow Connector 58"/>
+          <p:cNvCxnSpPr/>
+          <p:nvPr/>
+        </p:nvCxnSpPr>
+        <p:spPr>
+          <a:xfrm>
+            <a:off x="9114981" y="3685486"/>
+            <a:ext cx="502903" cy="7077"/>
+          </a:xfrm>
+          <a:prstGeom prst="straightConnector1">
+            <a:avLst/>
+          </a:prstGeom>
+          <a:ln>
+            <a:tailEnd type="triangle"/>
+          </a:ln>
+        </p:spPr>
+        <p:style>
+          <a:lnRef idx="1">
+            <a:schemeClr val="accent1"/>
+          </a:lnRef>
+          <a:fillRef idx="0">
+            <a:schemeClr val="accent1"/>
+          </a:fillRef>
+          <a:effectRef idx="0">
+            <a:schemeClr val="accent1"/>
+          </a:effectRef>
+          <a:fontRef idx="minor">
+            <a:schemeClr val="tx1"/>
+          </a:fontRef>
+        </p:style>
+      </p:cxnSp>
+      <p:cxnSp>
+        <p:nvCxnSpPr>
+          <p:cNvPr id="64" name="Straight Arrow Connector 63"/>
           <p:cNvCxnSpPr>
-            <a:stCxn id="23" idx="0"/>
+            <a:stCxn id="24" idx="2"/>
           </p:cNvCxnSpPr>
           <p:nvPr/>
         </p:nvCxnSpPr>
         <p:spPr>
-          <a:xfrm flipV="1">
-            <a:off x="7339580" y="4686534"/>
-            <a:ext cx="0" cy="495912"/>
+          <a:xfrm>
+            <a:off x="10758051" y="2085974"/>
+            <a:ext cx="0" cy="728654"/>
           </a:xfrm>
           <a:prstGeom prst="straightConnector1">
             <a:avLst/>
@@ -14699,7 +16438,7 @@
     </p:spTree>
     <p:extLst>
       <p:ext uri="{BB962C8B-B14F-4D97-AF65-F5344CB8AC3E}">
-        <p14:creationId xmlns:p14="http://schemas.microsoft.com/office/powerpoint/2010/main" val="4090908282"/>
+        <p14:creationId xmlns:p14="http://schemas.microsoft.com/office/powerpoint/2010/main" val="1136126899"/>
       </p:ext>
     </p:extLst>
   </p:cSld>
